--- a/dsmcer_2023_update/Lecture_Notebooks/L4-6_visual_support.pptx
+++ b/dsmcer_2023_update/Lecture_Notebooks/L4-6_visual_support.pptx
@@ -15,14 +15,17 @@
     <p:sldId id="263" r:id="rId9"/>
     <p:sldId id="264" r:id="rId10"/>
     <p:sldId id="265" r:id="rId11"/>
-    <p:sldId id="267" r:id="rId12"/>
-    <p:sldId id="268" r:id="rId13"/>
-    <p:sldId id="269" r:id="rId14"/>
-    <p:sldId id="270" r:id="rId15"/>
-    <p:sldId id="271" r:id="rId16"/>
-    <p:sldId id="272" r:id="rId17"/>
-    <p:sldId id="273" r:id="rId18"/>
-    <p:sldId id="274" r:id="rId19"/>
+    <p:sldId id="275" r:id="rId12"/>
+    <p:sldId id="267" r:id="rId13"/>
+    <p:sldId id="268" r:id="rId14"/>
+    <p:sldId id="269" r:id="rId15"/>
+    <p:sldId id="270" r:id="rId16"/>
+    <p:sldId id="271" r:id="rId17"/>
+    <p:sldId id="272" r:id="rId18"/>
+    <p:sldId id="273" r:id="rId19"/>
+    <p:sldId id="274" r:id="rId20"/>
+    <p:sldId id="276" r:id="rId21"/>
+    <p:sldId id="277" r:id="rId22"/>
   </p:sldIdLst>
   <p:sldSz cx="12192000" cy="6858000"/>
   <p:notesSz cx="6858000" cy="9144000"/>
@@ -4259,84 +4262,658 @@
           <a:chExt cx="0" cy="0"/>
         </a:xfrm>
       </p:grpSpPr>
-      <p:pic>
-        <p:nvPicPr>
-          <p:cNvPr id="4" name="Picture 3">
-            <a:extLst>
-              <a:ext uri="{FF2B5EF4-FFF2-40B4-BE49-F238E27FC236}">
-                <a16:creationId xmlns:a16="http://schemas.microsoft.com/office/drawing/2014/main" id="{49C11C3B-7523-BA4F-97A3-750677216B42}"/>
-              </a:ext>
-            </a:extLst>
-          </p:cNvPr>
-          <p:cNvPicPr>
-            <a:picLocks noChangeAspect="1"/>
-          </p:cNvPicPr>
-          <p:nvPr/>
-        </p:nvPicPr>
-        <p:blipFill>
-          <a:blip r:embed="rId2"/>
-          <a:stretch>
-            <a:fillRect/>
-          </a:stretch>
-        </p:blipFill>
-        <p:spPr>
-          <a:xfrm>
-            <a:off x="-785812" y="2060870"/>
-            <a:ext cx="11536419" cy="2736257"/>
-          </a:xfrm>
-          <a:prstGeom prst="rect">
-            <a:avLst/>
-          </a:prstGeom>
-        </p:spPr>
-      </p:pic>
-      <p:cxnSp>
-        <p:nvCxnSpPr>
-          <p:cNvPr id="6" name="Straight Arrow Connector 5">
-            <a:extLst>
-              <a:ext uri="{FF2B5EF4-FFF2-40B4-BE49-F238E27FC236}">
-                <a16:creationId xmlns:a16="http://schemas.microsoft.com/office/drawing/2014/main" id="{4B355336-D1BC-81D2-8482-D97591D537AD}"/>
-              </a:ext>
-            </a:extLst>
-          </p:cNvPr>
-          <p:cNvCxnSpPr/>
-          <p:nvPr/>
-        </p:nvCxnSpPr>
-        <p:spPr>
-          <a:xfrm flipH="1">
-            <a:off x="5630989" y="2316479"/>
-            <a:ext cx="1389888" cy="243840"/>
-          </a:xfrm>
-          <a:prstGeom prst="straightConnector1">
-            <a:avLst/>
-          </a:prstGeom>
-          <a:ln w="31750">
-            <a:solidFill>
+      <p:grpSp>
+        <p:nvGrpSpPr>
+          <p:cNvPr id="8" name="Group 7">
+            <a:extLst>
+              <a:ext uri="{FF2B5EF4-FFF2-40B4-BE49-F238E27FC236}">
+                <a16:creationId xmlns:a16="http://schemas.microsoft.com/office/drawing/2014/main" id="{87C12AEC-32A9-1A9C-EC35-B63FB72BC60F}"/>
+              </a:ext>
+            </a:extLst>
+          </p:cNvPr>
+          <p:cNvGrpSpPr/>
+          <p:nvPr/>
+        </p:nvGrpSpPr>
+        <p:grpSpPr>
+          <a:xfrm>
+            <a:off x="4325961" y="1044109"/>
+            <a:ext cx="3540078" cy="2012646"/>
+            <a:chOff x="792886" y="1097893"/>
+            <a:chExt cx="3540078" cy="2012646"/>
+          </a:xfrm>
+        </p:grpSpPr>
+        <p:sp>
+          <p:nvSpPr>
+            <p:cNvPr id="4" name="TextBox 3">
+              <a:extLst>
+                <a:ext uri="{FF2B5EF4-FFF2-40B4-BE49-F238E27FC236}">
+                  <a16:creationId xmlns:a16="http://schemas.microsoft.com/office/drawing/2014/main" id="{1102AA27-65F7-E3EE-DB69-CEDECF8EC7A6}"/>
+                </a:ext>
+              </a:extLst>
+            </p:cNvPr>
+            <p:cNvSpPr txBox="1"/>
+            <p:nvPr/>
+          </p:nvSpPr>
+          <p:spPr>
+            <a:xfrm>
+              <a:off x="1018807" y="2741207"/>
+              <a:ext cx="317716" cy="369332"/>
+            </a:xfrm>
+            <a:prstGeom prst="rect">
+              <a:avLst/>
+            </a:prstGeom>
+            <a:noFill/>
+          </p:spPr>
+          <p:txBody>
+            <a:bodyPr wrap="none" rtlCol="0">
+              <a:spAutoFit/>
+            </a:bodyPr>
+            <a:lstStyle/>
+            <a:p>
+              <a:r>
+                <a:rPr lang="en-US" dirty="0"/>
+                <a:t>A</a:t>
+              </a:r>
+            </a:p>
+          </p:txBody>
+        </p:sp>
+        <p:sp>
+          <p:nvSpPr>
+            <p:cNvPr id="5" name="TextBox 4">
+              <a:extLst>
+                <a:ext uri="{FF2B5EF4-FFF2-40B4-BE49-F238E27FC236}">
+                  <a16:creationId xmlns:a16="http://schemas.microsoft.com/office/drawing/2014/main" id="{A668694D-DBD7-C090-10F2-24270DE322CD}"/>
+                </a:ext>
+              </a:extLst>
+            </p:cNvPr>
+            <p:cNvSpPr txBox="1"/>
+            <p:nvPr/>
+          </p:nvSpPr>
+          <p:spPr>
+            <a:xfrm>
+              <a:off x="4023264" y="2741207"/>
+              <a:ext cx="309700" cy="369332"/>
+            </a:xfrm>
+            <a:prstGeom prst="rect">
+              <a:avLst/>
+            </a:prstGeom>
+            <a:noFill/>
+          </p:spPr>
+          <p:txBody>
+            <a:bodyPr wrap="none" rtlCol="0">
+              <a:spAutoFit/>
+            </a:bodyPr>
+            <a:lstStyle/>
+            <a:p>
+              <a:r>
+                <a:rPr lang="en-US" dirty="0"/>
+                <a:t>B</a:t>
+              </a:r>
+            </a:p>
+          </p:txBody>
+        </p:sp>
+        <p:sp>
+          <p:nvSpPr>
+            <p:cNvPr id="6" name="Freeform 5">
+              <a:extLst>
+                <a:ext uri="{FF2B5EF4-FFF2-40B4-BE49-F238E27FC236}">
+                  <a16:creationId xmlns:a16="http://schemas.microsoft.com/office/drawing/2014/main" id="{5538569D-9EA3-24D8-9521-D07C39573CC8}"/>
+                </a:ext>
+              </a:extLst>
+            </p:cNvPr>
+            <p:cNvSpPr/>
+            <p:nvPr/>
+          </p:nvSpPr>
+          <p:spPr>
+            <a:xfrm>
+              <a:off x="1250087" y="1097893"/>
+              <a:ext cx="2701636" cy="1600201"/>
+            </a:xfrm>
+            <a:custGeom>
+              <a:avLst/>
+              <a:gdLst>
+                <a:gd name="connsiteX0" fmla="*/ 0 w 1627909"/>
+                <a:gd name="connsiteY0" fmla="*/ 1600201 h 1607129"/>
+                <a:gd name="connsiteX1" fmla="*/ 568037 w 1627909"/>
+                <a:gd name="connsiteY1" fmla="*/ 1 h 1607129"/>
+                <a:gd name="connsiteX2" fmla="*/ 1627909 w 1627909"/>
+                <a:gd name="connsiteY2" fmla="*/ 1607129 h 1607129"/>
+                <a:gd name="connsiteX0" fmla="*/ 0 w 1627909"/>
+                <a:gd name="connsiteY0" fmla="*/ 1600201 h 1600201"/>
+                <a:gd name="connsiteX1" fmla="*/ 568037 w 1627909"/>
+                <a:gd name="connsiteY1" fmla="*/ 1 h 1600201"/>
+                <a:gd name="connsiteX2" fmla="*/ 1627909 w 1627909"/>
+                <a:gd name="connsiteY2" fmla="*/ 1579420 h 1600201"/>
+                <a:gd name="connsiteX0" fmla="*/ 0 w 1627909"/>
+                <a:gd name="connsiteY0" fmla="*/ 1600201 h 1600201"/>
+                <a:gd name="connsiteX1" fmla="*/ 568037 w 1627909"/>
+                <a:gd name="connsiteY1" fmla="*/ 1 h 1600201"/>
+                <a:gd name="connsiteX2" fmla="*/ 1627909 w 1627909"/>
+                <a:gd name="connsiteY2" fmla="*/ 1579420 h 1600201"/>
+                <a:gd name="connsiteX0" fmla="*/ 0 w 2008909"/>
+                <a:gd name="connsiteY0" fmla="*/ 1600201 h 1607129"/>
+                <a:gd name="connsiteX1" fmla="*/ 568037 w 2008909"/>
+                <a:gd name="connsiteY1" fmla="*/ 1 h 1607129"/>
+                <a:gd name="connsiteX2" fmla="*/ 2008909 w 2008909"/>
+                <a:gd name="connsiteY2" fmla="*/ 1607129 h 1607129"/>
+                <a:gd name="connsiteX0" fmla="*/ 0 w 2008909"/>
+                <a:gd name="connsiteY0" fmla="*/ 1600201 h 1607129"/>
+                <a:gd name="connsiteX1" fmla="*/ 568037 w 2008909"/>
+                <a:gd name="connsiteY1" fmla="*/ 1 h 1607129"/>
+                <a:gd name="connsiteX2" fmla="*/ 2008909 w 2008909"/>
+                <a:gd name="connsiteY2" fmla="*/ 1607129 h 1607129"/>
+                <a:gd name="connsiteX0" fmla="*/ 0 w 2701636"/>
+                <a:gd name="connsiteY0" fmla="*/ 1600201 h 1600201"/>
+                <a:gd name="connsiteX1" fmla="*/ 568037 w 2701636"/>
+                <a:gd name="connsiteY1" fmla="*/ 1 h 1600201"/>
+                <a:gd name="connsiteX2" fmla="*/ 2701636 w 2701636"/>
+                <a:gd name="connsiteY2" fmla="*/ 1593275 h 1600201"/>
+              </a:gdLst>
+              <a:ahLst/>
+              <a:cxnLst>
+                <a:cxn ang="0">
+                  <a:pos x="connsiteX0" y="connsiteY0"/>
+                </a:cxn>
+                <a:cxn ang="0">
+                  <a:pos x="connsiteX1" y="connsiteY1"/>
+                </a:cxn>
+                <a:cxn ang="0">
+                  <a:pos x="connsiteX2" y="connsiteY2"/>
+                </a:cxn>
+              </a:cxnLst>
+              <a:rect l="l" t="t" r="r" b="b"/>
+              <a:pathLst>
+                <a:path w="2701636" h="1600201">
+                  <a:moveTo>
+                    <a:pt x="0" y="1600201"/>
+                  </a:moveTo>
+                  <a:cubicBezTo>
+                    <a:pt x="148359" y="799523"/>
+                    <a:pt x="296719" y="-1154"/>
+                    <a:pt x="568037" y="1"/>
+                  </a:cubicBezTo>
+                  <a:cubicBezTo>
+                    <a:pt x="839355" y="1156"/>
+                    <a:pt x="1451263" y="1587502"/>
+                    <a:pt x="2701636" y="1593275"/>
+                  </a:cubicBezTo>
+                </a:path>
+              </a:pathLst>
+            </a:custGeom>
+            <a:noFill/>
+            <a:ln w="22225"/>
+          </p:spPr>
+          <p:style>
+            <a:lnRef idx="2">
+              <a:schemeClr val="accent1">
+                <a:shade val="50000"/>
+              </a:schemeClr>
+            </a:lnRef>
+            <a:fillRef idx="1">
               <a:schemeClr val="accent1"/>
-            </a:solidFill>
-            <a:tailEnd type="triangle"/>
-          </a:ln>
-        </p:spPr>
-        <p:style>
-          <a:lnRef idx="1">
-            <a:schemeClr val="accent1"/>
-          </a:lnRef>
-          <a:fillRef idx="0">
-            <a:schemeClr val="accent1"/>
-          </a:fillRef>
-          <a:effectRef idx="0">
-            <a:schemeClr val="accent1"/>
-          </a:effectRef>
-          <a:fontRef idx="minor">
-            <a:schemeClr val="tx1"/>
-          </a:fontRef>
-        </p:style>
-      </p:cxnSp>
-      <p:sp>
-        <p:nvSpPr>
-          <p:cNvPr id="7" name="TextBox 6">
-            <a:extLst>
-              <a:ext uri="{FF2B5EF4-FFF2-40B4-BE49-F238E27FC236}">
-                <a16:creationId xmlns:a16="http://schemas.microsoft.com/office/drawing/2014/main" id="{E56BE64A-248C-1D3A-A12F-3106AC73727A}"/>
+            </a:fillRef>
+            <a:effectRef idx="0">
+              <a:schemeClr val="accent1"/>
+            </a:effectRef>
+            <a:fontRef idx="minor">
+              <a:schemeClr val="lt1"/>
+            </a:fontRef>
+          </p:style>
+          <p:txBody>
+            <a:bodyPr rtlCol="0" anchor="ctr"/>
+            <a:lstStyle/>
+            <a:p>
+              <a:pPr algn="ctr"/>
+              <a:endParaRPr lang="en-US" dirty="0"/>
+            </a:p>
+          </p:txBody>
+        </p:sp>
+        <p:cxnSp>
+          <p:nvCxnSpPr>
+            <p:cNvPr id="7" name="Straight Connector 6">
+              <a:extLst>
+                <a:ext uri="{FF2B5EF4-FFF2-40B4-BE49-F238E27FC236}">
+                  <a16:creationId xmlns:a16="http://schemas.microsoft.com/office/drawing/2014/main" id="{A0368DD9-6C16-493B-0E43-E2C99EB70B6C}"/>
+                </a:ext>
+              </a:extLst>
+            </p:cNvPr>
+            <p:cNvCxnSpPr>
+              <a:cxnSpLocks/>
+            </p:cNvCxnSpPr>
+            <p:nvPr/>
+          </p:nvCxnSpPr>
+          <p:spPr>
+            <a:xfrm>
+              <a:off x="792886" y="2698094"/>
+              <a:ext cx="3540078" cy="0"/>
+            </a:xfrm>
+            <a:prstGeom prst="line">
+              <a:avLst/>
+            </a:prstGeom>
+            <a:ln w="47625">
+              <a:solidFill>
+                <a:schemeClr val="tx1"/>
+              </a:solidFill>
+            </a:ln>
+          </p:spPr>
+          <p:style>
+            <a:lnRef idx="1">
+              <a:schemeClr val="accent1"/>
+            </a:lnRef>
+            <a:fillRef idx="0">
+              <a:schemeClr val="accent1"/>
+            </a:fillRef>
+            <a:effectRef idx="0">
+              <a:schemeClr val="accent1"/>
+            </a:effectRef>
+            <a:fontRef idx="minor">
+              <a:schemeClr val="tx1"/>
+            </a:fontRef>
+          </p:style>
+        </p:cxnSp>
+      </p:grpSp>
+      <p:grpSp>
+        <p:nvGrpSpPr>
+          <p:cNvPr id="39" name="Group 38">
+            <a:extLst>
+              <a:ext uri="{FF2B5EF4-FFF2-40B4-BE49-F238E27FC236}">
+                <a16:creationId xmlns:a16="http://schemas.microsoft.com/office/drawing/2014/main" id="{8FFB07E1-D585-AD13-9A1E-30C1E9EC95FB}"/>
+              </a:ext>
+            </a:extLst>
+          </p:cNvPr>
+          <p:cNvGrpSpPr/>
+          <p:nvPr/>
+        </p:nvGrpSpPr>
+        <p:grpSpPr>
+          <a:xfrm>
+            <a:off x="6672118" y="3307899"/>
+            <a:ext cx="3540078" cy="2703277"/>
+            <a:chOff x="7271428" y="3179109"/>
+            <a:chExt cx="3540078" cy="2703277"/>
+          </a:xfrm>
+        </p:grpSpPr>
+        <p:grpSp>
+          <p:nvGrpSpPr>
+            <p:cNvPr id="25" name="Group 24">
+              <a:extLst>
+                <a:ext uri="{FF2B5EF4-FFF2-40B4-BE49-F238E27FC236}">
+                  <a16:creationId xmlns:a16="http://schemas.microsoft.com/office/drawing/2014/main" id="{6952CC36-B617-5397-18EE-047740F81D35}"/>
+                </a:ext>
+              </a:extLst>
+            </p:cNvPr>
+            <p:cNvGrpSpPr/>
+            <p:nvPr/>
+          </p:nvGrpSpPr>
+          <p:grpSpPr>
+            <a:xfrm>
+              <a:off x="7271428" y="3869740"/>
+              <a:ext cx="3540078" cy="2012646"/>
+              <a:chOff x="792886" y="1097893"/>
+              <a:chExt cx="3540078" cy="2012646"/>
+            </a:xfrm>
+          </p:grpSpPr>
+          <p:sp>
+            <p:nvSpPr>
+              <p:cNvPr id="26" name="TextBox 25">
+                <a:extLst>
+                  <a:ext uri="{FF2B5EF4-FFF2-40B4-BE49-F238E27FC236}">
+                    <a16:creationId xmlns:a16="http://schemas.microsoft.com/office/drawing/2014/main" id="{03ACDF62-2A3D-79B8-8B02-0A4CFA09E831}"/>
+                  </a:ext>
+                </a:extLst>
+              </p:cNvPr>
+              <p:cNvSpPr txBox="1"/>
+              <p:nvPr/>
+            </p:nvSpPr>
+            <p:spPr>
+              <a:xfrm>
+                <a:off x="1780984" y="2741207"/>
+                <a:ext cx="476412" cy="369332"/>
+              </a:xfrm>
+              <a:prstGeom prst="rect">
+                <a:avLst/>
+              </a:prstGeom>
+              <a:noFill/>
+            </p:spPr>
+            <p:txBody>
+              <a:bodyPr wrap="none" rtlCol="0">
+                <a:spAutoFit/>
+              </a:bodyPr>
+              <a:lstStyle/>
+              <a:p>
+                <a:r>
+                  <a:rPr lang="en-US" dirty="0"/>
+                  <a:t>0.0</a:t>
+                </a:r>
+              </a:p>
+            </p:txBody>
+          </p:sp>
+          <p:sp>
+            <p:nvSpPr>
+              <p:cNvPr id="28" name="Freeform 27">
+                <a:extLst>
+                  <a:ext uri="{FF2B5EF4-FFF2-40B4-BE49-F238E27FC236}">
+                    <a16:creationId xmlns:a16="http://schemas.microsoft.com/office/drawing/2014/main" id="{15CE7116-D6D1-5D75-2437-324F76BD204C}"/>
+                  </a:ext>
+                </a:extLst>
+              </p:cNvPr>
+              <p:cNvSpPr/>
+              <p:nvPr/>
+            </p:nvSpPr>
+            <p:spPr>
+              <a:xfrm>
+                <a:off x="1250087" y="1097893"/>
+                <a:ext cx="2701636" cy="1600201"/>
+              </a:xfrm>
+              <a:custGeom>
+                <a:avLst/>
+                <a:gdLst>
+                  <a:gd name="connsiteX0" fmla="*/ 0 w 1627909"/>
+                  <a:gd name="connsiteY0" fmla="*/ 1600201 h 1607129"/>
+                  <a:gd name="connsiteX1" fmla="*/ 568037 w 1627909"/>
+                  <a:gd name="connsiteY1" fmla="*/ 1 h 1607129"/>
+                  <a:gd name="connsiteX2" fmla="*/ 1627909 w 1627909"/>
+                  <a:gd name="connsiteY2" fmla="*/ 1607129 h 1607129"/>
+                  <a:gd name="connsiteX0" fmla="*/ 0 w 1627909"/>
+                  <a:gd name="connsiteY0" fmla="*/ 1600201 h 1600201"/>
+                  <a:gd name="connsiteX1" fmla="*/ 568037 w 1627909"/>
+                  <a:gd name="connsiteY1" fmla="*/ 1 h 1600201"/>
+                  <a:gd name="connsiteX2" fmla="*/ 1627909 w 1627909"/>
+                  <a:gd name="connsiteY2" fmla="*/ 1579420 h 1600201"/>
+                  <a:gd name="connsiteX0" fmla="*/ 0 w 1627909"/>
+                  <a:gd name="connsiteY0" fmla="*/ 1600201 h 1600201"/>
+                  <a:gd name="connsiteX1" fmla="*/ 568037 w 1627909"/>
+                  <a:gd name="connsiteY1" fmla="*/ 1 h 1600201"/>
+                  <a:gd name="connsiteX2" fmla="*/ 1627909 w 1627909"/>
+                  <a:gd name="connsiteY2" fmla="*/ 1579420 h 1600201"/>
+                  <a:gd name="connsiteX0" fmla="*/ 0 w 2008909"/>
+                  <a:gd name="connsiteY0" fmla="*/ 1600201 h 1607129"/>
+                  <a:gd name="connsiteX1" fmla="*/ 568037 w 2008909"/>
+                  <a:gd name="connsiteY1" fmla="*/ 1 h 1607129"/>
+                  <a:gd name="connsiteX2" fmla="*/ 2008909 w 2008909"/>
+                  <a:gd name="connsiteY2" fmla="*/ 1607129 h 1607129"/>
+                  <a:gd name="connsiteX0" fmla="*/ 0 w 2008909"/>
+                  <a:gd name="connsiteY0" fmla="*/ 1600201 h 1607129"/>
+                  <a:gd name="connsiteX1" fmla="*/ 568037 w 2008909"/>
+                  <a:gd name="connsiteY1" fmla="*/ 1 h 1607129"/>
+                  <a:gd name="connsiteX2" fmla="*/ 2008909 w 2008909"/>
+                  <a:gd name="connsiteY2" fmla="*/ 1607129 h 1607129"/>
+                  <a:gd name="connsiteX0" fmla="*/ 0 w 2701636"/>
+                  <a:gd name="connsiteY0" fmla="*/ 1600201 h 1600201"/>
+                  <a:gd name="connsiteX1" fmla="*/ 568037 w 2701636"/>
+                  <a:gd name="connsiteY1" fmla="*/ 1 h 1600201"/>
+                  <a:gd name="connsiteX2" fmla="*/ 2701636 w 2701636"/>
+                  <a:gd name="connsiteY2" fmla="*/ 1593275 h 1600201"/>
+                </a:gdLst>
+                <a:ahLst/>
+                <a:cxnLst>
+                  <a:cxn ang="0">
+                    <a:pos x="connsiteX0" y="connsiteY0"/>
+                  </a:cxn>
+                  <a:cxn ang="0">
+                    <a:pos x="connsiteX1" y="connsiteY1"/>
+                  </a:cxn>
+                  <a:cxn ang="0">
+                    <a:pos x="connsiteX2" y="connsiteY2"/>
+                  </a:cxn>
+                </a:cxnLst>
+                <a:rect l="l" t="t" r="r" b="b"/>
+                <a:pathLst>
+                  <a:path w="2701636" h="1600201">
+                    <a:moveTo>
+                      <a:pt x="0" y="1600201"/>
+                    </a:moveTo>
+                    <a:cubicBezTo>
+                      <a:pt x="148359" y="799523"/>
+                      <a:pt x="296719" y="-1154"/>
+                      <a:pt x="568037" y="1"/>
+                    </a:cubicBezTo>
+                    <a:cubicBezTo>
+                      <a:pt x="839355" y="1156"/>
+                      <a:pt x="1451263" y="1587502"/>
+                      <a:pt x="2701636" y="1593275"/>
+                    </a:cubicBezTo>
+                  </a:path>
+                </a:pathLst>
+              </a:custGeom>
+              <a:noFill/>
+              <a:ln w="22225"/>
+            </p:spPr>
+            <p:style>
+              <a:lnRef idx="2">
+                <a:schemeClr val="accent1">
+                  <a:shade val="50000"/>
+                </a:schemeClr>
+              </a:lnRef>
+              <a:fillRef idx="1">
+                <a:schemeClr val="accent1"/>
+              </a:fillRef>
+              <a:effectRef idx="0">
+                <a:schemeClr val="accent1"/>
+              </a:effectRef>
+              <a:fontRef idx="minor">
+                <a:schemeClr val="lt1"/>
+              </a:fontRef>
+            </p:style>
+            <p:txBody>
+              <a:bodyPr rtlCol="0" anchor="ctr"/>
+              <a:lstStyle/>
+              <a:p>
+                <a:pPr algn="ctr"/>
+                <a:endParaRPr lang="en-US" dirty="0"/>
+              </a:p>
+            </p:txBody>
+          </p:sp>
+          <p:cxnSp>
+            <p:nvCxnSpPr>
+              <p:cNvPr id="29" name="Straight Connector 28">
+                <a:extLst>
+                  <a:ext uri="{FF2B5EF4-FFF2-40B4-BE49-F238E27FC236}">
+                    <a16:creationId xmlns:a16="http://schemas.microsoft.com/office/drawing/2014/main" id="{AA466607-0FC7-4E4F-CA96-B75418453B21}"/>
+                  </a:ext>
+                </a:extLst>
+              </p:cNvPr>
+              <p:cNvCxnSpPr>
+                <a:cxnSpLocks/>
+              </p:cNvCxnSpPr>
+              <p:nvPr/>
+            </p:nvCxnSpPr>
+            <p:spPr>
+              <a:xfrm>
+                <a:off x="792886" y="2698094"/>
+                <a:ext cx="3540078" cy="0"/>
+              </a:xfrm>
+              <a:prstGeom prst="line">
+                <a:avLst/>
+              </a:prstGeom>
+              <a:ln w="47625">
+                <a:solidFill>
+                  <a:schemeClr val="tx1"/>
+                </a:solidFill>
+              </a:ln>
+            </p:spPr>
+            <p:style>
+              <a:lnRef idx="1">
+                <a:schemeClr val="accent1"/>
+              </a:lnRef>
+              <a:fillRef idx="0">
+                <a:schemeClr val="accent1"/>
+              </a:fillRef>
+              <a:effectRef idx="0">
+                <a:schemeClr val="accent1"/>
+              </a:effectRef>
+              <a:fontRef idx="minor">
+                <a:schemeClr val="tx1"/>
+              </a:fontRef>
+            </p:style>
+          </p:cxnSp>
+        </p:grpSp>
+        <p:cxnSp>
+          <p:nvCxnSpPr>
+            <p:cNvPr id="31" name="Straight Connector 30">
+              <a:extLst>
+                <a:ext uri="{FF2B5EF4-FFF2-40B4-BE49-F238E27FC236}">
+                  <a16:creationId xmlns:a16="http://schemas.microsoft.com/office/drawing/2014/main" id="{8F97F2D5-8D4F-A32F-9B78-19728BC090EC}"/>
+                </a:ext>
+              </a:extLst>
+            </p:cNvPr>
+            <p:cNvCxnSpPr/>
+            <p:nvPr/>
+          </p:nvCxnSpPr>
+          <p:spPr>
+            <a:xfrm>
+              <a:off x="8497732" y="3657600"/>
+              <a:ext cx="0" cy="1812341"/>
+            </a:xfrm>
+            <a:prstGeom prst="line">
+              <a:avLst/>
+            </a:prstGeom>
+            <a:ln w="19050">
+              <a:solidFill>
+                <a:schemeClr val="accent2"/>
+              </a:solidFill>
+              <a:prstDash val="dash"/>
+            </a:ln>
+          </p:spPr>
+          <p:style>
+            <a:lnRef idx="1">
+              <a:schemeClr val="accent1"/>
+            </a:lnRef>
+            <a:fillRef idx="0">
+              <a:schemeClr val="accent1"/>
+            </a:fillRef>
+            <a:effectRef idx="0">
+              <a:schemeClr val="accent1"/>
+            </a:effectRef>
+            <a:fontRef idx="minor">
+              <a:schemeClr val="tx1"/>
+            </a:fontRef>
+          </p:style>
+        </p:cxnSp>
+        <p:sp>
+          <p:nvSpPr>
+            <p:cNvPr id="32" name="TextBox 31">
+              <a:extLst>
+                <a:ext uri="{FF2B5EF4-FFF2-40B4-BE49-F238E27FC236}">
+                  <a16:creationId xmlns:a16="http://schemas.microsoft.com/office/drawing/2014/main" id="{CA17803A-0518-E6B6-B75D-641DE4E74413}"/>
+                </a:ext>
+              </a:extLst>
+            </p:cNvPr>
+            <p:cNvSpPr txBox="1"/>
+            <p:nvPr/>
+          </p:nvSpPr>
+          <p:spPr>
+            <a:xfrm>
+              <a:off x="9021248" y="3906071"/>
+              <a:ext cx="476412" cy="369332"/>
+            </a:xfrm>
+            <a:prstGeom prst="rect">
+              <a:avLst/>
+            </a:prstGeom>
+            <a:noFill/>
+          </p:spPr>
+          <p:txBody>
+            <a:bodyPr wrap="none" rtlCol="0">
+              <a:spAutoFit/>
+            </a:bodyPr>
+            <a:lstStyle/>
+            <a:p>
+              <a:r>
+                <a:rPr lang="en-US" dirty="0"/>
+                <a:t>1.0</a:t>
+              </a:r>
+            </a:p>
+          </p:txBody>
+        </p:sp>
+        <p:cxnSp>
+          <p:nvCxnSpPr>
+            <p:cNvPr id="34" name="Straight Arrow Connector 33">
+              <a:extLst>
+                <a:ext uri="{FF2B5EF4-FFF2-40B4-BE49-F238E27FC236}">
+                  <a16:creationId xmlns:a16="http://schemas.microsoft.com/office/drawing/2014/main" id="{D4F73358-8634-1260-C016-0544F23D1AD6}"/>
+                </a:ext>
+              </a:extLst>
+            </p:cNvPr>
+            <p:cNvCxnSpPr/>
+            <p:nvPr/>
+          </p:nvCxnSpPr>
+          <p:spPr>
+            <a:xfrm>
+              <a:off x="8497732" y="4090737"/>
+              <a:ext cx="543735" cy="0"/>
+            </a:xfrm>
+            <a:prstGeom prst="straightConnector1">
+              <a:avLst/>
+            </a:prstGeom>
+            <a:ln w="9525">
+              <a:solidFill>
+                <a:schemeClr val="accent2"/>
+              </a:solidFill>
+              <a:tailEnd type="triangle"/>
+            </a:ln>
+          </p:spPr>
+          <p:style>
+            <a:lnRef idx="1">
+              <a:schemeClr val="accent1"/>
+            </a:lnRef>
+            <a:fillRef idx="0">
+              <a:schemeClr val="accent1"/>
+            </a:fillRef>
+            <a:effectRef idx="0">
+              <a:schemeClr val="accent1"/>
+            </a:effectRef>
+            <a:fontRef idx="minor">
+              <a:schemeClr val="tx1"/>
+            </a:fontRef>
+          </p:style>
+        </p:cxnSp>
+        <p:sp>
+          <p:nvSpPr>
+            <p:cNvPr id="35" name="TextBox 34">
+              <a:extLst>
+                <a:ext uri="{FF2B5EF4-FFF2-40B4-BE49-F238E27FC236}">
+                  <a16:creationId xmlns:a16="http://schemas.microsoft.com/office/drawing/2014/main" id="{3D26FF0B-C4A7-EBE9-7253-7FE2A99BAD44}"/>
+                </a:ext>
+              </a:extLst>
+            </p:cNvPr>
+            <p:cNvSpPr txBox="1"/>
+            <p:nvPr/>
+          </p:nvSpPr>
+          <p:spPr>
+            <a:xfrm>
+              <a:off x="7607331" y="3179109"/>
+              <a:ext cx="2000869" cy="461665"/>
+            </a:xfrm>
+            <a:prstGeom prst="rect">
+              <a:avLst/>
+            </a:prstGeom>
+            <a:noFill/>
+          </p:spPr>
+          <p:txBody>
+            <a:bodyPr wrap="none" rtlCol="0">
+              <a:spAutoFit/>
+            </a:bodyPr>
+            <a:lstStyle/>
+            <a:p>
+              <a:r>
+                <a:rPr lang="en-US" sz="2400" dirty="0">
+                  <a:solidFill>
+                    <a:schemeClr val="accent2"/>
+                  </a:solidFill>
+                  <a:latin typeface="Arial" panose="020B0604020202020204" pitchFamily="34" charset="0"/>
+                  <a:cs typeface="Arial" panose="020B0604020202020204" pitchFamily="34" charset="0"/>
+                </a:rPr>
+                <a:t>Standardized</a:t>
+              </a:r>
+            </a:p>
+          </p:txBody>
+        </p:sp>
+      </p:grpSp>
+      <p:sp>
+        <p:nvSpPr>
+          <p:cNvPr id="36" name="TextBox 35">
+            <a:extLst>
+              <a:ext uri="{FF2B5EF4-FFF2-40B4-BE49-F238E27FC236}">
+                <a16:creationId xmlns:a16="http://schemas.microsoft.com/office/drawing/2014/main" id="{FB365196-9570-7D56-0A7E-33D68469AB76}"/>
               </a:ext>
             </a:extLst>
           </p:cNvPr>
@@ -4345,8 +4922,8 @@
         </p:nvSpPr>
         <p:spPr>
           <a:xfrm>
-            <a:off x="7020877" y="2060870"/>
-            <a:ext cx="853119" cy="461665"/>
+            <a:off x="5259395" y="402175"/>
+            <a:ext cx="1247457" cy="461665"/>
           </a:xfrm>
           <a:prstGeom prst="rect">
             <a:avLst/>
@@ -4359,151 +4936,340 @@
           </a:bodyPr>
           <a:lstStyle/>
           <a:p>
-            <a:r>
-              <a:rPr lang="en-US" sz="2400" b="1" dirty="0">
-                <a:latin typeface="Arial" panose="020B0604020202020204" pitchFamily="34" charset="0"/>
-                <a:cs typeface="Arial" panose="020B0604020202020204" pitchFamily="34" charset="0"/>
-              </a:rPr>
-              <a:t>KNN</a:t>
-            </a:r>
-          </a:p>
-        </p:txBody>
-      </p:sp>
-      <p:cxnSp>
-        <p:nvCxnSpPr>
-          <p:cNvPr id="8" name="Straight Arrow Connector 7">
-            <a:extLst>
-              <a:ext uri="{FF2B5EF4-FFF2-40B4-BE49-F238E27FC236}">
-                <a16:creationId xmlns:a16="http://schemas.microsoft.com/office/drawing/2014/main" id="{392CC2D6-2C20-7E7E-7860-B5393F552ED6}"/>
-              </a:ext>
-            </a:extLst>
-          </p:cNvPr>
-          <p:cNvCxnSpPr>
-            <a:cxnSpLocks/>
-          </p:cNvCxnSpPr>
-          <p:nvPr/>
-        </p:nvCxnSpPr>
-        <p:spPr>
-          <a:xfrm flipH="1" flipV="1">
-            <a:off x="5754814" y="3428998"/>
-            <a:ext cx="1560386" cy="385764"/>
-          </a:xfrm>
-          <a:prstGeom prst="straightConnector1">
-            <a:avLst/>
-          </a:prstGeom>
-          <a:ln w="31750">
-            <a:solidFill>
-              <a:schemeClr val="accent2"/>
-            </a:solidFill>
-            <a:tailEnd type="triangle"/>
-          </a:ln>
-        </p:spPr>
-        <p:style>
-          <a:lnRef idx="1">
-            <a:schemeClr val="accent1"/>
-          </a:lnRef>
-          <a:fillRef idx="0">
-            <a:schemeClr val="accent1"/>
-          </a:fillRef>
-          <a:effectRef idx="0">
-            <a:schemeClr val="accent1"/>
-          </a:effectRef>
-          <a:fontRef idx="minor">
-            <a:schemeClr val="tx1"/>
-          </a:fontRef>
-        </p:style>
-      </p:cxnSp>
-      <p:sp>
-        <p:nvSpPr>
-          <p:cNvPr id="10" name="TextBox 9">
-            <a:extLst>
-              <a:ext uri="{FF2B5EF4-FFF2-40B4-BE49-F238E27FC236}">
-                <a16:creationId xmlns:a16="http://schemas.microsoft.com/office/drawing/2014/main" id="{3BD93877-6DC1-93F7-6BAF-A69728F8F9CD}"/>
-              </a:ext>
-            </a:extLst>
-          </p:cNvPr>
-          <p:cNvSpPr txBox="1"/>
-          <p:nvPr/>
-        </p:nvSpPr>
-        <p:spPr>
-          <a:xfrm>
-            <a:off x="7438619" y="3621880"/>
-            <a:ext cx="3910418" cy="1938992"/>
-          </a:xfrm>
-          <a:prstGeom prst="rect">
-            <a:avLst/>
-          </a:prstGeom>
-          <a:noFill/>
-        </p:spPr>
-        <p:txBody>
-          <a:bodyPr wrap="square" rtlCol="0">
-            <a:spAutoFit/>
-          </a:bodyPr>
-          <a:lstStyle/>
-          <a:p>
-            <a:r>
-              <a:rPr lang="en-US" sz="2400" b="1" dirty="0">
-                <a:latin typeface="Arial" panose="020B0604020202020204" pitchFamily="34" charset="0"/>
-                <a:cs typeface="Arial" panose="020B0604020202020204" pitchFamily="34" charset="0"/>
-              </a:rPr>
-              <a:t>Features:</a:t>
-            </a:r>
-          </a:p>
-          <a:p>
-            <a:pPr marL="342900" indent="-342900">
-              <a:buFontTx/>
-              <a:buChar char="-"/>
-            </a:pPr>
             <a:r>
               <a:rPr lang="en-US" sz="2400" dirty="0">
                 <a:latin typeface="Arial" panose="020B0604020202020204" pitchFamily="34" charset="0"/>
                 <a:cs typeface="Arial" panose="020B0604020202020204" pitchFamily="34" charset="0"/>
               </a:rPr>
-              <a:t>QAS ratio</a:t>
+              <a:t>Original</a:t>
             </a:r>
           </a:p>
-          <a:p>
-            <a:pPr marL="342900" indent="-342900">
-              <a:buFontTx/>
-              <a:buChar char="-"/>
-            </a:pPr>
-            <a:r>
-              <a:rPr lang="en-US" sz="2400" dirty="0">
-                <a:latin typeface="Arial" panose="020B0604020202020204" pitchFamily="34" charset="0"/>
-                <a:cs typeface="Arial" panose="020B0604020202020204" pitchFamily="34" charset="0"/>
-              </a:rPr>
-              <a:t>HBD (OneHot encoded)</a:t>
-            </a:r>
-          </a:p>
-          <a:p>
-            <a:pPr marL="342900" indent="-342900">
-              <a:buFontTx/>
-              <a:buChar char="-"/>
-            </a:pPr>
-            <a:r>
-              <a:rPr lang="en-US" sz="2400" dirty="0">
-                <a:latin typeface="Arial" panose="020B0604020202020204" pitchFamily="34" charset="0"/>
-                <a:cs typeface="Arial" panose="020B0604020202020204" pitchFamily="34" charset="0"/>
-              </a:rPr>
-              <a:t>QAS (OneHot encoded)</a:t>
-            </a:r>
-          </a:p>
-          <a:p>
-            <a:pPr marL="342900" indent="-342900">
-              <a:buFontTx/>
-              <a:buChar char="-"/>
-            </a:pPr>
-            <a:endParaRPr lang="en-US" sz="2400" dirty="0">
-              <a:latin typeface="Arial" panose="020B0604020202020204" pitchFamily="34" charset="0"/>
-              <a:cs typeface="Arial" panose="020B0604020202020204" pitchFamily="34" charset="0"/>
-            </a:endParaRPr>
-          </a:p>
-        </p:txBody>
-      </p:sp>
+        </p:txBody>
+      </p:sp>
+      <p:grpSp>
+        <p:nvGrpSpPr>
+          <p:cNvPr id="38" name="Group 37">
+            <a:extLst>
+              <a:ext uri="{FF2B5EF4-FFF2-40B4-BE49-F238E27FC236}">
+                <a16:creationId xmlns:a16="http://schemas.microsoft.com/office/drawing/2014/main" id="{ADA30DC2-A02B-2B6D-2A99-000056F8D63F}"/>
+              </a:ext>
+            </a:extLst>
+          </p:cNvPr>
+          <p:cNvGrpSpPr/>
+          <p:nvPr/>
+        </p:nvGrpSpPr>
+        <p:grpSpPr>
+          <a:xfrm>
+            <a:off x="2152470" y="3283313"/>
+            <a:ext cx="3706790" cy="2726699"/>
+            <a:chOff x="730901" y="3155687"/>
+            <a:chExt cx="3706790" cy="2726699"/>
+          </a:xfrm>
+        </p:grpSpPr>
+        <p:grpSp>
+          <p:nvGrpSpPr>
+            <p:cNvPr id="20" name="Group 19">
+              <a:extLst>
+                <a:ext uri="{FF2B5EF4-FFF2-40B4-BE49-F238E27FC236}">
+                  <a16:creationId xmlns:a16="http://schemas.microsoft.com/office/drawing/2014/main" id="{3E011C4A-F7D9-BF85-DBE7-0B8C84657A68}"/>
+                </a:ext>
+              </a:extLst>
+            </p:cNvPr>
+            <p:cNvGrpSpPr/>
+            <p:nvPr/>
+          </p:nvGrpSpPr>
+          <p:grpSpPr>
+            <a:xfrm>
+              <a:off x="730901" y="3869740"/>
+              <a:ext cx="3706790" cy="2012646"/>
+              <a:chOff x="792886" y="1097893"/>
+              <a:chExt cx="3706790" cy="2012646"/>
+            </a:xfrm>
+          </p:grpSpPr>
+          <p:sp>
+            <p:nvSpPr>
+              <p:cNvPr id="21" name="TextBox 20">
+                <a:extLst>
+                  <a:ext uri="{FF2B5EF4-FFF2-40B4-BE49-F238E27FC236}">
+                    <a16:creationId xmlns:a16="http://schemas.microsoft.com/office/drawing/2014/main" id="{B37FF42B-558F-F9D9-EE72-C8D6C1CEB223}"/>
+                  </a:ext>
+                </a:extLst>
+              </p:cNvPr>
+              <p:cNvSpPr txBox="1"/>
+              <p:nvPr/>
+            </p:nvSpPr>
+            <p:spPr>
+              <a:xfrm>
+                <a:off x="1018807" y="2741207"/>
+                <a:ext cx="476412" cy="369332"/>
+              </a:xfrm>
+              <a:prstGeom prst="rect">
+                <a:avLst/>
+              </a:prstGeom>
+              <a:noFill/>
+            </p:spPr>
+            <p:txBody>
+              <a:bodyPr wrap="none" rtlCol="0">
+                <a:spAutoFit/>
+              </a:bodyPr>
+              <a:lstStyle/>
+              <a:p>
+                <a:r>
+                  <a:rPr lang="en-US" dirty="0">
+                    <a:solidFill>
+                      <a:srgbClr val="7030A0"/>
+                    </a:solidFill>
+                  </a:rPr>
+                  <a:t>0.0</a:t>
+                </a:r>
+              </a:p>
+            </p:txBody>
+          </p:sp>
+          <p:sp>
+            <p:nvSpPr>
+              <p:cNvPr id="22" name="TextBox 21">
+                <a:extLst>
+                  <a:ext uri="{FF2B5EF4-FFF2-40B4-BE49-F238E27FC236}">
+                    <a16:creationId xmlns:a16="http://schemas.microsoft.com/office/drawing/2014/main" id="{0187EE3F-9FC3-76E7-6D0D-BEF3E92692CE}"/>
+                  </a:ext>
+                </a:extLst>
+              </p:cNvPr>
+              <p:cNvSpPr txBox="1"/>
+              <p:nvPr/>
+            </p:nvSpPr>
+            <p:spPr>
+              <a:xfrm>
+                <a:off x="4023264" y="2741207"/>
+                <a:ext cx="476412" cy="369332"/>
+              </a:xfrm>
+              <a:prstGeom prst="rect">
+                <a:avLst/>
+              </a:prstGeom>
+              <a:noFill/>
+            </p:spPr>
+            <p:txBody>
+              <a:bodyPr wrap="none" rtlCol="0">
+                <a:spAutoFit/>
+              </a:bodyPr>
+              <a:lstStyle/>
+              <a:p>
+                <a:r>
+                  <a:rPr lang="en-US" dirty="0">
+                    <a:solidFill>
+                      <a:srgbClr val="7030A0"/>
+                    </a:solidFill>
+                  </a:rPr>
+                  <a:t>1.0</a:t>
+                </a:r>
+              </a:p>
+            </p:txBody>
+          </p:sp>
+          <p:sp>
+            <p:nvSpPr>
+              <p:cNvPr id="23" name="Freeform 22">
+                <a:extLst>
+                  <a:ext uri="{FF2B5EF4-FFF2-40B4-BE49-F238E27FC236}">
+                    <a16:creationId xmlns:a16="http://schemas.microsoft.com/office/drawing/2014/main" id="{2B062A0B-1BAF-D3CB-44B0-0898FC31D1FC}"/>
+                  </a:ext>
+                </a:extLst>
+              </p:cNvPr>
+              <p:cNvSpPr/>
+              <p:nvPr/>
+            </p:nvSpPr>
+            <p:spPr>
+              <a:xfrm>
+                <a:off x="1250087" y="1097893"/>
+                <a:ext cx="2701636" cy="1600201"/>
+              </a:xfrm>
+              <a:custGeom>
+                <a:avLst/>
+                <a:gdLst>
+                  <a:gd name="connsiteX0" fmla="*/ 0 w 1627909"/>
+                  <a:gd name="connsiteY0" fmla="*/ 1600201 h 1607129"/>
+                  <a:gd name="connsiteX1" fmla="*/ 568037 w 1627909"/>
+                  <a:gd name="connsiteY1" fmla="*/ 1 h 1607129"/>
+                  <a:gd name="connsiteX2" fmla="*/ 1627909 w 1627909"/>
+                  <a:gd name="connsiteY2" fmla="*/ 1607129 h 1607129"/>
+                  <a:gd name="connsiteX0" fmla="*/ 0 w 1627909"/>
+                  <a:gd name="connsiteY0" fmla="*/ 1600201 h 1600201"/>
+                  <a:gd name="connsiteX1" fmla="*/ 568037 w 1627909"/>
+                  <a:gd name="connsiteY1" fmla="*/ 1 h 1600201"/>
+                  <a:gd name="connsiteX2" fmla="*/ 1627909 w 1627909"/>
+                  <a:gd name="connsiteY2" fmla="*/ 1579420 h 1600201"/>
+                  <a:gd name="connsiteX0" fmla="*/ 0 w 1627909"/>
+                  <a:gd name="connsiteY0" fmla="*/ 1600201 h 1600201"/>
+                  <a:gd name="connsiteX1" fmla="*/ 568037 w 1627909"/>
+                  <a:gd name="connsiteY1" fmla="*/ 1 h 1600201"/>
+                  <a:gd name="connsiteX2" fmla="*/ 1627909 w 1627909"/>
+                  <a:gd name="connsiteY2" fmla="*/ 1579420 h 1600201"/>
+                  <a:gd name="connsiteX0" fmla="*/ 0 w 2008909"/>
+                  <a:gd name="connsiteY0" fmla="*/ 1600201 h 1607129"/>
+                  <a:gd name="connsiteX1" fmla="*/ 568037 w 2008909"/>
+                  <a:gd name="connsiteY1" fmla="*/ 1 h 1607129"/>
+                  <a:gd name="connsiteX2" fmla="*/ 2008909 w 2008909"/>
+                  <a:gd name="connsiteY2" fmla="*/ 1607129 h 1607129"/>
+                  <a:gd name="connsiteX0" fmla="*/ 0 w 2008909"/>
+                  <a:gd name="connsiteY0" fmla="*/ 1600201 h 1607129"/>
+                  <a:gd name="connsiteX1" fmla="*/ 568037 w 2008909"/>
+                  <a:gd name="connsiteY1" fmla="*/ 1 h 1607129"/>
+                  <a:gd name="connsiteX2" fmla="*/ 2008909 w 2008909"/>
+                  <a:gd name="connsiteY2" fmla="*/ 1607129 h 1607129"/>
+                  <a:gd name="connsiteX0" fmla="*/ 0 w 2701636"/>
+                  <a:gd name="connsiteY0" fmla="*/ 1600201 h 1600201"/>
+                  <a:gd name="connsiteX1" fmla="*/ 568037 w 2701636"/>
+                  <a:gd name="connsiteY1" fmla="*/ 1 h 1600201"/>
+                  <a:gd name="connsiteX2" fmla="*/ 2701636 w 2701636"/>
+                  <a:gd name="connsiteY2" fmla="*/ 1593275 h 1600201"/>
+                </a:gdLst>
+                <a:ahLst/>
+                <a:cxnLst>
+                  <a:cxn ang="0">
+                    <a:pos x="connsiteX0" y="connsiteY0"/>
+                  </a:cxn>
+                  <a:cxn ang="0">
+                    <a:pos x="connsiteX1" y="connsiteY1"/>
+                  </a:cxn>
+                  <a:cxn ang="0">
+                    <a:pos x="connsiteX2" y="connsiteY2"/>
+                  </a:cxn>
+                </a:cxnLst>
+                <a:rect l="l" t="t" r="r" b="b"/>
+                <a:pathLst>
+                  <a:path w="2701636" h="1600201">
+                    <a:moveTo>
+                      <a:pt x="0" y="1600201"/>
+                    </a:moveTo>
+                    <a:cubicBezTo>
+                      <a:pt x="148359" y="799523"/>
+                      <a:pt x="296719" y="-1154"/>
+                      <a:pt x="568037" y="1"/>
+                    </a:cubicBezTo>
+                    <a:cubicBezTo>
+                      <a:pt x="839355" y="1156"/>
+                      <a:pt x="1451263" y="1587502"/>
+                      <a:pt x="2701636" y="1593275"/>
+                    </a:cubicBezTo>
+                  </a:path>
+                </a:pathLst>
+              </a:custGeom>
+              <a:noFill/>
+              <a:ln w="22225"/>
+            </p:spPr>
+            <p:style>
+              <a:lnRef idx="2">
+                <a:schemeClr val="accent1">
+                  <a:shade val="50000"/>
+                </a:schemeClr>
+              </a:lnRef>
+              <a:fillRef idx="1">
+                <a:schemeClr val="accent1"/>
+              </a:fillRef>
+              <a:effectRef idx="0">
+                <a:schemeClr val="accent1"/>
+              </a:effectRef>
+              <a:fontRef idx="minor">
+                <a:schemeClr val="lt1"/>
+              </a:fontRef>
+            </p:style>
+            <p:txBody>
+              <a:bodyPr rtlCol="0" anchor="ctr"/>
+              <a:lstStyle/>
+              <a:p>
+                <a:pPr algn="ctr"/>
+                <a:endParaRPr lang="en-US" dirty="0"/>
+              </a:p>
+            </p:txBody>
+          </p:sp>
+          <p:cxnSp>
+            <p:nvCxnSpPr>
+              <p:cNvPr id="24" name="Straight Connector 23">
+                <a:extLst>
+                  <a:ext uri="{FF2B5EF4-FFF2-40B4-BE49-F238E27FC236}">
+                    <a16:creationId xmlns:a16="http://schemas.microsoft.com/office/drawing/2014/main" id="{F7D04893-5A85-D4F2-A6A3-F028A22D9163}"/>
+                  </a:ext>
+                </a:extLst>
+              </p:cNvPr>
+              <p:cNvCxnSpPr>
+                <a:cxnSpLocks/>
+              </p:cNvCxnSpPr>
+              <p:nvPr/>
+            </p:nvCxnSpPr>
+            <p:spPr>
+              <a:xfrm>
+                <a:off x="792886" y="2698094"/>
+                <a:ext cx="3540078" cy="0"/>
+              </a:xfrm>
+              <a:prstGeom prst="line">
+                <a:avLst/>
+              </a:prstGeom>
+              <a:ln w="47625">
+                <a:solidFill>
+                  <a:schemeClr val="tx1"/>
+                </a:solidFill>
+              </a:ln>
+            </p:spPr>
+            <p:style>
+              <a:lnRef idx="1">
+                <a:schemeClr val="accent1"/>
+              </a:lnRef>
+              <a:fillRef idx="0">
+                <a:schemeClr val="accent1"/>
+              </a:fillRef>
+              <a:effectRef idx="0">
+                <a:schemeClr val="accent1"/>
+              </a:effectRef>
+              <a:fontRef idx="minor">
+                <a:schemeClr val="tx1"/>
+              </a:fontRef>
+            </p:style>
+          </p:cxnSp>
+        </p:grpSp>
+        <p:sp>
+          <p:nvSpPr>
+            <p:cNvPr id="37" name="TextBox 36">
+              <a:extLst>
+                <a:ext uri="{FF2B5EF4-FFF2-40B4-BE49-F238E27FC236}">
+                  <a16:creationId xmlns:a16="http://schemas.microsoft.com/office/drawing/2014/main" id="{1B31EC19-5075-D30C-9C7F-D2ABFF98E73D}"/>
+                </a:ext>
+              </a:extLst>
+            </p:cNvPr>
+            <p:cNvSpPr txBox="1"/>
+            <p:nvPr/>
+          </p:nvSpPr>
+          <p:spPr>
+            <a:xfrm>
+              <a:off x="956822" y="3155687"/>
+              <a:ext cx="2291012" cy="461665"/>
+            </a:xfrm>
+            <a:prstGeom prst="rect">
+              <a:avLst/>
+            </a:prstGeom>
+            <a:noFill/>
+          </p:spPr>
+          <p:txBody>
+            <a:bodyPr wrap="none" rtlCol="0">
+              <a:spAutoFit/>
+            </a:bodyPr>
+            <a:lstStyle/>
+            <a:p>
+              <a:r>
+                <a:rPr lang="en-US" sz="2400" dirty="0">
+                  <a:solidFill>
+                    <a:srgbClr val="7030A0"/>
+                  </a:solidFill>
+                  <a:latin typeface="Arial" panose="020B0604020202020204" pitchFamily="34" charset="0"/>
+                  <a:cs typeface="Arial" panose="020B0604020202020204" pitchFamily="34" charset="0"/>
+                </a:rPr>
+                <a:t>Minmax Scaled</a:t>
+              </a:r>
+            </a:p>
+          </p:txBody>
+        </p:sp>
+      </p:grpSp>
     </p:spTree>
     <p:extLst>
       <p:ext uri="{BB962C8B-B14F-4D97-AF65-F5344CB8AC3E}">
-        <p14:creationId xmlns:p14="http://schemas.microsoft.com/office/powerpoint/2010/main" val="1929043888"/>
+        <p14:creationId xmlns:p14="http://schemas.microsoft.com/office/powerpoint/2010/main" val="196634960"/>
       </p:ext>
     </p:extLst>
   </p:cSld>
@@ -4530,298 +5296,61 @@
           <a:chExt cx="0" cy="0"/>
         </a:xfrm>
       </p:grpSpPr>
-      <p:sp>
-        <p:nvSpPr>
-          <p:cNvPr id="4" name="Rectangle 3">
-            <a:extLst>
-              <a:ext uri="{FF2B5EF4-FFF2-40B4-BE49-F238E27FC236}">
-                <a16:creationId xmlns:a16="http://schemas.microsoft.com/office/drawing/2014/main" id="{3BFD8038-4CE5-A164-57BB-E096AE82647B}"/>
-              </a:ext>
-            </a:extLst>
-          </p:cNvPr>
-          <p:cNvSpPr/>
-          <p:nvPr/>
-        </p:nvSpPr>
-        <p:spPr>
-          <a:xfrm>
-            <a:off x="2672508" y="3051313"/>
-            <a:ext cx="3291840" cy="755374"/>
+      <p:pic>
+        <p:nvPicPr>
+          <p:cNvPr id="4" name="Picture 3">
+            <a:extLst>
+              <a:ext uri="{FF2B5EF4-FFF2-40B4-BE49-F238E27FC236}">
+                <a16:creationId xmlns:a16="http://schemas.microsoft.com/office/drawing/2014/main" id="{49C11C3B-7523-BA4F-97A3-750677216B42}"/>
+              </a:ext>
+            </a:extLst>
+          </p:cNvPr>
+          <p:cNvPicPr>
+            <a:picLocks noChangeAspect="1"/>
+          </p:cNvPicPr>
+          <p:nvPr/>
+        </p:nvPicPr>
+        <p:blipFill>
+          <a:blip r:embed="rId2"/>
+          <a:stretch>
+            <a:fillRect/>
+          </a:stretch>
+        </p:blipFill>
+        <p:spPr>
+          <a:xfrm>
+            <a:off x="-785812" y="2060870"/>
+            <a:ext cx="11536419" cy="2736257"/>
           </a:xfrm>
           <a:prstGeom prst="rect">
             <a:avLst/>
           </a:prstGeom>
-          <a:solidFill>
-            <a:schemeClr val="accent1">
-              <a:lumMod val="40000"/>
-              <a:lumOff val="60000"/>
-            </a:schemeClr>
-          </a:solidFill>
-          <a:ln w="38100"/>
-        </p:spPr>
-        <p:style>
-          <a:lnRef idx="2">
-            <a:schemeClr val="accent1">
-              <a:shade val="50000"/>
-            </a:schemeClr>
-          </a:lnRef>
-          <a:fillRef idx="1">
-            <a:schemeClr val="accent1"/>
-          </a:fillRef>
-          <a:effectRef idx="0">
-            <a:schemeClr val="accent1"/>
-          </a:effectRef>
-          <a:fontRef idx="minor">
-            <a:schemeClr val="lt1"/>
-          </a:fontRef>
-        </p:style>
-        <p:txBody>
-          <a:bodyPr rtlCol="0" anchor="ctr"/>
-          <a:lstStyle/>
-          <a:p>
-            <a:pPr algn="ctr"/>
-            <a:r>
-              <a:rPr lang="en-US" sz="2800" dirty="0">
-                <a:solidFill>
-                  <a:schemeClr val="tx1"/>
-                </a:solidFill>
-                <a:latin typeface="Arial" panose="020B0604020202020204" pitchFamily="34" charset="0"/>
-                <a:cs typeface="Arial" panose="020B0604020202020204" pitchFamily="34" charset="0"/>
-              </a:rPr>
-              <a:t>Feature </a:t>
-            </a:r>
-            <a:r>
-              <a:rPr lang="en-US" sz="2800" b="1" dirty="0">
-                <a:solidFill>
-                  <a:schemeClr val="tx1"/>
-                </a:solidFill>
-                <a:latin typeface="Arial" panose="020B0604020202020204" pitchFamily="34" charset="0"/>
-                <a:cs typeface="Arial" panose="020B0604020202020204" pitchFamily="34" charset="0"/>
-              </a:rPr>
-              <a:t>Extraction</a:t>
-            </a:r>
-          </a:p>
-        </p:txBody>
-      </p:sp>
-      <p:sp>
-        <p:nvSpPr>
-          <p:cNvPr id="5" name="Rectangle 4">
-            <a:extLst>
-              <a:ext uri="{FF2B5EF4-FFF2-40B4-BE49-F238E27FC236}">
-                <a16:creationId xmlns:a16="http://schemas.microsoft.com/office/drawing/2014/main" id="{8194E040-DF4C-3072-615B-0E0453CB2CF4}"/>
-              </a:ext>
-            </a:extLst>
-          </p:cNvPr>
-          <p:cNvSpPr/>
-          <p:nvPr/>
-        </p:nvSpPr>
-        <p:spPr>
-          <a:xfrm>
-            <a:off x="6275774" y="3051313"/>
-            <a:ext cx="3291840" cy="755374"/>
-          </a:xfrm>
-          <a:prstGeom prst="rect">
-            <a:avLst/>
-          </a:prstGeom>
-          <a:solidFill>
-            <a:schemeClr val="accent2">
-              <a:lumMod val="20000"/>
-              <a:lumOff val="80000"/>
-            </a:schemeClr>
-          </a:solidFill>
-          <a:ln w="38100">
+        </p:spPr>
+      </p:pic>
+      <p:cxnSp>
+        <p:nvCxnSpPr>
+          <p:cNvPr id="6" name="Straight Arrow Connector 5">
+            <a:extLst>
+              <a:ext uri="{FF2B5EF4-FFF2-40B4-BE49-F238E27FC236}">
+                <a16:creationId xmlns:a16="http://schemas.microsoft.com/office/drawing/2014/main" id="{4B355336-D1BC-81D2-8482-D97591D537AD}"/>
+              </a:ext>
+            </a:extLst>
+          </p:cNvPr>
+          <p:cNvCxnSpPr/>
+          <p:nvPr/>
+        </p:nvCxnSpPr>
+        <p:spPr>
+          <a:xfrm flipH="1">
+            <a:off x="5630989" y="2316479"/>
+            <a:ext cx="1389888" cy="243840"/>
+          </a:xfrm>
+          <a:prstGeom prst="straightConnector1">
+            <a:avLst/>
+          </a:prstGeom>
+          <a:ln w="31750">
             <a:solidFill>
-              <a:schemeClr val="accent2">
-                <a:lumMod val="50000"/>
-              </a:schemeClr>
+              <a:schemeClr val="accent1"/>
             </a:solidFill>
-          </a:ln>
-        </p:spPr>
-        <p:style>
-          <a:lnRef idx="2">
-            <a:schemeClr val="accent1">
-              <a:shade val="50000"/>
-            </a:schemeClr>
-          </a:lnRef>
-          <a:fillRef idx="1">
-            <a:schemeClr val="accent1"/>
-          </a:fillRef>
-          <a:effectRef idx="0">
-            <a:schemeClr val="accent1"/>
-          </a:effectRef>
-          <a:fontRef idx="minor">
-            <a:schemeClr val="lt1"/>
-          </a:fontRef>
-        </p:style>
-        <p:txBody>
-          <a:bodyPr rtlCol="0" anchor="ctr"/>
-          <a:lstStyle/>
-          <a:p>
-            <a:pPr algn="ctr"/>
-            <a:r>
-              <a:rPr lang="en-US" sz="2800" dirty="0">
-                <a:solidFill>
-                  <a:schemeClr val="tx1"/>
-                </a:solidFill>
-                <a:latin typeface="Arial" panose="020B0604020202020204" pitchFamily="34" charset="0"/>
-                <a:cs typeface="Arial" panose="020B0604020202020204" pitchFamily="34" charset="0"/>
-              </a:rPr>
-              <a:t>Feature </a:t>
-            </a:r>
-            <a:r>
-              <a:rPr lang="en-US" sz="2800" b="1" dirty="0">
-                <a:solidFill>
-                  <a:schemeClr val="tx1"/>
-                </a:solidFill>
-                <a:latin typeface="Arial" panose="020B0604020202020204" pitchFamily="34" charset="0"/>
-                <a:cs typeface="Arial" panose="020B0604020202020204" pitchFamily="34" charset="0"/>
-              </a:rPr>
-              <a:t>Selection</a:t>
-            </a:r>
-          </a:p>
-        </p:txBody>
-      </p:sp>
-      <p:sp>
-        <p:nvSpPr>
-          <p:cNvPr id="6" name="TextBox 5">
-            <a:extLst>
-              <a:ext uri="{FF2B5EF4-FFF2-40B4-BE49-F238E27FC236}">
-                <a16:creationId xmlns:a16="http://schemas.microsoft.com/office/drawing/2014/main" id="{4E3B7F5A-3194-7828-C7FB-30CC8CF70FB2}"/>
-              </a:ext>
-            </a:extLst>
-          </p:cNvPr>
-          <p:cNvSpPr txBox="1"/>
-          <p:nvPr/>
-        </p:nvSpPr>
-        <p:spPr>
-          <a:xfrm>
-            <a:off x="2672508" y="3806687"/>
-            <a:ext cx="3302764" cy="923330"/>
-          </a:xfrm>
-          <a:prstGeom prst="rect">
-            <a:avLst/>
-          </a:prstGeom>
-          <a:noFill/>
-        </p:spPr>
-        <p:txBody>
-          <a:bodyPr wrap="none" rtlCol="0">
-            <a:spAutoFit/>
-          </a:bodyPr>
-          <a:lstStyle/>
-          <a:p>
-            <a:pPr marL="285750" indent="-285750">
-              <a:buFont typeface="Arial" panose="020B0604020202020204" pitchFamily="34" charset="0"/>
-              <a:buChar char="•"/>
-            </a:pPr>
-            <a:r>
-              <a:rPr lang="en-US" dirty="0"/>
-              <a:t>Compute or estimate features</a:t>
-            </a:r>
-          </a:p>
-          <a:p>
-            <a:pPr marL="285750" indent="-285750">
-              <a:buFont typeface="Arial" panose="020B0604020202020204" pitchFamily="34" charset="0"/>
-              <a:buChar char="•"/>
-            </a:pPr>
-            <a:r>
-              <a:rPr lang="en-US" dirty="0"/>
-              <a:t>Encode nominal values</a:t>
-            </a:r>
-          </a:p>
-          <a:p>
-            <a:pPr marL="285750" indent="-285750">
-              <a:buFont typeface="Arial" panose="020B0604020202020204" pitchFamily="34" charset="0"/>
-              <a:buChar char="•"/>
-            </a:pPr>
-            <a:r>
-              <a:rPr lang="en-US" dirty="0"/>
-              <a:t>Cross reference for feature</a:t>
-            </a:r>
-          </a:p>
-        </p:txBody>
-      </p:sp>
-      <p:sp>
-        <p:nvSpPr>
-          <p:cNvPr id="7" name="TextBox 6">
-            <a:extLst>
-              <a:ext uri="{FF2B5EF4-FFF2-40B4-BE49-F238E27FC236}">
-                <a16:creationId xmlns:a16="http://schemas.microsoft.com/office/drawing/2014/main" id="{F7E50EBB-5484-1255-C7FC-C4E69CBC5D69}"/>
-              </a:ext>
-            </a:extLst>
-          </p:cNvPr>
-          <p:cNvSpPr txBox="1"/>
-          <p:nvPr/>
-        </p:nvSpPr>
-        <p:spPr>
-          <a:xfrm>
-            <a:off x="6264850" y="3806687"/>
-            <a:ext cx="3094822" cy="923330"/>
-          </a:xfrm>
-          <a:prstGeom prst="rect">
-            <a:avLst/>
-          </a:prstGeom>
-          <a:noFill/>
-        </p:spPr>
-        <p:txBody>
-          <a:bodyPr wrap="none" rtlCol="0">
-            <a:spAutoFit/>
-          </a:bodyPr>
-          <a:lstStyle/>
-          <a:p>
-            <a:pPr marL="285750" indent="-285750">
-              <a:buFont typeface="Arial" panose="020B0604020202020204" pitchFamily="34" charset="0"/>
-              <a:buChar char="•"/>
-            </a:pPr>
-            <a:r>
-              <a:rPr lang="en-US" dirty="0"/>
-              <a:t>Remove redundant features</a:t>
-            </a:r>
-          </a:p>
-          <a:p>
-            <a:pPr marL="285750" indent="-285750">
-              <a:buFont typeface="Arial" panose="020B0604020202020204" pitchFamily="34" charset="0"/>
-              <a:buChar char="•"/>
-            </a:pPr>
-            <a:r>
-              <a:rPr lang="en-US" dirty="0"/>
-              <a:t>Remove inconvenient feats</a:t>
-            </a:r>
-          </a:p>
-          <a:p>
-            <a:pPr marL="285750" indent="-285750">
-              <a:buFont typeface="Arial" panose="020B0604020202020204" pitchFamily="34" charset="0"/>
-              <a:buChar char="•"/>
-            </a:pPr>
-            <a:r>
-              <a:rPr lang="en-US" dirty="0"/>
-              <a:t>Increase interpretability</a:t>
-            </a:r>
-          </a:p>
-        </p:txBody>
-      </p:sp>
-      <p:sp>
-        <p:nvSpPr>
-          <p:cNvPr id="8" name="Left Brace 7">
-            <a:extLst>
-              <a:ext uri="{FF2B5EF4-FFF2-40B4-BE49-F238E27FC236}">
-                <a16:creationId xmlns:a16="http://schemas.microsoft.com/office/drawing/2014/main" id="{307AD408-CC10-30A4-4246-A486532E0E25}"/>
-              </a:ext>
-            </a:extLst>
-          </p:cNvPr>
-          <p:cNvSpPr/>
-          <p:nvPr/>
-        </p:nvSpPr>
-        <p:spPr>
-          <a:xfrm rot="5400000">
-            <a:off x="5976274" y="-753385"/>
-            <a:ext cx="278296" cy="7092563"/>
-          </a:xfrm>
-          <a:prstGeom prst="leftBrace">
-            <a:avLst/>
-          </a:prstGeom>
-          <a:ln w="34925">
-            <a:solidFill>
-              <a:schemeClr val="tx1"/>
-            </a:solidFill>
+            <a:tailEnd type="triangle"/>
           </a:ln>
         </p:spPr>
         <p:style>
@@ -4838,21 +5367,13 @@
             <a:schemeClr val="tx1"/>
           </a:fontRef>
         </p:style>
-        <p:txBody>
-          <a:bodyPr rtlCol="0" anchor="ctr"/>
-          <a:lstStyle/>
-          <a:p>
-            <a:pPr algn="ctr"/>
-            <a:endParaRPr lang="en-US"/>
-          </a:p>
-        </p:txBody>
-      </p:sp>
-      <p:sp>
-        <p:nvSpPr>
-          <p:cNvPr id="9" name="TextBox 8">
-            <a:extLst>
-              <a:ext uri="{FF2B5EF4-FFF2-40B4-BE49-F238E27FC236}">
-                <a16:creationId xmlns:a16="http://schemas.microsoft.com/office/drawing/2014/main" id="{610083A8-C473-C29D-9895-217666340E57}"/>
+      </p:cxnSp>
+      <p:sp>
+        <p:nvSpPr>
+          <p:cNvPr id="7" name="TextBox 6">
+            <a:extLst>
+              <a:ext uri="{FF2B5EF4-FFF2-40B4-BE49-F238E27FC236}">
+                <a16:creationId xmlns:a16="http://schemas.microsoft.com/office/drawing/2014/main" id="{E56BE64A-248C-1D3A-A12F-3106AC73727A}"/>
               </a:ext>
             </a:extLst>
           </p:cNvPr>
@@ -4861,8 +5382,8 @@
         </p:nvSpPr>
         <p:spPr>
           <a:xfrm>
-            <a:off x="4552385" y="2070894"/>
-            <a:ext cx="3446777" cy="523220"/>
+            <a:off x="7020877" y="2060870"/>
+            <a:ext cx="853119" cy="461665"/>
           </a:xfrm>
           <a:prstGeom prst="rect">
             <a:avLst/>
@@ -4876,19 +5397,150 @@
           <a:lstStyle/>
           <a:p>
             <a:r>
-              <a:rPr lang="en-US" sz="2800" dirty="0">
+              <a:rPr lang="en-US" sz="2400" b="1" dirty="0">
                 <a:latin typeface="Arial" panose="020B0604020202020204" pitchFamily="34" charset="0"/>
                 <a:cs typeface="Arial" panose="020B0604020202020204" pitchFamily="34" charset="0"/>
               </a:rPr>
-              <a:t>Feature Engineering</a:t>
+              <a:t>KNN</a:t>
             </a:r>
+          </a:p>
+        </p:txBody>
+      </p:sp>
+      <p:cxnSp>
+        <p:nvCxnSpPr>
+          <p:cNvPr id="8" name="Straight Arrow Connector 7">
+            <a:extLst>
+              <a:ext uri="{FF2B5EF4-FFF2-40B4-BE49-F238E27FC236}">
+                <a16:creationId xmlns:a16="http://schemas.microsoft.com/office/drawing/2014/main" id="{392CC2D6-2C20-7E7E-7860-B5393F552ED6}"/>
+              </a:ext>
+            </a:extLst>
+          </p:cNvPr>
+          <p:cNvCxnSpPr>
+            <a:cxnSpLocks/>
+          </p:cNvCxnSpPr>
+          <p:nvPr/>
+        </p:nvCxnSpPr>
+        <p:spPr>
+          <a:xfrm flipH="1" flipV="1">
+            <a:off x="5754814" y="3428998"/>
+            <a:ext cx="1560386" cy="385764"/>
+          </a:xfrm>
+          <a:prstGeom prst="straightConnector1">
+            <a:avLst/>
+          </a:prstGeom>
+          <a:ln w="31750">
+            <a:solidFill>
+              <a:schemeClr val="accent2"/>
+            </a:solidFill>
+            <a:tailEnd type="triangle"/>
+          </a:ln>
+        </p:spPr>
+        <p:style>
+          <a:lnRef idx="1">
+            <a:schemeClr val="accent1"/>
+          </a:lnRef>
+          <a:fillRef idx="0">
+            <a:schemeClr val="accent1"/>
+          </a:fillRef>
+          <a:effectRef idx="0">
+            <a:schemeClr val="accent1"/>
+          </a:effectRef>
+          <a:fontRef idx="minor">
+            <a:schemeClr val="tx1"/>
+          </a:fontRef>
+        </p:style>
+      </p:cxnSp>
+      <p:sp>
+        <p:nvSpPr>
+          <p:cNvPr id="10" name="TextBox 9">
+            <a:extLst>
+              <a:ext uri="{FF2B5EF4-FFF2-40B4-BE49-F238E27FC236}">
+                <a16:creationId xmlns:a16="http://schemas.microsoft.com/office/drawing/2014/main" id="{3BD93877-6DC1-93F7-6BAF-A69728F8F9CD}"/>
+              </a:ext>
+            </a:extLst>
+          </p:cNvPr>
+          <p:cNvSpPr txBox="1"/>
+          <p:nvPr/>
+        </p:nvSpPr>
+        <p:spPr>
+          <a:xfrm>
+            <a:off x="7438619" y="3621880"/>
+            <a:ext cx="3910418" cy="1938992"/>
+          </a:xfrm>
+          <a:prstGeom prst="rect">
+            <a:avLst/>
+          </a:prstGeom>
+          <a:noFill/>
+        </p:spPr>
+        <p:txBody>
+          <a:bodyPr wrap="square" rtlCol="0">
+            <a:spAutoFit/>
+          </a:bodyPr>
+          <a:lstStyle/>
+          <a:p>
+            <a:r>
+              <a:rPr lang="en-US" sz="2400" b="1" dirty="0">
+                <a:latin typeface="Arial" panose="020B0604020202020204" pitchFamily="34" charset="0"/>
+                <a:cs typeface="Arial" panose="020B0604020202020204" pitchFamily="34" charset="0"/>
+              </a:rPr>
+              <a:t>Features:</a:t>
+            </a:r>
+          </a:p>
+          <a:p>
+            <a:pPr marL="342900" indent="-342900">
+              <a:buFontTx/>
+              <a:buChar char="-"/>
+            </a:pPr>
+            <a:r>
+              <a:rPr lang="en-US" sz="2400" dirty="0">
+                <a:latin typeface="Arial" panose="020B0604020202020204" pitchFamily="34" charset="0"/>
+                <a:cs typeface="Arial" panose="020B0604020202020204" pitchFamily="34" charset="0"/>
+              </a:rPr>
+              <a:t>QAS ratio</a:t>
+            </a:r>
+          </a:p>
+          <a:p>
+            <a:pPr marL="342900" indent="-342900">
+              <a:buFontTx/>
+              <a:buChar char="-"/>
+            </a:pPr>
+            <a:r>
+              <a:rPr lang="en-US" sz="2400" dirty="0">
+                <a:latin typeface="Arial" panose="020B0604020202020204" pitchFamily="34" charset="0"/>
+                <a:cs typeface="Arial" panose="020B0604020202020204" pitchFamily="34" charset="0"/>
+              </a:rPr>
+              <a:t>HBD (OneHot encoded)</a:t>
+            </a:r>
+          </a:p>
+          <a:p>
+            <a:pPr marL="342900" indent="-342900">
+              <a:buFontTx/>
+              <a:buChar char="-"/>
+            </a:pPr>
+            <a:r>
+              <a:rPr lang="en-US" sz="2400" dirty="0">
+                <a:latin typeface="Arial" panose="020B0604020202020204" pitchFamily="34" charset="0"/>
+                <a:cs typeface="Arial" panose="020B0604020202020204" pitchFamily="34" charset="0"/>
+              </a:rPr>
+              <a:t>QAS (OneHot encoded)</a:t>
+            </a:r>
+          </a:p>
+          <a:p>
+            <a:pPr marL="342900" indent="-342900">
+              <a:buFontTx/>
+              <a:buChar char="-"/>
+            </a:pPr>
+            <a:endParaRPr lang="en-US" sz="2400" dirty="0">
+              <a:latin typeface="Arial" panose="020B0604020202020204" pitchFamily="34" charset="0"/>
+              <a:cs typeface="Arial" panose="020B0604020202020204" pitchFamily="34" charset="0"/>
+            </a:endParaRPr>
           </a:p>
         </p:txBody>
       </p:sp>
     </p:spTree>
     <p:extLst>
       <p:ext uri="{BB962C8B-B14F-4D97-AF65-F5344CB8AC3E}">
-        <p14:creationId xmlns:p14="http://schemas.microsoft.com/office/powerpoint/2010/main" val="828967740"/>
+        <p14:creationId xmlns:p14="http://schemas.microsoft.com/office/powerpoint/2010/main" val="1929043888"/>
       </p:ext>
     </p:extLst>
   </p:cSld>
@@ -4915,87 +5567,365 @@
           <a:chExt cx="0" cy="0"/>
         </a:xfrm>
       </p:grpSpPr>
-      <p:pic>
-        <p:nvPicPr>
-          <p:cNvPr id="1026" name="Picture 2" descr="Benzoyl chloride - Wikipedia">
-            <a:extLst>
-              <a:ext uri="{FF2B5EF4-FFF2-40B4-BE49-F238E27FC236}">
-                <a16:creationId xmlns:a16="http://schemas.microsoft.com/office/drawing/2014/main" id="{FB526F1B-8C2F-69CD-1A84-67617FF1270E}"/>
-              </a:ext>
-            </a:extLst>
-          </p:cNvPr>
-          <p:cNvPicPr>
-            <a:picLocks noChangeAspect="1" noChangeArrowheads="1"/>
-          </p:cNvPicPr>
-          <p:nvPr/>
-        </p:nvPicPr>
-        <p:blipFill>
-          <a:blip r:embed="rId2">
-            <a:extLst>
-              <a:ext uri="{28A0092B-C50C-407E-A947-70E740481C1C}">
-                <a14:useLocalDpi xmlns:a14="http://schemas.microsoft.com/office/drawing/2010/main" val="0"/>
-              </a:ext>
-            </a:extLst>
-          </a:blip>
-          <a:srcRect/>
-          <a:stretch>
-            <a:fillRect/>
-          </a:stretch>
-        </p:blipFill>
-        <p:spPr bwMode="auto">
-          <a:xfrm>
-            <a:off x="4520973" y="422483"/>
-            <a:ext cx="3150054" cy="2711884"/>
+      <p:sp>
+        <p:nvSpPr>
+          <p:cNvPr id="4" name="Rectangle 3">
+            <a:extLst>
+              <a:ext uri="{FF2B5EF4-FFF2-40B4-BE49-F238E27FC236}">
+                <a16:creationId xmlns:a16="http://schemas.microsoft.com/office/drawing/2014/main" id="{3BFD8038-4CE5-A164-57BB-E096AE82647B}"/>
+              </a:ext>
+            </a:extLst>
+          </p:cNvPr>
+          <p:cNvSpPr/>
+          <p:nvPr/>
+        </p:nvSpPr>
+        <p:spPr>
+          <a:xfrm>
+            <a:off x="2672508" y="3051313"/>
+            <a:ext cx="3291840" cy="755374"/>
           </a:xfrm>
           <a:prstGeom prst="rect">
             <a:avLst/>
           </a:prstGeom>
+          <a:solidFill>
+            <a:schemeClr val="accent1">
+              <a:lumMod val="40000"/>
+              <a:lumOff val="60000"/>
+            </a:schemeClr>
+          </a:solidFill>
+          <a:ln w="38100"/>
+        </p:spPr>
+        <p:style>
+          <a:lnRef idx="2">
+            <a:schemeClr val="accent1">
+              <a:shade val="50000"/>
+            </a:schemeClr>
+          </a:lnRef>
+          <a:fillRef idx="1">
+            <a:schemeClr val="accent1"/>
+          </a:fillRef>
+          <a:effectRef idx="0">
+            <a:schemeClr val="accent1"/>
+          </a:effectRef>
+          <a:fontRef idx="minor">
+            <a:schemeClr val="lt1"/>
+          </a:fontRef>
+        </p:style>
+        <p:txBody>
+          <a:bodyPr rtlCol="0" anchor="ctr"/>
+          <a:lstStyle/>
+          <a:p>
+            <a:pPr algn="ctr"/>
+            <a:r>
+              <a:rPr lang="en-US" sz="2800" dirty="0">
+                <a:solidFill>
+                  <a:schemeClr val="tx1"/>
+                </a:solidFill>
+                <a:latin typeface="Arial" panose="020B0604020202020204" pitchFamily="34" charset="0"/>
+                <a:cs typeface="Arial" panose="020B0604020202020204" pitchFamily="34" charset="0"/>
+              </a:rPr>
+              <a:t>Feature </a:t>
+            </a:r>
+            <a:r>
+              <a:rPr lang="en-US" sz="2800" b="1" dirty="0">
+                <a:solidFill>
+                  <a:schemeClr val="tx1"/>
+                </a:solidFill>
+                <a:latin typeface="Arial" panose="020B0604020202020204" pitchFamily="34" charset="0"/>
+                <a:cs typeface="Arial" panose="020B0604020202020204" pitchFamily="34" charset="0"/>
+              </a:rPr>
+              <a:t>Extraction</a:t>
+            </a:r>
+          </a:p>
+        </p:txBody>
+      </p:sp>
+      <p:sp>
+        <p:nvSpPr>
+          <p:cNvPr id="5" name="Rectangle 4">
+            <a:extLst>
+              <a:ext uri="{FF2B5EF4-FFF2-40B4-BE49-F238E27FC236}">
+                <a16:creationId xmlns:a16="http://schemas.microsoft.com/office/drawing/2014/main" id="{8194E040-DF4C-3072-615B-0E0453CB2CF4}"/>
+              </a:ext>
+            </a:extLst>
+          </p:cNvPr>
+          <p:cNvSpPr/>
+          <p:nvPr/>
+        </p:nvSpPr>
+        <p:spPr>
+          <a:xfrm>
+            <a:off x="6275774" y="3051313"/>
+            <a:ext cx="3291840" cy="755374"/>
+          </a:xfrm>
+          <a:prstGeom prst="rect">
+            <a:avLst/>
+          </a:prstGeom>
+          <a:solidFill>
+            <a:schemeClr val="accent2">
+              <a:lumMod val="20000"/>
+              <a:lumOff val="80000"/>
+            </a:schemeClr>
+          </a:solidFill>
+          <a:ln w="38100">
+            <a:solidFill>
+              <a:schemeClr val="accent2">
+                <a:lumMod val="50000"/>
+              </a:schemeClr>
+            </a:solidFill>
+          </a:ln>
+        </p:spPr>
+        <p:style>
+          <a:lnRef idx="2">
+            <a:schemeClr val="accent1">
+              <a:shade val="50000"/>
+            </a:schemeClr>
+          </a:lnRef>
+          <a:fillRef idx="1">
+            <a:schemeClr val="accent1"/>
+          </a:fillRef>
+          <a:effectRef idx="0">
+            <a:schemeClr val="accent1"/>
+          </a:effectRef>
+          <a:fontRef idx="minor">
+            <a:schemeClr val="lt1"/>
+          </a:fontRef>
+        </p:style>
+        <p:txBody>
+          <a:bodyPr rtlCol="0" anchor="ctr"/>
+          <a:lstStyle/>
+          <a:p>
+            <a:pPr algn="ctr"/>
+            <a:r>
+              <a:rPr lang="en-US" sz="2800" dirty="0">
+                <a:solidFill>
+                  <a:schemeClr val="tx1"/>
+                </a:solidFill>
+                <a:latin typeface="Arial" panose="020B0604020202020204" pitchFamily="34" charset="0"/>
+                <a:cs typeface="Arial" panose="020B0604020202020204" pitchFamily="34" charset="0"/>
+              </a:rPr>
+              <a:t>Feature </a:t>
+            </a:r>
+            <a:r>
+              <a:rPr lang="en-US" sz="2800" b="1" dirty="0">
+                <a:solidFill>
+                  <a:schemeClr val="tx1"/>
+                </a:solidFill>
+                <a:latin typeface="Arial" panose="020B0604020202020204" pitchFamily="34" charset="0"/>
+                <a:cs typeface="Arial" panose="020B0604020202020204" pitchFamily="34" charset="0"/>
+              </a:rPr>
+              <a:t>Selection</a:t>
+            </a:r>
+          </a:p>
+        </p:txBody>
+      </p:sp>
+      <p:sp>
+        <p:nvSpPr>
+          <p:cNvPr id="6" name="TextBox 5">
+            <a:extLst>
+              <a:ext uri="{FF2B5EF4-FFF2-40B4-BE49-F238E27FC236}">
+                <a16:creationId xmlns:a16="http://schemas.microsoft.com/office/drawing/2014/main" id="{4E3B7F5A-3194-7828-C7FB-30CC8CF70FB2}"/>
+              </a:ext>
+            </a:extLst>
+          </p:cNvPr>
+          <p:cNvSpPr txBox="1"/>
+          <p:nvPr/>
+        </p:nvSpPr>
+        <p:spPr>
+          <a:xfrm>
+            <a:off x="2672508" y="3806687"/>
+            <a:ext cx="3302764" cy="923330"/>
+          </a:xfrm>
+          <a:prstGeom prst="rect">
+            <a:avLst/>
+          </a:prstGeom>
           <a:noFill/>
-          <a:extLst>
-            <a:ext uri="{909E8E84-426E-40DD-AFC4-6F175D3DCCD1}">
-              <a14:hiddenFill xmlns:a14="http://schemas.microsoft.com/office/drawing/2010/main">
-                <a:solidFill>
-                  <a:srgbClr val="FFFFFF"/>
-                </a:solidFill>
-              </a14:hiddenFill>
-            </a:ext>
-          </a:extLst>
-        </p:spPr>
-      </p:pic>
-      <p:pic>
-        <p:nvPicPr>
-          <p:cNvPr id="4" name="Picture 3">
-            <a:extLst>
-              <a:ext uri="{FF2B5EF4-FFF2-40B4-BE49-F238E27FC236}">
-                <a16:creationId xmlns:a16="http://schemas.microsoft.com/office/drawing/2014/main" id="{39E7DA2C-FEB6-CEAB-9215-8FE706C07CE2}"/>
-              </a:ext>
-            </a:extLst>
-          </p:cNvPr>
-          <p:cNvPicPr>
-            <a:picLocks noChangeAspect="1"/>
-          </p:cNvPicPr>
-          <p:nvPr/>
-        </p:nvPicPr>
-        <p:blipFill>
-          <a:blip r:embed="rId3"/>
-          <a:stretch>
-            <a:fillRect/>
-          </a:stretch>
-        </p:blipFill>
-        <p:spPr>
-          <a:xfrm>
-            <a:off x="4049775" y="4263697"/>
-            <a:ext cx="3568700" cy="558800"/>
+        </p:spPr>
+        <p:txBody>
+          <a:bodyPr wrap="none" rtlCol="0">
+            <a:spAutoFit/>
+          </a:bodyPr>
+          <a:lstStyle/>
+          <a:p>
+            <a:pPr marL="285750" indent="-285750">
+              <a:buFont typeface="Arial" panose="020B0604020202020204" pitchFamily="34" charset="0"/>
+              <a:buChar char="•"/>
+            </a:pPr>
+            <a:r>
+              <a:rPr lang="en-US" dirty="0"/>
+              <a:t>Compute or estimate features</a:t>
+            </a:r>
+          </a:p>
+          <a:p>
+            <a:pPr marL="285750" indent="-285750">
+              <a:buFont typeface="Arial" panose="020B0604020202020204" pitchFamily="34" charset="0"/>
+              <a:buChar char="•"/>
+            </a:pPr>
+            <a:r>
+              <a:rPr lang="en-US" dirty="0"/>
+              <a:t>Encode nominal values</a:t>
+            </a:r>
+          </a:p>
+          <a:p>
+            <a:pPr marL="285750" indent="-285750">
+              <a:buFont typeface="Arial" panose="020B0604020202020204" pitchFamily="34" charset="0"/>
+              <a:buChar char="•"/>
+            </a:pPr>
+            <a:r>
+              <a:rPr lang="en-US" dirty="0"/>
+              <a:t>Cross reference for feature</a:t>
+            </a:r>
+          </a:p>
+        </p:txBody>
+      </p:sp>
+      <p:sp>
+        <p:nvSpPr>
+          <p:cNvPr id="7" name="TextBox 6">
+            <a:extLst>
+              <a:ext uri="{FF2B5EF4-FFF2-40B4-BE49-F238E27FC236}">
+                <a16:creationId xmlns:a16="http://schemas.microsoft.com/office/drawing/2014/main" id="{F7E50EBB-5484-1255-C7FC-C4E69CBC5D69}"/>
+              </a:ext>
+            </a:extLst>
+          </p:cNvPr>
+          <p:cNvSpPr txBox="1"/>
+          <p:nvPr/>
+        </p:nvSpPr>
+        <p:spPr>
+          <a:xfrm>
+            <a:off x="6264850" y="3806687"/>
+            <a:ext cx="3094822" cy="923330"/>
           </a:xfrm>
           <a:prstGeom prst="rect">
             <a:avLst/>
           </a:prstGeom>
-        </p:spPr>
-      </p:pic>
+          <a:noFill/>
+        </p:spPr>
+        <p:txBody>
+          <a:bodyPr wrap="none" rtlCol="0">
+            <a:spAutoFit/>
+          </a:bodyPr>
+          <a:lstStyle/>
+          <a:p>
+            <a:pPr marL="285750" indent="-285750">
+              <a:buFont typeface="Arial" panose="020B0604020202020204" pitchFamily="34" charset="0"/>
+              <a:buChar char="•"/>
+            </a:pPr>
+            <a:r>
+              <a:rPr lang="en-US" dirty="0"/>
+              <a:t>Remove redundant features</a:t>
+            </a:r>
+          </a:p>
+          <a:p>
+            <a:pPr marL="285750" indent="-285750">
+              <a:buFont typeface="Arial" panose="020B0604020202020204" pitchFamily="34" charset="0"/>
+              <a:buChar char="•"/>
+            </a:pPr>
+            <a:r>
+              <a:rPr lang="en-US" dirty="0"/>
+              <a:t>Remove inconvenient feats</a:t>
+            </a:r>
+          </a:p>
+          <a:p>
+            <a:pPr marL="285750" indent="-285750">
+              <a:buFont typeface="Arial" panose="020B0604020202020204" pitchFamily="34" charset="0"/>
+              <a:buChar char="•"/>
+            </a:pPr>
+            <a:r>
+              <a:rPr lang="en-US" dirty="0"/>
+              <a:t>Increase interpretability</a:t>
+            </a:r>
+          </a:p>
+        </p:txBody>
+      </p:sp>
+      <p:sp>
+        <p:nvSpPr>
+          <p:cNvPr id="8" name="Left Brace 7">
+            <a:extLst>
+              <a:ext uri="{FF2B5EF4-FFF2-40B4-BE49-F238E27FC236}">
+                <a16:creationId xmlns:a16="http://schemas.microsoft.com/office/drawing/2014/main" id="{307AD408-CC10-30A4-4246-A486532E0E25}"/>
+              </a:ext>
+            </a:extLst>
+          </p:cNvPr>
+          <p:cNvSpPr/>
+          <p:nvPr/>
+        </p:nvSpPr>
+        <p:spPr>
+          <a:xfrm rot="5400000">
+            <a:off x="5976274" y="-753385"/>
+            <a:ext cx="278296" cy="7092563"/>
+          </a:xfrm>
+          <a:prstGeom prst="leftBrace">
+            <a:avLst/>
+          </a:prstGeom>
+          <a:ln w="34925">
+            <a:solidFill>
+              <a:schemeClr val="tx1"/>
+            </a:solidFill>
+          </a:ln>
+        </p:spPr>
+        <p:style>
+          <a:lnRef idx="1">
+            <a:schemeClr val="accent1"/>
+          </a:lnRef>
+          <a:fillRef idx="0">
+            <a:schemeClr val="accent1"/>
+          </a:fillRef>
+          <a:effectRef idx="0">
+            <a:schemeClr val="accent1"/>
+          </a:effectRef>
+          <a:fontRef idx="minor">
+            <a:schemeClr val="tx1"/>
+          </a:fontRef>
+        </p:style>
+        <p:txBody>
+          <a:bodyPr rtlCol="0" anchor="ctr"/>
+          <a:lstStyle/>
+          <a:p>
+            <a:pPr algn="ctr"/>
+            <a:endParaRPr lang="en-US"/>
+          </a:p>
+        </p:txBody>
+      </p:sp>
+      <p:sp>
+        <p:nvSpPr>
+          <p:cNvPr id="9" name="TextBox 8">
+            <a:extLst>
+              <a:ext uri="{FF2B5EF4-FFF2-40B4-BE49-F238E27FC236}">
+                <a16:creationId xmlns:a16="http://schemas.microsoft.com/office/drawing/2014/main" id="{610083A8-C473-C29D-9895-217666340E57}"/>
+              </a:ext>
+            </a:extLst>
+          </p:cNvPr>
+          <p:cNvSpPr txBox="1"/>
+          <p:nvPr/>
+        </p:nvSpPr>
+        <p:spPr>
+          <a:xfrm>
+            <a:off x="4552385" y="2070894"/>
+            <a:ext cx="3446777" cy="523220"/>
+          </a:xfrm>
+          <a:prstGeom prst="rect">
+            <a:avLst/>
+          </a:prstGeom>
+          <a:noFill/>
+        </p:spPr>
+        <p:txBody>
+          <a:bodyPr wrap="none" rtlCol="0">
+            <a:spAutoFit/>
+          </a:bodyPr>
+          <a:lstStyle/>
+          <a:p>
+            <a:r>
+              <a:rPr lang="en-US" sz="2800" dirty="0">
+                <a:latin typeface="Arial" panose="020B0604020202020204" pitchFamily="34" charset="0"/>
+                <a:cs typeface="Arial" panose="020B0604020202020204" pitchFamily="34" charset="0"/>
+              </a:rPr>
+              <a:t>Feature Engineering</a:t>
+            </a:r>
+          </a:p>
+        </p:txBody>
+      </p:sp>
     </p:spTree>
     <p:extLst>
       <p:ext uri="{BB962C8B-B14F-4D97-AF65-F5344CB8AC3E}">
-        <p14:creationId xmlns:p14="http://schemas.microsoft.com/office/powerpoint/2010/main" val="1395397786"/>
+        <p14:creationId xmlns:p14="http://schemas.microsoft.com/office/powerpoint/2010/main" val="828967740"/>
       </p:ext>
     </p:extLst>
   </p:cSld>
@@ -5024,199 +5954,57 @@
       </p:grpSpPr>
       <p:pic>
         <p:nvPicPr>
-          <p:cNvPr id="6" name="Picture 5">
-            <a:extLst>
-              <a:ext uri="{FF2B5EF4-FFF2-40B4-BE49-F238E27FC236}">
-                <a16:creationId xmlns:a16="http://schemas.microsoft.com/office/drawing/2014/main" id="{C5F70845-FCAE-C155-2C08-0BCF04284E25}"/>
+          <p:cNvPr id="1026" name="Picture 2" descr="Benzoyl chloride - Wikipedia">
+            <a:extLst>
+              <a:ext uri="{FF2B5EF4-FFF2-40B4-BE49-F238E27FC236}">
+                <a16:creationId xmlns:a16="http://schemas.microsoft.com/office/drawing/2014/main" id="{FB526F1B-8C2F-69CD-1A84-67617FF1270E}"/>
               </a:ext>
             </a:extLst>
           </p:cNvPr>
           <p:cNvPicPr>
-            <a:picLocks noChangeAspect="1"/>
+            <a:picLocks noChangeAspect="1" noChangeArrowheads="1"/>
           </p:cNvPicPr>
           <p:nvPr/>
         </p:nvPicPr>
         <p:blipFill>
-          <a:blip r:embed="rId2"/>
+          <a:blip r:embed="rId2">
+            <a:extLst>
+              <a:ext uri="{28A0092B-C50C-407E-A947-70E740481C1C}">
+                <a14:useLocalDpi xmlns:a14="http://schemas.microsoft.com/office/drawing/2010/main" val="0"/>
+              </a:ext>
+            </a:extLst>
+          </a:blip>
+          <a:srcRect/>
           <a:stretch>
             <a:fillRect/>
           </a:stretch>
         </p:blipFill>
-        <p:spPr>
-          <a:xfrm>
-            <a:off x="2451538" y="1860331"/>
-            <a:ext cx="5887392" cy="3439941"/>
+        <p:spPr bwMode="auto">
+          <a:xfrm>
+            <a:off x="4520973" y="422483"/>
+            <a:ext cx="3150054" cy="2711884"/>
           </a:xfrm>
           <a:prstGeom prst="rect">
             <a:avLst/>
           </a:prstGeom>
+          <a:noFill/>
+          <a:extLst>
+            <a:ext uri="{909E8E84-426E-40DD-AFC4-6F175D3DCCD1}">
+              <a14:hiddenFill xmlns:a14="http://schemas.microsoft.com/office/drawing/2010/main">
+                <a:solidFill>
+                  <a:srgbClr val="FFFFFF"/>
+                </a:solidFill>
+              </a14:hiddenFill>
+            </a:ext>
+          </a:extLst>
         </p:spPr>
       </p:pic>
-      <p:sp>
-        <p:nvSpPr>
-          <p:cNvPr id="7" name="Rectangle 6">
-            <a:extLst>
-              <a:ext uri="{FF2B5EF4-FFF2-40B4-BE49-F238E27FC236}">
-                <a16:creationId xmlns:a16="http://schemas.microsoft.com/office/drawing/2014/main" id="{C57775F4-A4D4-7953-30D7-4A4D12743804}"/>
-              </a:ext>
-            </a:extLst>
-          </p:cNvPr>
-          <p:cNvSpPr/>
-          <p:nvPr/>
-        </p:nvSpPr>
-        <p:spPr>
-          <a:xfrm>
-            <a:off x="4372303" y="4918841"/>
-            <a:ext cx="2049518" cy="210207"/>
-          </a:xfrm>
-          <a:prstGeom prst="rect">
-            <a:avLst/>
-          </a:prstGeom>
-          <a:solidFill>
-            <a:schemeClr val="bg1"/>
-          </a:solidFill>
-          <a:ln>
-            <a:noFill/>
-          </a:ln>
-        </p:spPr>
-        <p:style>
-          <a:lnRef idx="2">
-            <a:schemeClr val="accent1">
-              <a:shade val="50000"/>
-            </a:schemeClr>
-          </a:lnRef>
-          <a:fillRef idx="1">
-            <a:schemeClr val="accent1"/>
-          </a:fillRef>
-          <a:effectRef idx="0">
-            <a:schemeClr val="accent1"/>
-          </a:effectRef>
-          <a:fontRef idx="minor">
-            <a:schemeClr val="lt1"/>
-          </a:fontRef>
-        </p:style>
-        <p:txBody>
-          <a:bodyPr rtlCol="0" anchor="ctr"/>
-          <a:lstStyle/>
-          <a:p>
-            <a:pPr algn="ctr"/>
-            <a:endParaRPr lang="en-US"/>
-          </a:p>
-        </p:txBody>
-      </p:sp>
-      <p:sp>
-        <p:nvSpPr>
-          <p:cNvPr id="8" name="Rectangle 7">
-            <a:extLst>
-              <a:ext uri="{FF2B5EF4-FFF2-40B4-BE49-F238E27FC236}">
-                <a16:creationId xmlns:a16="http://schemas.microsoft.com/office/drawing/2014/main" id="{324FCBCA-D74F-C955-ABAB-10F249843B71}"/>
-              </a:ext>
-            </a:extLst>
-          </p:cNvPr>
-          <p:cNvSpPr/>
-          <p:nvPr/>
-        </p:nvSpPr>
-        <p:spPr>
-          <a:xfrm>
-            <a:off x="6647793" y="4377558"/>
-            <a:ext cx="2049518" cy="210207"/>
-          </a:xfrm>
-          <a:prstGeom prst="rect">
-            <a:avLst/>
-          </a:prstGeom>
-          <a:solidFill>
-            <a:schemeClr val="bg1"/>
-          </a:solidFill>
-          <a:ln>
-            <a:noFill/>
-          </a:ln>
-        </p:spPr>
-        <p:style>
-          <a:lnRef idx="2">
-            <a:schemeClr val="accent1">
-              <a:shade val="50000"/>
-            </a:schemeClr>
-          </a:lnRef>
-          <a:fillRef idx="1">
-            <a:schemeClr val="accent1"/>
-          </a:fillRef>
-          <a:effectRef idx="0">
-            <a:schemeClr val="accent1"/>
-          </a:effectRef>
-          <a:fontRef idx="minor">
-            <a:schemeClr val="lt1"/>
-          </a:fontRef>
-        </p:style>
-        <p:txBody>
-          <a:bodyPr rtlCol="0" anchor="ctr"/>
-          <a:lstStyle/>
-          <a:p>
-            <a:pPr algn="ctr"/>
-            <a:r>
-              <a:rPr lang="en-US" dirty="0"/>
-              <a:t>v</a:t>
-            </a:r>
-          </a:p>
-        </p:txBody>
-      </p:sp>
-      <p:sp>
-        <p:nvSpPr>
-          <p:cNvPr id="9" name="Rectangle 8">
-            <a:extLst>
-              <a:ext uri="{FF2B5EF4-FFF2-40B4-BE49-F238E27FC236}">
-                <a16:creationId xmlns:a16="http://schemas.microsoft.com/office/drawing/2014/main" id="{7CA72A5D-2C23-5671-3128-81AB8C87AF87}"/>
-              </a:ext>
-            </a:extLst>
-          </p:cNvPr>
-          <p:cNvSpPr/>
-          <p:nvPr/>
-        </p:nvSpPr>
-        <p:spPr>
-          <a:xfrm>
-            <a:off x="6127531" y="2180896"/>
-            <a:ext cx="2049518" cy="210207"/>
-          </a:xfrm>
-          <a:prstGeom prst="rect">
-            <a:avLst/>
-          </a:prstGeom>
-          <a:solidFill>
-            <a:schemeClr val="bg1"/>
-          </a:solidFill>
-          <a:ln>
-            <a:noFill/>
-          </a:ln>
-        </p:spPr>
-        <p:style>
-          <a:lnRef idx="2">
-            <a:schemeClr val="accent1">
-              <a:shade val="50000"/>
-            </a:schemeClr>
-          </a:lnRef>
-          <a:fillRef idx="1">
-            <a:schemeClr val="accent1"/>
-          </a:fillRef>
-          <a:effectRef idx="0">
-            <a:schemeClr val="accent1"/>
-          </a:effectRef>
-          <a:fontRef idx="minor">
-            <a:schemeClr val="lt1"/>
-          </a:fontRef>
-        </p:style>
-        <p:txBody>
-          <a:bodyPr rtlCol="0" anchor="ctr"/>
-          <a:lstStyle/>
-          <a:p>
-            <a:pPr algn="ctr"/>
-            <a:endParaRPr lang="en-US"/>
-          </a:p>
-        </p:txBody>
-      </p:sp>
       <p:pic>
         <p:nvPicPr>
-          <p:cNvPr id="10" name="Picture 9">
-            <a:extLst>
-              <a:ext uri="{FF2B5EF4-FFF2-40B4-BE49-F238E27FC236}">
-                <a16:creationId xmlns:a16="http://schemas.microsoft.com/office/drawing/2014/main" id="{C028B277-52BE-CD6F-7CD6-4D767D3BB6E5}"/>
+          <p:cNvPr id="4" name="Picture 3">
+            <a:extLst>
+              <a:ext uri="{FF2B5EF4-FFF2-40B4-BE49-F238E27FC236}">
+                <a16:creationId xmlns:a16="http://schemas.microsoft.com/office/drawing/2014/main" id="{39E7DA2C-FEB6-CEAB-9215-8FE706C07CE2}"/>
               </a:ext>
             </a:extLst>
           </p:cNvPr>
@@ -5233,38 +6021,8 @@
         </p:blipFill>
         <p:spPr>
           <a:xfrm>
-            <a:off x="6127531" y="2137059"/>
-            <a:ext cx="1902372" cy="297880"/>
-          </a:xfrm>
-          <a:prstGeom prst="rect">
-            <a:avLst/>
-          </a:prstGeom>
-        </p:spPr>
-      </p:pic>
-      <p:pic>
-        <p:nvPicPr>
-          <p:cNvPr id="11" name="Picture 10">
-            <a:extLst>
-              <a:ext uri="{FF2B5EF4-FFF2-40B4-BE49-F238E27FC236}">
-                <a16:creationId xmlns:a16="http://schemas.microsoft.com/office/drawing/2014/main" id="{0C34985F-AA23-2E77-3033-EAD076D245FB}"/>
-              </a:ext>
-            </a:extLst>
-          </p:cNvPr>
-          <p:cNvPicPr>
-            <a:picLocks noChangeAspect="1"/>
-          </p:cNvPicPr>
-          <p:nvPr/>
-        </p:nvPicPr>
-        <p:blipFill>
-          <a:blip r:embed="rId4"/>
-          <a:stretch>
-            <a:fillRect/>
-          </a:stretch>
-        </p:blipFill>
-        <p:spPr>
-          <a:xfrm>
-            <a:off x="5084492" y="4971392"/>
-            <a:ext cx="310742" cy="210208"/>
+            <a:off x="4049775" y="4263697"/>
+            <a:ext cx="3568700" cy="558800"/>
           </a:xfrm>
           <a:prstGeom prst="rect">
             <a:avLst/>
@@ -5274,7 +6032,7 @@
     </p:spTree>
     <p:extLst>
       <p:ext uri="{BB962C8B-B14F-4D97-AF65-F5344CB8AC3E}">
-        <p14:creationId xmlns:p14="http://schemas.microsoft.com/office/powerpoint/2010/main" val="1517495630"/>
+        <p14:creationId xmlns:p14="http://schemas.microsoft.com/office/powerpoint/2010/main" val="1395397786"/>
       </p:ext>
     </p:extLst>
   </p:cSld>
@@ -5303,6 +6061,285 @@
       </p:grpSpPr>
       <p:pic>
         <p:nvPicPr>
+          <p:cNvPr id="6" name="Picture 5">
+            <a:extLst>
+              <a:ext uri="{FF2B5EF4-FFF2-40B4-BE49-F238E27FC236}">
+                <a16:creationId xmlns:a16="http://schemas.microsoft.com/office/drawing/2014/main" id="{C5F70845-FCAE-C155-2C08-0BCF04284E25}"/>
+              </a:ext>
+            </a:extLst>
+          </p:cNvPr>
+          <p:cNvPicPr>
+            <a:picLocks noChangeAspect="1"/>
+          </p:cNvPicPr>
+          <p:nvPr/>
+        </p:nvPicPr>
+        <p:blipFill>
+          <a:blip r:embed="rId2"/>
+          <a:stretch>
+            <a:fillRect/>
+          </a:stretch>
+        </p:blipFill>
+        <p:spPr>
+          <a:xfrm>
+            <a:off x="2451538" y="1860331"/>
+            <a:ext cx="5887392" cy="3439941"/>
+          </a:xfrm>
+          <a:prstGeom prst="rect">
+            <a:avLst/>
+          </a:prstGeom>
+        </p:spPr>
+      </p:pic>
+      <p:sp>
+        <p:nvSpPr>
+          <p:cNvPr id="7" name="Rectangle 6">
+            <a:extLst>
+              <a:ext uri="{FF2B5EF4-FFF2-40B4-BE49-F238E27FC236}">
+                <a16:creationId xmlns:a16="http://schemas.microsoft.com/office/drawing/2014/main" id="{C57775F4-A4D4-7953-30D7-4A4D12743804}"/>
+              </a:ext>
+            </a:extLst>
+          </p:cNvPr>
+          <p:cNvSpPr/>
+          <p:nvPr/>
+        </p:nvSpPr>
+        <p:spPr>
+          <a:xfrm>
+            <a:off x="4372303" y="4918841"/>
+            <a:ext cx="2049518" cy="210207"/>
+          </a:xfrm>
+          <a:prstGeom prst="rect">
+            <a:avLst/>
+          </a:prstGeom>
+          <a:solidFill>
+            <a:schemeClr val="bg1"/>
+          </a:solidFill>
+          <a:ln>
+            <a:noFill/>
+          </a:ln>
+        </p:spPr>
+        <p:style>
+          <a:lnRef idx="2">
+            <a:schemeClr val="accent1">
+              <a:shade val="50000"/>
+            </a:schemeClr>
+          </a:lnRef>
+          <a:fillRef idx="1">
+            <a:schemeClr val="accent1"/>
+          </a:fillRef>
+          <a:effectRef idx="0">
+            <a:schemeClr val="accent1"/>
+          </a:effectRef>
+          <a:fontRef idx="minor">
+            <a:schemeClr val="lt1"/>
+          </a:fontRef>
+        </p:style>
+        <p:txBody>
+          <a:bodyPr rtlCol="0" anchor="ctr"/>
+          <a:lstStyle/>
+          <a:p>
+            <a:pPr algn="ctr"/>
+            <a:endParaRPr lang="en-US"/>
+          </a:p>
+        </p:txBody>
+      </p:sp>
+      <p:sp>
+        <p:nvSpPr>
+          <p:cNvPr id="8" name="Rectangle 7">
+            <a:extLst>
+              <a:ext uri="{FF2B5EF4-FFF2-40B4-BE49-F238E27FC236}">
+                <a16:creationId xmlns:a16="http://schemas.microsoft.com/office/drawing/2014/main" id="{324FCBCA-D74F-C955-ABAB-10F249843B71}"/>
+              </a:ext>
+            </a:extLst>
+          </p:cNvPr>
+          <p:cNvSpPr/>
+          <p:nvPr/>
+        </p:nvSpPr>
+        <p:spPr>
+          <a:xfrm>
+            <a:off x="6647793" y="4377558"/>
+            <a:ext cx="2049518" cy="210207"/>
+          </a:xfrm>
+          <a:prstGeom prst="rect">
+            <a:avLst/>
+          </a:prstGeom>
+          <a:solidFill>
+            <a:schemeClr val="bg1"/>
+          </a:solidFill>
+          <a:ln>
+            <a:noFill/>
+          </a:ln>
+        </p:spPr>
+        <p:style>
+          <a:lnRef idx="2">
+            <a:schemeClr val="accent1">
+              <a:shade val="50000"/>
+            </a:schemeClr>
+          </a:lnRef>
+          <a:fillRef idx="1">
+            <a:schemeClr val="accent1"/>
+          </a:fillRef>
+          <a:effectRef idx="0">
+            <a:schemeClr val="accent1"/>
+          </a:effectRef>
+          <a:fontRef idx="minor">
+            <a:schemeClr val="lt1"/>
+          </a:fontRef>
+        </p:style>
+        <p:txBody>
+          <a:bodyPr rtlCol="0" anchor="ctr"/>
+          <a:lstStyle/>
+          <a:p>
+            <a:pPr algn="ctr"/>
+            <a:r>
+              <a:rPr lang="en-US" dirty="0"/>
+              <a:t>v</a:t>
+            </a:r>
+          </a:p>
+        </p:txBody>
+      </p:sp>
+      <p:sp>
+        <p:nvSpPr>
+          <p:cNvPr id="9" name="Rectangle 8">
+            <a:extLst>
+              <a:ext uri="{FF2B5EF4-FFF2-40B4-BE49-F238E27FC236}">
+                <a16:creationId xmlns:a16="http://schemas.microsoft.com/office/drawing/2014/main" id="{7CA72A5D-2C23-5671-3128-81AB8C87AF87}"/>
+              </a:ext>
+            </a:extLst>
+          </p:cNvPr>
+          <p:cNvSpPr/>
+          <p:nvPr/>
+        </p:nvSpPr>
+        <p:spPr>
+          <a:xfrm>
+            <a:off x="6127531" y="2180896"/>
+            <a:ext cx="2049518" cy="210207"/>
+          </a:xfrm>
+          <a:prstGeom prst="rect">
+            <a:avLst/>
+          </a:prstGeom>
+          <a:solidFill>
+            <a:schemeClr val="bg1"/>
+          </a:solidFill>
+          <a:ln>
+            <a:noFill/>
+          </a:ln>
+        </p:spPr>
+        <p:style>
+          <a:lnRef idx="2">
+            <a:schemeClr val="accent1">
+              <a:shade val="50000"/>
+            </a:schemeClr>
+          </a:lnRef>
+          <a:fillRef idx="1">
+            <a:schemeClr val="accent1"/>
+          </a:fillRef>
+          <a:effectRef idx="0">
+            <a:schemeClr val="accent1"/>
+          </a:effectRef>
+          <a:fontRef idx="minor">
+            <a:schemeClr val="lt1"/>
+          </a:fontRef>
+        </p:style>
+        <p:txBody>
+          <a:bodyPr rtlCol="0" anchor="ctr"/>
+          <a:lstStyle/>
+          <a:p>
+            <a:pPr algn="ctr"/>
+            <a:endParaRPr lang="en-US"/>
+          </a:p>
+        </p:txBody>
+      </p:sp>
+      <p:pic>
+        <p:nvPicPr>
+          <p:cNvPr id="10" name="Picture 9">
+            <a:extLst>
+              <a:ext uri="{FF2B5EF4-FFF2-40B4-BE49-F238E27FC236}">
+                <a16:creationId xmlns:a16="http://schemas.microsoft.com/office/drawing/2014/main" id="{C028B277-52BE-CD6F-7CD6-4D767D3BB6E5}"/>
+              </a:ext>
+            </a:extLst>
+          </p:cNvPr>
+          <p:cNvPicPr>
+            <a:picLocks noChangeAspect="1"/>
+          </p:cNvPicPr>
+          <p:nvPr/>
+        </p:nvPicPr>
+        <p:blipFill>
+          <a:blip r:embed="rId3"/>
+          <a:stretch>
+            <a:fillRect/>
+          </a:stretch>
+        </p:blipFill>
+        <p:spPr>
+          <a:xfrm>
+            <a:off x="6127531" y="2137059"/>
+            <a:ext cx="1902372" cy="297880"/>
+          </a:xfrm>
+          <a:prstGeom prst="rect">
+            <a:avLst/>
+          </a:prstGeom>
+        </p:spPr>
+      </p:pic>
+      <p:pic>
+        <p:nvPicPr>
+          <p:cNvPr id="11" name="Picture 10">
+            <a:extLst>
+              <a:ext uri="{FF2B5EF4-FFF2-40B4-BE49-F238E27FC236}">
+                <a16:creationId xmlns:a16="http://schemas.microsoft.com/office/drawing/2014/main" id="{0C34985F-AA23-2E77-3033-EAD076D245FB}"/>
+              </a:ext>
+            </a:extLst>
+          </p:cNvPr>
+          <p:cNvPicPr>
+            <a:picLocks noChangeAspect="1"/>
+          </p:cNvPicPr>
+          <p:nvPr/>
+        </p:nvPicPr>
+        <p:blipFill>
+          <a:blip r:embed="rId4"/>
+          <a:stretch>
+            <a:fillRect/>
+          </a:stretch>
+        </p:blipFill>
+        <p:spPr>
+          <a:xfrm>
+            <a:off x="5084492" y="4971392"/>
+            <a:ext cx="310742" cy="210208"/>
+          </a:xfrm>
+          <a:prstGeom prst="rect">
+            <a:avLst/>
+          </a:prstGeom>
+        </p:spPr>
+      </p:pic>
+    </p:spTree>
+    <p:extLst>
+      <p:ext uri="{BB962C8B-B14F-4D97-AF65-F5344CB8AC3E}">
+        <p14:creationId xmlns:p14="http://schemas.microsoft.com/office/powerpoint/2010/main" val="1517495630"/>
+      </p:ext>
+    </p:extLst>
+  </p:cSld>
+  <p:clrMapOvr>
+    <a:masterClrMapping/>
+  </p:clrMapOvr>
+</p:sld>
+</file>
+
+<file path=ppt/slides/slide16.xml><?xml version="1.0" encoding="utf-8"?>
+<p:sld xmlns:a="http://schemas.openxmlformats.org/drawingml/2006/main" xmlns:r="http://schemas.openxmlformats.org/officeDocument/2006/relationships" xmlns:p="http://schemas.openxmlformats.org/presentationml/2006/main">
+  <p:cSld>
+    <p:spTree>
+      <p:nvGrpSpPr>
+        <p:cNvPr id="1" name=""/>
+        <p:cNvGrpSpPr/>
+        <p:nvPr/>
+      </p:nvGrpSpPr>
+      <p:grpSpPr>
+        <a:xfrm>
+          <a:off x="0" y="0"/>
+          <a:ext cx="0" cy="0"/>
+          <a:chOff x="0" y="0"/>
+          <a:chExt cx="0" cy="0"/>
+        </a:xfrm>
+      </p:grpSpPr>
+      <p:pic>
+        <p:nvPicPr>
           <p:cNvPr id="4" name="Picture 3">
             <a:extLst>
               <a:ext uri="{FF2B5EF4-FFF2-40B4-BE49-F238E27FC236}">
@@ -5375,8 +6412,8 @@
           </a:p>
         </p:txBody>
       </p:sp>
-      <mc:AlternateContent xmlns:mc="http://schemas.openxmlformats.org/markup-compatibility/2006">
-        <mc:Choice xmlns:a14="http://schemas.microsoft.com/office/drawing/2010/main" Requires="a14">
+      <mc:AlternateContent xmlns:mc="http://schemas.openxmlformats.org/markup-compatibility/2006" xmlns:a14="http://schemas.microsoft.com/office/drawing/2010/main">
+        <mc:Choice Requires="a14">
           <p:sp>
             <p:nvSpPr>
               <p:cNvPr id="6" name="TextBox 5">
@@ -5470,7 +6507,7 @@
             </p:txBody>
           </p:sp>
         </mc:Choice>
-        <mc:Fallback>
+        <mc:Fallback xmlns="">
           <p:sp>
             <p:nvSpPr>
               <p:cNvPr id="6" name="TextBox 5">
@@ -5616,7 +6653,7 @@
 </p:sld>
 </file>
 
-<file path=ppt/slides/slide16.xml><?xml version="1.0" encoding="utf-8"?>
+<file path=ppt/slides/slide17.xml><?xml version="1.0" encoding="utf-8"?>
 <p:sld xmlns:a="http://schemas.openxmlformats.org/drawingml/2006/main" xmlns:r="http://schemas.openxmlformats.org/officeDocument/2006/relationships" xmlns:p="http://schemas.openxmlformats.org/presentationml/2006/main">
   <p:cSld>
     <p:spTree>
@@ -5726,7 +6763,7 @@
 </p:sld>
 </file>
 
-<file path=ppt/slides/slide17.xml><?xml version="1.0" encoding="utf-8"?>
+<file path=ppt/slides/slide18.xml><?xml version="1.0" encoding="utf-8"?>
 <p:sld xmlns:a="http://schemas.openxmlformats.org/drawingml/2006/main" xmlns:r="http://schemas.openxmlformats.org/officeDocument/2006/relationships" xmlns:p="http://schemas.openxmlformats.org/presentationml/2006/main">
   <p:cSld>
     <p:spTree>
@@ -5861,6 +6898,385 @@
           </a:p>
         </p:txBody>
       </p:sp>
+      <p:pic>
+        <p:nvPicPr>
+          <p:cNvPr id="3" name="Picture 2">
+            <a:extLst>
+              <a:ext uri="{FF2B5EF4-FFF2-40B4-BE49-F238E27FC236}">
+                <a16:creationId xmlns:a16="http://schemas.microsoft.com/office/drawing/2014/main" id="{D91627DC-F661-B58D-83CF-AED34E9DD35B}"/>
+              </a:ext>
+            </a:extLst>
+          </p:cNvPr>
+          <p:cNvPicPr>
+            <a:picLocks noChangeAspect="1"/>
+          </p:cNvPicPr>
+          <p:nvPr/>
+        </p:nvPicPr>
+        <p:blipFill>
+          <a:blip r:embed="rId2"/>
+          <a:stretch>
+            <a:fillRect/>
+          </a:stretch>
+        </p:blipFill>
+        <p:spPr>
+          <a:xfrm>
+            <a:off x="336922" y="3587855"/>
+            <a:ext cx="5087200" cy="3206164"/>
+          </a:xfrm>
+          <a:prstGeom prst="rect">
+            <a:avLst/>
+          </a:prstGeom>
+        </p:spPr>
+      </p:pic>
+      <p:sp>
+        <p:nvSpPr>
+          <p:cNvPr id="6" name="Freeform 5">
+            <a:extLst>
+              <a:ext uri="{FF2B5EF4-FFF2-40B4-BE49-F238E27FC236}">
+                <a16:creationId xmlns:a16="http://schemas.microsoft.com/office/drawing/2014/main" id="{1796E697-5ADC-1946-00FF-7E90AEB786C3}"/>
+              </a:ext>
+            </a:extLst>
+          </p:cNvPr>
+          <p:cNvSpPr/>
+          <p:nvPr/>
+        </p:nvSpPr>
+        <p:spPr>
+          <a:xfrm>
+            <a:off x="1622162" y="4045055"/>
+            <a:ext cx="2753360" cy="1889760"/>
+          </a:xfrm>
+          <a:custGeom>
+            <a:avLst/>
+            <a:gdLst>
+              <a:gd name="connsiteX0" fmla="*/ 0 w 2753360"/>
+              <a:gd name="connsiteY0" fmla="*/ 0 h 1889760"/>
+              <a:gd name="connsiteX1" fmla="*/ 2753360 w 2753360"/>
+              <a:gd name="connsiteY1" fmla="*/ 1889760 h 1889760"/>
+              <a:gd name="connsiteX0" fmla="*/ 0 w 2753360"/>
+              <a:gd name="connsiteY0" fmla="*/ 0 h 1889760"/>
+              <a:gd name="connsiteX1" fmla="*/ 2753360 w 2753360"/>
+              <a:gd name="connsiteY1" fmla="*/ 1889760 h 1889760"/>
+              <a:gd name="connsiteX0" fmla="*/ 0 w 2753360"/>
+              <a:gd name="connsiteY0" fmla="*/ 0 h 1889760"/>
+              <a:gd name="connsiteX1" fmla="*/ 2753360 w 2753360"/>
+              <a:gd name="connsiteY1" fmla="*/ 1889760 h 1889760"/>
+            </a:gdLst>
+            <a:ahLst/>
+            <a:cxnLst>
+              <a:cxn ang="0">
+                <a:pos x="connsiteX0" y="connsiteY0"/>
+              </a:cxn>
+              <a:cxn ang="0">
+                <a:pos x="connsiteX1" y="connsiteY1"/>
+              </a:cxn>
+            </a:cxnLst>
+            <a:rect l="l" t="t" r="r" b="b"/>
+            <a:pathLst>
+              <a:path w="2753360" h="1889760">
+                <a:moveTo>
+                  <a:pt x="0" y="0"/>
+                </a:moveTo>
+                <a:cubicBezTo>
+                  <a:pt x="676487" y="1206500"/>
+                  <a:pt x="1495214" y="1651000"/>
+                  <a:pt x="2753360" y="1889760"/>
+                </a:cubicBezTo>
+              </a:path>
+            </a:pathLst>
+          </a:custGeom>
+          <a:noFill/>
+          <a:ln w="63500">
+            <a:solidFill>
+              <a:schemeClr val="accent6"/>
+            </a:solidFill>
+          </a:ln>
+        </p:spPr>
+        <p:style>
+          <a:lnRef idx="2">
+            <a:schemeClr val="accent1">
+              <a:shade val="50000"/>
+            </a:schemeClr>
+          </a:lnRef>
+          <a:fillRef idx="1">
+            <a:schemeClr val="accent1"/>
+          </a:fillRef>
+          <a:effectRef idx="0">
+            <a:schemeClr val="accent1"/>
+          </a:effectRef>
+          <a:fontRef idx="minor">
+            <a:schemeClr val="lt1"/>
+          </a:fontRef>
+        </p:style>
+        <p:txBody>
+          <a:bodyPr rtlCol="0" anchor="ctr"/>
+          <a:lstStyle/>
+          <a:p>
+            <a:pPr algn="ctr"/>
+            <a:endParaRPr lang="en-US"/>
+          </a:p>
+        </p:txBody>
+      </p:sp>
+      <p:pic>
+        <p:nvPicPr>
+          <p:cNvPr id="7" name="Picture 6">
+            <a:extLst>
+              <a:ext uri="{FF2B5EF4-FFF2-40B4-BE49-F238E27FC236}">
+                <a16:creationId xmlns:a16="http://schemas.microsoft.com/office/drawing/2014/main" id="{E0ECC878-AF3A-A3E0-0EFE-1FEFB6B68910}"/>
+              </a:ext>
+            </a:extLst>
+          </p:cNvPr>
+          <p:cNvPicPr>
+            <a:picLocks noChangeAspect="1"/>
+          </p:cNvPicPr>
+          <p:nvPr/>
+        </p:nvPicPr>
+        <p:blipFill>
+          <a:blip r:embed="rId2"/>
+          <a:stretch>
+            <a:fillRect/>
+          </a:stretch>
+        </p:blipFill>
+        <p:spPr>
+          <a:xfrm>
+            <a:off x="6527246" y="3509596"/>
+            <a:ext cx="5087200" cy="3206164"/>
+          </a:xfrm>
+          <a:prstGeom prst="rect">
+            <a:avLst/>
+          </a:prstGeom>
+        </p:spPr>
+      </p:pic>
+      <p:sp>
+        <p:nvSpPr>
+          <p:cNvPr id="10" name="Freeform 9">
+            <a:extLst>
+              <a:ext uri="{FF2B5EF4-FFF2-40B4-BE49-F238E27FC236}">
+                <a16:creationId xmlns:a16="http://schemas.microsoft.com/office/drawing/2014/main" id="{66328178-1B61-3CE9-16BD-687945DC2001}"/>
+              </a:ext>
+            </a:extLst>
+          </p:cNvPr>
+          <p:cNvSpPr/>
+          <p:nvPr/>
+        </p:nvSpPr>
+        <p:spPr>
+          <a:xfrm>
+            <a:off x="7750175" y="4038600"/>
+            <a:ext cx="215900" cy="1111250"/>
+          </a:xfrm>
+          <a:custGeom>
+            <a:avLst/>
+            <a:gdLst>
+              <a:gd name="connsiteX0" fmla="*/ 0 w 215900"/>
+              <a:gd name="connsiteY0" fmla="*/ 1111250 h 1111250"/>
+              <a:gd name="connsiteX1" fmla="*/ 25400 w 215900"/>
+              <a:gd name="connsiteY1" fmla="*/ 660400 h 1111250"/>
+              <a:gd name="connsiteX2" fmla="*/ 31750 w 215900"/>
+              <a:gd name="connsiteY2" fmla="*/ 457200 h 1111250"/>
+              <a:gd name="connsiteX3" fmla="*/ 60325 w 215900"/>
+              <a:gd name="connsiteY3" fmla="*/ 733425 h 1111250"/>
+              <a:gd name="connsiteX4" fmla="*/ 66675 w 215900"/>
+              <a:gd name="connsiteY4" fmla="*/ 511175 h 1111250"/>
+              <a:gd name="connsiteX5" fmla="*/ 85725 w 215900"/>
+              <a:gd name="connsiteY5" fmla="*/ 657225 h 1111250"/>
+              <a:gd name="connsiteX6" fmla="*/ 92075 w 215900"/>
+              <a:gd name="connsiteY6" fmla="*/ 422275 h 1111250"/>
+              <a:gd name="connsiteX7" fmla="*/ 111125 w 215900"/>
+              <a:gd name="connsiteY7" fmla="*/ 225425 h 1111250"/>
+              <a:gd name="connsiteX8" fmla="*/ 136525 w 215900"/>
+              <a:gd name="connsiteY8" fmla="*/ 603250 h 1111250"/>
+              <a:gd name="connsiteX9" fmla="*/ 152400 w 215900"/>
+              <a:gd name="connsiteY9" fmla="*/ 0 h 1111250"/>
+              <a:gd name="connsiteX10" fmla="*/ 168275 w 215900"/>
+              <a:gd name="connsiteY10" fmla="*/ 219075 h 1111250"/>
+              <a:gd name="connsiteX11" fmla="*/ 168275 w 215900"/>
+              <a:gd name="connsiteY11" fmla="*/ 733425 h 1111250"/>
+              <a:gd name="connsiteX12" fmla="*/ 180975 w 215900"/>
+              <a:gd name="connsiteY12" fmla="*/ 171450 h 1111250"/>
+              <a:gd name="connsiteX13" fmla="*/ 184150 w 215900"/>
+              <a:gd name="connsiteY13" fmla="*/ 244475 h 1111250"/>
+              <a:gd name="connsiteX14" fmla="*/ 206375 w 215900"/>
+              <a:gd name="connsiteY14" fmla="*/ 660400 h 1111250"/>
+              <a:gd name="connsiteX15" fmla="*/ 215900 w 215900"/>
+              <a:gd name="connsiteY15" fmla="*/ 400050 h 1111250"/>
+            </a:gdLst>
+            <a:ahLst/>
+            <a:cxnLst>
+              <a:cxn ang="0">
+                <a:pos x="connsiteX0" y="connsiteY0"/>
+              </a:cxn>
+              <a:cxn ang="0">
+                <a:pos x="connsiteX1" y="connsiteY1"/>
+              </a:cxn>
+              <a:cxn ang="0">
+                <a:pos x="connsiteX2" y="connsiteY2"/>
+              </a:cxn>
+              <a:cxn ang="0">
+                <a:pos x="connsiteX3" y="connsiteY3"/>
+              </a:cxn>
+              <a:cxn ang="0">
+                <a:pos x="connsiteX4" y="connsiteY4"/>
+              </a:cxn>
+              <a:cxn ang="0">
+                <a:pos x="connsiteX5" y="connsiteY5"/>
+              </a:cxn>
+              <a:cxn ang="0">
+                <a:pos x="connsiteX6" y="connsiteY6"/>
+              </a:cxn>
+              <a:cxn ang="0">
+                <a:pos x="connsiteX7" y="connsiteY7"/>
+              </a:cxn>
+              <a:cxn ang="0">
+                <a:pos x="connsiteX8" y="connsiteY8"/>
+              </a:cxn>
+              <a:cxn ang="0">
+                <a:pos x="connsiteX9" y="connsiteY9"/>
+              </a:cxn>
+              <a:cxn ang="0">
+                <a:pos x="connsiteX10" y="connsiteY10"/>
+              </a:cxn>
+              <a:cxn ang="0">
+                <a:pos x="connsiteX11" y="connsiteY11"/>
+              </a:cxn>
+              <a:cxn ang="0">
+                <a:pos x="connsiteX12" y="connsiteY12"/>
+              </a:cxn>
+              <a:cxn ang="0">
+                <a:pos x="connsiteX13" y="connsiteY13"/>
+              </a:cxn>
+              <a:cxn ang="0">
+                <a:pos x="connsiteX14" y="connsiteY14"/>
+              </a:cxn>
+              <a:cxn ang="0">
+                <a:pos x="connsiteX15" y="connsiteY15"/>
+              </a:cxn>
+            </a:cxnLst>
+            <a:rect l="l" t="t" r="r" b="b"/>
+            <a:pathLst>
+              <a:path w="215900" h="1111250">
+                <a:moveTo>
+                  <a:pt x="0" y="1111250"/>
+                </a:moveTo>
+                <a:lnTo>
+                  <a:pt x="25400" y="660400"/>
+                </a:lnTo>
+                <a:lnTo>
+                  <a:pt x="31750" y="457200"/>
+                </a:lnTo>
+                <a:lnTo>
+                  <a:pt x="60325" y="733425"/>
+                </a:lnTo>
+                <a:lnTo>
+                  <a:pt x="66675" y="511175"/>
+                </a:lnTo>
+                <a:lnTo>
+                  <a:pt x="85725" y="657225"/>
+                </a:lnTo>
+                <a:lnTo>
+                  <a:pt x="92075" y="422275"/>
+                </a:lnTo>
+                <a:lnTo>
+                  <a:pt x="111125" y="225425"/>
+                </a:lnTo>
+                <a:lnTo>
+                  <a:pt x="136525" y="603250"/>
+                </a:lnTo>
+                <a:lnTo>
+                  <a:pt x="152400" y="0"/>
+                </a:lnTo>
+                <a:lnTo>
+                  <a:pt x="168275" y="219075"/>
+                </a:lnTo>
+                <a:lnTo>
+                  <a:pt x="168275" y="733425"/>
+                </a:lnTo>
+                <a:lnTo>
+                  <a:pt x="180975" y="171450"/>
+                </a:lnTo>
+                <a:lnTo>
+                  <a:pt x="184150" y="244475"/>
+                </a:lnTo>
+                <a:lnTo>
+                  <a:pt x="206375" y="660400"/>
+                </a:lnTo>
+                <a:lnTo>
+                  <a:pt x="215900" y="400050"/>
+                </a:lnTo>
+              </a:path>
+            </a:pathLst>
+          </a:custGeom>
+          <a:noFill/>
+          <a:ln>
+            <a:solidFill>
+              <a:schemeClr val="accent6"/>
+            </a:solidFill>
+          </a:ln>
+        </p:spPr>
+        <p:style>
+          <a:lnRef idx="2">
+            <a:schemeClr val="accent1">
+              <a:shade val="50000"/>
+            </a:schemeClr>
+          </a:lnRef>
+          <a:fillRef idx="1">
+            <a:schemeClr val="accent1"/>
+          </a:fillRef>
+          <a:effectRef idx="0">
+            <a:schemeClr val="accent1"/>
+          </a:effectRef>
+          <a:fontRef idx="minor">
+            <a:schemeClr val="lt1"/>
+          </a:fontRef>
+        </p:style>
+        <p:txBody>
+          <a:bodyPr rtlCol="0" anchor="ctr"/>
+          <a:lstStyle/>
+          <a:p>
+            <a:pPr algn="ctr"/>
+            <a:endParaRPr lang="en-US"/>
+          </a:p>
+        </p:txBody>
+      </p:sp>
+      <p:sp>
+        <p:nvSpPr>
+          <p:cNvPr id="11" name="TextBox 10">
+            <a:extLst>
+              <a:ext uri="{FF2B5EF4-FFF2-40B4-BE49-F238E27FC236}">
+                <a16:creationId xmlns:a16="http://schemas.microsoft.com/office/drawing/2014/main" id="{E07850FB-1305-33AE-992C-F03C5683FE90}"/>
+              </a:ext>
+            </a:extLst>
+          </p:cNvPr>
+          <p:cNvSpPr txBox="1"/>
+          <p:nvPr/>
+        </p:nvSpPr>
+        <p:spPr>
+          <a:xfrm>
+            <a:off x="8695745" y="4167743"/>
+            <a:ext cx="1544012" cy="369332"/>
+          </a:xfrm>
+          <a:prstGeom prst="rect">
+            <a:avLst/>
+          </a:prstGeom>
+          <a:noFill/>
+        </p:spPr>
+        <p:txBody>
+          <a:bodyPr wrap="none" rtlCol="0">
+            <a:spAutoFit/>
+          </a:bodyPr>
+          <a:lstStyle/>
+          <a:p>
+            <a:r>
+              <a:rPr lang="en-US" b="1" dirty="0">
+                <a:solidFill>
+                  <a:schemeClr val="accent6"/>
+                </a:solidFill>
+                <a:latin typeface="Arial" panose="020B0604020202020204" pitchFamily="34" charset="0"/>
+                <a:cs typeface="Arial" panose="020B0604020202020204" pitchFamily="34" charset="0"/>
+              </a:rPr>
+              <a:t>And so on…</a:t>
+            </a:r>
+          </a:p>
+        </p:txBody>
+      </p:sp>
     </p:spTree>
     <p:extLst>
       <p:ext uri="{BB962C8B-B14F-4D97-AF65-F5344CB8AC3E}">
@@ -5874,7 +7290,7 @@
 </p:sld>
 </file>
 
-<file path=ppt/slides/slide18.xml><?xml version="1.0" encoding="utf-8"?>
+<file path=ppt/slides/slide19.xml><?xml version="1.0" encoding="utf-8"?>
 <p:sld xmlns:a="http://schemas.openxmlformats.org/drawingml/2006/main" xmlns:r="http://schemas.openxmlformats.org/officeDocument/2006/relationships" xmlns:p="http://schemas.openxmlformats.org/presentationml/2006/main">
   <p:cSld>
     <p:spTree>
@@ -7836,6 +9252,143 @@
       </p:par>
     </p:tnLst>
   </p:timing>
+</p:sld>
+</file>
+
+<file path=ppt/slides/slide20.xml><?xml version="1.0" encoding="utf-8"?>
+<p:sld xmlns:a="http://schemas.openxmlformats.org/drawingml/2006/main" xmlns:r="http://schemas.openxmlformats.org/officeDocument/2006/relationships" xmlns:p="http://schemas.openxmlformats.org/presentationml/2006/main">
+  <p:cSld>
+    <p:spTree>
+      <p:nvGrpSpPr>
+        <p:cNvPr id="1" name=""/>
+        <p:cNvGrpSpPr/>
+        <p:nvPr/>
+      </p:nvGrpSpPr>
+      <p:grpSpPr>
+        <a:xfrm>
+          <a:off x="0" y="0"/>
+          <a:ext cx="0" cy="0"/>
+          <a:chOff x="0" y="0"/>
+          <a:chExt cx="0" cy="0"/>
+        </a:xfrm>
+      </p:grpSpPr>
+      <p:pic>
+        <p:nvPicPr>
+          <p:cNvPr id="1026" name="Picture 2">
+            <a:extLst>
+              <a:ext uri="{FF2B5EF4-FFF2-40B4-BE49-F238E27FC236}">
+                <a16:creationId xmlns:a16="http://schemas.microsoft.com/office/drawing/2014/main" id="{9466344C-EF66-BA4E-204B-B3E595075450}"/>
+              </a:ext>
+            </a:extLst>
+          </p:cNvPr>
+          <p:cNvPicPr>
+            <a:picLocks noChangeAspect="1" noChangeArrowheads="1"/>
+          </p:cNvPicPr>
+          <p:nvPr/>
+        </p:nvPicPr>
+        <p:blipFill>
+          <a:blip r:embed="rId2">
+            <a:extLst>
+              <a:ext uri="{28A0092B-C50C-407E-A947-70E740481C1C}">
+                <a14:useLocalDpi xmlns:a14="http://schemas.microsoft.com/office/drawing/2010/main" val="0"/>
+              </a:ext>
+            </a:extLst>
+          </a:blip>
+          <a:srcRect/>
+          <a:stretch>
+            <a:fillRect/>
+          </a:stretch>
+        </p:blipFill>
+        <p:spPr bwMode="auto">
+          <a:xfrm>
+            <a:off x="2581442" y="2296313"/>
+            <a:ext cx="6795367" cy="2006170"/>
+          </a:xfrm>
+          <a:prstGeom prst="rect">
+            <a:avLst/>
+          </a:prstGeom>
+          <a:noFill/>
+          <a:extLst>
+            <a:ext uri="{909E8E84-426E-40DD-AFC4-6F175D3DCCD1}">
+              <a14:hiddenFill xmlns:a14="http://schemas.microsoft.com/office/drawing/2010/main">
+                <a:solidFill>
+                  <a:srgbClr val="FFFFFF"/>
+                </a:solidFill>
+              </a14:hiddenFill>
+            </a:ext>
+          </a:extLst>
+        </p:spPr>
+      </p:pic>
+    </p:spTree>
+    <p:extLst>
+      <p:ext uri="{BB962C8B-B14F-4D97-AF65-F5344CB8AC3E}">
+        <p14:creationId xmlns:p14="http://schemas.microsoft.com/office/powerpoint/2010/main" val="1821256650"/>
+      </p:ext>
+    </p:extLst>
+  </p:cSld>
+  <p:clrMapOvr>
+    <a:masterClrMapping/>
+  </p:clrMapOvr>
+</p:sld>
+</file>
+
+<file path=ppt/slides/slide21.xml><?xml version="1.0" encoding="utf-8"?>
+<p:sld xmlns:a="http://schemas.openxmlformats.org/drawingml/2006/main" xmlns:r="http://schemas.openxmlformats.org/officeDocument/2006/relationships" xmlns:p="http://schemas.openxmlformats.org/presentationml/2006/main">
+  <p:cSld>
+    <p:spTree>
+      <p:nvGrpSpPr>
+        <p:cNvPr id="1" name=""/>
+        <p:cNvGrpSpPr/>
+        <p:nvPr/>
+      </p:nvGrpSpPr>
+      <p:grpSpPr>
+        <a:xfrm>
+          <a:off x="0" y="0"/>
+          <a:ext cx="0" cy="0"/>
+          <a:chOff x="0" y="0"/>
+          <a:chExt cx="0" cy="0"/>
+        </a:xfrm>
+      </p:grpSpPr>
+      <p:pic>
+        <p:nvPicPr>
+          <p:cNvPr id="4" name="Picture 3">
+            <a:extLst>
+              <a:ext uri="{FF2B5EF4-FFF2-40B4-BE49-F238E27FC236}">
+                <a16:creationId xmlns:a16="http://schemas.microsoft.com/office/drawing/2014/main" id="{6B6200F6-325D-DC63-3A51-8FBCDDCC072D}"/>
+              </a:ext>
+            </a:extLst>
+          </p:cNvPr>
+          <p:cNvPicPr>
+            <a:picLocks noChangeAspect="1"/>
+          </p:cNvPicPr>
+          <p:nvPr/>
+        </p:nvPicPr>
+        <p:blipFill>
+          <a:blip r:embed="rId2"/>
+          <a:stretch>
+            <a:fillRect/>
+          </a:stretch>
+        </p:blipFill>
+        <p:spPr>
+          <a:xfrm>
+            <a:off x="2952750" y="1788865"/>
+            <a:ext cx="5309507" cy="3560050"/>
+          </a:xfrm>
+          <a:prstGeom prst="rect">
+            <a:avLst/>
+          </a:prstGeom>
+        </p:spPr>
+      </p:pic>
+    </p:spTree>
+    <p:extLst>
+      <p:ext uri="{BB962C8B-B14F-4D97-AF65-F5344CB8AC3E}">
+        <p14:creationId xmlns:p14="http://schemas.microsoft.com/office/powerpoint/2010/main" val="4249144499"/>
+      </p:ext>
+    </p:extLst>
+  </p:cSld>
+  <p:clrMapOvr>
+    <a:masterClrMapping/>
+  </p:clrMapOvr>
 </p:sld>
 </file>
 

--- a/dsmcer_2023_update/Lecture_Notebooks/L4-6_visual_support.pptx
+++ b/dsmcer_2023_update/Lecture_Notebooks/L4-6_visual_support.pptx
@@ -26,6 +26,7 @@
     <p:sldId id="274" r:id="rId20"/>
     <p:sldId id="276" r:id="rId21"/>
     <p:sldId id="277" r:id="rId22"/>
+    <p:sldId id="278" r:id="rId23"/>
   </p:sldIdLst>
   <p:sldSz cx="12192000" cy="6858000"/>
   <p:notesSz cx="6858000" cy="9144000"/>
@@ -279,7 +280,7 @@
           <a:p>
             <a:fld id="{B9CDD8D7-AFDD-9749-90F5-2CC70159DE98}" type="datetimeFigureOut">
               <a:rPr lang="en-US" smtClean="0"/>
-              <a:t>12/22/22</a:t>
+              <a:t>12/27/22</a:t>
             </a:fld>
             <a:endParaRPr lang="en-US"/>
           </a:p>
@@ -477,7 +478,7 @@
           <a:p>
             <a:fld id="{B9CDD8D7-AFDD-9749-90F5-2CC70159DE98}" type="datetimeFigureOut">
               <a:rPr lang="en-US" smtClean="0"/>
-              <a:t>12/22/22</a:t>
+              <a:t>12/27/22</a:t>
             </a:fld>
             <a:endParaRPr lang="en-US"/>
           </a:p>
@@ -685,7 +686,7 @@
           <a:p>
             <a:fld id="{B9CDD8D7-AFDD-9749-90F5-2CC70159DE98}" type="datetimeFigureOut">
               <a:rPr lang="en-US" smtClean="0"/>
-              <a:t>12/22/22</a:t>
+              <a:t>12/27/22</a:t>
             </a:fld>
             <a:endParaRPr lang="en-US"/>
           </a:p>
@@ -883,7 +884,7 @@
           <a:p>
             <a:fld id="{B9CDD8D7-AFDD-9749-90F5-2CC70159DE98}" type="datetimeFigureOut">
               <a:rPr lang="en-US" smtClean="0"/>
-              <a:t>12/22/22</a:t>
+              <a:t>12/27/22</a:t>
             </a:fld>
             <a:endParaRPr lang="en-US"/>
           </a:p>
@@ -1158,7 +1159,7 @@
           <a:p>
             <a:fld id="{B9CDD8D7-AFDD-9749-90F5-2CC70159DE98}" type="datetimeFigureOut">
               <a:rPr lang="en-US" smtClean="0"/>
-              <a:t>12/22/22</a:t>
+              <a:t>12/27/22</a:t>
             </a:fld>
             <a:endParaRPr lang="en-US"/>
           </a:p>
@@ -1423,7 +1424,7 @@
           <a:p>
             <a:fld id="{B9CDD8D7-AFDD-9749-90F5-2CC70159DE98}" type="datetimeFigureOut">
               <a:rPr lang="en-US" smtClean="0"/>
-              <a:t>12/22/22</a:t>
+              <a:t>12/27/22</a:t>
             </a:fld>
             <a:endParaRPr lang="en-US"/>
           </a:p>
@@ -1835,7 +1836,7 @@
           <a:p>
             <a:fld id="{B9CDD8D7-AFDD-9749-90F5-2CC70159DE98}" type="datetimeFigureOut">
               <a:rPr lang="en-US" smtClean="0"/>
-              <a:t>12/22/22</a:t>
+              <a:t>12/27/22</a:t>
             </a:fld>
             <a:endParaRPr lang="en-US"/>
           </a:p>
@@ -1976,7 +1977,7 @@
           <a:p>
             <a:fld id="{B9CDD8D7-AFDD-9749-90F5-2CC70159DE98}" type="datetimeFigureOut">
               <a:rPr lang="en-US" smtClean="0"/>
-              <a:t>12/22/22</a:t>
+              <a:t>12/27/22</a:t>
             </a:fld>
             <a:endParaRPr lang="en-US"/>
           </a:p>
@@ -2089,7 +2090,7 @@
           <a:p>
             <a:fld id="{B9CDD8D7-AFDD-9749-90F5-2CC70159DE98}" type="datetimeFigureOut">
               <a:rPr lang="en-US" smtClean="0"/>
-              <a:t>12/22/22</a:t>
+              <a:t>12/27/22</a:t>
             </a:fld>
             <a:endParaRPr lang="en-US"/>
           </a:p>
@@ -2400,7 +2401,7 @@
           <a:p>
             <a:fld id="{B9CDD8D7-AFDD-9749-90F5-2CC70159DE98}" type="datetimeFigureOut">
               <a:rPr lang="en-US" smtClean="0"/>
-              <a:t>12/22/22</a:t>
+              <a:t>12/27/22</a:t>
             </a:fld>
             <a:endParaRPr lang="en-US"/>
           </a:p>
@@ -2688,7 +2689,7 @@
           <a:p>
             <a:fld id="{B9CDD8D7-AFDD-9749-90F5-2CC70159DE98}" type="datetimeFigureOut">
               <a:rPr lang="en-US" smtClean="0"/>
-              <a:t>12/22/22</a:t>
+              <a:t>12/27/22</a:t>
             </a:fld>
             <a:endParaRPr lang="en-US"/>
           </a:p>
@@ -2929,7 +2930,7 @@
           <a:p>
             <a:fld id="{B9CDD8D7-AFDD-9749-90F5-2CC70159DE98}" type="datetimeFigureOut">
               <a:rPr lang="en-US" smtClean="0"/>
-              <a:t>12/22/22</a:t>
+              <a:t>12/27/22</a:t>
             </a:fld>
             <a:endParaRPr lang="en-US"/>
           </a:p>
@@ -6359,8 +6360,8 @@
         </p:blipFill>
         <p:spPr>
           <a:xfrm>
-            <a:off x="2509267" y="2648864"/>
-            <a:ext cx="7262727" cy="467193"/>
+            <a:off x="2509267" y="2664182"/>
+            <a:ext cx="7262727" cy="436557"/>
           </a:xfrm>
           <a:prstGeom prst="rect">
             <a:avLst/>
@@ -9383,6 +9384,349 @@
     <p:extLst>
       <p:ext uri="{BB962C8B-B14F-4D97-AF65-F5344CB8AC3E}">
         <p14:creationId xmlns:p14="http://schemas.microsoft.com/office/powerpoint/2010/main" val="4249144499"/>
+      </p:ext>
+    </p:extLst>
+  </p:cSld>
+  <p:clrMapOvr>
+    <a:masterClrMapping/>
+  </p:clrMapOvr>
+</p:sld>
+</file>
+
+<file path=ppt/slides/slide22.xml><?xml version="1.0" encoding="utf-8"?>
+<p:sld xmlns:a="http://schemas.openxmlformats.org/drawingml/2006/main" xmlns:r="http://schemas.openxmlformats.org/officeDocument/2006/relationships" xmlns:p="http://schemas.openxmlformats.org/presentationml/2006/main">
+  <p:cSld>
+    <p:spTree>
+      <p:nvGrpSpPr>
+        <p:cNvPr id="1" name=""/>
+        <p:cNvGrpSpPr/>
+        <p:nvPr/>
+      </p:nvGrpSpPr>
+      <p:grpSpPr>
+        <a:xfrm>
+          <a:off x="0" y="0"/>
+          <a:ext cx="0" cy="0"/>
+          <a:chOff x="0" y="0"/>
+          <a:chExt cx="0" cy="0"/>
+        </a:xfrm>
+      </p:grpSpPr>
+      <p:pic>
+        <p:nvPicPr>
+          <p:cNvPr id="4" name="Picture 3">
+            <a:extLst>
+              <a:ext uri="{FF2B5EF4-FFF2-40B4-BE49-F238E27FC236}">
+                <a16:creationId xmlns:a16="http://schemas.microsoft.com/office/drawing/2014/main" id="{993BCC91-1C2D-4744-A07E-F4E27FCF7BBF}"/>
+              </a:ext>
+            </a:extLst>
+          </p:cNvPr>
+          <p:cNvPicPr>
+            <a:picLocks noChangeAspect="1"/>
+          </p:cNvPicPr>
+          <p:nvPr/>
+        </p:nvPicPr>
+        <p:blipFill>
+          <a:blip r:embed="rId2"/>
+          <a:stretch>
+            <a:fillRect/>
+          </a:stretch>
+        </p:blipFill>
+        <p:spPr>
+          <a:xfrm>
+            <a:off x="3696972" y="1140265"/>
+            <a:ext cx="4521200" cy="520700"/>
+          </a:xfrm>
+          <a:prstGeom prst="rect">
+            <a:avLst/>
+          </a:prstGeom>
+        </p:spPr>
+      </p:pic>
+      <p:sp>
+        <p:nvSpPr>
+          <p:cNvPr id="5" name="TextBox 4">
+            <a:extLst>
+              <a:ext uri="{FF2B5EF4-FFF2-40B4-BE49-F238E27FC236}">
+                <a16:creationId xmlns:a16="http://schemas.microsoft.com/office/drawing/2014/main" id="{7B104E49-2AB7-33C4-FB24-497E16C1068A}"/>
+              </a:ext>
+            </a:extLst>
+          </p:cNvPr>
+          <p:cNvSpPr txBox="1"/>
+          <p:nvPr/>
+        </p:nvSpPr>
+        <p:spPr>
+          <a:xfrm>
+            <a:off x="3868699" y="146873"/>
+            <a:ext cx="4177747" cy="707886"/>
+          </a:xfrm>
+          <a:prstGeom prst="rect">
+            <a:avLst/>
+          </a:prstGeom>
+          <a:noFill/>
+        </p:spPr>
+        <p:txBody>
+          <a:bodyPr wrap="none" rtlCol="0">
+            <a:spAutoFit/>
+          </a:bodyPr>
+          <a:lstStyle/>
+          <a:p>
+            <a:r>
+              <a:rPr lang="en-US" sz="4000" dirty="0">
+                <a:latin typeface="Arial" panose="020B0604020202020204" pitchFamily="34" charset="0"/>
+                <a:cs typeface="Arial" panose="020B0604020202020204" pitchFamily="34" charset="0"/>
+              </a:rPr>
+              <a:t>L2 Regularization</a:t>
+            </a:r>
+          </a:p>
+        </p:txBody>
+      </p:sp>
+      <p:sp>
+        <p:nvSpPr>
+          <p:cNvPr id="6" name="Left Brace 5">
+            <a:extLst>
+              <a:ext uri="{FF2B5EF4-FFF2-40B4-BE49-F238E27FC236}">
+                <a16:creationId xmlns:a16="http://schemas.microsoft.com/office/drawing/2014/main" id="{785FC3D7-8EC0-8BD2-95DD-039154D1D520}"/>
+              </a:ext>
+            </a:extLst>
+          </p:cNvPr>
+          <p:cNvSpPr/>
+          <p:nvPr/>
+        </p:nvSpPr>
+        <p:spPr>
+          <a:xfrm rot="16200000">
+            <a:off x="5641270" y="1342463"/>
+            <a:ext cx="357352" cy="1208013"/>
+          </a:xfrm>
+          <a:prstGeom prst="leftBrace">
+            <a:avLst/>
+          </a:prstGeom>
+          <a:ln w="22225"/>
+        </p:spPr>
+        <p:style>
+          <a:lnRef idx="1">
+            <a:schemeClr val="accent1"/>
+          </a:lnRef>
+          <a:fillRef idx="0">
+            <a:schemeClr val="accent1"/>
+          </a:fillRef>
+          <a:effectRef idx="0">
+            <a:schemeClr val="accent1"/>
+          </a:effectRef>
+          <a:fontRef idx="minor">
+            <a:schemeClr val="tx1"/>
+          </a:fontRef>
+        </p:style>
+        <p:txBody>
+          <a:bodyPr rtlCol="0" anchor="ctr"/>
+          <a:lstStyle/>
+          <a:p>
+            <a:pPr algn="ctr"/>
+            <a:endParaRPr lang="en-US"/>
+          </a:p>
+        </p:txBody>
+      </p:sp>
+      <p:sp>
+        <p:nvSpPr>
+          <p:cNvPr id="7" name="TextBox 6">
+            <a:extLst>
+              <a:ext uri="{FF2B5EF4-FFF2-40B4-BE49-F238E27FC236}">
+                <a16:creationId xmlns:a16="http://schemas.microsoft.com/office/drawing/2014/main" id="{AD5D5433-1888-3FC1-C3B7-9727057D0D39}"/>
+              </a:ext>
+            </a:extLst>
+          </p:cNvPr>
+          <p:cNvSpPr txBox="1"/>
+          <p:nvPr/>
+        </p:nvSpPr>
+        <p:spPr>
+          <a:xfrm>
+            <a:off x="4251275" y="2125146"/>
+            <a:ext cx="3137341" cy="369332"/>
+          </a:xfrm>
+          <a:prstGeom prst="rect">
+            <a:avLst/>
+          </a:prstGeom>
+          <a:noFill/>
+        </p:spPr>
+        <p:txBody>
+          <a:bodyPr wrap="square" rtlCol="0">
+            <a:spAutoFit/>
+          </a:bodyPr>
+          <a:lstStyle/>
+          <a:p>
+            <a:pPr algn="ctr"/>
+            <a:r>
+              <a:rPr lang="en-US" b="1" dirty="0">
+                <a:latin typeface="Arial" panose="020B0604020202020204" pitchFamily="34" charset="0"/>
+                <a:cs typeface="Arial" panose="020B0604020202020204" pitchFamily="34" charset="0"/>
+              </a:rPr>
+              <a:t>Error on data.</a:t>
+            </a:r>
+            <a:endParaRPr lang="en-US" dirty="0">
+              <a:latin typeface="Arial" panose="020B0604020202020204" pitchFamily="34" charset="0"/>
+              <a:cs typeface="Arial" panose="020B0604020202020204" pitchFamily="34" charset="0"/>
+            </a:endParaRPr>
+          </a:p>
+        </p:txBody>
+      </p:sp>
+      <mc:AlternateContent xmlns:mc="http://schemas.openxmlformats.org/markup-compatibility/2006">
+        <mc:Choice xmlns:a14="http://schemas.microsoft.com/office/drawing/2010/main" Requires="a14">
+          <p:sp>
+            <p:nvSpPr>
+              <p:cNvPr id="8" name="TextBox 7">
+                <a:extLst>
+                  <a:ext uri="{FF2B5EF4-FFF2-40B4-BE49-F238E27FC236}">
+                    <a16:creationId xmlns:a16="http://schemas.microsoft.com/office/drawing/2014/main" id="{3F5DD0C3-488A-9BE9-F20A-9AFB48139429}"/>
+                  </a:ext>
+                </a:extLst>
+              </p:cNvPr>
+              <p:cNvSpPr txBox="1"/>
+              <p:nvPr/>
+            </p:nvSpPr>
+            <p:spPr>
+              <a:xfrm>
+                <a:off x="6741955" y="2171312"/>
+                <a:ext cx="2772435" cy="923330"/>
+              </a:xfrm>
+              <a:prstGeom prst="rect">
+                <a:avLst/>
+              </a:prstGeom>
+              <a:noFill/>
+            </p:spPr>
+            <p:txBody>
+              <a:bodyPr wrap="square" rtlCol="0">
+                <a:spAutoFit/>
+              </a:bodyPr>
+              <a:lstStyle/>
+              <a:p>
+                <a:pPr algn="ctr"/>
+                <a:r>
+                  <a:rPr lang="en-US" b="1" dirty="0">
+                    <a:latin typeface="Arial" panose="020B0604020202020204" pitchFamily="34" charset="0"/>
+                    <a:cs typeface="Arial" panose="020B0604020202020204" pitchFamily="34" charset="0"/>
+                  </a:rPr>
+                  <a:t>Caution</a:t>
+                </a:r>
+                <a:r>
+                  <a:rPr lang="en-US" dirty="0">
+                    <a:latin typeface="Arial" panose="020B0604020202020204" pitchFamily="34" charset="0"/>
+                    <a:cs typeface="Arial" panose="020B0604020202020204" pitchFamily="34" charset="0"/>
+                  </a:rPr>
+                  <a:t> on model parameters. </a:t>
+                </a:r>
+                <a14:m>
+                  <m:oMath xmlns:m="http://schemas.openxmlformats.org/officeDocument/2006/math">
+                    <m:r>
+                      <a:rPr lang="en-US" b="0" i="1" smtClean="0">
+                        <a:latin typeface="Cambria Math" panose="02040503050406030204" pitchFamily="18" charset="0"/>
+                        <a:cs typeface="Arial" panose="020B0604020202020204" pitchFamily="34" charset="0"/>
+                      </a:rPr>
+                      <m:t>𝜆</m:t>
+                    </m:r>
+                  </m:oMath>
+                </a14:m>
+                <a:r>
+                  <a:rPr lang="en-US" dirty="0">
+                    <a:latin typeface="Arial" panose="020B0604020202020204" pitchFamily="34" charset="0"/>
+                    <a:cs typeface="Arial" panose="020B0604020202020204" pitchFamily="34" charset="0"/>
+                  </a:rPr>
+                  <a:t> is hyperparameter</a:t>
+                </a:r>
+              </a:p>
+            </p:txBody>
+          </p:sp>
+        </mc:Choice>
+        <mc:Fallback>
+          <p:sp>
+            <p:nvSpPr>
+              <p:cNvPr id="8" name="TextBox 7">
+                <a:extLst>
+                  <a:ext uri="{FF2B5EF4-FFF2-40B4-BE49-F238E27FC236}">
+                    <a16:creationId xmlns:a16="http://schemas.microsoft.com/office/drawing/2014/main" id="{3F5DD0C3-488A-9BE9-F20A-9AFB48139429}"/>
+                  </a:ext>
+                </a:extLst>
+              </p:cNvPr>
+              <p:cNvSpPr txBox="1">
+                <a:spLocks noRot="1" noChangeAspect="1" noMove="1" noResize="1" noEditPoints="1" noAdjustHandles="1" noChangeArrowheads="1" noChangeShapeType="1" noTextEdit="1"/>
+              </p:cNvSpPr>
+              <p:nvPr/>
+            </p:nvSpPr>
+            <p:spPr>
+              <a:xfrm>
+                <a:off x="6741955" y="2171312"/>
+                <a:ext cx="2772435" cy="923330"/>
+              </a:xfrm>
+              <a:prstGeom prst="rect">
+                <a:avLst/>
+              </a:prstGeom>
+              <a:blipFill>
+                <a:blip r:embed="rId3"/>
+                <a:stretch>
+                  <a:fillRect t="-2703" b="-10811"/>
+                </a:stretch>
+              </a:blipFill>
+            </p:spPr>
+            <p:txBody>
+              <a:bodyPr/>
+              <a:lstStyle/>
+              <a:p>
+                <a:r>
+                  <a:rPr lang="en-US">
+                    <a:noFill/>
+                  </a:rPr>
+                  <a:t> </a:t>
+                </a:r>
+              </a:p>
+            </p:txBody>
+          </p:sp>
+        </mc:Fallback>
+      </mc:AlternateContent>
+      <p:sp>
+        <p:nvSpPr>
+          <p:cNvPr id="9" name="Left Brace 8">
+            <a:extLst>
+              <a:ext uri="{FF2B5EF4-FFF2-40B4-BE49-F238E27FC236}">
+                <a16:creationId xmlns:a16="http://schemas.microsoft.com/office/drawing/2014/main" id="{1216B079-2BAC-9321-2006-4436177FCD90}"/>
+              </a:ext>
+            </a:extLst>
+          </p:cNvPr>
+          <p:cNvSpPr/>
+          <p:nvPr/>
+        </p:nvSpPr>
+        <p:spPr>
+          <a:xfrm rot="16200000">
+            <a:off x="7471286" y="1212907"/>
+            <a:ext cx="357352" cy="1321328"/>
+          </a:xfrm>
+          <a:prstGeom prst="leftBrace">
+            <a:avLst/>
+          </a:prstGeom>
+          <a:ln w="22225"/>
+        </p:spPr>
+        <p:style>
+          <a:lnRef idx="1">
+            <a:schemeClr val="accent1"/>
+          </a:lnRef>
+          <a:fillRef idx="0">
+            <a:schemeClr val="accent1"/>
+          </a:fillRef>
+          <a:effectRef idx="0">
+            <a:schemeClr val="accent1"/>
+          </a:effectRef>
+          <a:fontRef idx="minor">
+            <a:schemeClr val="tx1"/>
+          </a:fontRef>
+        </p:style>
+        <p:txBody>
+          <a:bodyPr rtlCol="0" anchor="ctr"/>
+          <a:lstStyle/>
+          <a:p>
+            <a:pPr algn="ctr"/>
+            <a:endParaRPr lang="en-US"/>
+          </a:p>
+        </p:txBody>
+      </p:sp>
+    </p:spTree>
+    <p:extLst>
+      <p:ext uri="{BB962C8B-B14F-4D97-AF65-F5344CB8AC3E}">
+        <p14:creationId xmlns:p14="http://schemas.microsoft.com/office/powerpoint/2010/main" val="2735350959"/>
       </p:ext>
     </p:extLst>
   </p:cSld>

--- a/dsmcer_2023_update/Lecture_Notebooks/L4-6_visual_support.pptx
+++ b/dsmcer_2023_update/Lecture_Notebooks/L4-6_visual_support.pptx
@@ -27,6 +27,11 @@
     <p:sldId id="276" r:id="rId21"/>
     <p:sldId id="277" r:id="rId22"/>
     <p:sldId id="278" r:id="rId23"/>
+    <p:sldId id="279" r:id="rId24"/>
+    <p:sldId id="280" r:id="rId25"/>
+    <p:sldId id="281" r:id="rId26"/>
+    <p:sldId id="282" r:id="rId27"/>
+    <p:sldId id="283" r:id="rId28"/>
   </p:sldIdLst>
   <p:sldSz cx="12192000" cy="6858000"/>
   <p:notesSz cx="6858000" cy="9144000"/>
@@ -9727,6 +9732,3252 @@
     <p:extLst>
       <p:ext uri="{BB962C8B-B14F-4D97-AF65-F5344CB8AC3E}">
         <p14:creationId xmlns:p14="http://schemas.microsoft.com/office/powerpoint/2010/main" val="2735350959"/>
+      </p:ext>
+    </p:extLst>
+  </p:cSld>
+  <p:clrMapOvr>
+    <a:masterClrMapping/>
+  </p:clrMapOvr>
+</p:sld>
+</file>
+
+<file path=ppt/slides/slide23.xml><?xml version="1.0" encoding="utf-8"?>
+<p:sld xmlns:a="http://schemas.openxmlformats.org/drawingml/2006/main" xmlns:r="http://schemas.openxmlformats.org/officeDocument/2006/relationships" xmlns:p="http://schemas.openxmlformats.org/presentationml/2006/main">
+  <p:cSld>
+    <p:spTree>
+      <p:nvGrpSpPr>
+        <p:cNvPr id="1" name=""/>
+        <p:cNvGrpSpPr/>
+        <p:nvPr/>
+      </p:nvGrpSpPr>
+      <p:grpSpPr>
+        <a:xfrm>
+          <a:off x="0" y="0"/>
+          <a:ext cx="0" cy="0"/>
+          <a:chOff x="0" y="0"/>
+          <a:chExt cx="0" cy="0"/>
+        </a:xfrm>
+      </p:grpSpPr>
+      <p:sp>
+        <p:nvSpPr>
+          <p:cNvPr id="4" name="Rounded Rectangle 3">
+            <a:extLst>
+              <a:ext uri="{FF2B5EF4-FFF2-40B4-BE49-F238E27FC236}">
+                <a16:creationId xmlns:a16="http://schemas.microsoft.com/office/drawing/2014/main" id="{A64A8D33-20B2-41BB-610E-2654DE336FB2}"/>
+              </a:ext>
+            </a:extLst>
+          </p:cNvPr>
+          <p:cNvSpPr/>
+          <p:nvPr/>
+        </p:nvSpPr>
+        <p:spPr>
+          <a:xfrm>
+            <a:off x="3515210" y="2492969"/>
+            <a:ext cx="2077500" cy="962575"/>
+          </a:xfrm>
+          <a:prstGeom prst="roundRect">
+            <a:avLst/>
+          </a:prstGeom>
+          <a:solidFill>
+            <a:schemeClr val="accent1">
+              <a:lumMod val="20000"/>
+              <a:lumOff val="80000"/>
+            </a:schemeClr>
+          </a:solidFill>
+          <a:ln w="38100">
+            <a:solidFill>
+              <a:schemeClr val="accent1"/>
+            </a:solidFill>
+          </a:ln>
+        </p:spPr>
+        <p:style>
+          <a:lnRef idx="2">
+            <a:schemeClr val="accent1">
+              <a:shade val="50000"/>
+            </a:schemeClr>
+          </a:lnRef>
+          <a:fillRef idx="1">
+            <a:schemeClr val="accent1"/>
+          </a:fillRef>
+          <a:effectRef idx="0">
+            <a:schemeClr val="accent1"/>
+          </a:effectRef>
+          <a:fontRef idx="minor">
+            <a:schemeClr val="lt1"/>
+          </a:fontRef>
+        </p:style>
+        <p:txBody>
+          <a:bodyPr rtlCol="0" anchor="ctr"/>
+          <a:lstStyle/>
+          <a:p>
+            <a:pPr algn="ctr"/>
+            <a:r>
+              <a:rPr lang="en-US" sz="2400" dirty="0">
+                <a:solidFill>
+                  <a:schemeClr val="tx1"/>
+                </a:solidFill>
+                <a:latin typeface="Arial" panose="020B0604020202020204" pitchFamily="34" charset="0"/>
+                <a:cs typeface="Arial" panose="020B0604020202020204" pitchFamily="34" charset="0"/>
+              </a:rPr>
+              <a:t>Model Training</a:t>
+            </a:r>
+          </a:p>
+        </p:txBody>
+      </p:sp>
+      <p:sp>
+        <p:nvSpPr>
+          <p:cNvPr id="5" name="Rounded Rectangle 4">
+            <a:extLst>
+              <a:ext uri="{FF2B5EF4-FFF2-40B4-BE49-F238E27FC236}">
+                <a16:creationId xmlns:a16="http://schemas.microsoft.com/office/drawing/2014/main" id="{1E63619E-3502-CED0-79DF-DDF1EEC4F3E0}"/>
+              </a:ext>
+            </a:extLst>
+          </p:cNvPr>
+          <p:cNvSpPr/>
+          <p:nvPr/>
+        </p:nvSpPr>
+        <p:spPr>
+          <a:xfrm>
+            <a:off x="7034332" y="2492969"/>
+            <a:ext cx="2077500" cy="962575"/>
+          </a:xfrm>
+          <a:prstGeom prst="roundRect">
+            <a:avLst/>
+          </a:prstGeom>
+          <a:solidFill>
+            <a:schemeClr val="accent2">
+              <a:lumMod val="40000"/>
+              <a:lumOff val="60000"/>
+            </a:schemeClr>
+          </a:solidFill>
+          <a:ln w="38100">
+            <a:solidFill>
+              <a:schemeClr val="accent2">
+                <a:lumMod val="75000"/>
+              </a:schemeClr>
+            </a:solidFill>
+          </a:ln>
+        </p:spPr>
+        <p:style>
+          <a:lnRef idx="2">
+            <a:schemeClr val="accent1">
+              <a:shade val="50000"/>
+            </a:schemeClr>
+          </a:lnRef>
+          <a:fillRef idx="1">
+            <a:schemeClr val="accent1"/>
+          </a:fillRef>
+          <a:effectRef idx="0">
+            <a:schemeClr val="accent1"/>
+          </a:effectRef>
+          <a:fontRef idx="minor">
+            <a:schemeClr val="lt1"/>
+          </a:fontRef>
+        </p:style>
+        <p:txBody>
+          <a:bodyPr rtlCol="0" anchor="ctr"/>
+          <a:lstStyle/>
+          <a:p>
+            <a:pPr algn="ctr"/>
+            <a:r>
+              <a:rPr lang="en-US" sz="2400" dirty="0">
+                <a:solidFill>
+                  <a:schemeClr val="tx1"/>
+                </a:solidFill>
+                <a:latin typeface="Arial" panose="020B0604020202020204" pitchFamily="34" charset="0"/>
+                <a:cs typeface="Arial" panose="020B0604020202020204" pitchFamily="34" charset="0"/>
+              </a:rPr>
+              <a:t>Model Evaluation</a:t>
+            </a:r>
+          </a:p>
+        </p:txBody>
+      </p:sp>
+      <p:sp>
+        <p:nvSpPr>
+          <p:cNvPr id="6" name="TextBox 5">
+            <a:extLst>
+              <a:ext uri="{FF2B5EF4-FFF2-40B4-BE49-F238E27FC236}">
+                <a16:creationId xmlns:a16="http://schemas.microsoft.com/office/drawing/2014/main" id="{383A16FC-A4AE-DC04-D4F8-9F3EC0AD6A37}"/>
+              </a:ext>
+            </a:extLst>
+          </p:cNvPr>
+          <p:cNvSpPr txBox="1"/>
+          <p:nvPr/>
+        </p:nvSpPr>
+        <p:spPr>
+          <a:xfrm>
+            <a:off x="3717769" y="1646278"/>
+            <a:ext cx="1672381" cy="400110"/>
+          </a:xfrm>
+          <a:prstGeom prst="rect">
+            <a:avLst/>
+          </a:prstGeom>
+          <a:noFill/>
+        </p:spPr>
+        <p:txBody>
+          <a:bodyPr wrap="none" rtlCol="0">
+            <a:spAutoFit/>
+          </a:bodyPr>
+          <a:lstStyle/>
+          <a:p>
+            <a:r>
+              <a:rPr lang="en-US" sz="2000" dirty="0">
+                <a:latin typeface="Arial" panose="020B0604020202020204" pitchFamily="34" charset="0"/>
+                <a:cs typeface="Arial" panose="020B0604020202020204" pitchFamily="34" charset="0"/>
+              </a:rPr>
+              <a:t>Training data</a:t>
+            </a:r>
+          </a:p>
+        </p:txBody>
+      </p:sp>
+      <p:sp>
+        <p:nvSpPr>
+          <p:cNvPr id="7" name="TextBox 6">
+            <a:extLst>
+              <a:ext uri="{FF2B5EF4-FFF2-40B4-BE49-F238E27FC236}">
+                <a16:creationId xmlns:a16="http://schemas.microsoft.com/office/drawing/2014/main" id="{ECF93A3A-68E9-C11C-01A2-17D4599A0840}"/>
+              </a:ext>
+            </a:extLst>
+          </p:cNvPr>
+          <p:cNvSpPr txBox="1"/>
+          <p:nvPr/>
+        </p:nvSpPr>
+        <p:spPr>
+          <a:xfrm>
+            <a:off x="9546872" y="2774201"/>
+            <a:ext cx="1651414" cy="400110"/>
+          </a:xfrm>
+          <a:prstGeom prst="rect">
+            <a:avLst/>
+          </a:prstGeom>
+          <a:noFill/>
+        </p:spPr>
+        <p:txBody>
+          <a:bodyPr wrap="none" rtlCol="0">
+            <a:spAutoFit/>
+          </a:bodyPr>
+          <a:lstStyle/>
+          <a:p>
+            <a:r>
+              <a:rPr lang="en-US" sz="2000" dirty="0">
+                <a:latin typeface="Arial" panose="020B0604020202020204" pitchFamily="34" charset="0"/>
+                <a:cs typeface="Arial" panose="020B0604020202020204" pitchFamily="34" charset="0"/>
+              </a:rPr>
+              <a:t>Performance</a:t>
+            </a:r>
+          </a:p>
+        </p:txBody>
+      </p:sp>
+      <p:sp>
+        <p:nvSpPr>
+          <p:cNvPr id="8" name="TextBox 7">
+            <a:extLst>
+              <a:ext uri="{FF2B5EF4-FFF2-40B4-BE49-F238E27FC236}">
+                <a16:creationId xmlns:a16="http://schemas.microsoft.com/office/drawing/2014/main" id="{111BE9FC-B162-18E7-DC26-BB716789F01A}"/>
+              </a:ext>
+            </a:extLst>
+          </p:cNvPr>
+          <p:cNvSpPr txBox="1"/>
+          <p:nvPr/>
+        </p:nvSpPr>
+        <p:spPr>
+          <a:xfrm>
+            <a:off x="7289630" y="1646278"/>
+            <a:ext cx="1566904" cy="400110"/>
+          </a:xfrm>
+          <a:prstGeom prst="rect">
+            <a:avLst/>
+          </a:prstGeom>
+          <a:noFill/>
+        </p:spPr>
+        <p:txBody>
+          <a:bodyPr wrap="none" rtlCol="0">
+            <a:spAutoFit/>
+          </a:bodyPr>
+          <a:lstStyle/>
+          <a:p>
+            <a:r>
+              <a:rPr lang="en-US" sz="2000" dirty="0">
+                <a:latin typeface="Arial" panose="020B0604020202020204" pitchFamily="34" charset="0"/>
+                <a:cs typeface="Arial" panose="020B0604020202020204" pitchFamily="34" charset="0"/>
+              </a:rPr>
+              <a:t>Testing data</a:t>
+            </a:r>
+          </a:p>
+        </p:txBody>
+      </p:sp>
+      <p:sp>
+        <p:nvSpPr>
+          <p:cNvPr id="9" name="TextBox 8">
+            <a:extLst>
+              <a:ext uri="{FF2B5EF4-FFF2-40B4-BE49-F238E27FC236}">
+                <a16:creationId xmlns:a16="http://schemas.microsoft.com/office/drawing/2014/main" id="{08750E7E-BF8B-164B-3FD4-C9C0B9BCB302}"/>
+              </a:ext>
+            </a:extLst>
+          </p:cNvPr>
+          <p:cNvSpPr txBox="1"/>
+          <p:nvPr/>
+        </p:nvSpPr>
+        <p:spPr>
+          <a:xfrm>
+            <a:off x="439267" y="2466425"/>
+            <a:ext cx="2355132" cy="1015663"/>
+          </a:xfrm>
+          <a:prstGeom prst="rect">
+            <a:avLst/>
+          </a:prstGeom>
+          <a:noFill/>
+        </p:spPr>
+        <p:txBody>
+          <a:bodyPr wrap="none" rtlCol="0">
+            <a:spAutoFit/>
+          </a:bodyPr>
+          <a:lstStyle/>
+          <a:p>
+            <a:r>
+              <a:rPr lang="en-US" sz="2000" dirty="0">
+                <a:latin typeface="Arial" panose="020B0604020202020204" pitchFamily="34" charset="0"/>
+                <a:cs typeface="Arial" panose="020B0604020202020204" pitchFamily="34" charset="0"/>
+              </a:rPr>
+              <a:t>Hyperparameters:</a:t>
+            </a:r>
+          </a:p>
+          <a:p>
+            <a:pPr marL="342900" indent="-342900">
+              <a:buFontTx/>
+              <a:buChar char="-"/>
+            </a:pPr>
+            <a:r>
+              <a:rPr lang="en-US" sz="2000" dirty="0">
+                <a:latin typeface="Arial" panose="020B0604020202020204" pitchFamily="34" charset="0"/>
+                <a:cs typeface="Arial" panose="020B0604020202020204" pitchFamily="34" charset="0"/>
+              </a:rPr>
+              <a:t>Architecture</a:t>
+            </a:r>
+          </a:p>
+          <a:p>
+            <a:pPr marL="342900" indent="-342900">
+              <a:buFontTx/>
+              <a:buChar char="-"/>
+            </a:pPr>
+            <a:r>
+              <a:rPr lang="en-US" sz="2000" dirty="0">
+                <a:latin typeface="Arial" panose="020B0604020202020204" pitchFamily="34" charset="0"/>
+                <a:cs typeface="Arial" panose="020B0604020202020204" pitchFamily="34" charset="0"/>
+              </a:rPr>
+              <a:t>Feature choices</a:t>
+            </a:r>
+          </a:p>
+        </p:txBody>
+      </p:sp>
+      <p:cxnSp>
+        <p:nvCxnSpPr>
+          <p:cNvPr id="13" name="Straight Arrow Connector 12">
+            <a:extLst>
+              <a:ext uri="{FF2B5EF4-FFF2-40B4-BE49-F238E27FC236}">
+                <a16:creationId xmlns:a16="http://schemas.microsoft.com/office/drawing/2014/main" id="{ED8586AE-E17A-F0C0-3656-39CD9FE6E30E}"/>
+              </a:ext>
+            </a:extLst>
+          </p:cNvPr>
+          <p:cNvCxnSpPr>
+            <a:stCxn id="9" idx="3"/>
+            <a:endCxn id="4" idx="1"/>
+          </p:cNvCxnSpPr>
+          <p:nvPr/>
+        </p:nvCxnSpPr>
+        <p:spPr>
+          <a:xfrm>
+            <a:off x="2794399" y="2974257"/>
+            <a:ext cx="720811" cy="0"/>
+          </a:xfrm>
+          <a:prstGeom prst="straightConnector1">
+            <a:avLst/>
+          </a:prstGeom>
+          <a:ln w="25400">
+            <a:solidFill>
+              <a:schemeClr val="tx1"/>
+            </a:solidFill>
+            <a:tailEnd type="triangle"/>
+          </a:ln>
+        </p:spPr>
+        <p:style>
+          <a:lnRef idx="1">
+            <a:schemeClr val="accent1"/>
+          </a:lnRef>
+          <a:fillRef idx="0">
+            <a:schemeClr val="accent1"/>
+          </a:fillRef>
+          <a:effectRef idx="0">
+            <a:schemeClr val="accent1"/>
+          </a:effectRef>
+          <a:fontRef idx="minor">
+            <a:schemeClr val="tx1"/>
+          </a:fontRef>
+        </p:style>
+      </p:cxnSp>
+      <p:cxnSp>
+        <p:nvCxnSpPr>
+          <p:cNvPr id="16" name="Straight Arrow Connector 15">
+            <a:extLst>
+              <a:ext uri="{FF2B5EF4-FFF2-40B4-BE49-F238E27FC236}">
+                <a16:creationId xmlns:a16="http://schemas.microsoft.com/office/drawing/2014/main" id="{1AEDE5D0-69B7-291D-E1C7-32CFD289D584}"/>
+              </a:ext>
+            </a:extLst>
+          </p:cNvPr>
+          <p:cNvCxnSpPr>
+            <a:cxnSpLocks/>
+            <a:endCxn id="4" idx="0"/>
+          </p:cNvCxnSpPr>
+          <p:nvPr/>
+        </p:nvCxnSpPr>
+        <p:spPr>
+          <a:xfrm>
+            <a:off x="4553960" y="2025570"/>
+            <a:ext cx="0" cy="467399"/>
+          </a:xfrm>
+          <a:prstGeom prst="straightConnector1">
+            <a:avLst/>
+          </a:prstGeom>
+          <a:ln w="25400">
+            <a:solidFill>
+              <a:schemeClr val="tx1"/>
+            </a:solidFill>
+            <a:tailEnd type="triangle"/>
+          </a:ln>
+        </p:spPr>
+        <p:style>
+          <a:lnRef idx="1">
+            <a:schemeClr val="accent1"/>
+          </a:lnRef>
+          <a:fillRef idx="0">
+            <a:schemeClr val="accent1"/>
+          </a:fillRef>
+          <a:effectRef idx="0">
+            <a:schemeClr val="accent1"/>
+          </a:effectRef>
+          <a:fontRef idx="minor">
+            <a:schemeClr val="tx1"/>
+          </a:fontRef>
+        </p:style>
+      </p:cxnSp>
+      <p:cxnSp>
+        <p:nvCxnSpPr>
+          <p:cNvPr id="19" name="Straight Arrow Connector 18">
+            <a:extLst>
+              <a:ext uri="{FF2B5EF4-FFF2-40B4-BE49-F238E27FC236}">
+                <a16:creationId xmlns:a16="http://schemas.microsoft.com/office/drawing/2014/main" id="{75DA1C5D-C00B-4897-DCC4-237023D2EED1}"/>
+              </a:ext>
+            </a:extLst>
+          </p:cNvPr>
+          <p:cNvCxnSpPr>
+            <a:cxnSpLocks/>
+          </p:cNvCxnSpPr>
+          <p:nvPr/>
+        </p:nvCxnSpPr>
+        <p:spPr>
+          <a:xfrm>
+            <a:off x="8073082" y="2046387"/>
+            <a:ext cx="0" cy="420038"/>
+          </a:xfrm>
+          <a:prstGeom prst="straightConnector1">
+            <a:avLst/>
+          </a:prstGeom>
+          <a:ln w="25400">
+            <a:solidFill>
+              <a:schemeClr val="tx1"/>
+            </a:solidFill>
+            <a:tailEnd type="triangle"/>
+          </a:ln>
+        </p:spPr>
+        <p:style>
+          <a:lnRef idx="1">
+            <a:schemeClr val="accent1"/>
+          </a:lnRef>
+          <a:fillRef idx="0">
+            <a:schemeClr val="accent1"/>
+          </a:fillRef>
+          <a:effectRef idx="0">
+            <a:schemeClr val="accent1"/>
+          </a:effectRef>
+          <a:fontRef idx="minor">
+            <a:schemeClr val="tx1"/>
+          </a:fontRef>
+        </p:style>
+      </p:cxnSp>
+      <p:cxnSp>
+        <p:nvCxnSpPr>
+          <p:cNvPr id="23" name="Straight Arrow Connector 22">
+            <a:extLst>
+              <a:ext uri="{FF2B5EF4-FFF2-40B4-BE49-F238E27FC236}">
+                <a16:creationId xmlns:a16="http://schemas.microsoft.com/office/drawing/2014/main" id="{F79C724F-640A-C910-D082-A3AA832432E9}"/>
+              </a:ext>
+            </a:extLst>
+          </p:cNvPr>
+          <p:cNvCxnSpPr>
+            <a:cxnSpLocks/>
+            <a:endCxn id="5" idx="1"/>
+          </p:cNvCxnSpPr>
+          <p:nvPr/>
+        </p:nvCxnSpPr>
+        <p:spPr>
+          <a:xfrm>
+            <a:off x="5592710" y="2974256"/>
+            <a:ext cx="1441622" cy="1"/>
+          </a:xfrm>
+          <a:prstGeom prst="straightConnector1">
+            <a:avLst/>
+          </a:prstGeom>
+          <a:ln w="25400">
+            <a:solidFill>
+              <a:schemeClr val="tx1"/>
+            </a:solidFill>
+            <a:prstDash val="dash"/>
+            <a:tailEnd type="triangle"/>
+          </a:ln>
+        </p:spPr>
+        <p:style>
+          <a:lnRef idx="1">
+            <a:schemeClr val="accent1"/>
+          </a:lnRef>
+          <a:fillRef idx="0">
+            <a:schemeClr val="accent1"/>
+          </a:fillRef>
+          <a:effectRef idx="0">
+            <a:schemeClr val="accent1"/>
+          </a:effectRef>
+          <a:fontRef idx="minor">
+            <a:schemeClr val="tx1"/>
+          </a:fontRef>
+        </p:style>
+      </p:cxnSp>
+      <p:cxnSp>
+        <p:nvCxnSpPr>
+          <p:cNvPr id="25" name="Straight Arrow Connector 24">
+            <a:extLst>
+              <a:ext uri="{FF2B5EF4-FFF2-40B4-BE49-F238E27FC236}">
+                <a16:creationId xmlns:a16="http://schemas.microsoft.com/office/drawing/2014/main" id="{90F1DDBD-5A3B-4D04-DCC1-DA69AD6F3D94}"/>
+              </a:ext>
+            </a:extLst>
+          </p:cNvPr>
+          <p:cNvCxnSpPr>
+            <a:cxnSpLocks/>
+            <a:endCxn id="7" idx="1"/>
+          </p:cNvCxnSpPr>
+          <p:nvPr/>
+        </p:nvCxnSpPr>
+        <p:spPr>
+          <a:xfrm>
+            <a:off x="9111832" y="2974255"/>
+            <a:ext cx="435040" cy="1"/>
+          </a:xfrm>
+          <a:prstGeom prst="straightConnector1">
+            <a:avLst/>
+          </a:prstGeom>
+          <a:ln w="25400">
+            <a:solidFill>
+              <a:schemeClr val="tx1"/>
+            </a:solidFill>
+            <a:prstDash val="dash"/>
+            <a:tailEnd type="triangle"/>
+          </a:ln>
+        </p:spPr>
+        <p:style>
+          <a:lnRef idx="1">
+            <a:schemeClr val="accent1"/>
+          </a:lnRef>
+          <a:fillRef idx="0">
+            <a:schemeClr val="accent1"/>
+          </a:fillRef>
+          <a:effectRef idx="0">
+            <a:schemeClr val="accent1"/>
+          </a:effectRef>
+          <a:fontRef idx="minor">
+            <a:schemeClr val="tx1"/>
+          </a:fontRef>
+        </p:style>
+      </p:cxnSp>
+      <p:cxnSp>
+        <p:nvCxnSpPr>
+          <p:cNvPr id="28" name="Curved Connector 27">
+            <a:extLst>
+              <a:ext uri="{FF2B5EF4-FFF2-40B4-BE49-F238E27FC236}">
+                <a16:creationId xmlns:a16="http://schemas.microsoft.com/office/drawing/2014/main" id="{D6488296-6234-6428-6F5B-F3ABEF112D81}"/>
+              </a:ext>
+            </a:extLst>
+          </p:cNvPr>
+          <p:cNvCxnSpPr>
+            <a:stCxn id="7" idx="2"/>
+            <a:endCxn id="9" idx="2"/>
+          </p:cNvCxnSpPr>
+          <p:nvPr/>
+        </p:nvCxnSpPr>
+        <p:spPr>
+          <a:xfrm rot="5400000">
+            <a:off x="5840818" y="-1049674"/>
+            <a:ext cx="307777" cy="8755746"/>
+          </a:xfrm>
+          <a:prstGeom prst="curvedConnector3">
+            <a:avLst>
+              <a:gd name="adj1" fmla="val 356212"/>
+            </a:avLst>
+          </a:prstGeom>
+          <a:ln w="41275">
+            <a:solidFill>
+              <a:schemeClr val="accent6"/>
+            </a:solidFill>
+            <a:tailEnd type="triangle"/>
+          </a:ln>
+        </p:spPr>
+        <p:style>
+          <a:lnRef idx="1">
+            <a:schemeClr val="accent1"/>
+          </a:lnRef>
+          <a:fillRef idx="0">
+            <a:schemeClr val="accent1"/>
+          </a:fillRef>
+          <a:effectRef idx="0">
+            <a:schemeClr val="accent1"/>
+          </a:effectRef>
+          <a:fontRef idx="minor">
+            <a:schemeClr val="tx1"/>
+          </a:fontRef>
+        </p:style>
+      </p:cxnSp>
+      <p:sp>
+        <p:nvSpPr>
+          <p:cNvPr id="31" name="TextBox 30">
+            <a:extLst>
+              <a:ext uri="{FF2B5EF4-FFF2-40B4-BE49-F238E27FC236}">
+                <a16:creationId xmlns:a16="http://schemas.microsoft.com/office/drawing/2014/main" id="{3E7F2176-08E0-0F03-C9B6-48FEB191891E}"/>
+              </a:ext>
+            </a:extLst>
+          </p:cNvPr>
+          <p:cNvSpPr txBox="1"/>
+          <p:nvPr/>
+        </p:nvSpPr>
+        <p:spPr>
+          <a:xfrm>
+            <a:off x="2555120" y="4388282"/>
+            <a:ext cx="7516801" cy="523220"/>
+          </a:xfrm>
+          <a:prstGeom prst="rect">
+            <a:avLst/>
+          </a:prstGeom>
+          <a:noFill/>
+        </p:spPr>
+        <p:txBody>
+          <a:bodyPr wrap="none" rtlCol="0">
+            <a:spAutoFit/>
+          </a:bodyPr>
+          <a:lstStyle/>
+          <a:p>
+            <a:r>
+              <a:rPr lang="en-US" sz="2800" b="1" dirty="0">
+                <a:solidFill>
+                  <a:schemeClr val="accent6"/>
+                </a:solidFill>
+                <a:latin typeface="Arial" panose="020B0604020202020204" pitchFamily="34" charset="0"/>
+                <a:cs typeface="Arial" panose="020B0604020202020204" pitchFamily="34" charset="0"/>
+              </a:rPr>
+              <a:t>Update hyperparameters to improve model</a:t>
+            </a:r>
+          </a:p>
+        </p:txBody>
+      </p:sp>
+    </p:spTree>
+    <p:extLst>
+      <p:ext uri="{BB962C8B-B14F-4D97-AF65-F5344CB8AC3E}">
+        <p14:creationId xmlns:p14="http://schemas.microsoft.com/office/powerpoint/2010/main" val="3571372147"/>
+      </p:ext>
+    </p:extLst>
+  </p:cSld>
+  <p:clrMapOvr>
+    <a:masterClrMapping/>
+  </p:clrMapOvr>
+</p:sld>
+</file>
+
+<file path=ppt/slides/slide24.xml><?xml version="1.0" encoding="utf-8"?>
+<p:sld xmlns:a="http://schemas.openxmlformats.org/drawingml/2006/main" xmlns:r="http://schemas.openxmlformats.org/officeDocument/2006/relationships" xmlns:p="http://schemas.openxmlformats.org/presentationml/2006/main">
+  <p:cSld>
+    <p:spTree>
+      <p:nvGrpSpPr>
+        <p:cNvPr id="1" name=""/>
+        <p:cNvGrpSpPr/>
+        <p:nvPr/>
+      </p:nvGrpSpPr>
+      <p:grpSpPr>
+        <a:xfrm>
+          <a:off x="0" y="0"/>
+          <a:ext cx="0" cy="0"/>
+          <a:chOff x="0" y="0"/>
+          <a:chExt cx="0" cy="0"/>
+        </a:xfrm>
+      </p:grpSpPr>
+      <p:sp>
+        <p:nvSpPr>
+          <p:cNvPr id="4" name="Rectangle 3">
+            <a:extLst>
+              <a:ext uri="{FF2B5EF4-FFF2-40B4-BE49-F238E27FC236}">
+                <a16:creationId xmlns:a16="http://schemas.microsoft.com/office/drawing/2014/main" id="{2D712E9F-8E43-B2E1-FFF4-C136951ACD5B}"/>
+              </a:ext>
+            </a:extLst>
+          </p:cNvPr>
+          <p:cNvSpPr/>
+          <p:nvPr/>
+        </p:nvSpPr>
+        <p:spPr>
+          <a:xfrm>
+            <a:off x="1904999" y="3269673"/>
+            <a:ext cx="6068291" cy="588818"/>
+          </a:xfrm>
+          <a:prstGeom prst="rect">
+            <a:avLst/>
+          </a:prstGeom>
+          <a:solidFill>
+            <a:schemeClr val="accent1"/>
+          </a:solidFill>
+          <a:ln>
+            <a:noFill/>
+          </a:ln>
+        </p:spPr>
+        <p:style>
+          <a:lnRef idx="2">
+            <a:schemeClr val="accent1">
+              <a:shade val="50000"/>
+            </a:schemeClr>
+          </a:lnRef>
+          <a:fillRef idx="1">
+            <a:schemeClr val="accent1"/>
+          </a:fillRef>
+          <a:effectRef idx="0">
+            <a:schemeClr val="accent1"/>
+          </a:effectRef>
+          <a:fontRef idx="minor">
+            <a:schemeClr val="lt1"/>
+          </a:fontRef>
+        </p:style>
+        <p:txBody>
+          <a:bodyPr rtlCol="0" anchor="ctr"/>
+          <a:lstStyle/>
+          <a:p>
+            <a:pPr algn="ctr"/>
+            <a:endParaRPr lang="en-US"/>
+          </a:p>
+        </p:txBody>
+      </p:sp>
+      <p:sp>
+        <p:nvSpPr>
+          <p:cNvPr id="5" name="Rectangle 4">
+            <a:extLst>
+              <a:ext uri="{FF2B5EF4-FFF2-40B4-BE49-F238E27FC236}">
+                <a16:creationId xmlns:a16="http://schemas.microsoft.com/office/drawing/2014/main" id="{E2B37F1F-F23A-69FE-6964-55A95E08B552}"/>
+              </a:ext>
+            </a:extLst>
+          </p:cNvPr>
+          <p:cNvSpPr/>
+          <p:nvPr/>
+        </p:nvSpPr>
+        <p:spPr>
+          <a:xfrm>
+            <a:off x="7973291" y="3269673"/>
+            <a:ext cx="1821873" cy="588818"/>
+          </a:xfrm>
+          <a:prstGeom prst="rect">
+            <a:avLst/>
+          </a:prstGeom>
+          <a:solidFill>
+            <a:schemeClr val="accent2"/>
+          </a:solidFill>
+          <a:ln>
+            <a:noFill/>
+          </a:ln>
+        </p:spPr>
+        <p:style>
+          <a:lnRef idx="2">
+            <a:schemeClr val="accent1">
+              <a:shade val="50000"/>
+            </a:schemeClr>
+          </a:lnRef>
+          <a:fillRef idx="1">
+            <a:schemeClr val="accent1"/>
+          </a:fillRef>
+          <a:effectRef idx="0">
+            <a:schemeClr val="accent1"/>
+          </a:effectRef>
+          <a:fontRef idx="minor">
+            <a:schemeClr val="lt1"/>
+          </a:fontRef>
+        </p:style>
+        <p:txBody>
+          <a:bodyPr rtlCol="0" anchor="ctr"/>
+          <a:lstStyle/>
+          <a:p>
+            <a:pPr algn="ctr"/>
+            <a:endParaRPr lang="en-US"/>
+          </a:p>
+        </p:txBody>
+      </p:sp>
+      <p:sp>
+        <p:nvSpPr>
+          <p:cNvPr id="6" name="TextBox 5">
+            <a:extLst>
+              <a:ext uri="{FF2B5EF4-FFF2-40B4-BE49-F238E27FC236}">
+                <a16:creationId xmlns:a16="http://schemas.microsoft.com/office/drawing/2014/main" id="{A3B4CB81-CE07-4A22-B43D-BD5DF1EF31F0}"/>
+              </a:ext>
+            </a:extLst>
+          </p:cNvPr>
+          <p:cNvSpPr txBox="1"/>
+          <p:nvPr/>
+        </p:nvSpPr>
+        <p:spPr>
+          <a:xfrm>
+            <a:off x="2785754" y="2623342"/>
+            <a:ext cx="4183082" cy="646331"/>
+          </a:xfrm>
+          <a:prstGeom prst="rect">
+            <a:avLst/>
+          </a:prstGeom>
+          <a:noFill/>
+        </p:spPr>
+        <p:txBody>
+          <a:bodyPr wrap="square">
+            <a:spAutoFit/>
+          </a:bodyPr>
+          <a:lstStyle/>
+          <a:p>
+            <a:pPr algn="ctr"/>
+            <a:r>
+              <a:rPr lang="en-US" sz="1800" b="1" dirty="0">
+                <a:solidFill>
+                  <a:schemeClr val="tx1"/>
+                </a:solidFill>
+                <a:latin typeface="Arial" panose="020B0604020202020204" pitchFamily="34" charset="0"/>
+                <a:cs typeface="Arial" panose="020B0604020202020204" pitchFamily="34" charset="0"/>
+              </a:rPr>
+              <a:t>Development (dev) set: </a:t>
+            </a:r>
+          </a:p>
+          <a:p>
+            <a:pPr algn="ctr"/>
+            <a:r>
+              <a:rPr lang="en-US" dirty="0">
+                <a:solidFill>
+                  <a:schemeClr val="tx1"/>
+                </a:solidFill>
+                <a:latin typeface="Arial" panose="020B0604020202020204" pitchFamily="34" charset="0"/>
+                <a:cs typeface="Arial" panose="020B0604020202020204" pitchFamily="34" charset="0"/>
+              </a:rPr>
+              <a:t>Use for training and optimizing model</a:t>
+            </a:r>
+          </a:p>
+        </p:txBody>
+      </p:sp>
+      <p:sp>
+        <p:nvSpPr>
+          <p:cNvPr id="7" name="TextBox 6">
+            <a:extLst>
+              <a:ext uri="{FF2B5EF4-FFF2-40B4-BE49-F238E27FC236}">
+                <a16:creationId xmlns:a16="http://schemas.microsoft.com/office/drawing/2014/main" id="{6CBDCC6D-77BB-C7E0-AFF7-B34E0FBF7384}"/>
+              </a:ext>
+            </a:extLst>
+          </p:cNvPr>
+          <p:cNvSpPr txBox="1"/>
+          <p:nvPr/>
+        </p:nvSpPr>
+        <p:spPr>
+          <a:xfrm>
+            <a:off x="7656615" y="2069344"/>
+            <a:ext cx="2455223" cy="1200329"/>
+          </a:xfrm>
+          <a:prstGeom prst="rect">
+            <a:avLst/>
+          </a:prstGeom>
+          <a:noFill/>
+        </p:spPr>
+        <p:txBody>
+          <a:bodyPr wrap="square">
+            <a:spAutoFit/>
+          </a:bodyPr>
+          <a:lstStyle/>
+          <a:p>
+            <a:pPr algn="ctr"/>
+            <a:r>
+              <a:rPr lang="en-US" sz="1800" b="1" dirty="0">
+                <a:solidFill>
+                  <a:schemeClr val="tx1"/>
+                </a:solidFill>
+                <a:latin typeface="Arial" panose="020B0604020202020204" pitchFamily="34" charset="0"/>
+                <a:cs typeface="Arial" panose="020B0604020202020204" pitchFamily="34" charset="0"/>
+              </a:rPr>
+              <a:t>Test set: </a:t>
+            </a:r>
+          </a:p>
+          <a:p>
+            <a:pPr algn="ctr"/>
+            <a:r>
+              <a:rPr lang="en-US" dirty="0">
+                <a:solidFill>
+                  <a:schemeClr val="tx1"/>
+                </a:solidFill>
+                <a:latin typeface="Arial" panose="020B0604020202020204" pitchFamily="34" charset="0"/>
+                <a:cs typeface="Arial" panose="020B0604020202020204" pitchFamily="34" charset="0"/>
+              </a:rPr>
+              <a:t>Use to evaluate and communicate performance</a:t>
+            </a:r>
+          </a:p>
+        </p:txBody>
+      </p:sp>
+      <p:sp>
+        <p:nvSpPr>
+          <p:cNvPr id="9" name="Rectangle 8">
+            <a:extLst>
+              <a:ext uri="{FF2B5EF4-FFF2-40B4-BE49-F238E27FC236}">
+                <a16:creationId xmlns:a16="http://schemas.microsoft.com/office/drawing/2014/main" id="{1D69E121-DAEB-34DC-B309-C89459F31985}"/>
+              </a:ext>
+            </a:extLst>
+          </p:cNvPr>
+          <p:cNvSpPr/>
+          <p:nvPr/>
+        </p:nvSpPr>
+        <p:spPr>
+          <a:xfrm>
+            <a:off x="1904999" y="3530278"/>
+            <a:ext cx="4414778" cy="328213"/>
+          </a:xfrm>
+          <a:prstGeom prst="rect">
+            <a:avLst/>
+          </a:prstGeom>
+          <a:solidFill>
+            <a:schemeClr val="accent1">
+              <a:lumMod val="40000"/>
+              <a:lumOff val="60000"/>
+            </a:schemeClr>
+          </a:solidFill>
+          <a:ln>
+            <a:noFill/>
+          </a:ln>
+        </p:spPr>
+        <p:style>
+          <a:lnRef idx="2">
+            <a:schemeClr val="accent1">
+              <a:shade val="50000"/>
+            </a:schemeClr>
+          </a:lnRef>
+          <a:fillRef idx="1">
+            <a:schemeClr val="accent1"/>
+          </a:fillRef>
+          <a:effectRef idx="0">
+            <a:schemeClr val="accent1"/>
+          </a:effectRef>
+          <a:fontRef idx="minor">
+            <a:schemeClr val="lt1"/>
+          </a:fontRef>
+        </p:style>
+        <p:txBody>
+          <a:bodyPr rtlCol="0" anchor="ctr"/>
+          <a:lstStyle/>
+          <a:p>
+            <a:pPr algn="ctr"/>
+            <a:endParaRPr lang="en-US"/>
+          </a:p>
+        </p:txBody>
+      </p:sp>
+      <p:sp>
+        <p:nvSpPr>
+          <p:cNvPr id="10" name="Rectangle 9">
+            <a:extLst>
+              <a:ext uri="{FF2B5EF4-FFF2-40B4-BE49-F238E27FC236}">
+                <a16:creationId xmlns:a16="http://schemas.microsoft.com/office/drawing/2014/main" id="{E521CDD4-9818-D425-A6AE-3850893D77E2}"/>
+              </a:ext>
+            </a:extLst>
+          </p:cNvPr>
+          <p:cNvSpPr/>
+          <p:nvPr/>
+        </p:nvSpPr>
+        <p:spPr>
+          <a:xfrm>
+            <a:off x="6319777" y="3530278"/>
+            <a:ext cx="1653514" cy="328213"/>
+          </a:xfrm>
+          <a:prstGeom prst="rect">
+            <a:avLst/>
+          </a:prstGeom>
+          <a:solidFill>
+            <a:schemeClr val="accent6">
+              <a:lumMod val="60000"/>
+              <a:lumOff val="40000"/>
+            </a:schemeClr>
+          </a:solidFill>
+          <a:ln>
+            <a:noFill/>
+          </a:ln>
+        </p:spPr>
+        <p:style>
+          <a:lnRef idx="2">
+            <a:schemeClr val="accent1">
+              <a:shade val="50000"/>
+            </a:schemeClr>
+          </a:lnRef>
+          <a:fillRef idx="1">
+            <a:schemeClr val="accent1"/>
+          </a:fillRef>
+          <a:effectRef idx="0">
+            <a:schemeClr val="accent1"/>
+          </a:effectRef>
+          <a:fontRef idx="minor">
+            <a:schemeClr val="lt1"/>
+          </a:fontRef>
+        </p:style>
+        <p:txBody>
+          <a:bodyPr rtlCol="0" anchor="ctr"/>
+          <a:lstStyle/>
+          <a:p>
+            <a:pPr algn="ctr"/>
+            <a:endParaRPr lang="en-US" dirty="0">
+              <a:solidFill>
+                <a:schemeClr val="accent6"/>
+              </a:solidFill>
+            </a:endParaRPr>
+          </a:p>
+        </p:txBody>
+      </p:sp>
+      <p:sp>
+        <p:nvSpPr>
+          <p:cNvPr id="11" name="TextBox 10">
+            <a:extLst>
+              <a:ext uri="{FF2B5EF4-FFF2-40B4-BE49-F238E27FC236}">
+                <a16:creationId xmlns:a16="http://schemas.microsoft.com/office/drawing/2014/main" id="{F126F336-5ADD-AF88-AC5F-2F347544300B}"/>
+              </a:ext>
+            </a:extLst>
+          </p:cNvPr>
+          <p:cNvSpPr txBox="1"/>
+          <p:nvPr/>
+        </p:nvSpPr>
+        <p:spPr>
+          <a:xfrm>
+            <a:off x="1653051" y="3866319"/>
+            <a:ext cx="4183082" cy="646331"/>
+          </a:xfrm>
+          <a:prstGeom prst="rect">
+            <a:avLst/>
+          </a:prstGeom>
+          <a:noFill/>
+        </p:spPr>
+        <p:txBody>
+          <a:bodyPr wrap="square">
+            <a:spAutoFit/>
+          </a:bodyPr>
+          <a:lstStyle/>
+          <a:p>
+            <a:pPr algn="ctr"/>
+            <a:r>
+              <a:rPr lang="en-US" sz="1800" b="1" dirty="0">
+                <a:solidFill>
+                  <a:schemeClr val="tx1"/>
+                </a:solidFill>
+                <a:latin typeface="Arial" panose="020B0604020202020204" pitchFamily="34" charset="0"/>
+                <a:cs typeface="Arial" panose="020B0604020202020204" pitchFamily="34" charset="0"/>
+              </a:rPr>
+              <a:t>Training set: </a:t>
+            </a:r>
+          </a:p>
+          <a:p>
+            <a:pPr algn="ctr"/>
+            <a:r>
+              <a:rPr lang="en-US" dirty="0">
+                <a:solidFill>
+                  <a:schemeClr val="tx1"/>
+                </a:solidFill>
+                <a:latin typeface="Arial" panose="020B0604020202020204" pitchFamily="34" charset="0"/>
+                <a:cs typeface="Arial" panose="020B0604020202020204" pitchFamily="34" charset="0"/>
+              </a:rPr>
+              <a:t>Use for fitting model parameters</a:t>
+            </a:r>
+          </a:p>
+        </p:txBody>
+      </p:sp>
+      <p:sp>
+        <p:nvSpPr>
+          <p:cNvPr id="12" name="TextBox 11">
+            <a:extLst>
+              <a:ext uri="{FF2B5EF4-FFF2-40B4-BE49-F238E27FC236}">
+                <a16:creationId xmlns:a16="http://schemas.microsoft.com/office/drawing/2014/main" id="{1AFDCF98-7902-BAA9-7407-D72DD8975F0F}"/>
+              </a:ext>
+            </a:extLst>
+          </p:cNvPr>
+          <p:cNvSpPr txBox="1"/>
+          <p:nvPr/>
+        </p:nvSpPr>
+        <p:spPr>
+          <a:xfrm>
+            <a:off x="5705431" y="3858491"/>
+            <a:ext cx="2882206" cy="1200329"/>
+          </a:xfrm>
+          <a:prstGeom prst="rect">
+            <a:avLst/>
+          </a:prstGeom>
+          <a:noFill/>
+        </p:spPr>
+        <p:txBody>
+          <a:bodyPr wrap="square">
+            <a:spAutoFit/>
+          </a:bodyPr>
+          <a:lstStyle/>
+          <a:p>
+            <a:pPr algn="ctr"/>
+            <a:r>
+              <a:rPr lang="en-US" sz="1800" b="1" dirty="0">
+                <a:solidFill>
+                  <a:schemeClr val="tx1"/>
+                </a:solidFill>
+                <a:latin typeface="Arial" panose="020B0604020202020204" pitchFamily="34" charset="0"/>
+                <a:cs typeface="Arial" panose="020B0604020202020204" pitchFamily="34" charset="0"/>
+              </a:rPr>
+              <a:t>Validation set: </a:t>
+            </a:r>
+          </a:p>
+          <a:p>
+            <a:pPr algn="ctr"/>
+            <a:r>
+              <a:rPr lang="en-US" dirty="0">
+                <a:solidFill>
+                  <a:schemeClr val="tx1"/>
+                </a:solidFill>
+                <a:latin typeface="Arial" panose="020B0604020202020204" pitchFamily="34" charset="0"/>
+                <a:cs typeface="Arial" panose="020B0604020202020204" pitchFamily="34" charset="0"/>
+              </a:rPr>
+              <a:t>Use to estimate model performance while optimizing model </a:t>
+            </a:r>
+          </a:p>
+        </p:txBody>
+      </p:sp>
+    </p:spTree>
+    <p:extLst>
+      <p:ext uri="{BB962C8B-B14F-4D97-AF65-F5344CB8AC3E}">
+        <p14:creationId xmlns:p14="http://schemas.microsoft.com/office/powerpoint/2010/main" val="3362684696"/>
+      </p:ext>
+    </p:extLst>
+  </p:cSld>
+  <p:clrMapOvr>
+    <a:masterClrMapping/>
+  </p:clrMapOvr>
+</p:sld>
+</file>
+
+<file path=ppt/slides/slide25.xml><?xml version="1.0" encoding="utf-8"?>
+<p:sld xmlns:a="http://schemas.openxmlformats.org/drawingml/2006/main" xmlns:r="http://schemas.openxmlformats.org/officeDocument/2006/relationships" xmlns:p="http://schemas.openxmlformats.org/presentationml/2006/main">
+  <p:cSld>
+    <p:spTree>
+      <p:nvGrpSpPr>
+        <p:cNvPr id="1" name=""/>
+        <p:cNvGrpSpPr/>
+        <p:nvPr/>
+      </p:nvGrpSpPr>
+      <p:grpSpPr>
+        <a:xfrm>
+          <a:off x="0" y="0"/>
+          <a:ext cx="0" cy="0"/>
+          <a:chOff x="0" y="0"/>
+          <a:chExt cx="0" cy="0"/>
+        </a:xfrm>
+      </p:grpSpPr>
+      <p:sp>
+        <p:nvSpPr>
+          <p:cNvPr id="17" name="Rounded Rectangle 16">
+            <a:extLst>
+              <a:ext uri="{FF2B5EF4-FFF2-40B4-BE49-F238E27FC236}">
+                <a16:creationId xmlns:a16="http://schemas.microsoft.com/office/drawing/2014/main" id="{6FECB5FE-A8D7-8E79-E704-FD12262D5DC3}"/>
+              </a:ext>
+            </a:extLst>
+          </p:cNvPr>
+          <p:cNvSpPr/>
+          <p:nvPr/>
+        </p:nvSpPr>
+        <p:spPr>
+          <a:xfrm>
+            <a:off x="3515210" y="2492969"/>
+            <a:ext cx="2077500" cy="962575"/>
+          </a:xfrm>
+          <a:prstGeom prst="roundRect">
+            <a:avLst/>
+          </a:prstGeom>
+          <a:solidFill>
+            <a:schemeClr val="accent1">
+              <a:lumMod val="20000"/>
+              <a:lumOff val="80000"/>
+            </a:schemeClr>
+          </a:solidFill>
+          <a:ln w="38100">
+            <a:solidFill>
+              <a:schemeClr val="accent1"/>
+            </a:solidFill>
+          </a:ln>
+        </p:spPr>
+        <p:style>
+          <a:lnRef idx="2">
+            <a:schemeClr val="accent1">
+              <a:shade val="50000"/>
+            </a:schemeClr>
+          </a:lnRef>
+          <a:fillRef idx="1">
+            <a:schemeClr val="accent1"/>
+          </a:fillRef>
+          <a:effectRef idx="0">
+            <a:schemeClr val="accent1"/>
+          </a:effectRef>
+          <a:fontRef idx="minor">
+            <a:schemeClr val="lt1"/>
+          </a:fontRef>
+        </p:style>
+        <p:txBody>
+          <a:bodyPr rtlCol="0" anchor="ctr"/>
+          <a:lstStyle/>
+          <a:p>
+            <a:pPr algn="ctr"/>
+            <a:r>
+              <a:rPr lang="en-US" sz="2400" dirty="0">
+                <a:solidFill>
+                  <a:schemeClr val="tx1"/>
+                </a:solidFill>
+                <a:latin typeface="Arial" panose="020B0604020202020204" pitchFamily="34" charset="0"/>
+                <a:cs typeface="Arial" panose="020B0604020202020204" pitchFamily="34" charset="0"/>
+              </a:rPr>
+              <a:t>Model Training</a:t>
+            </a:r>
+          </a:p>
+        </p:txBody>
+      </p:sp>
+      <p:sp>
+        <p:nvSpPr>
+          <p:cNvPr id="18" name="Rounded Rectangle 17">
+            <a:extLst>
+              <a:ext uri="{FF2B5EF4-FFF2-40B4-BE49-F238E27FC236}">
+                <a16:creationId xmlns:a16="http://schemas.microsoft.com/office/drawing/2014/main" id="{810BB9BE-1A98-8E62-ACF0-902FC6063A86}"/>
+              </a:ext>
+            </a:extLst>
+          </p:cNvPr>
+          <p:cNvSpPr/>
+          <p:nvPr/>
+        </p:nvSpPr>
+        <p:spPr>
+          <a:xfrm>
+            <a:off x="7034332" y="2492969"/>
+            <a:ext cx="2077500" cy="962575"/>
+          </a:xfrm>
+          <a:prstGeom prst="roundRect">
+            <a:avLst/>
+          </a:prstGeom>
+          <a:solidFill>
+            <a:schemeClr val="accent2">
+              <a:lumMod val="40000"/>
+              <a:lumOff val="60000"/>
+            </a:schemeClr>
+          </a:solidFill>
+          <a:ln w="38100">
+            <a:solidFill>
+              <a:schemeClr val="accent2">
+                <a:lumMod val="75000"/>
+              </a:schemeClr>
+            </a:solidFill>
+          </a:ln>
+        </p:spPr>
+        <p:style>
+          <a:lnRef idx="2">
+            <a:schemeClr val="accent1">
+              <a:shade val="50000"/>
+            </a:schemeClr>
+          </a:lnRef>
+          <a:fillRef idx="1">
+            <a:schemeClr val="accent1"/>
+          </a:fillRef>
+          <a:effectRef idx="0">
+            <a:schemeClr val="accent1"/>
+          </a:effectRef>
+          <a:fontRef idx="minor">
+            <a:schemeClr val="lt1"/>
+          </a:fontRef>
+        </p:style>
+        <p:txBody>
+          <a:bodyPr rtlCol="0" anchor="ctr"/>
+          <a:lstStyle/>
+          <a:p>
+            <a:pPr algn="ctr"/>
+            <a:r>
+              <a:rPr lang="en-US" sz="2400" dirty="0">
+                <a:solidFill>
+                  <a:schemeClr val="tx1"/>
+                </a:solidFill>
+                <a:latin typeface="Arial" panose="020B0604020202020204" pitchFamily="34" charset="0"/>
+                <a:cs typeface="Arial" panose="020B0604020202020204" pitchFamily="34" charset="0"/>
+              </a:rPr>
+              <a:t>Model Evaluation</a:t>
+            </a:r>
+          </a:p>
+        </p:txBody>
+      </p:sp>
+      <p:sp>
+        <p:nvSpPr>
+          <p:cNvPr id="19" name="TextBox 18">
+            <a:extLst>
+              <a:ext uri="{FF2B5EF4-FFF2-40B4-BE49-F238E27FC236}">
+                <a16:creationId xmlns:a16="http://schemas.microsoft.com/office/drawing/2014/main" id="{58B44022-1489-0197-C295-8E0125D877EB}"/>
+              </a:ext>
+            </a:extLst>
+          </p:cNvPr>
+          <p:cNvSpPr txBox="1"/>
+          <p:nvPr/>
+        </p:nvSpPr>
+        <p:spPr>
+          <a:xfrm>
+            <a:off x="3717769" y="1646278"/>
+            <a:ext cx="1672381" cy="400110"/>
+          </a:xfrm>
+          <a:prstGeom prst="rect">
+            <a:avLst/>
+          </a:prstGeom>
+          <a:noFill/>
+        </p:spPr>
+        <p:txBody>
+          <a:bodyPr wrap="none" rtlCol="0">
+            <a:spAutoFit/>
+          </a:bodyPr>
+          <a:lstStyle/>
+          <a:p>
+            <a:r>
+              <a:rPr lang="en-US" sz="2000" dirty="0">
+                <a:latin typeface="Arial" panose="020B0604020202020204" pitchFamily="34" charset="0"/>
+                <a:cs typeface="Arial" panose="020B0604020202020204" pitchFamily="34" charset="0"/>
+              </a:rPr>
+              <a:t>Training data</a:t>
+            </a:r>
+          </a:p>
+        </p:txBody>
+      </p:sp>
+      <p:sp>
+        <p:nvSpPr>
+          <p:cNvPr id="20" name="TextBox 19">
+            <a:extLst>
+              <a:ext uri="{FF2B5EF4-FFF2-40B4-BE49-F238E27FC236}">
+                <a16:creationId xmlns:a16="http://schemas.microsoft.com/office/drawing/2014/main" id="{3CF77C3C-9E2B-1233-3526-6FD858B13607}"/>
+              </a:ext>
+            </a:extLst>
+          </p:cNvPr>
+          <p:cNvSpPr txBox="1"/>
+          <p:nvPr/>
+        </p:nvSpPr>
+        <p:spPr>
+          <a:xfrm>
+            <a:off x="9546872" y="2774201"/>
+            <a:ext cx="1651414" cy="400110"/>
+          </a:xfrm>
+          <a:prstGeom prst="rect">
+            <a:avLst/>
+          </a:prstGeom>
+          <a:noFill/>
+        </p:spPr>
+        <p:txBody>
+          <a:bodyPr wrap="none" rtlCol="0">
+            <a:spAutoFit/>
+          </a:bodyPr>
+          <a:lstStyle/>
+          <a:p>
+            <a:r>
+              <a:rPr lang="en-US" sz="2000" dirty="0">
+                <a:latin typeface="Arial" panose="020B0604020202020204" pitchFamily="34" charset="0"/>
+                <a:cs typeface="Arial" panose="020B0604020202020204" pitchFamily="34" charset="0"/>
+              </a:rPr>
+              <a:t>Performance</a:t>
+            </a:r>
+          </a:p>
+        </p:txBody>
+      </p:sp>
+      <p:sp>
+        <p:nvSpPr>
+          <p:cNvPr id="21" name="TextBox 20">
+            <a:extLst>
+              <a:ext uri="{FF2B5EF4-FFF2-40B4-BE49-F238E27FC236}">
+                <a16:creationId xmlns:a16="http://schemas.microsoft.com/office/drawing/2014/main" id="{07FBA25B-1B45-A566-411B-08EEAE742EA3}"/>
+              </a:ext>
+            </a:extLst>
+          </p:cNvPr>
+          <p:cNvSpPr txBox="1"/>
+          <p:nvPr/>
+        </p:nvSpPr>
+        <p:spPr>
+          <a:xfrm>
+            <a:off x="7289630" y="1646278"/>
+            <a:ext cx="1566904" cy="400110"/>
+          </a:xfrm>
+          <a:prstGeom prst="rect">
+            <a:avLst/>
+          </a:prstGeom>
+          <a:noFill/>
+        </p:spPr>
+        <p:txBody>
+          <a:bodyPr wrap="none" rtlCol="0">
+            <a:spAutoFit/>
+          </a:bodyPr>
+          <a:lstStyle/>
+          <a:p>
+            <a:r>
+              <a:rPr lang="en-US" sz="2000" dirty="0">
+                <a:latin typeface="Arial" panose="020B0604020202020204" pitchFamily="34" charset="0"/>
+                <a:cs typeface="Arial" panose="020B0604020202020204" pitchFamily="34" charset="0"/>
+              </a:rPr>
+              <a:t>Testing data</a:t>
+            </a:r>
+          </a:p>
+        </p:txBody>
+      </p:sp>
+      <p:sp>
+        <p:nvSpPr>
+          <p:cNvPr id="22" name="TextBox 21">
+            <a:extLst>
+              <a:ext uri="{FF2B5EF4-FFF2-40B4-BE49-F238E27FC236}">
+                <a16:creationId xmlns:a16="http://schemas.microsoft.com/office/drawing/2014/main" id="{FB3F4FDC-1073-331B-6F06-999D4412C595}"/>
+              </a:ext>
+            </a:extLst>
+          </p:cNvPr>
+          <p:cNvSpPr txBox="1"/>
+          <p:nvPr/>
+        </p:nvSpPr>
+        <p:spPr>
+          <a:xfrm>
+            <a:off x="439267" y="2466425"/>
+            <a:ext cx="2355132" cy="1015663"/>
+          </a:xfrm>
+          <a:prstGeom prst="rect">
+            <a:avLst/>
+          </a:prstGeom>
+          <a:noFill/>
+        </p:spPr>
+        <p:txBody>
+          <a:bodyPr wrap="none" rtlCol="0">
+            <a:spAutoFit/>
+          </a:bodyPr>
+          <a:lstStyle/>
+          <a:p>
+            <a:r>
+              <a:rPr lang="en-US" sz="2000" dirty="0">
+                <a:latin typeface="Arial" panose="020B0604020202020204" pitchFamily="34" charset="0"/>
+                <a:cs typeface="Arial" panose="020B0604020202020204" pitchFamily="34" charset="0"/>
+              </a:rPr>
+              <a:t>Hyperparameters:</a:t>
+            </a:r>
+          </a:p>
+          <a:p>
+            <a:pPr marL="342900" indent="-342900">
+              <a:buFontTx/>
+              <a:buChar char="-"/>
+            </a:pPr>
+            <a:r>
+              <a:rPr lang="en-US" sz="2000" dirty="0">
+                <a:latin typeface="Arial" panose="020B0604020202020204" pitchFamily="34" charset="0"/>
+                <a:cs typeface="Arial" panose="020B0604020202020204" pitchFamily="34" charset="0"/>
+              </a:rPr>
+              <a:t>Architecture</a:t>
+            </a:r>
+          </a:p>
+          <a:p>
+            <a:pPr marL="342900" indent="-342900">
+              <a:buFontTx/>
+              <a:buChar char="-"/>
+            </a:pPr>
+            <a:r>
+              <a:rPr lang="en-US" sz="2000" dirty="0">
+                <a:latin typeface="Arial" panose="020B0604020202020204" pitchFamily="34" charset="0"/>
+                <a:cs typeface="Arial" panose="020B0604020202020204" pitchFamily="34" charset="0"/>
+              </a:rPr>
+              <a:t>Feature choices</a:t>
+            </a:r>
+          </a:p>
+        </p:txBody>
+      </p:sp>
+      <p:cxnSp>
+        <p:nvCxnSpPr>
+          <p:cNvPr id="23" name="Straight Arrow Connector 22">
+            <a:extLst>
+              <a:ext uri="{FF2B5EF4-FFF2-40B4-BE49-F238E27FC236}">
+                <a16:creationId xmlns:a16="http://schemas.microsoft.com/office/drawing/2014/main" id="{C7FF2516-8A68-1589-B411-E6A2882E0754}"/>
+              </a:ext>
+            </a:extLst>
+          </p:cNvPr>
+          <p:cNvCxnSpPr>
+            <a:cxnSpLocks/>
+            <a:stCxn id="22" idx="3"/>
+            <a:endCxn id="17" idx="1"/>
+          </p:cNvCxnSpPr>
+          <p:nvPr/>
+        </p:nvCxnSpPr>
+        <p:spPr>
+          <a:xfrm>
+            <a:off x="2794399" y="2974257"/>
+            <a:ext cx="720811" cy="0"/>
+          </a:xfrm>
+          <a:prstGeom prst="straightConnector1">
+            <a:avLst/>
+          </a:prstGeom>
+          <a:ln w="25400">
+            <a:solidFill>
+              <a:schemeClr val="tx1"/>
+            </a:solidFill>
+            <a:tailEnd type="triangle"/>
+          </a:ln>
+        </p:spPr>
+        <p:style>
+          <a:lnRef idx="1">
+            <a:schemeClr val="accent1"/>
+          </a:lnRef>
+          <a:fillRef idx="0">
+            <a:schemeClr val="accent1"/>
+          </a:fillRef>
+          <a:effectRef idx="0">
+            <a:schemeClr val="accent1"/>
+          </a:effectRef>
+          <a:fontRef idx="minor">
+            <a:schemeClr val="tx1"/>
+          </a:fontRef>
+        </p:style>
+      </p:cxnSp>
+      <p:cxnSp>
+        <p:nvCxnSpPr>
+          <p:cNvPr id="24" name="Straight Arrow Connector 23">
+            <a:extLst>
+              <a:ext uri="{FF2B5EF4-FFF2-40B4-BE49-F238E27FC236}">
+                <a16:creationId xmlns:a16="http://schemas.microsoft.com/office/drawing/2014/main" id="{BADBEAE1-27C7-0694-387C-E018D192AB36}"/>
+              </a:ext>
+            </a:extLst>
+          </p:cNvPr>
+          <p:cNvCxnSpPr>
+            <a:cxnSpLocks/>
+            <a:endCxn id="17" idx="0"/>
+          </p:cNvCxnSpPr>
+          <p:nvPr/>
+        </p:nvCxnSpPr>
+        <p:spPr>
+          <a:xfrm>
+            <a:off x="4553960" y="2025570"/>
+            <a:ext cx="0" cy="467399"/>
+          </a:xfrm>
+          <a:prstGeom prst="straightConnector1">
+            <a:avLst/>
+          </a:prstGeom>
+          <a:ln w="25400">
+            <a:solidFill>
+              <a:schemeClr val="tx1"/>
+            </a:solidFill>
+            <a:tailEnd type="triangle"/>
+          </a:ln>
+        </p:spPr>
+        <p:style>
+          <a:lnRef idx="1">
+            <a:schemeClr val="accent1"/>
+          </a:lnRef>
+          <a:fillRef idx="0">
+            <a:schemeClr val="accent1"/>
+          </a:fillRef>
+          <a:effectRef idx="0">
+            <a:schemeClr val="accent1"/>
+          </a:effectRef>
+          <a:fontRef idx="minor">
+            <a:schemeClr val="tx1"/>
+          </a:fontRef>
+        </p:style>
+      </p:cxnSp>
+      <p:cxnSp>
+        <p:nvCxnSpPr>
+          <p:cNvPr id="25" name="Straight Arrow Connector 24">
+            <a:extLst>
+              <a:ext uri="{FF2B5EF4-FFF2-40B4-BE49-F238E27FC236}">
+                <a16:creationId xmlns:a16="http://schemas.microsoft.com/office/drawing/2014/main" id="{AE5A5250-13F0-BA77-6728-D92DC4D6564F}"/>
+              </a:ext>
+            </a:extLst>
+          </p:cNvPr>
+          <p:cNvCxnSpPr>
+            <a:cxnSpLocks/>
+          </p:cNvCxnSpPr>
+          <p:nvPr/>
+        </p:nvCxnSpPr>
+        <p:spPr>
+          <a:xfrm>
+            <a:off x="8073082" y="2046387"/>
+            <a:ext cx="0" cy="420038"/>
+          </a:xfrm>
+          <a:prstGeom prst="straightConnector1">
+            <a:avLst/>
+          </a:prstGeom>
+          <a:ln w="25400">
+            <a:solidFill>
+              <a:schemeClr val="tx1"/>
+            </a:solidFill>
+            <a:tailEnd type="triangle"/>
+          </a:ln>
+        </p:spPr>
+        <p:style>
+          <a:lnRef idx="1">
+            <a:schemeClr val="accent1"/>
+          </a:lnRef>
+          <a:fillRef idx="0">
+            <a:schemeClr val="accent1"/>
+          </a:fillRef>
+          <a:effectRef idx="0">
+            <a:schemeClr val="accent1"/>
+          </a:effectRef>
+          <a:fontRef idx="minor">
+            <a:schemeClr val="tx1"/>
+          </a:fontRef>
+        </p:style>
+      </p:cxnSp>
+      <p:cxnSp>
+        <p:nvCxnSpPr>
+          <p:cNvPr id="26" name="Straight Arrow Connector 25">
+            <a:extLst>
+              <a:ext uri="{FF2B5EF4-FFF2-40B4-BE49-F238E27FC236}">
+                <a16:creationId xmlns:a16="http://schemas.microsoft.com/office/drawing/2014/main" id="{A6C7A034-EB9E-0A1C-4476-C419D5CB57E5}"/>
+              </a:ext>
+            </a:extLst>
+          </p:cNvPr>
+          <p:cNvCxnSpPr>
+            <a:cxnSpLocks/>
+            <a:endCxn id="18" idx="1"/>
+          </p:cNvCxnSpPr>
+          <p:nvPr/>
+        </p:nvCxnSpPr>
+        <p:spPr>
+          <a:xfrm>
+            <a:off x="5592710" y="2974256"/>
+            <a:ext cx="1441622" cy="1"/>
+          </a:xfrm>
+          <a:prstGeom prst="straightConnector1">
+            <a:avLst/>
+          </a:prstGeom>
+          <a:ln w="25400">
+            <a:solidFill>
+              <a:schemeClr val="accent2"/>
+            </a:solidFill>
+            <a:prstDash val="dash"/>
+            <a:tailEnd type="triangle"/>
+          </a:ln>
+        </p:spPr>
+        <p:style>
+          <a:lnRef idx="1">
+            <a:schemeClr val="accent1"/>
+          </a:lnRef>
+          <a:fillRef idx="0">
+            <a:schemeClr val="accent1"/>
+          </a:fillRef>
+          <a:effectRef idx="0">
+            <a:schemeClr val="accent1"/>
+          </a:effectRef>
+          <a:fontRef idx="minor">
+            <a:schemeClr val="tx1"/>
+          </a:fontRef>
+        </p:style>
+      </p:cxnSp>
+      <p:cxnSp>
+        <p:nvCxnSpPr>
+          <p:cNvPr id="27" name="Straight Arrow Connector 26">
+            <a:extLst>
+              <a:ext uri="{FF2B5EF4-FFF2-40B4-BE49-F238E27FC236}">
+                <a16:creationId xmlns:a16="http://schemas.microsoft.com/office/drawing/2014/main" id="{BF3D1556-644A-4FCA-F692-FBCB42E2976A}"/>
+              </a:ext>
+            </a:extLst>
+          </p:cNvPr>
+          <p:cNvCxnSpPr>
+            <a:cxnSpLocks/>
+            <a:endCxn id="20" idx="1"/>
+          </p:cNvCxnSpPr>
+          <p:nvPr/>
+        </p:nvCxnSpPr>
+        <p:spPr>
+          <a:xfrm>
+            <a:off x="9111832" y="2974255"/>
+            <a:ext cx="435040" cy="1"/>
+          </a:xfrm>
+          <a:prstGeom prst="straightConnector1">
+            <a:avLst/>
+          </a:prstGeom>
+          <a:ln w="25400">
+            <a:solidFill>
+              <a:schemeClr val="accent2"/>
+            </a:solidFill>
+            <a:prstDash val="dash"/>
+            <a:tailEnd type="triangle"/>
+          </a:ln>
+        </p:spPr>
+        <p:style>
+          <a:lnRef idx="1">
+            <a:schemeClr val="accent1"/>
+          </a:lnRef>
+          <a:fillRef idx="0">
+            <a:schemeClr val="accent1"/>
+          </a:fillRef>
+          <a:effectRef idx="0">
+            <a:schemeClr val="accent1"/>
+          </a:effectRef>
+          <a:fontRef idx="minor">
+            <a:schemeClr val="tx1"/>
+          </a:fontRef>
+        </p:style>
+      </p:cxnSp>
+      <p:cxnSp>
+        <p:nvCxnSpPr>
+          <p:cNvPr id="28" name="Curved Connector 27">
+            <a:extLst>
+              <a:ext uri="{FF2B5EF4-FFF2-40B4-BE49-F238E27FC236}">
+                <a16:creationId xmlns:a16="http://schemas.microsoft.com/office/drawing/2014/main" id="{ADC44502-DDFD-75ED-5226-1CA6F7071B6D}"/>
+              </a:ext>
+            </a:extLst>
+          </p:cNvPr>
+          <p:cNvCxnSpPr>
+            <a:cxnSpLocks/>
+            <a:stCxn id="39" idx="1"/>
+            <a:endCxn id="22" idx="2"/>
+          </p:cNvCxnSpPr>
+          <p:nvPr/>
+        </p:nvCxnSpPr>
+        <p:spPr>
+          <a:xfrm rot="10800000">
+            <a:off x="1616833" y="3482089"/>
+            <a:ext cx="3690106" cy="936031"/>
+          </a:xfrm>
+          <a:prstGeom prst="curvedConnector2">
+            <a:avLst/>
+          </a:prstGeom>
+          <a:ln w="41275">
+            <a:solidFill>
+              <a:schemeClr val="accent6"/>
+            </a:solidFill>
+            <a:tailEnd type="triangle"/>
+          </a:ln>
+        </p:spPr>
+        <p:style>
+          <a:lnRef idx="1">
+            <a:schemeClr val="accent1"/>
+          </a:lnRef>
+          <a:fillRef idx="0">
+            <a:schemeClr val="accent1"/>
+          </a:fillRef>
+          <a:effectRef idx="0">
+            <a:schemeClr val="accent1"/>
+          </a:effectRef>
+          <a:fontRef idx="minor">
+            <a:schemeClr val="tx1"/>
+          </a:fontRef>
+        </p:style>
+      </p:cxnSp>
+      <p:sp>
+        <p:nvSpPr>
+          <p:cNvPr id="29" name="TextBox 28">
+            <a:extLst>
+              <a:ext uri="{FF2B5EF4-FFF2-40B4-BE49-F238E27FC236}">
+                <a16:creationId xmlns:a16="http://schemas.microsoft.com/office/drawing/2014/main" id="{CCC003EF-7BD6-02C2-FBA5-EDAEDB5A9ABF}"/>
+              </a:ext>
+            </a:extLst>
+          </p:cNvPr>
+          <p:cNvSpPr txBox="1"/>
+          <p:nvPr/>
+        </p:nvSpPr>
+        <p:spPr>
+          <a:xfrm>
+            <a:off x="1718681" y="4572008"/>
+            <a:ext cx="3311611" cy="707886"/>
+          </a:xfrm>
+          <a:prstGeom prst="rect">
+            <a:avLst/>
+          </a:prstGeom>
+          <a:noFill/>
+        </p:spPr>
+        <p:txBody>
+          <a:bodyPr wrap="square" rtlCol="0">
+            <a:spAutoFit/>
+          </a:bodyPr>
+          <a:lstStyle/>
+          <a:p>
+            <a:pPr algn="ctr"/>
+            <a:r>
+              <a:rPr lang="en-US" sz="2000" b="1" dirty="0">
+                <a:solidFill>
+                  <a:schemeClr val="accent6"/>
+                </a:solidFill>
+                <a:latin typeface="Arial" panose="020B0604020202020204" pitchFamily="34" charset="0"/>
+                <a:cs typeface="Arial" panose="020B0604020202020204" pitchFamily="34" charset="0"/>
+              </a:rPr>
+              <a:t>Update hyperparameters to improve model</a:t>
+            </a:r>
+          </a:p>
+        </p:txBody>
+      </p:sp>
+      <p:sp>
+        <p:nvSpPr>
+          <p:cNvPr id="39" name="Rounded Rectangle 38">
+            <a:extLst>
+              <a:ext uri="{FF2B5EF4-FFF2-40B4-BE49-F238E27FC236}">
+                <a16:creationId xmlns:a16="http://schemas.microsoft.com/office/drawing/2014/main" id="{072F8847-C816-90B7-B10F-CAAA13CDD7E9}"/>
+              </a:ext>
+            </a:extLst>
+          </p:cNvPr>
+          <p:cNvSpPr/>
+          <p:nvPr/>
+        </p:nvSpPr>
+        <p:spPr>
+          <a:xfrm>
+            <a:off x="5306939" y="3936831"/>
+            <a:ext cx="1727393" cy="962575"/>
+          </a:xfrm>
+          <a:prstGeom prst="roundRect">
+            <a:avLst/>
+          </a:prstGeom>
+          <a:solidFill>
+            <a:schemeClr val="accent6">
+              <a:lumMod val="40000"/>
+              <a:lumOff val="60000"/>
+            </a:schemeClr>
+          </a:solidFill>
+          <a:ln w="38100">
+            <a:solidFill>
+              <a:schemeClr val="accent6">
+                <a:lumMod val="50000"/>
+              </a:schemeClr>
+            </a:solidFill>
+          </a:ln>
+        </p:spPr>
+        <p:style>
+          <a:lnRef idx="2">
+            <a:schemeClr val="accent1">
+              <a:shade val="50000"/>
+            </a:schemeClr>
+          </a:lnRef>
+          <a:fillRef idx="1">
+            <a:schemeClr val="accent1"/>
+          </a:fillRef>
+          <a:effectRef idx="0">
+            <a:schemeClr val="accent1"/>
+          </a:effectRef>
+          <a:fontRef idx="minor">
+            <a:schemeClr val="lt1"/>
+          </a:fontRef>
+        </p:style>
+        <p:txBody>
+          <a:bodyPr rtlCol="0" anchor="ctr"/>
+          <a:lstStyle/>
+          <a:p>
+            <a:pPr algn="ctr"/>
+            <a:r>
+              <a:rPr lang="en-US" sz="2400" dirty="0">
+                <a:solidFill>
+                  <a:schemeClr val="tx1"/>
+                </a:solidFill>
+                <a:latin typeface="Arial" panose="020B0604020202020204" pitchFamily="34" charset="0"/>
+                <a:cs typeface="Arial" panose="020B0604020202020204" pitchFamily="34" charset="0"/>
+              </a:rPr>
+              <a:t>Model Validation</a:t>
+            </a:r>
+          </a:p>
+        </p:txBody>
+      </p:sp>
+      <p:cxnSp>
+        <p:nvCxnSpPr>
+          <p:cNvPr id="41" name="Straight Arrow Connector 40">
+            <a:extLst>
+              <a:ext uri="{FF2B5EF4-FFF2-40B4-BE49-F238E27FC236}">
+                <a16:creationId xmlns:a16="http://schemas.microsoft.com/office/drawing/2014/main" id="{1DB27062-2BB6-48FD-3265-A01BDA42AF05}"/>
+              </a:ext>
+            </a:extLst>
+          </p:cNvPr>
+          <p:cNvCxnSpPr>
+            <a:cxnSpLocks/>
+            <a:stCxn id="17" idx="2"/>
+            <a:endCxn id="39" idx="0"/>
+          </p:cNvCxnSpPr>
+          <p:nvPr/>
+        </p:nvCxnSpPr>
+        <p:spPr>
+          <a:xfrm>
+            <a:off x="4553960" y="3455544"/>
+            <a:ext cx="1616676" cy="481287"/>
+          </a:xfrm>
+          <a:prstGeom prst="straightConnector1">
+            <a:avLst/>
+          </a:prstGeom>
+          <a:ln w="25400">
+            <a:solidFill>
+              <a:schemeClr val="accent6"/>
+            </a:solidFill>
+            <a:prstDash val="dash"/>
+            <a:tailEnd type="triangle"/>
+          </a:ln>
+        </p:spPr>
+        <p:style>
+          <a:lnRef idx="1">
+            <a:schemeClr val="accent1"/>
+          </a:lnRef>
+          <a:fillRef idx="0">
+            <a:schemeClr val="accent1"/>
+          </a:fillRef>
+          <a:effectRef idx="0">
+            <a:schemeClr val="accent1"/>
+          </a:effectRef>
+          <a:fontRef idx="minor">
+            <a:schemeClr val="tx1"/>
+          </a:fontRef>
+        </p:style>
+      </p:cxnSp>
+      <p:sp>
+        <p:nvSpPr>
+          <p:cNvPr id="46" name="TextBox 45">
+            <a:extLst>
+              <a:ext uri="{FF2B5EF4-FFF2-40B4-BE49-F238E27FC236}">
+                <a16:creationId xmlns:a16="http://schemas.microsoft.com/office/drawing/2014/main" id="{A9EC5077-9705-9C07-8E7A-01415A9C0ACF}"/>
+              </a:ext>
+            </a:extLst>
+          </p:cNvPr>
+          <p:cNvSpPr txBox="1"/>
+          <p:nvPr/>
+        </p:nvSpPr>
+        <p:spPr>
+          <a:xfrm>
+            <a:off x="5617343" y="5380693"/>
+            <a:ext cx="1106585" cy="400110"/>
+          </a:xfrm>
+          <a:prstGeom prst="rect">
+            <a:avLst/>
+          </a:prstGeom>
+          <a:noFill/>
+        </p:spPr>
+        <p:txBody>
+          <a:bodyPr wrap="none" rtlCol="0">
+            <a:spAutoFit/>
+          </a:bodyPr>
+          <a:lstStyle/>
+          <a:p>
+            <a:r>
+              <a:rPr lang="en-US" sz="2000" dirty="0">
+                <a:latin typeface="Arial" panose="020B0604020202020204" pitchFamily="34" charset="0"/>
+                <a:cs typeface="Arial" panose="020B0604020202020204" pitchFamily="34" charset="0"/>
+              </a:rPr>
+              <a:t>Val data</a:t>
+            </a:r>
+          </a:p>
+        </p:txBody>
+      </p:sp>
+      <p:cxnSp>
+        <p:nvCxnSpPr>
+          <p:cNvPr id="47" name="Straight Arrow Connector 46">
+            <a:extLst>
+              <a:ext uri="{FF2B5EF4-FFF2-40B4-BE49-F238E27FC236}">
+                <a16:creationId xmlns:a16="http://schemas.microsoft.com/office/drawing/2014/main" id="{CCB47135-911F-A321-15D8-F0ED4B10CB3B}"/>
+              </a:ext>
+            </a:extLst>
+          </p:cNvPr>
+          <p:cNvCxnSpPr>
+            <a:cxnSpLocks/>
+            <a:stCxn id="46" idx="0"/>
+            <a:endCxn id="39" idx="2"/>
+          </p:cNvCxnSpPr>
+          <p:nvPr/>
+        </p:nvCxnSpPr>
+        <p:spPr>
+          <a:xfrm flipV="1">
+            <a:off x="6170636" y="4899406"/>
+            <a:ext cx="0" cy="481287"/>
+          </a:xfrm>
+          <a:prstGeom prst="straightConnector1">
+            <a:avLst/>
+          </a:prstGeom>
+          <a:ln w="25400">
+            <a:solidFill>
+              <a:schemeClr val="tx1"/>
+            </a:solidFill>
+            <a:tailEnd type="triangle"/>
+          </a:ln>
+        </p:spPr>
+        <p:style>
+          <a:lnRef idx="1">
+            <a:schemeClr val="accent1"/>
+          </a:lnRef>
+          <a:fillRef idx="0">
+            <a:schemeClr val="accent1"/>
+          </a:fillRef>
+          <a:effectRef idx="0">
+            <a:schemeClr val="accent1"/>
+          </a:effectRef>
+          <a:fontRef idx="minor">
+            <a:schemeClr val="tx1"/>
+          </a:fontRef>
+        </p:style>
+      </p:cxnSp>
+    </p:spTree>
+    <p:extLst>
+      <p:ext uri="{BB962C8B-B14F-4D97-AF65-F5344CB8AC3E}">
+        <p14:creationId xmlns:p14="http://schemas.microsoft.com/office/powerpoint/2010/main" val="849880962"/>
+      </p:ext>
+    </p:extLst>
+  </p:cSld>
+  <p:clrMapOvr>
+    <a:masterClrMapping/>
+  </p:clrMapOvr>
+</p:sld>
+</file>
+
+<file path=ppt/slides/slide26.xml><?xml version="1.0" encoding="utf-8"?>
+<p:sld xmlns:a="http://schemas.openxmlformats.org/drawingml/2006/main" xmlns:r="http://schemas.openxmlformats.org/officeDocument/2006/relationships" xmlns:p="http://schemas.openxmlformats.org/presentationml/2006/main">
+  <p:cSld>
+    <p:spTree>
+      <p:nvGrpSpPr>
+        <p:cNvPr id="1" name=""/>
+        <p:cNvGrpSpPr/>
+        <p:nvPr/>
+      </p:nvGrpSpPr>
+      <p:grpSpPr>
+        <a:xfrm>
+          <a:off x="0" y="0"/>
+          <a:ext cx="0" cy="0"/>
+          <a:chOff x="0" y="0"/>
+          <a:chExt cx="0" cy="0"/>
+        </a:xfrm>
+      </p:grpSpPr>
+      <p:pic>
+        <p:nvPicPr>
+          <p:cNvPr id="4" name="Picture 3">
+            <a:extLst>
+              <a:ext uri="{FF2B5EF4-FFF2-40B4-BE49-F238E27FC236}">
+                <a16:creationId xmlns:a16="http://schemas.microsoft.com/office/drawing/2014/main" id="{157F6F09-9A54-6C05-2EBC-C6FF920E4C3D}"/>
+              </a:ext>
+            </a:extLst>
+          </p:cNvPr>
+          <p:cNvPicPr>
+            <a:picLocks noChangeAspect="1"/>
+          </p:cNvPicPr>
+          <p:nvPr/>
+        </p:nvPicPr>
+        <p:blipFill>
+          <a:blip r:embed="rId2"/>
+          <a:stretch>
+            <a:fillRect/>
+          </a:stretch>
+        </p:blipFill>
+        <p:spPr>
+          <a:xfrm>
+            <a:off x="208004" y="1285103"/>
+            <a:ext cx="11777056" cy="3651489"/>
+          </a:xfrm>
+          <a:prstGeom prst="rect">
+            <a:avLst/>
+          </a:prstGeom>
+        </p:spPr>
+      </p:pic>
+      <p:sp>
+        <p:nvSpPr>
+          <p:cNvPr id="5" name="TextBox 4">
+            <a:extLst>
+              <a:ext uri="{FF2B5EF4-FFF2-40B4-BE49-F238E27FC236}">
+                <a16:creationId xmlns:a16="http://schemas.microsoft.com/office/drawing/2014/main" id="{AF489E7F-050B-1DF9-4156-3EFD1C794614}"/>
+              </a:ext>
+            </a:extLst>
+          </p:cNvPr>
+          <p:cNvSpPr txBox="1"/>
+          <p:nvPr/>
+        </p:nvSpPr>
+        <p:spPr>
+          <a:xfrm>
+            <a:off x="5869459" y="1359243"/>
+            <a:ext cx="716863" cy="246221"/>
+          </a:xfrm>
+          <a:prstGeom prst="rect">
+            <a:avLst/>
+          </a:prstGeom>
+          <a:solidFill>
+            <a:srgbClr val="EFEDEE"/>
+          </a:solidFill>
+        </p:spPr>
+        <p:txBody>
+          <a:bodyPr wrap="none" rtlCol="0">
+            <a:spAutoFit/>
+          </a:bodyPr>
+          <a:lstStyle/>
+          <a:p>
+            <a:r>
+              <a:rPr lang="en-US" sz="1000" dirty="0">
+                <a:latin typeface="Arial" panose="020B0604020202020204" pitchFamily="34" charset="0"/>
+                <a:cs typeface="Arial" panose="020B0604020202020204" pitchFamily="34" charset="0"/>
+              </a:rPr>
+              <a:t>Dev Data</a:t>
+            </a:r>
+          </a:p>
+        </p:txBody>
+      </p:sp>
+      <p:sp>
+        <p:nvSpPr>
+          <p:cNvPr id="6" name="TextBox 5">
+            <a:extLst>
+              <a:ext uri="{FF2B5EF4-FFF2-40B4-BE49-F238E27FC236}">
+                <a16:creationId xmlns:a16="http://schemas.microsoft.com/office/drawing/2014/main" id="{868530C9-FEBB-2C32-F5CA-8ACFF804B476}"/>
+              </a:ext>
+            </a:extLst>
+          </p:cNvPr>
+          <p:cNvSpPr txBox="1"/>
+          <p:nvPr/>
+        </p:nvSpPr>
+        <p:spPr>
+          <a:xfrm>
+            <a:off x="7405816" y="1771135"/>
+            <a:ext cx="673582" cy="246221"/>
+          </a:xfrm>
+          <a:prstGeom prst="rect">
+            <a:avLst/>
+          </a:prstGeom>
+          <a:solidFill>
+            <a:srgbClr val="85CAFF"/>
+          </a:solidFill>
+        </p:spPr>
+        <p:txBody>
+          <a:bodyPr wrap="none" rtlCol="0">
+            <a:spAutoFit/>
+          </a:bodyPr>
+          <a:lstStyle/>
+          <a:p>
+            <a:r>
+              <a:rPr lang="en-US" sz="1000" dirty="0">
+                <a:latin typeface="Arial" panose="020B0604020202020204" pitchFamily="34" charset="0"/>
+                <a:cs typeface="Arial" panose="020B0604020202020204" pitchFamily="34" charset="0"/>
+              </a:rPr>
+              <a:t>Val Data</a:t>
+            </a:r>
+          </a:p>
+        </p:txBody>
+      </p:sp>
+      <p:sp>
+        <p:nvSpPr>
+          <p:cNvPr id="7" name="TextBox 6">
+            <a:extLst>
+              <a:ext uri="{FF2B5EF4-FFF2-40B4-BE49-F238E27FC236}">
+                <a16:creationId xmlns:a16="http://schemas.microsoft.com/office/drawing/2014/main" id="{BA004F06-A437-E7F3-FFC8-756F4B99CA99}"/>
+              </a:ext>
+            </a:extLst>
+          </p:cNvPr>
+          <p:cNvSpPr txBox="1"/>
+          <p:nvPr/>
+        </p:nvSpPr>
+        <p:spPr>
+          <a:xfrm>
+            <a:off x="4596866" y="674812"/>
+            <a:ext cx="3262047" cy="461665"/>
+          </a:xfrm>
+          <a:prstGeom prst="rect">
+            <a:avLst/>
+          </a:prstGeom>
+          <a:noFill/>
+        </p:spPr>
+        <p:txBody>
+          <a:bodyPr wrap="none" rtlCol="0">
+            <a:spAutoFit/>
+          </a:bodyPr>
+          <a:lstStyle/>
+          <a:p>
+            <a:r>
+              <a:rPr lang="en-US" sz="2400" dirty="0">
+                <a:latin typeface="Arial" panose="020B0604020202020204" pitchFamily="34" charset="0"/>
+                <a:cs typeface="Arial" panose="020B0604020202020204" pitchFamily="34" charset="0"/>
+              </a:rPr>
+              <a:t>5-fold Cross Validation</a:t>
+            </a:r>
+          </a:p>
+        </p:txBody>
+      </p:sp>
+    </p:spTree>
+    <p:extLst>
+      <p:ext uri="{BB962C8B-B14F-4D97-AF65-F5344CB8AC3E}">
+        <p14:creationId xmlns:p14="http://schemas.microsoft.com/office/powerpoint/2010/main" val="1794152131"/>
+      </p:ext>
+    </p:extLst>
+  </p:cSld>
+  <p:clrMapOvr>
+    <a:masterClrMapping/>
+  </p:clrMapOvr>
+</p:sld>
+</file>
+
+<file path=ppt/slides/slide27.xml><?xml version="1.0" encoding="utf-8"?>
+<p:sld xmlns:a="http://schemas.openxmlformats.org/drawingml/2006/main" xmlns:r="http://schemas.openxmlformats.org/officeDocument/2006/relationships" xmlns:p="http://schemas.openxmlformats.org/presentationml/2006/main">
+  <p:cSld>
+    <p:spTree>
+      <p:nvGrpSpPr>
+        <p:cNvPr id="1" name=""/>
+        <p:cNvGrpSpPr/>
+        <p:nvPr/>
+      </p:nvGrpSpPr>
+      <p:grpSpPr>
+        <a:xfrm>
+          <a:off x="0" y="0"/>
+          <a:ext cx="0" cy="0"/>
+          <a:chOff x="0" y="0"/>
+          <a:chExt cx="0" cy="0"/>
+        </a:xfrm>
+      </p:grpSpPr>
+      <p:sp>
+        <p:nvSpPr>
+          <p:cNvPr id="4" name="Rectangle 3">
+            <a:extLst>
+              <a:ext uri="{FF2B5EF4-FFF2-40B4-BE49-F238E27FC236}">
+                <a16:creationId xmlns:a16="http://schemas.microsoft.com/office/drawing/2014/main" id="{3B359C24-3B1D-9132-8072-2E21CEE38C43}"/>
+              </a:ext>
+            </a:extLst>
+          </p:cNvPr>
+          <p:cNvSpPr/>
+          <p:nvPr/>
+        </p:nvSpPr>
+        <p:spPr>
+          <a:xfrm>
+            <a:off x="2619634" y="1692875"/>
+            <a:ext cx="7006280" cy="432487"/>
+          </a:xfrm>
+          <a:prstGeom prst="rect">
+            <a:avLst/>
+          </a:prstGeom>
+          <a:solidFill>
+            <a:schemeClr val="bg1">
+              <a:lumMod val="85000"/>
+            </a:schemeClr>
+          </a:solidFill>
+          <a:ln>
+            <a:solidFill>
+              <a:schemeClr val="tx1">
+                <a:lumMod val="50000"/>
+                <a:lumOff val="50000"/>
+              </a:schemeClr>
+            </a:solidFill>
+          </a:ln>
+        </p:spPr>
+        <p:style>
+          <a:lnRef idx="2">
+            <a:schemeClr val="accent1">
+              <a:shade val="50000"/>
+            </a:schemeClr>
+          </a:lnRef>
+          <a:fillRef idx="1">
+            <a:schemeClr val="accent1"/>
+          </a:fillRef>
+          <a:effectRef idx="0">
+            <a:schemeClr val="accent1"/>
+          </a:effectRef>
+          <a:fontRef idx="minor">
+            <a:schemeClr val="lt1"/>
+          </a:fontRef>
+        </p:style>
+        <p:txBody>
+          <a:bodyPr rtlCol="0" anchor="ctr"/>
+          <a:lstStyle/>
+          <a:p>
+            <a:r>
+              <a:rPr lang="en-US" sz="2000" dirty="0">
+                <a:solidFill>
+                  <a:schemeClr val="tx1"/>
+                </a:solidFill>
+                <a:latin typeface="Arial" panose="020B0604020202020204" pitchFamily="34" charset="0"/>
+                <a:cs typeface="Arial" panose="020B0604020202020204" pitchFamily="34" charset="0"/>
+              </a:rPr>
+              <a:t>0, 1, 2, 3, 4, 5, 6, 7, 8, 9, 10, 11, 12, 13, 14, 15, 16, 17, …, N</a:t>
+            </a:r>
+          </a:p>
+        </p:txBody>
+      </p:sp>
+      <p:sp>
+        <p:nvSpPr>
+          <p:cNvPr id="5" name="TextBox 4">
+            <a:extLst>
+              <a:ext uri="{FF2B5EF4-FFF2-40B4-BE49-F238E27FC236}">
+                <a16:creationId xmlns:a16="http://schemas.microsoft.com/office/drawing/2014/main" id="{42D1133F-0BE6-1CFA-8381-6DDCD60355BE}"/>
+              </a:ext>
+            </a:extLst>
+          </p:cNvPr>
+          <p:cNvSpPr txBox="1"/>
+          <p:nvPr/>
+        </p:nvSpPr>
+        <p:spPr>
+          <a:xfrm>
+            <a:off x="5148464" y="1292765"/>
+            <a:ext cx="1895071" cy="400110"/>
+          </a:xfrm>
+          <a:prstGeom prst="rect">
+            <a:avLst/>
+          </a:prstGeom>
+          <a:noFill/>
+        </p:spPr>
+        <p:txBody>
+          <a:bodyPr wrap="none" rtlCol="0">
+            <a:spAutoFit/>
+          </a:bodyPr>
+          <a:lstStyle/>
+          <a:p>
+            <a:r>
+              <a:rPr lang="en-US" sz="2000" dirty="0">
+                <a:latin typeface="Arial" panose="020B0604020202020204" pitchFamily="34" charset="0"/>
+                <a:cs typeface="Arial" panose="020B0604020202020204" pitchFamily="34" charset="0"/>
+              </a:rPr>
+              <a:t>Dev datapoints</a:t>
+            </a:r>
+          </a:p>
+        </p:txBody>
+      </p:sp>
+      <p:sp>
+        <p:nvSpPr>
+          <p:cNvPr id="6" name="TextBox 5">
+            <a:extLst>
+              <a:ext uri="{FF2B5EF4-FFF2-40B4-BE49-F238E27FC236}">
+                <a16:creationId xmlns:a16="http://schemas.microsoft.com/office/drawing/2014/main" id="{EFCFAF1E-00B6-2D8E-CA79-0BC4BD8BB673}"/>
+              </a:ext>
+            </a:extLst>
+          </p:cNvPr>
+          <p:cNvSpPr txBox="1"/>
+          <p:nvPr/>
+        </p:nvSpPr>
+        <p:spPr>
+          <a:xfrm>
+            <a:off x="3104159" y="275503"/>
+            <a:ext cx="6037230" cy="584775"/>
+          </a:xfrm>
+          <a:prstGeom prst="rect">
+            <a:avLst/>
+          </a:prstGeom>
+          <a:noFill/>
+        </p:spPr>
+        <p:txBody>
+          <a:bodyPr wrap="none" rtlCol="0">
+            <a:spAutoFit/>
+          </a:bodyPr>
+          <a:lstStyle/>
+          <a:p>
+            <a:r>
+              <a:rPr lang="en-US" sz="3200" dirty="0">
+                <a:latin typeface="Arial" panose="020B0604020202020204" pitchFamily="34" charset="0"/>
+                <a:cs typeface="Arial" panose="020B0604020202020204" pitchFamily="34" charset="0"/>
+              </a:rPr>
+              <a:t>Leave-One-Out Cross Validation</a:t>
+            </a:r>
+          </a:p>
+        </p:txBody>
+      </p:sp>
+      <p:sp>
+        <p:nvSpPr>
+          <p:cNvPr id="7" name="Rectangle 6">
+            <a:extLst>
+              <a:ext uri="{FF2B5EF4-FFF2-40B4-BE49-F238E27FC236}">
+                <a16:creationId xmlns:a16="http://schemas.microsoft.com/office/drawing/2014/main" id="{371C8259-7101-CD53-F12B-C9D3111FD414}"/>
+              </a:ext>
+            </a:extLst>
+          </p:cNvPr>
+          <p:cNvSpPr/>
+          <p:nvPr/>
+        </p:nvSpPr>
+        <p:spPr>
+          <a:xfrm>
+            <a:off x="2619634" y="2524785"/>
+            <a:ext cx="7006280" cy="432487"/>
+          </a:xfrm>
+          <a:prstGeom prst="rect">
+            <a:avLst/>
+          </a:prstGeom>
+          <a:solidFill>
+            <a:schemeClr val="bg1">
+              <a:lumMod val="85000"/>
+            </a:schemeClr>
+          </a:solidFill>
+          <a:ln>
+            <a:solidFill>
+              <a:schemeClr val="tx1">
+                <a:lumMod val="50000"/>
+                <a:lumOff val="50000"/>
+              </a:schemeClr>
+            </a:solidFill>
+          </a:ln>
+        </p:spPr>
+        <p:style>
+          <a:lnRef idx="2">
+            <a:schemeClr val="accent1">
+              <a:shade val="50000"/>
+            </a:schemeClr>
+          </a:lnRef>
+          <a:fillRef idx="1">
+            <a:schemeClr val="accent1"/>
+          </a:fillRef>
+          <a:effectRef idx="0">
+            <a:schemeClr val="accent1"/>
+          </a:effectRef>
+          <a:fontRef idx="minor">
+            <a:schemeClr val="lt1"/>
+          </a:fontRef>
+        </p:style>
+        <p:txBody>
+          <a:bodyPr rtlCol="0" anchor="ctr"/>
+          <a:lstStyle/>
+          <a:p>
+            <a:r>
+              <a:rPr lang="en-US" sz="2000" dirty="0">
+                <a:solidFill>
+                  <a:schemeClr val="tx1"/>
+                </a:solidFill>
+                <a:latin typeface="Arial" panose="020B0604020202020204" pitchFamily="34" charset="0"/>
+                <a:cs typeface="Arial" panose="020B0604020202020204" pitchFamily="34" charset="0"/>
+              </a:rPr>
+              <a:t>0, 1, 2, 3, 4, 5, 6, 7, 8, 9, 10, 11, 12, 13, 14, 15, 16, 17, …, N</a:t>
+            </a:r>
+          </a:p>
+        </p:txBody>
+      </p:sp>
+      <p:sp>
+        <p:nvSpPr>
+          <p:cNvPr id="8" name="TextBox 7">
+            <a:extLst>
+              <a:ext uri="{FF2B5EF4-FFF2-40B4-BE49-F238E27FC236}">
+                <a16:creationId xmlns:a16="http://schemas.microsoft.com/office/drawing/2014/main" id="{3B14FFAF-E3CF-0717-82F9-BFDC8830F732}"/>
+              </a:ext>
+            </a:extLst>
+          </p:cNvPr>
+          <p:cNvSpPr txBox="1"/>
+          <p:nvPr/>
+        </p:nvSpPr>
+        <p:spPr>
+          <a:xfrm>
+            <a:off x="1470455" y="2557162"/>
+            <a:ext cx="968535" cy="400110"/>
+          </a:xfrm>
+          <a:prstGeom prst="rect">
+            <a:avLst/>
+          </a:prstGeom>
+          <a:noFill/>
+        </p:spPr>
+        <p:txBody>
+          <a:bodyPr wrap="none" rtlCol="0">
+            <a:spAutoFit/>
+          </a:bodyPr>
+          <a:lstStyle/>
+          <a:p>
+            <a:r>
+              <a:rPr lang="en-US" sz="2000" dirty="0">
+                <a:latin typeface="Arial" panose="020B0604020202020204" pitchFamily="34" charset="0"/>
+                <a:cs typeface="Arial" panose="020B0604020202020204" pitchFamily="34" charset="0"/>
+              </a:rPr>
+              <a:t>Fold 0:</a:t>
+            </a:r>
+          </a:p>
+        </p:txBody>
+      </p:sp>
+      <p:sp>
+        <p:nvSpPr>
+          <p:cNvPr id="9" name="Rectangle 8">
+            <a:extLst>
+              <a:ext uri="{FF2B5EF4-FFF2-40B4-BE49-F238E27FC236}">
+                <a16:creationId xmlns:a16="http://schemas.microsoft.com/office/drawing/2014/main" id="{8BF4E2B8-77DF-9824-B631-09ADA35B5320}"/>
+              </a:ext>
+            </a:extLst>
+          </p:cNvPr>
+          <p:cNvSpPr/>
+          <p:nvPr/>
+        </p:nvSpPr>
+        <p:spPr>
+          <a:xfrm>
+            <a:off x="2669063" y="2594233"/>
+            <a:ext cx="284204" cy="297249"/>
+          </a:xfrm>
+          <a:prstGeom prst="rect">
+            <a:avLst/>
+          </a:prstGeom>
+          <a:solidFill>
+            <a:srgbClr val="00B0F0">
+              <a:alpha val="57000"/>
+            </a:srgbClr>
+          </a:solidFill>
+          <a:ln>
+            <a:noFill/>
+          </a:ln>
+        </p:spPr>
+        <p:style>
+          <a:lnRef idx="2">
+            <a:schemeClr val="accent1">
+              <a:shade val="50000"/>
+            </a:schemeClr>
+          </a:lnRef>
+          <a:fillRef idx="1">
+            <a:schemeClr val="accent1"/>
+          </a:fillRef>
+          <a:effectRef idx="0">
+            <a:schemeClr val="accent1"/>
+          </a:effectRef>
+          <a:fontRef idx="minor">
+            <a:schemeClr val="lt1"/>
+          </a:fontRef>
+        </p:style>
+        <p:txBody>
+          <a:bodyPr rtlCol="0" anchor="ctr"/>
+          <a:lstStyle/>
+          <a:p>
+            <a:pPr algn="ctr"/>
+            <a:endParaRPr lang="en-US"/>
+          </a:p>
+        </p:txBody>
+      </p:sp>
+      <p:sp>
+        <p:nvSpPr>
+          <p:cNvPr id="10" name="Rectangle 9">
+            <a:extLst>
+              <a:ext uri="{FF2B5EF4-FFF2-40B4-BE49-F238E27FC236}">
+                <a16:creationId xmlns:a16="http://schemas.microsoft.com/office/drawing/2014/main" id="{24E3CB96-4609-57E4-16D4-7E12C1CEE8FA}"/>
+              </a:ext>
+            </a:extLst>
+          </p:cNvPr>
+          <p:cNvSpPr/>
+          <p:nvPr/>
+        </p:nvSpPr>
+        <p:spPr>
+          <a:xfrm>
+            <a:off x="6095999" y="911365"/>
+            <a:ext cx="284204" cy="297249"/>
+          </a:xfrm>
+          <a:prstGeom prst="rect">
+            <a:avLst/>
+          </a:prstGeom>
+          <a:solidFill>
+            <a:srgbClr val="00B0F0">
+              <a:alpha val="57000"/>
+            </a:srgbClr>
+          </a:solidFill>
+          <a:ln>
+            <a:noFill/>
+          </a:ln>
+        </p:spPr>
+        <p:style>
+          <a:lnRef idx="2">
+            <a:schemeClr val="accent1">
+              <a:shade val="50000"/>
+            </a:schemeClr>
+          </a:lnRef>
+          <a:fillRef idx="1">
+            <a:schemeClr val="accent1"/>
+          </a:fillRef>
+          <a:effectRef idx="0">
+            <a:schemeClr val="accent1"/>
+          </a:effectRef>
+          <a:fontRef idx="minor">
+            <a:schemeClr val="lt1"/>
+          </a:fontRef>
+        </p:style>
+        <p:txBody>
+          <a:bodyPr rtlCol="0" anchor="ctr"/>
+          <a:lstStyle/>
+          <a:p>
+            <a:pPr algn="ctr"/>
+            <a:endParaRPr lang="en-US"/>
+          </a:p>
+        </p:txBody>
+      </p:sp>
+      <p:sp>
+        <p:nvSpPr>
+          <p:cNvPr id="11" name="TextBox 10">
+            <a:extLst>
+              <a:ext uri="{FF2B5EF4-FFF2-40B4-BE49-F238E27FC236}">
+                <a16:creationId xmlns:a16="http://schemas.microsoft.com/office/drawing/2014/main" id="{99088B43-3640-BFCA-6390-AA21405A0104}"/>
+              </a:ext>
+            </a:extLst>
+          </p:cNvPr>
+          <p:cNvSpPr txBox="1"/>
+          <p:nvPr/>
+        </p:nvSpPr>
+        <p:spPr>
+          <a:xfrm>
+            <a:off x="6396466" y="850203"/>
+            <a:ext cx="1294137" cy="400110"/>
+          </a:xfrm>
+          <a:prstGeom prst="rect">
+            <a:avLst/>
+          </a:prstGeom>
+          <a:noFill/>
+        </p:spPr>
+        <p:txBody>
+          <a:bodyPr wrap="none" rtlCol="0">
+            <a:spAutoFit/>
+          </a:bodyPr>
+          <a:lstStyle/>
+          <a:p>
+            <a:r>
+              <a:rPr lang="en-US" sz="2000" dirty="0">
+                <a:latin typeface="Arial" panose="020B0604020202020204" pitchFamily="34" charset="0"/>
+                <a:cs typeface="Arial" panose="020B0604020202020204" pitchFamily="34" charset="0"/>
+              </a:rPr>
+              <a:t>Validation</a:t>
+            </a:r>
+          </a:p>
+        </p:txBody>
+      </p:sp>
+      <p:sp>
+        <p:nvSpPr>
+          <p:cNvPr id="12" name="Rectangle 11">
+            <a:extLst>
+              <a:ext uri="{FF2B5EF4-FFF2-40B4-BE49-F238E27FC236}">
+                <a16:creationId xmlns:a16="http://schemas.microsoft.com/office/drawing/2014/main" id="{203D2B66-99C7-3349-476D-50F3A32CF9B8}"/>
+              </a:ext>
+            </a:extLst>
+          </p:cNvPr>
+          <p:cNvSpPr/>
+          <p:nvPr/>
+        </p:nvSpPr>
+        <p:spPr>
+          <a:xfrm>
+            <a:off x="5665679" y="911365"/>
+            <a:ext cx="284204" cy="297249"/>
+          </a:xfrm>
+          <a:prstGeom prst="rect">
+            <a:avLst/>
+          </a:prstGeom>
+          <a:solidFill>
+            <a:srgbClr val="00B050">
+              <a:alpha val="57000"/>
+            </a:srgbClr>
+          </a:solidFill>
+          <a:ln>
+            <a:noFill/>
+          </a:ln>
+        </p:spPr>
+        <p:style>
+          <a:lnRef idx="2">
+            <a:schemeClr val="accent1">
+              <a:shade val="50000"/>
+            </a:schemeClr>
+          </a:lnRef>
+          <a:fillRef idx="1">
+            <a:schemeClr val="accent1"/>
+          </a:fillRef>
+          <a:effectRef idx="0">
+            <a:schemeClr val="accent1"/>
+          </a:effectRef>
+          <a:fontRef idx="minor">
+            <a:schemeClr val="lt1"/>
+          </a:fontRef>
+        </p:style>
+        <p:txBody>
+          <a:bodyPr rtlCol="0" anchor="ctr"/>
+          <a:lstStyle/>
+          <a:p>
+            <a:pPr algn="ctr"/>
+            <a:endParaRPr lang="en-US"/>
+          </a:p>
+        </p:txBody>
+      </p:sp>
+      <p:sp>
+        <p:nvSpPr>
+          <p:cNvPr id="13" name="TextBox 12">
+            <a:extLst>
+              <a:ext uri="{FF2B5EF4-FFF2-40B4-BE49-F238E27FC236}">
+                <a16:creationId xmlns:a16="http://schemas.microsoft.com/office/drawing/2014/main" id="{D57EF86D-22CF-26F7-8B68-2402F4C83810}"/>
+              </a:ext>
+            </a:extLst>
+          </p:cNvPr>
+          <p:cNvSpPr txBox="1"/>
+          <p:nvPr/>
+        </p:nvSpPr>
+        <p:spPr>
+          <a:xfrm>
+            <a:off x="4489306" y="850203"/>
+            <a:ext cx="1103315" cy="400110"/>
+          </a:xfrm>
+          <a:prstGeom prst="rect">
+            <a:avLst/>
+          </a:prstGeom>
+          <a:noFill/>
+        </p:spPr>
+        <p:txBody>
+          <a:bodyPr wrap="none" rtlCol="0">
+            <a:spAutoFit/>
+          </a:bodyPr>
+          <a:lstStyle/>
+          <a:p>
+            <a:r>
+              <a:rPr lang="en-US" sz="2000" dirty="0">
+                <a:latin typeface="Arial" panose="020B0604020202020204" pitchFamily="34" charset="0"/>
+                <a:cs typeface="Arial" panose="020B0604020202020204" pitchFamily="34" charset="0"/>
+              </a:rPr>
+              <a:t>Training</a:t>
+            </a:r>
+          </a:p>
+        </p:txBody>
+      </p:sp>
+      <p:sp>
+        <p:nvSpPr>
+          <p:cNvPr id="14" name="Rectangle 13">
+            <a:extLst>
+              <a:ext uri="{FF2B5EF4-FFF2-40B4-BE49-F238E27FC236}">
+                <a16:creationId xmlns:a16="http://schemas.microsoft.com/office/drawing/2014/main" id="{033FCE2E-0C57-9868-BCCE-183F61BAD088}"/>
+              </a:ext>
+            </a:extLst>
+          </p:cNvPr>
+          <p:cNvSpPr/>
+          <p:nvPr/>
+        </p:nvSpPr>
+        <p:spPr>
+          <a:xfrm>
+            <a:off x="2991808" y="2594233"/>
+            <a:ext cx="6634105" cy="297249"/>
+          </a:xfrm>
+          <a:prstGeom prst="rect">
+            <a:avLst/>
+          </a:prstGeom>
+          <a:solidFill>
+            <a:srgbClr val="00B050">
+              <a:alpha val="57000"/>
+            </a:srgbClr>
+          </a:solidFill>
+          <a:ln>
+            <a:noFill/>
+          </a:ln>
+        </p:spPr>
+        <p:style>
+          <a:lnRef idx="2">
+            <a:schemeClr val="accent1">
+              <a:shade val="50000"/>
+            </a:schemeClr>
+          </a:lnRef>
+          <a:fillRef idx="1">
+            <a:schemeClr val="accent1"/>
+          </a:fillRef>
+          <a:effectRef idx="0">
+            <a:schemeClr val="accent1"/>
+          </a:effectRef>
+          <a:fontRef idx="minor">
+            <a:schemeClr val="lt1"/>
+          </a:fontRef>
+        </p:style>
+        <p:txBody>
+          <a:bodyPr rtlCol="0" anchor="ctr"/>
+          <a:lstStyle/>
+          <a:p>
+            <a:pPr algn="ctr"/>
+            <a:endParaRPr lang="en-US"/>
+          </a:p>
+        </p:txBody>
+      </p:sp>
+      <p:sp>
+        <p:nvSpPr>
+          <p:cNvPr id="15" name="Rectangle 14">
+            <a:extLst>
+              <a:ext uri="{FF2B5EF4-FFF2-40B4-BE49-F238E27FC236}">
+                <a16:creationId xmlns:a16="http://schemas.microsoft.com/office/drawing/2014/main" id="{D42E7521-EE8B-8D57-4D27-94A3F9503241}"/>
+              </a:ext>
+            </a:extLst>
+          </p:cNvPr>
+          <p:cNvSpPr/>
+          <p:nvPr/>
+        </p:nvSpPr>
+        <p:spPr>
+          <a:xfrm>
+            <a:off x="2619634" y="3138622"/>
+            <a:ext cx="7006280" cy="432487"/>
+          </a:xfrm>
+          <a:prstGeom prst="rect">
+            <a:avLst/>
+          </a:prstGeom>
+          <a:solidFill>
+            <a:schemeClr val="bg1">
+              <a:lumMod val="85000"/>
+            </a:schemeClr>
+          </a:solidFill>
+          <a:ln>
+            <a:solidFill>
+              <a:schemeClr val="tx1">
+                <a:lumMod val="50000"/>
+                <a:lumOff val="50000"/>
+              </a:schemeClr>
+            </a:solidFill>
+          </a:ln>
+        </p:spPr>
+        <p:style>
+          <a:lnRef idx="2">
+            <a:schemeClr val="accent1">
+              <a:shade val="50000"/>
+            </a:schemeClr>
+          </a:lnRef>
+          <a:fillRef idx="1">
+            <a:schemeClr val="accent1"/>
+          </a:fillRef>
+          <a:effectRef idx="0">
+            <a:schemeClr val="accent1"/>
+          </a:effectRef>
+          <a:fontRef idx="minor">
+            <a:schemeClr val="lt1"/>
+          </a:fontRef>
+        </p:style>
+        <p:txBody>
+          <a:bodyPr rtlCol="0" anchor="ctr"/>
+          <a:lstStyle/>
+          <a:p>
+            <a:r>
+              <a:rPr lang="en-US" sz="2000" dirty="0">
+                <a:solidFill>
+                  <a:schemeClr val="tx1"/>
+                </a:solidFill>
+                <a:latin typeface="Arial" panose="020B0604020202020204" pitchFamily="34" charset="0"/>
+                <a:cs typeface="Arial" panose="020B0604020202020204" pitchFamily="34" charset="0"/>
+              </a:rPr>
+              <a:t>0, 1, 2, 3, 4, 5, 6, 7, 8, 9, 10, 11, 12, 13, 14, 15, 16, 17, …, N</a:t>
+            </a:r>
+          </a:p>
+        </p:txBody>
+      </p:sp>
+      <p:sp>
+        <p:nvSpPr>
+          <p:cNvPr id="16" name="TextBox 15">
+            <a:extLst>
+              <a:ext uri="{FF2B5EF4-FFF2-40B4-BE49-F238E27FC236}">
+                <a16:creationId xmlns:a16="http://schemas.microsoft.com/office/drawing/2014/main" id="{9A8CAB19-D855-DB33-56A6-1310EAD0474A}"/>
+              </a:ext>
+            </a:extLst>
+          </p:cNvPr>
+          <p:cNvSpPr txBox="1"/>
+          <p:nvPr/>
+        </p:nvSpPr>
+        <p:spPr>
+          <a:xfrm>
+            <a:off x="1470455" y="3170999"/>
+            <a:ext cx="968535" cy="400110"/>
+          </a:xfrm>
+          <a:prstGeom prst="rect">
+            <a:avLst/>
+          </a:prstGeom>
+          <a:noFill/>
+        </p:spPr>
+        <p:txBody>
+          <a:bodyPr wrap="none" rtlCol="0">
+            <a:spAutoFit/>
+          </a:bodyPr>
+          <a:lstStyle/>
+          <a:p>
+            <a:r>
+              <a:rPr lang="en-US" sz="2000" dirty="0">
+                <a:latin typeface="Arial" panose="020B0604020202020204" pitchFamily="34" charset="0"/>
+                <a:cs typeface="Arial" panose="020B0604020202020204" pitchFamily="34" charset="0"/>
+              </a:rPr>
+              <a:t>Fold 1:</a:t>
+            </a:r>
+          </a:p>
+        </p:txBody>
+      </p:sp>
+      <p:sp>
+        <p:nvSpPr>
+          <p:cNvPr id="17" name="Rectangle 16">
+            <a:extLst>
+              <a:ext uri="{FF2B5EF4-FFF2-40B4-BE49-F238E27FC236}">
+                <a16:creationId xmlns:a16="http://schemas.microsoft.com/office/drawing/2014/main" id="{303D5351-7CF0-A054-53A4-391612BFDF72}"/>
+              </a:ext>
+            </a:extLst>
+          </p:cNvPr>
+          <p:cNvSpPr/>
+          <p:nvPr/>
+        </p:nvSpPr>
+        <p:spPr>
+          <a:xfrm>
+            <a:off x="3017403" y="3208070"/>
+            <a:ext cx="193882" cy="297249"/>
+          </a:xfrm>
+          <a:prstGeom prst="rect">
+            <a:avLst/>
+          </a:prstGeom>
+          <a:solidFill>
+            <a:srgbClr val="00B0F0">
+              <a:alpha val="57000"/>
+            </a:srgbClr>
+          </a:solidFill>
+          <a:ln>
+            <a:noFill/>
+          </a:ln>
+        </p:spPr>
+        <p:style>
+          <a:lnRef idx="2">
+            <a:schemeClr val="accent1">
+              <a:shade val="50000"/>
+            </a:schemeClr>
+          </a:lnRef>
+          <a:fillRef idx="1">
+            <a:schemeClr val="accent1"/>
+          </a:fillRef>
+          <a:effectRef idx="0">
+            <a:schemeClr val="accent1"/>
+          </a:effectRef>
+          <a:fontRef idx="minor">
+            <a:schemeClr val="lt1"/>
+          </a:fontRef>
+        </p:style>
+        <p:txBody>
+          <a:bodyPr rtlCol="0" anchor="ctr"/>
+          <a:lstStyle/>
+          <a:p>
+            <a:pPr algn="ctr"/>
+            <a:endParaRPr lang="en-US"/>
+          </a:p>
+        </p:txBody>
+      </p:sp>
+      <p:sp>
+        <p:nvSpPr>
+          <p:cNvPr id="18" name="Rectangle 17">
+            <a:extLst>
+              <a:ext uri="{FF2B5EF4-FFF2-40B4-BE49-F238E27FC236}">
+                <a16:creationId xmlns:a16="http://schemas.microsoft.com/office/drawing/2014/main" id="{CDC96A7A-7820-5D00-501E-8CC1F7C51183}"/>
+              </a:ext>
+            </a:extLst>
+          </p:cNvPr>
+          <p:cNvSpPr/>
+          <p:nvPr/>
+        </p:nvSpPr>
+        <p:spPr>
+          <a:xfrm>
+            <a:off x="3249827" y="3208070"/>
+            <a:ext cx="6376086" cy="297249"/>
+          </a:xfrm>
+          <a:prstGeom prst="rect">
+            <a:avLst/>
+          </a:prstGeom>
+          <a:solidFill>
+            <a:srgbClr val="00B050">
+              <a:alpha val="57000"/>
+            </a:srgbClr>
+          </a:solidFill>
+          <a:ln>
+            <a:noFill/>
+          </a:ln>
+        </p:spPr>
+        <p:style>
+          <a:lnRef idx="2">
+            <a:schemeClr val="accent1">
+              <a:shade val="50000"/>
+            </a:schemeClr>
+          </a:lnRef>
+          <a:fillRef idx="1">
+            <a:schemeClr val="accent1"/>
+          </a:fillRef>
+          <a:effectRef idx="0">
+            <a:schemeClr val="accent1"/>
+          </a:effectRef>
+          <a:fontRef idx="minor">
+            <a:schemeClr val="lt1"/>
+          </a:fontRef>
+        </p:style>
+        <p:txBody>
+          <a:bodyPr rtlCol="0" anchor="ctr"/>
+          <a:lstStyle/>
+          <a:p>
+            <a:pPr algn="ctr"/>
+            <a:endParaRPr lang="en-US"/>
+          </a:p>
+        </p:txBody>
+      </p:sp>
+      <p:sp>
+        <p:nvSpPr>
+          <p:cNvPr id="19" name="Rectangle 18">
+            <a:extLst>
+              <a:ext uri="{FF2B5EF4-FFF2-40B4-BE49-F238E27FC236}">
+                <a16:creationId xmlns:a16="http://schemas.microsoft.com/office/drawing/2014/main" id="{64FC753D-BE83-7822-E1F7-34C85F63489E}"/>
+              </a:ext>
+            </a:extLst>
+          </p:cNvPr>
+          <p:cNvSpPr/>
+          <p:nvPr/>
+        </p:nvSpPr>
+        <p:spPr>
+          <a:xfrm>
+            <a:off x="2642876" y="3206240"/>
+            <a:ext cx="284204" cy="297249"/>
+          </a:xfrm>
+          <a:prstGeom prst="rect">
+            <a:avLst/>
+          </a:prstGeom>
+          <a:solidFill>
+            <a:srgbClr val="00B050">
+              <a:alpha val="57000"/>
+            </a:srgbClr>
+          </a:solidFill>
+          <a:ln>
+            <a:noFill/>
+          </a:ln>
+        </p:spPr>
+        <p:style>
+          <a:lnRef idx="2">
+            <a:schemeClr val="accent1">
+              <a:shade val="50000"/>
+            </a:schemeClr>
+          </a:lnRef>
+          <a:fillRef idx="1">
+            <a:schemeClr val="accent1"/>
+          </a:fillRef>
+          <a:effectRef idx="0">
+            <a:schemeClr val="accent1"/>
+          </a:effectRef>
+          <a:fontRef idx="minor">
+            <a:schemeClr val="lt1"/>
+          </a:fontRef>
+        </p:style>
+        <p:txBody>
+          <a:bodyPr rtlCol="0" anchor="ctr"/>
+          <a:lstStyle/>
+          <a:p>
+            <a:pPr algn="ctr"/>
+            <a:endParaRPr lang="en-US"/>
+          </a:p>
+        </p:txBody>
+      </p:sp>
+      <p:sp>
+        <p:nvSpPr>
+          <p:cNvPr id="26" name="Rectangle 25">
+            <a:extLst>
+              <a:ext uri="{FF2B5EF4-FFF2-40B4-BE49-F238E27FC236}">
+                <a16:creationId xmlns:a16="http://schemas.microsoft.com/office/drawing/2014/main" id="{BB7D1631-266C-F255-AE8A-17E69916AC7A}"/>
+              </a:ext>
+            </a:extLst>
+          </p:cNvPr>
+          <p:cNvSpPr/>
+          <p:nvPr/>
+        </p:nvSpPr>
+        <p:spPr>
+          <a:xfrm>
+            <a:off x="2619634" y="4073499"/>
+            <a:ext cx="7006280" cy="432487"/>
+          </a:xfrm>
+          <a:prstGeom prst="rect">
+            <a:avLst/>
+          </a:prstGeom>
+          <a:solidFill>
+            <a:schemeClr val="bg1">
+              <a:lumMod val="85000"/>
+            </a:schemeClr>
+          </a:solidFill>
+          <a:ln>
+            <a:solidFill>
+              <a:schemeClr val="tx1">
+                <a:lumMod val="50000"/>
+                <a:lumOff val="50000"/>
+              </a:schemeClr>
+            </a:solidFill>
+          </a:ln>
+        </p:spPr>
+        <p:style>
+          <a:lnRef idx="2">
+            <a:schemeClr val="accent1">
+              <a:shade val="50000"/>
+            </a:schemeClr>
+          </a:lnRef>
+          <a:fillRef idx="1">
+            <a:schemeClr val="accent1"/>
+          </a:fillRef>
+          <a:effectRef idx="0">
+            <a:schemeClr val="accent1"/>
+          </a:effectRef>
+          <a:fontRef idx="minor">
+            <a:schemeClr val="lt1"/>
+          </a:fontRef>
+        </p:style>
+        <p:txBody>
+          <a:bodyPr rtlCol="0" anchor="ctr"/>
+          <a:lstStyle/>
+          <a:p>
+            <a:r>
+              <a:rPr lang="en-US" sz="2000" dirty="0">
+                <a:solidFill>
+                  <a:schemeClr val="tx1"/>
+                </a:solidFill>
+                <a:latin typeface="Arial" panose="020B0604020202020204" pitchFamily="34" charset="0"/>
+                <a:cs typeface="Arial" panose="020B0604020202020204" pitchFamily="34" charset="0"/>
+              </a:rPr>
+              <a:t>0, 1, 2, 3, 4, 5, 6, 7, 8, 9, 10, 11, 12, 13, 14, 15, 16, 17, …, N</a:t>
+            </a:r>
+          </a:p>
+        </p:txBody>
+      </p:sp>
+      <p:sp>
+        <p:nvSpPr>
+          <p:cNvPr id="27" name="TextBox 26">
+            <a:extLst>
+              <a:ext uri="{FF2B5EF4-FFF2-40B4-BE49-F238E27FC236}">
+                <a16:creationId xmlns:a16="http://schemas.microsoft.com/office/drawing/2014/main" id="{2AF65BD6-2C48-C2E9-FD54-49768E187D3B}"/>
+              </a:ext>
+            </a:extLst>
+          </p:cNvPr>
+          <p:cNvSpPr txBox="1"/>
+          <p:nvPr/>
+        </p:nvSpPr>
+        <p:spPr>
+          <a:xfrm>
+            <a:off x="1470455" y="4105876"/>
+            <a:ext cx="1011815" cy="400110"/>
+          </a:xfrm>
+          <a:prstGeom prst="rect">
+            <a:avLst/>
+          </a:prstGeom>
+          <a:noFill/>
+        </p:spPr>
+        <p:txBody>
+          <a:bodyPr wrap="none" rtlCol="0">
+            <a:spAutoFit/>
+          </a:bodyPr>
+          <a:lstStyle/>
+          <a:p>
+            <a:r>
+              <a:rPr lang="en-US" sz="2000" dirty="0">
+                <a:latin typeface="Arial" panose="020B0604020202020204" pitchFamily="34" charset="0"/>
+                <a:cs typeface="Arial" panose="020B0604020202020204" pitchFamily="34" charset="0"/>
+              </a:rPr>
+              <a:t>Fold N:</a:t>
+            </a:r>
+          </a:p>
+        </p:txBody>
+      </p:sp>
+      <p:sp>
+        <p:nvSpPr>
+          <p:cNvPr id="28" name="Rectangle 27">
+            <a:extLst>
+              <a:ext uri="{FF2B5EF4-FFF2-40B4-BE49-F238E27FC236}">
+                <a16:creationId xmlns:a16="http://schemas.microsoft.com/office/drawing/2014/main" id="{CCA8C6CD-466B-CB2E-AAE4-6F7D6E56AF0E}"/>
+              </a:ext>
+            </a:extLst>
+          </p:cNvPr>
+          <p:cNvSpPr/>
+          <p:nvPr/>
+        </p:nvSpPr>
+        <p:spPr>
+          <a:xfrm>
+            <a:off x="9241549" y="4141116"/>
+            <a:ext cx="284204" cy="297249"/>
+          </a:xfrm>
+          <a:prstGeom prst="rect">
+            <a:avLst/>
+          </a:prstGeom>
+          <a:solidFill>
+            <a:srgbClr val="00B0F0">
+              <a:alpha val="57000"/>
+            </a:srgbClr>
+          </a:solidFill>
+          <a:ln>
+            <a:noFill/>
+          </a:ln>
+        </p:spPr>
+        <p:style>
+          <a:lnRef idx="2">
+            <a:schemeClr val="accent1">
+              <a:shade val="50000"/>
+            </a:schemeClr>
+          </a:lnRef>
+          <a:fillRef idx="1">
+            <a:schemeClr val="accent1"/>
+          </a:fillRef>
+          <a:effectRef idx="0">
+            <a:schemeClr val="accent1"/>
+          </a:effectRef>
+          <a:fontRef idx="minor">
+            <a:schemeClr val="lt1"/>
+          </a:fontRef>
+        </p:style>
+        <p:txBody>
+          <a:bodyPr rtlCol="0" anchor="ctr"/>
+          <a:lstStyle/>
+          <a:p>
+            <a:pPr algn="ctr"/>
+            <a:endParaRPr lang="en-US"/>
+          </a:p>
+        </p:txBody>
+      </p:sp>
+      <p:sp>
+        <p:nvSpPr>
+          <p:cNvPr id="29" name="Rectangle 28">
+            <a:extLst>
+              <a:ext uri="{FF2B5EF4-FFF2-40B4-BE49-F238E27FC236}">
+                <a16:creationId xmlns:a16="http://schemas.microsoft.com/office/drawing/2014/main" id="{BAF4FB18-251C-40F7-7F9E-584C9F824494}"/>
+              </a:ext>
+            </a:extLst>
+          </p:cNvPr>
+          <p:cNvSpPr/>
+          <p:nvPr/>
+        </p:nvSpPr>
+        <p:spPr>
+          <a:xfrm>
+            <a:off x="2642876" y="4141117"/>
+            <a:ext cx="6498513" cy="297249"/>
+          </a:xfrm>
+          <a:prstGeom prst="rect">
+            <a:avLst/>
+          </a:prstGeom>
+          <a:solidFill>
+            <a:srgbClr val="00B050">
+              <a:alpha val="57000"/>
+            </a:srgbClr>
+          </a:solidFill>
+          <a:ln>
+            <a:noFill/>
+          </a:ln>
+        </p:spPr>
+        <p:style>
+          <a:lnRef idx="2">
+            <a:schemeClr val="accent1">
+              <a:shade val="50000"/>
+            </a:schemeClr>
+          </a:lnRef>
+          <a:fillRef idx="1">
+            <a:schemeClr val="accent1"/>
+          </a:fillRef>
+          <a:effectRef idx="0">
+            <a:schemeClr val="accent1"/>
+          </a:effectRef>
+          <a:fontRef idx="minor">
+            <a:schemeClr val="lt1"/>
+          </a:fontRef>
+        </p:style>
+        <p:txBody>
+          <a:bodyPr rtlCol="0" anchor="ctr"/>
+          <a:lstStyle/>
+          <a:p>
+            <a:pPr algn="ctr"/>
+            <a:endParaRPr lang="en-US"/>
+          </a:p>
+        </p:txBody>
+      </p:sp>
+      <p:sp>
+        <p:nvSpPr>
+          <p:cNvPr id="30" name="TextBox 29">
+            <a:extLst>
+              <a:ext uri="{FF2B5EF4-FFF2-40B4-BE49-F238E27FC236}">
+                <a16:creationId xmlns:a16="http://schemas.microsoft.com/office/drawing/2014/main" id="{CDDF0651-38EC-9B77-CB87-4D6F9C22AEA1}"/>
+              </a:ext>
+            </a:extLst>
+          </p:cNvPr>
+          <p:cNvSpPr txBox="1"/>
+          <p:nvPr/>
+        </p:nvSpPr>
+        <p:spPr>
+          <a:xfrm>
+            <a:off x="5807781" y="3421104"/>
+            <a:ext cx="595035" cy="584775"/>
+          </a:xfrm>
+          <a:prstGeom prst="rect">
+            <a:avLst/>
+          </a:prstGeom>
+          <a:noFill/>
+        </p:spPr>
+        <p:txBody>
+          <a:bodyPr wrap="none" rtlCol="0">
+            <a:spAutoFit/>
+          </a:bodyPr>
+          <a:lstStyle/>
+          <a:p>
+            <a:r>
+              <a:rPr lang="en-US" sz="3200" dirty="0">
+                <a:latin typeface="Arial" panose="020B0604020202020204" pitchFamily="34" charset="0"/>
+                <a:cs typeface="Arial" panose="020B0604020202020204" pitchFamily="34" charset="0"/>
+              </a:rPr>
+              <a:t>…</a:t>
+            </a:r>
+          </a:p>
+        </p:txBody>
+      </p:sp>
+    </p:spTree>
+    <p:extLst>
+      <p:ext uri="{BB962C8B-B14F-4D97-AF65-F5344CB8AC3E}">
+        <p14:creationId xmlns:p14="http://schemas.microsoft.com/office/powerpoint/2010/main" val="113494329"/>
       </p:ext>
     </p:extLst>
   </p:cSld>

--- a/dsmcer_2023_update/Lecture_Notebooks/L4-6_visual_support.pptx
+++ b/dsmcer_2023_update/Lecture_Notebooks/L4-6_visual_support.pptx
@@ -32,6 +32,8 @@
     <p:sldId id="281" r:id="rId26"/>
     <p:sldId id="282" r:id="rId27"/>
     <p:sldId id="283" r:id="rId28"/>
+    <p:sldId id="284" r:id="rId29"/>
+    <p:sldId id="285" r:id="rId30"/>
   </p:sldIdLst>
   <p:sldSz cx="12192000" cy="6858000"/>
   <p:notesSz cx="6858000" cy="9144000"/>
@@ -12978,6 +12980,5890 @@
     <p:extLst>
       <p:ext uri="{BB962C8B-B14F-4D97-AF65-F5344CB8AC3E}">
         <p14:creationId xmlns:p14="http://schemas.microsoft.com/office/powerpoint/2010/main" val="113494329"/>
+      </p:ext>
+    </p:extLst>
+  </p:cSld>
+  <p:clrMapOvr>
+    <a:masterClrMapping/>
+  </p:clrMapOvr>
+</p:sld>
+</file>
+
+<file path=ppt/slides/slide28.xml><?xml version="1.0" encoding="utf-8"?>
+<p:sld xmlns:a="http://schemas.openxmlformats.org/drawingml/2006/main" xmlns:r="http://schemas.openxmlformats.org/officeDocument/2006/relationships" xmlns:p="http://schemas.openxmlformats.org/presentationml/2006/main">
+  <p:cSld>
+    <p:spTree>
+      <p:nvGrpSpPr>
+        <p:cNvPr id="1" name=""/>
+        <p:cNvGrpSpPr/>
+        <p:nvPr/>
+      </p:nvGrpSpPr>
+      <p:grpSpPr>
+        <a:xfrm>
+          <a:off x="0" y="0"/>
+          <a:ext cx="0" cy="0"/>
+          <a:chOff x="0" y="0"/>
+          <a:chExt cx="0" cy="0"/>
+        </a:xfrm>
+      </p:grpSpPr>
+      <p:cxnSp>
+        <p:nvCxnSpPr>
+          <p:cNvPr id="4" name="Straight Connector 3">
+            <a:extLst>
+              <a:ext uri="{FF2B5EF4-FFF2-40B4-BE49-F238E27FC236}">
+                <a16:creationId xmlns:a16="http://schemas.microsoft.com/office/drawing/2014/main" id="{47611516-6DD0-CD21-D4AC-393EF7E38871}"/>
+              </a:ext>
+            </a:extLst>
+          </p:cNvPr>
+          <p:cNvCxnSpPr/>
+          <p:nvPr/>
+        </p:nvCxnSpPr>
+        <p:spPr>
+          <a:xfrm>
+            <a:off x="3131128" y="4530436"/>
+            <a:ext cx="4419600" cy="0"/>
+          </a:xfrm>
+          <a:prstGeom prst="line">
+            <a:avLst/>
+          </a:prstGeom>
+          <a:ln w="47625">
+            <a:solidFill>
+              <a:schemeClr val="tx1"/>
+            </a:solidFill>
+            <a:tailEnd type="triangle"/>
+          </a:ln>
+        </p:spPr>
+        <p:style>
+          <a:lnRef idx="1">
+            <a:schemeClr val="accent1"/>
+          </a:lnRef>
+          <a:fillRef idx="0">
+            <a:schemeClr val="accent1"/>
+          </a:fillRef>
+          <a:effectRef idx="0">
+            <a:schemeClr val="accent1"/>
+          </a:effectRef>
+          <a:fontRef idx="minor">
+            <a:schemeClr val="tx1"/>
+          </a:fontRef>
+        </p:style>
+      </p:cxnSp>
+      <p:cxnSp>
+        <p:nvCxnSpPr>
+          <p:cNvPr id="5" name="Straight Connector 4">
+            <a:extLst>
+              <a:ext uri="{FF2B5EF4-FFF2-40B4-BE49-F238E27FC236}">
+                <a16:creationId xmlns:a16="http://schemas.microsoft.com/office/drawing/2014/main" id="{A52978E8-7E6F-6BF3-37FB-3C79CAFB67E3}"/>
+              </a:ext>
+            </a:extLst>
+          </p:cNvPr>
+          <p:cNvCxnSpPr>
+            <a:cxnSpLocks/>
+          </p:cNvCxnSpPr>
+          <p:nvPr/>
+        </p:nvCxnSpPr>
+        <p:spPr>
+          <a:xfrm flipV="1">
+            <a:off x="3262745" y="1392382"/>
+            <a:ext cx="0" cy="3290454"/>
+          </a:xfrm>
+          <a:prstGeom prst="line">
+            <a:avLst/>
+          </a:prstGeom>
+          <a:ln w="47625">
+            <a:solidFill>
+              <a:schemeClr val="tx1"/>
+            </a:solidFill>
+            <a:tailEnd type="triangle"/>
+          </a:ln>
+        </p:spPr>
+        <p:style>
+          <a:lnRef idx="1">
+            <a:schemeClr val="accent1"/>
+          </a:lnRef>
+          <a:fillRef idx="0">
+            <a:schemeClr val="accent1"/>
+          </a:fillRef>
+          <a:effectRef idx="0">
+            <a:schemeClr val="accent1"/>
+          </a:effectRef>
+          <a:fontRef idx="minor">
+            <a:schemeClr val="tx1"/>
+          </a:fontRef>
+        </p:style>
+      </p:cxnSp>
+      <p:pic>
+        <p:nvPicPr>
+          <p:cNvPr id="6" name="Picture 5">
+            <a:extLst>
+              <a:ext uri="{FF2B5EF4-FFF2-40B4-BE49-F238E27FC236}">
+                <a16:creationId xmlns:a16="http://schemas.microsoft.com/office/drawing/2014/main" id="{2B351E19-3776-4E9E-4F21-E2E15EC990AB}"/>
+              </a:ext>
+            </a:extLst>
+          </p:cNvPr>
+          <p:cNvPicPr>
+            <a:picLocks noChangeAspect="1"/>
+          </p:cNvPicPr>
+          <p:nvPr/>
+        </p:nvPicPr>
+        <p:blipFill>
+          <a:blip r:embed="rId2"/>
+          <a:stretch>
+            <a:fillRect/>
+          </a:stretch>
+        </p:blipFill>
+        <p:spPr>
+          <a:xfrm>
+            <a:off x="5125028" y="4793095"/>
+            <a:ext cx="431800" cy="292100"/>
+          </a:xfrm>
+          <a:prstGeom prst="rect">
+            <a:avLst/>
+          </a:prstGeom>
+        </p:spPr>
+      </p:pic>
+      <p:pic>
+        <p:nvPicPr>
+          <p:cNvPr id="7" name="Picture 6">
+            <a:extLst>
+              <a:ext uri="{FF2B5EF4-FFF2-40B4-BE49-F238E27FC236}">
+                <a16:creationId xmlns:a16="http://schemas.microsoft.com/office/drawing/2014/main" id="{E0DD2409-ED4D-0265-9394-3C29C5D66A5C}"/>
+              </a:ext>
+            </a:extLst>
+          </p:cNvPr>
+          <p:cNvPicPr>
+            <a:picLocks noChangeAspect="1"/>
+          </p:cNvPicPr>
+          <p:nvPr/>
+        </p:nvPicPr>
+        <p:blipFill>
+          <a:blip r:embed="rId3"/>
+          <a:stretch>
+            <a:fillRect/>
+          </a:stretch>
+        </p:blipFill>
+        <p:spPr>
+          <a:xfrm>
+            <a:off x="2471304" y="2820555"/>
+            <a:ext cx="419100" cy="279400"/>
+          </a:xfrm>
+          <a:prstGeom prst="rect">
+            <a:avLst/>
+          </a:prstGeom>
+        </p:spPr>
+      </p:pic>
+      <p:pic>
+        <p:nvPicPr>
+          <p:cNvPr id="8" name="Picture 7">
+            <a:extLst>
+              <a:ext uri="{FF2B5EF4-FFF2-40B4-BE49-F238E27FC236}">
+                <a16:creationId xmlns:a16="http://schemas.microsoft.com/office/drawing/2014/main" id="{8E9FD556-1C6D-4E4C-CE59-CA41FA0FD7A2}"/>
+              </a:ext>
+            </a:extLst>
+          </p:cNvPr>
+          <p:cNvPicPr>
+            <a:picLocks noChangeAspect="1"/>
+          </p:cNvPicPr>
+          <p:nvPr/>
+        </p:nvPicPr>
+        <p:blipFill>
+          <a:blip r:embed="rId4"/>
+          <a:stretch>
+            <a:fillRect/>
+          </a:stretch>
+        </p:blipFill>
+        <p:spPr>
+          <a:xfrm>
+            <a:off x="8516504" y="1641764"/>
+            <a:ext cx="215900" cy="304800"/>
+          </a:xfrm>
+          <a:prstGeom prst="rect">
+            <a:avLst/>
+          </a:prstGeom>
+        </p:spPr>
+      </p:pic>
+      <p:sp>
+        <p:nvSpPr>
+          <p:cNvPr id="9" name="Rectangle 8">
+            <a:extLst>
+              <a:ext uri="{FF2B5EF4-FFF2-40B4-BE49-F238E27FC236}">
+                <a16:creationId xmlns:a16="http://schemas.microsoft.com/office/drawing/2014/main" id="{50B4FFFA-C6AB-2290-F6FF-81A9C9612E7F}"/>
+              </a:ext>
+            </a:extLst>
+          </p:cNvPr>
+          <p:cNvSpPr/>
+          <p:nvPr/>
+        </p:nvSpPr>
+        <p:spPr>
+          <a:xfrm>
+            <a:off x="8174182" y="2175164"/>
+            <a:ext cx="180109" cy="187036"/>
+          </a:xfrm>
+          <a:prstGeom prst="rect">
+            <a:avLst/>
+          </a:prstGeom>
+        </p:spPr>
+        <p:style>
+          <a:lnRef idx="2">
+            <a:schemeClr val="accent1">
+              <a:shade val="50000"/>
+            </a:schemeClr>
+          </a:lnRef>
+          <a:fillRef idx="1">
+            <a:schemeClr val="accent1"/>
+          </a:fillRef>
+          <a:effectRef idx="0">
+            <a:schemeClr val="accent1"/>
+          </a:effectRef>
+          <a:fontRef idx="minor">
+            <a:schemeClr val="lt1"/>
+          </a:fontRef>
+        </p:style>
+        <p:txBody>
+          <a:bodyPr rtlCol="0" anchor="ctr"/>
+          <a:lstStyle/>
+          <a:p>
+            <a:pPr algn="ctr"/>
+            <a:endParaRPr lang="en-US"/>
+          </a:p>
+        </p:txBody>
+      </p:sp>
+      <p:sp>
+        <p:nvSpPr>
+          <p:cNvPr id="10" name="Rectangle 9">
+            <a:extLst>
+              <a:ext uri="{FF2B5EF4-FFF2-40B4-BE49-F238E27FC236}">
+                <a16:creationId xmlns:a16="http://schemas.microsoft.com/office/drawing/2014/main" id="{3642C2F6-C01E-4594-8AEF-69BBC2165DDC}"/>
+              </a:ext>
+            </a:extLst>
+          </p:cNvPr>
+          <p:cNvSpPr/>
+          <p:nvPr/>
+        </p:nvSpPr>
+        <p:spPr>
+          <a:xfrm>
+            <a:off x="4343400" y="3277755"/>
+            <a:ext cx="180109" cy="187036"/>
+          </a:xfrm>
+          <a:prstGeom prst="rect">
+            <a:avLst/>
+          </a:prstGeom>
+        </p:spPr>
+        <p:style>
+          <a:lnRef idx="2">
+            <a:schemeClr val="accent2">
+              <a:shade val="50000"/>
+            </a:schemeClr>
+          </a:lnRef>
+          <a:fillRef idx="1">
+            <a:schemeClr val="accent2"/>
+          </a:fillRef>
+          <a:effectRef idx="0">
+            <a:schemeClr val="accent2"/>
+          </a:effectRef>
+          <a:fontRef idx="minor">
+            <a:schemeClr val="lt1"/>
+          </a:fontRef>
+        </p:style>
+        <p:txBody>
+          <a:bodyPr rtlCol="0" anchor="ctr"/>
+          <a:lstStyle/>
+          <a:p>
+            <a:pPr algn="ctr"/>
+            <a:endParaRPr lang="en-US"/>
+          </a:p>
+        </p:txBody>
+      </p:sp>
+      <p:sp>
+        <p:nvSpPr>
+          <p:cNvPr id="11" name="TextBox 10">
+            <a:extLst>
+              <a:ext uri="{FF2B5EF4-FFF2-40B4-BE49-F238E27FC236}">
+                <a16:creationId xmlns:a16="http://schemas.microsoft.com/office/drawing/2014/main" id="{C025726F-CFC3-C26A-B72C-DE5E7EBBCCBD}"/>
+              </a:ext>
+            </a:extLst>
+          </p:cNvPr>
+          <p:cNvSpPr txBox="1"/>
+          <p:nvPr/>
+        </p:nvSpPr>
+        <p:spPr>
+          <a:xfrm>
+            <a:off x="8539406" y="2037849"/>
+            <a:ext cx="389850" cy="461665"/>
+          </a:xfrm>
+          <a:prstGeom prst="rect">
+            <a:avLst/>
+          </a:prstGeom>
+          <a:noFill/>
+        </p:spPr>
+        <p:txBody>
+          <a:bodyPr wrap="none" rtlCol="0">
+            <a:spAutoFit/>
+          </a:bodyPr>
+          <a:lstStyle/>
+          <a:p>
+            <a:r>
+              <a:rPr lang="en-US" sz="2400" dirty="0">
+                <a:latin typeface="Arial" panose="020B0604020202020204" pitchFamily="34" charset="0"/>
+                <a:cs typeface="Arial" panose="020B0604020202020204" pitchFamily="34" charset="0"/>
+              </a:rPr>
+              <a:t>A</a:t>
+            </a:r>
+          </a:p>
+        </p:txBody>
+      </p:sp>
+      <p:sp>
+        <p:nvSpPr>
+          <p:cNvPr id="12" name="TextBox 11">
+            <a:extLst>
+              <a:ext uri="{FF2B5EF4-FFF2-40B4-BE49-F238E27FC236}">
+                <a16:creationId xmlns:a16="http://schemas.microsoft.com/office/drawing/2014/main" id="{EE0F4F65-7364-13B9-E01E-95DFB80641E0}"/>
+              </a:ext>
+            </a:extLst>
+          </p:cNvPr>
+          <p:cNvSpPr txBox="1"/>
+          <p:nvPr/>
+        </p:nvSpPr>
+        <p:spPr>
+          <a:xfrm>
+            <a:off x="8539406" y="2485891"/>
+            <a:ext cx="389850" cy="461665"/>
+          </a:xfrm>
+          <a:prstGeom prst="rect">
+            <a:avLst/>
+          </a:prstGeom>
+          <a:noFill/>
+        </p:spPr>
+        <p:txBody>
+          <a:bodyPr wrap="none" rtlCol="0">
+            <a:spAutoFit/>
+          </a:bodyPr>
+          <a:lstStyle/>
+          <a:p>
+            <a:r>
+              <a:rPr lang="en-US" sz="2400" dirty="0">
+                <a:latin typeface="Arial" panose="020B0604020202020204" pitchFamily="34" charset="0"/>
+                <a:cs typeface="Arial" panose="020B0604020202020204" pitchFamily="34" charset="0"/>
+              </a:rPr>
+              <a:t>B</a:t>
+            </a:r>
+          </a:p>
+        </p:txBody>
+      </p:sp>
+      <p:sp>
+        <p:nvSpPr>
+          <p:cNvPr id="13" name="Rectangle 12">
+            <a:extLst>
+              <a:ext uri="{FF2B5EF4-FFF2-40B4-BE49-F238E27FC236}">
+                <a16:creationId xmlns:a16="http://schemas.microsoft.com/office/drawing/2014/main" id="{9058F27D-745E-FD88-A7A7-8109A59E8B3A}"/>
+              </a:ext>
+            </a:extLst>
+          </p:cNvPr>
+          <p:cNvSpPr/>
+          <p:nvPr/>
+        </p:nvSpPr>
+        <p:spPr>
+          <a:xfrm>
+            <a:off x="4003964" y="3604493"/>
+            <a:ext cx="180109" cy="187036"/>
+          </a:xfrm>
+          <a:prstGeom prst="rect">
+            <a:avLst/>
+          </a:prstGeom>
+        </p:spPr>
+        <p:style>
+          <a:lnRef idx="2">
+            <a:schemeClr val="accent2">
+              <a:shade val="50000"/>
+            </a:schemeClr>
+          </a:lnRef>
+          <a:fillRef idx="1">
+            <a:schemeClr val="accent2"/>
+          </a:fillRef>
+          <a:effectRef idx="0">
+            <a:schemeClr val="accent2"/>
+          </a:effectRef>
+          <a:fontRef idx="minor">
+            <a:schemeClr val="lt1"/>
+          </a:fontRef>
+        </p:style>
+        <p:txBody>
+          <a:bodyPr rtlCol="0" anchor="ctr"/>
+          <a:lstStyle/>
+          <a:p>
+            <a:pPr algn="ctr"/>
+            <a:endParaRPr lang="en-US"/>
+          </a:p>
+        </p:txBody>
+      </p:sp>
+      <p:sp>
+        <p:nvSpPr>
+          <p:cNvPr id="14" name="Rectangle 13">
+            <a:extLst>
+              <a:ext uri="{FF2B5EF4-FFF2-40B4-BE49-F238E27FC236}">
+                <a16:creationId xmlns:a16="http://schemas.microsoft.com/office/drawing/2014/main" id="{FD7CE893-C3C1-0F18-8D9E-D556F6164756}"/>
+              </a:ext>
+            </a:extLst>
+          </p:cNvPr>
+          <p:cNvSpPr/>
+          <p:nvPr/>
+        </p:nvSpPr>
+        <p:spPr>
+          <a:xfrm>
+            <a:off x="4433454" y="3988956"/>
+            <a:ext cx="180109" cy="187036"/>
+          </a:xfrm>
+          <a:prstGeom prst="rect">
+            <a:avLst/>
+          </a:prstGeom>
+        </p:spPr>
+        <p:style>
+          <a:lnRef idx="2">
+            <a:schemeClr val="accent2">
+              <a:shade val="50000"/>
+            </a:schemeClr>
+          </a:lnRef>
+          <a:fillRef idx="1">
+            <a:schemeClr val="accent2"/>
+          </a:fillRef>
+          <a:effectRef idx="0">
+            <a:schemeClr val="accent2"/>
+          </a:effectRef>
+          <a:fontRef idx="minor">
+            <a:schemeClr val="lt1"/>
+          </a:fontRef>
+        </p:style>
+        <p:txBody>
+          <a:bodyPr rtlCol="0" anchor="ctr"/>
+          <a:lstStyle/>
+          <a:p>
+            <a:pPr algn="ctr"/>
+            <a:endParaRPr lang="en-US"/>
+          </a:p>
+        </p:txBody>
+      </p:sp>
+      <p:sp>
+        <p:nvSpPr>
+          <p:cNvPr id="15" name="Rectangle 14">
+            <a:extLst>
+              <a:ext uri="{FF2B5EF4-FFF2-40B4-BE49-F238E27FC236}">
+                <a16:creationId xmlns:a16="http://schemas.microsoft.com/office/drawing/2014/main" id="{C106D0E3-91CB-32F9-BAE2-7450166306FD}"/>
+              </a:ext>
+            </a:extLst>
+          </p:cNvPr>
+          <p:cNvSpPr/>
+          <p:nvPr/>
+        </p:nvSpPr>
+        <p:spPr>
+          <a:xfrm>
+            <a:off x="4208896" y="2626933"/>
+            <a:ext cx="180109" cy="187036"/>
+          </a:xfrm>
+          <a:prstGeom prst="rect">
+            <a:avLst/>
+          </a:prstGeom>
+        </p:spPr>
+        <p:style>
+          <a:lnRef idx="2">
+            <a:schemeClr val="accent2">
+              <a:shade val="50000"/>
+            </a:schemeClr>
+          </a:lnRef>
+          <a:fillRef idx="1">
+            <a:schemeClr val="accent2"/>
+          </a:fillRef>
+          <a:effectRef idx="0">
+            <a:schemeClr val="accent2"/>
+          </a:effectRef>
+          <a:fontRef idx="minor">
+            <a:schemeClr val="lt1"/>
+          </a:fontRef>
+        </p:style>
+        <p:txBody>
+          <a:bodyPr rtlCol="0" anchor="ctr"/>
+          <a:lstStyle/>
+          <a:p>
+            <a:pPr algn="ctr"/>
+            <a:endParaRPr lang="en-US"/>
+          </a:p>
+        </p:txBody>
+      </p:sp>
+      <p:sp>
+        <p:nvSpPr>
+          <p:cNvPr id="16" name="Rectangle 15">
+            <a:extLst>
+              <a:ext uri="{FF2B5EF4-FFF2-40B4-BE49-F238E27FC236}">
+                <a16:creationId xmlns:a16="http://schemas.microsoft.com/office/drawing/2014/main" id="{2433628F-5461-71BF-093F-9EC75D5B92B9}"/>
+              </a:ext>
+            </a:extLst>
+          </p:cNvPr>
+          <p:cNvSpPr/>
+          <p:nvPr/>
+        </p:nvSpPr>
+        <p:spPr>
+          <a:xfrm>
+            <a:off x="4776931" y="4135582"/>
+            <a:ext cx="180109" cy="187036"/>
+          </a:xfrm>
+          <a:prstGeom prst="rect">
+            <a:avLst/>
+          </a:prstGeom>
+        </p:spPr>
+        <p:style>
+          <a:lnRef idx="2">
+            <a:schemeClr val="accent2">
+              <a:shade val="50000"/>
+            </a:schemeClr>
+          </a:lnRef>
+          <a:fillRef idx="1">
+            <a:schemeClr val="accent2"/>
+          </a:fillRef>
+          <a:effectRef idx="0">
+            <a:schemeClr val="accent2"/>
+          </a:effectRef>
+          <a:fontRef idx="minor">
+            <a:schemeClr val="lt1"/>
+          </a:fontRef>
+        </p:style>
+        <p:txBody>
+          <a:bodyPr rtlCol="0" anchor="ctr"/>
+          <a:lstStyle/>
+          <a:p>
+            <a:pPr algn="ctr"/>
+            <a:endParaRPr lang="en-US"/>
+          </a:p>
+        </p:txBody>
+      </p:sp>
+      <p:sp>
+        <p:nvSpPr>
+          <p:cNvPr id="17" name="Rectangle 16">
+            <a:extLst>
+              <a:ext uri="{FF2B5EF4-FFF2-40B4-BE49-F238E27FC236}">
+                <a16:creationId xmlns:a16="http://schemas.microsoft.com/office/drawing/2014/main" id="{5A0FD144-46E8-6F14-AF93-9A80963AFF49}"/>
+              </a:ext>
+            </a:extLst>
+          </p:cNvPr>
+          <p:cNvSpPr/>
+          <p:nvPr/>
+        </p:nvSpPr>
+        <p:spPr>
+          <a:xfrm>
+            <a:off x="4860059" y="3454401"/>
+            <a:ext cx="180109" cy="187036"/>
+          </a:xfrm>
+          <a:prstGeom prst="rect">
+            <a:avLst/>
+          </a:prstGeom>
+        </p:spPr>
+        <p:style>
+          <a:lnRef idx="2">
+            <a:schemeClr val="accent2">
+              <a:shade val="50000"/>
+            </a:schemeClr>
+          </a:lnRef>
+          <a:fillRef idx="1">
+            <a:schemeClr val="accent2"/>
+          </a:fillRef>
+          <a:effectRef idx="0">
+            <a:schemeClr val="accent2"/>
+          </a:effectRef>
+          <a:fontRef idx="minor">
+            <a:schemeClr val="lt1"/>
+          </a:fontRef>
+        </p:style>
+        <p:txBody>
+          <a:bodyPr rtlCol="0" anchor="ctr"/>
+          <a:lstStyle/>
+          <a:p>
+            <a:pPr algn="ctr"/>
+            <a:endParaRPr lang="en-US"/>
+          </a:p>
+        </p:txBody>
+      </p:sp>
+      <p:sp>
+        <p:nvSpPr>
+          <p:cNvPr id="18" name="Rectangle 17">
+            <a:extLst>
+              <a:ext uri="{FF2B5EF4-FFF2-40B4-BE49-F238E27FC236}">
+                <a16:creationId xmlns:a16="http://schemas.microsoft.com/office/drawing/2014/main" id="{2F690BE4-409B-BF0A-57F1-FC453676D339}"/>
+              </a:ext>
+            </a:extLst>
+          </p:cNvPr>
+          <p:cNvSpPr/>
+          <p:nvPr/>
+        </p:nvSpPr>
+        <p:spPr>
+          <a:xfrm>
+            <a:off x="4679950" y="3059547"/>
+            <a:ext cx="180109" cy="187036"/>
+          </a:xfrm>
+          <a:prstGeom prst="rect">
+            <a:avLst/>
+          </a:prstGeom>
+        </p:spPr>
+        <p:style>
+          <a:lnRef idx="2">
+            <a:schemeClr val="accent2">
+              <a:shade val="50000"/>
+            </a:schemeClr>
+          </a:lnRef>
+          <a:fillRef idx="1">
+            <a:schemeClr val="accent2"/>
+          </a:fillRef>
+          <a:effectRef idx="0">
+            <a:schemeClr val="accent2"/>
+          </a:effectRef>
+          <a:fontRef idx="minor">
+            <a:schemeClr val="lt1"/>
+          </a:fontRef>
+        </p:style>
+        <p:txBody>
+          <a:bodyPr rtlCol="0" anchor="ctr"/>
+          <a:lstStyle/>
+          <a:p>
+            <a:pPr algn="ctr"/>
+            <a:endParaRPr lang="en-US"/>
+          </a:p>
+        </p:txBody>
+      </p:sp>
+      <p:sp>
+        <p:nvSpPr>
+          <p:cNvPr id="19" name="Rectangle 18">
+            <a:extLst>
+              <a:ext uri="{FF2B5EF4-FFF2-40B4-BE49-F238E27FC236}">
+                <a16:creationId xmlns:a16="http://schemas.microsoft.com/office/drawing/2014/main" id="{EA392D05-57B1-4DAF-3B0D-1B9F5A8A6306}"/>
+              </a:ext>
+            </a:extLst>
+          </p:cNvPr>
+          <p:cNvSpPr/>
+          <p:nvPr/>
+        </p:nvSpPr>
+        <p:spPr>
+          <a:xfrm>
+            <a:off x="5335156" y="3801920"/>
+            <a:ext cx="180109" cy="187036"/>
+          </a:xfrm>
+          <a:prstGeom prst="rect">
+            <a:avLst/>
+          </a:prstGeom>
+        </p:spPr>
+        <p:style>
+          <a:lnRef idx="2">
+            <a:schemeClr val="accent2">
+              <a:shade val="50000"/>
+            </a:schemeClr>
+          </a:lnRef>
+          <a:fillRef idx="1">
+            <a:schemeClr val="accent2"/>
+          </a:fillRef>
+          <a:effectRef idx="0">
+            <a:schemeClr val="accent2"/>
+          </a:effectRef>
+          <a:fontRef idx="minor">
+            <a:schemeClr val="lt1"/>
+          </a:fontRef>
+        </p:style>
+        <p:txBody>
+          <a:bodyPr rtlCol="0" anchor="ctr"/>
+          <a:lstStyle/>
+          <a:p>
+            <a:pPr algn="ctr"/>
+            <a:endParaRPr lang="en-US"/>
+          </a:p>
+        </p:txBody>
+      </p:sp>
+      <p:sp>
+        <p:nvSpPr>
+          <p:cNvPr id="20" name="Rectangle 19">
+            <a:extLst>
+              <a:ext uri="{FF2B5EF4-FFF2-40B4-BE49-F238E27FC236}">
+                <a16:creationId xmlns:a16="http://schemas.microsoft.com/office/drawing/2014/main" id="{8A1BDDEF-87FB-A091-3C03-9985FF156989}"/>
+              </a:ext>
+            </a:extLst>
+          </p:cNvPr>
+          <p:cNvSpPr/>
+          <p:nvPr/>
+        </p:nvSpPr>
+        <p:spPr>
+          <a:xfrm>
+            <a:off x="3771900" y="4006274"/>
+            <a:ext cx="180109" cy="187036"/>
+          </a:xfrm>
+          <a:prstGeom prst="rect">
+            <a:avLst/>
+          </a:prstGeom>
+        </p:spPr>
+        <p:style>
+          <a:lnRef idx="2">
+            <a:schemeClr val="accent2">
+              <a:shade val="50000"/>
+            </a:schemeClr>
+          </a:lnRef>
+          <a:fillRef idx="1">
+            <a:schemeClr val="accent2"/>
+          </a:fillRef>
+          <a:effectRef idx="0">
+            <a:schemeClr val="accent2"/>
+          </a:effectRef>
+          <a:fontRef idx="minor">
+            <a:schemeClr val="lt1"/>
+          </a:fontRef>
+        </p:style>
+        <p:txBody>
+          <a:bodyPr rtlCol="0" anchor="ctr"/>
+          <a:lstStyle/>
+          <a:p>
+            <a:pPr algn="ctr"/>
+            <a:endParaRPr lang="en-US"/>
+          </a:p>
+        </p:txBody>
+      </p:sp>
+      <p:sp>
+        <p:nvSpPr>
+          <p:cNvPr id="21" name="Rectangle 20">
+            <a:extLst>
+              <a:ext uri="{FF2B5EF4-FFF2-40B4-BE49-F238E27FC236}">
+                <a16:creationId xmlns:a16="http://schemas.microsoft.com/office/drawing/2014/main" id="{B08E7573-AA22-BF2A-1604-CE60828D8038}"/>
+              </a:ext>
+            </a:extLst>
+          </p:cNvPr>
+          <p:cNvSpPr/>
+          <p:nvPr/>
+        </p:nvSpPr>
+        <p:spPr>
+          <a:xfrm>
+            <a:off x="5165652" y="3153065"/>
+            <a:ext cx="180109" cy="187036"/>
+          </a:xfrm>
+          <a:prstGeom prst="rect">
+            <a:avLst/>
+          </a:prstGeom>
+        </p:spPr>
+        <p:style>
+          <a:lnRef idx="2">
+            <a:schemeClr val="accent2">
+              <a:shade val="50000"/>
+            </a:schemeClr>
+          </a:lnRef>
+          <a:fillRef idx="1">
+            <a:schemeClr val="accent2"/>
+          </a:fillRef>
+          <a:effectRef idx="0">
+            <a:schemeClr val="accent2"/>
+          </a:effectRef>
+          <a:fontRef idx="minor">
+            <a:schemeClr val="lt1"/>
+          </a:fontRef>
+        </p:style>
+        <p:txBody>
+          <a:bodyPr rtlCol="0" anchor="ctr"/>
+          <a:lstStyle/>
+          <a:p>
+            <a:pPr algn="ctr"/>
+            <a:endParaRPr lang="en-US"/>
+          </a:p>
+        </p:txBody>
+      </p:sp>
+      <p:sp>
+        <p:nvSpPr>
+          <p:cNvPr id="22" name="Rectangle 21">
+            <a:extLst>
+              <a:ext uri="{FF2B5EF4-FFF2-40B4-BE49-F238E27FC236}">
+                <a16:creationId xmlns:a16="http://schemas.microsoft.com/office/drawing/2014/main" id="{07EF5295-FF51-7110-F0AB-6ABA882C1F75}"/>
+              </a:ext>
+            </a:extLst>
+          </p:cNvPr>
+          <p:cNvSpPr/>
+          <p:nvPr/>
+        </p:nvSpPr>
+        <p:spPr>
+          <a:xfrm>
+            <a:off x="3698009" y="3100533"/>
+            <a:ext cx="180109" cy="187036"/>
+          </a:xfrm>
+          <a:prstGeom prst="rect">
+            <a:avLst/>
+          </a:prstGeom>
+        </p:spPr>
+        <p:style>
+          <a:lnRef idx="2">
+            <a:schemeClr val="accent2">
+              <a:shade val="50000"/>
+            </a:schemeClr>
+          </a:lnRef>
+          <a:fillRef idx="1">
+            <a:schemeClr val="accent2"/>
+          </a:fillRef>
+          <a:effectRef idx="0">
+            <a:schemeClr val="accent2"/>
+          </a:effectRef>
+          <a:fontRef idx="minor">
+            <a:schemeClr val="lt1"/>
+          </a:fontRef>
+        </p:style>
+        <p:txBody>
+          <a:bodyPr rtlCol="0" anchor="ctr"/>
+          <a:lstStyle/>
+          <a:p>
+            <a:pPr algn="ctr"/>
+            <a:endParaRPr lang="en-US"/>
+          </a:p>
+        </p:txBody>
+      </p:sp>
+      <p:sp>
+        <p:nvSpPr>
+          <p:cNvPr id="23" name="Rectangle 22">
+            <a:extLst>
+              <a:ext uri="{FF2B5EF4-FFF2-40B4-BE49-F238E27FC236}">
+                <a16:creationId xmlns:a16="http://schemas.microsoft.com/office/drawing/2014/main" id="{2999E5AC-53B5-5BD5-F8EF-5542514CDDEC}"/>
+              </a:ext>
+            </a:extLst>
+          </p:cNvPr>
+          <p:cNvSpPr/>
+          <p:nvPr/>
+        </p:nvSpPr>
+        <p:spPr>
+          <a:xfrm>
+            <a:off x="8174181" y="2647663"/>
+            <a:ext cx="180109" cy="187036"/>
+          </a:xfrm>
+          <a:prstGeom prst="rect">
+            <a:avLst/>
+          </a:prstGeom>
+        </p:spPr>
+        <p:style>
+          <a:lnRef idx="2">
+            <a:schemeClr val="accent2">
+              <a:shade val="50000"/>
+            </a:schemeClr>
+          </a:lnRef>
+          <a:fillRef idx="1">
+            <a:schemeClr val="accent2"/>
+          </a:fillRef>
+          <a:effectRef idx="0">
+            <a:schemeClr val="accent2"/>
+          </a:effectRef>
+          <a:fontRef idx="minor">
+            <a:schemeClr val="lt1"/>
+          </a:fontRef>
+        </p:style>
+        <p:txBody>
+          <a:bodyPr rtlCol="0" anchor="ctr"/>
+          <a:lstStyle/>
+          <a:p>
+            <a:pPr algn="ctr"/>
+            <a:endParaRPr lang="en-US"/>
+          </a:p>
+        </p:txBody>
+      </p:sp>
+      <p:sp>
+        <p:nvSpPr>
+          <p:cNvPr id="24" name="Rectangle 23">
+            <a:extLst>
+              <a:ext uri="{FF2B5EF4-FFF2-40B4-BE49-F238E27FC236}">
+                <a16:creationId xmlns:a16="http://schemas.microsoft.com/office/drawing/2014/main" id="{AA2CA5D0-17A3-33A9-0B28-232A12E034BE}"/>
+              </a:ext>
+            </a:extLst>
+          </p:cNvPr>
+          <p:cNvSpPr/>
+          <p:nvPr/>
+        </p:nvSpPr>
+        <p:spPr>
+          <a:xfrm>
+            <a:off x="6259847" y="1607128"/>
+            <a:ext cx="180109" cy="187036"/>
+          </a:xfrm>
+          <a:prstGeom prst="rect">
+            <a:avLst/>
+          </a:prstGeom>
+        </p:spPr>
+        <p:style>
+          <a:lnRef idx="2">
+            <a:schemeClr val="accent1">
+              <a:shade val="50000"/>
+            </a:schemeClr>
+          </a:lnRef>
+          <a:fillRef idx="1">
+            <a:schemeClr val="accent1"/>
+          </a:fillRef>
+          <a:effectRef idx="0">
+            <a:schemeClr val="accent1"/>
+          </a:effectRef>
+          <a:fontRef idx="minor">
+            <a:schemeClr val="lt1"/>
+          </a:fontRef>
+        </p:style>
+        <p:txBody>
+          <a:bodyPr rtlCol="0" anchor="ctr"/>
+          <a:lstStyle/>
+          <a:p>
+            <a:pPr algn="ctr"/>
+            <a:endParaRPr lang="en-US"/>
+          </a:p>
+        </p:txBody>
+      </p:sp>
+      <p:sp>
+        <p:nvSpPr>
+          <p:cNvPr id="25" name="Rectangle 24">
+            <a:extLst>
+              <a:ext uri="{FF2B5EF4-FFF2-40B4-BE49-F238E27FC236}">
+                <a16:creationId xmlns:a16="http://schemas.microsoft.com/office/drawing/2014/main" id="{F1D09F62-8AF1-13BE-12B4-6144B91CD7D1}"/>
+              </a:ext>
+            </a:extLst>
+          </p:cNvPr>
+          <p:cNvSpPr/>
+          <p:nvPr/>
+        </p:nvSpPr>
+        <p:spPr>
+          <a:xfrm>
+            <a:off x="5538354" y="1989213"/>
+            <a:ext cx="180109" cy="187036"/>
+          </a:xfrm>
+          <a:prstGeom prst="rect">
+            <a:avLst/>
+          </a:prstGeom>
+        </p:spPr>
+        <p:style>
+          <a:lnRef idx="2">
+            <a:schemeClr val="accent1">
+              <a:shade val="50000"/>
+            </a:schemeClr>
+          </a:lnRef>
+          <a:fillRef idx="1">
+            <a:schemeClr val="accent1"/>
+          </a:fillRef>
+          <a:effectRef idx="0">
+            <a:schemeClr val="accent1"/>
+          </a:effectRef>
+          <a:fontRef idx="minor">
+            <a:schemeClr val="lt1"/>
+          </a:fontRef>
+        </p:style>
+        <p:txBody>
+          <a:bodyPr rtlCol="0" anchor="ctr"/>
+          <a:lstStyle/>
+          <a:p>
+            <a:pPr algn="ctr"/>
+            <a:endParaRPr lang="en-US" dirty="0"/>
+          </a:p>
+        </p:txBody>
+      </p:sp>
+      <p:sp>
+        <p:nvSpPr>
+          <p:cNvPr id="26" name="Rectangle 25">
+            <a:extLst>
+              <a:ext uri="{FF2B5EF4-FFF2-40B4-BE49-F238E27FC236}">
+                <a16:creationId xmlns:a16="http://schemas.microsoft.com/office/drawing/2014/main" id="{2DC07B7A-AADF-E8F4-B708-4FACA98FBB36}"/>
+              </a:ext>
+            </a:extLst>
+          </p:cNvPr>
+          <p:cNvSpPr/>
+          <p:nvPr/>
+        </p:nvSpPr>
+        <p:spPr>
+          <a:xfrm>
+            <a:off x="5916360" y="3484086"/>
+            <a:ext cx="180109" cy="187036"/>
+          </a:xfrm>
+          <a:prstGeom prst="rect">
+            <a:avLst/>
+          </a:prstGeom>
+        </p:spPr>
+        <p:style>
+          <a:lnRef idx="2">
+            <a:schemeClr val="accent1">
+              <a:shade val="50000"/>
+            </a:schemeClr>
+          </a:lnRef>
+          <a:fillRef idx="1">
+            <a:schemeClr val="accent1"/>
+          </a:fillRef>
+          <a:effectRef idx="0">
+            <a:schemeClr val="accent1"/>
+          </a:effectRef>
+          <a:fontRef idx="minor">
+            <a:schemeClr val="lt1"/>
+          </a:fontRef>
+        </p:style>
+        <p:txBody>
+          <a:bodyPr rtlCol="0" anchor="ctr"/>
+          <a:lstStyle/>
+          <a:p>
+            <a:pPr algn="ctr"/>
+            <a:endParaRPr lang="en-US"/>
+          </a:p>
+        </p:txBody>
+      </p:sp>
+      <p:sp>
+        <p:nvSpPr>
+          <p:cNvPr id="27" name="Rectangle 26">
+            <a:extLst>
+              <a:ext uri="{FF2B5EF4-FFF2-40B4-BE49-F238E27FC236}">
+                <a16:creationId xmlns:a16="http://schemas.microsoft.com/office/drawing/2014/main" id="{041DCF34-F50D-0059-9C2E-719F30711420}"/>
+              </a:ext>
+            </a:extLst>
+          </p:cNvPr>
+          <p:cNvSpPr/>
+          <p:nvPr/>
+        </p:nvSpPr>
+        <p:spPr>
+          <a:xfrm>
+            <a:off x="5196610" y="2619594"/>
+            <a:ext cx="180109" cy="187036"/>
+          </a:xfrm>
+          <a:prstGeom prst="rect">
+            <a:avLst/>
+          </a:prstGeom>
+        </p:spPr>
+        <p:style>
+          <a:lnRef idx="2">
+            <a:schemeClr val="accent1">
+              <a:shade val="50000"/>
+            </a:schemeClr>
+          </a:lnRef>
+          <a:fillRef idx="1">
+            <a:schemeClr val="accent1"/>
+          </a:fillRef>
+          <a:effectRef idx="0">
+            <a:schemeClr val="accent1"/>
+          </a:effectRef>
+          <a:fontRef idx="minor">
+            <a:schemeClr val="lt1"/>
+          </a:fontRef>
+        </p:style>
+        <p:txBody>
+          <a:bodyPr rtlCol="0" anchor="ctr"/>
+          <a:lstStyle/>
+          <a:p>
+            <a:pPr algn="ctr"/>
+            <a:endParaRPr lang="en-US"/>
+          </a:p>
+        </p:txBody>
+      </p:sp>
+      <p:sp>
+        <p:nvSpPr>
+          <p:cNvPr id="28" name="Rectangle 27">
+            <a:extLst>
+              <a:ext uri="{FF2B5EF4-FFF2-40B4-BE49-F238E27FC236}">
+                <a16:creationId xmlns:a16="http://schemas.microsoft.com/office/drawing/2014/main" id="{44A1B6F4-8515-8449-CA3A-A95895645C0D}"/>
+              </a:ext>
+            </a:extLst>
+          </p:cNvPr>
+          <p:cNvSpPr/>
+          <p:nvPr/>
+        </p:nvSpPr>
+        <p:spPr>
+          <a:xfrm>
+            <a:off x="5791682" y="2890117"/>
+            <a:ext cx="180109" cy="187036"/>
+          </a:xfrm>
+          <a:prstGeom prst="rect">
+            <a:avLst/>
+          </a:prstGeom>
+        </p:spPr>
+        <p:style>
+          <a:lnRef idx="2">
+            <a:schemeClr val="accent1">
+              <a:shade val="50000"/>
+            </a:schemeClr>
+          </a:lnRef>
+          <a:fillRef idx="1">
+            <a:schemeClr val="accent1"/>
+          </a:fillRef>
+          <a:effectRef idx="0">
+            <a:schemeClr val="accent1"/>
+          </a:effectRef>
+          <a:fontRef idx="minor">
+            <a:schemeClr val="lt1"/>
+          </a:fontRef>
+        </p:style>
+        <p:txBody>
+          <a:bodyPr rtlCol="0" anchor="ctr"/>
+          <a:lstStyle/>
+          <a:p>
+            <a:pPr algn="ctr"/>
+            <a:endParaRPr lang="en-US"/>
+          </a:p>
+        </p:txBody>
+      </p:sp>
+      <p:sp>
+        <p:nvSpPr>
+          <p:cNvPr id="29" name="Rectangle 28">
+            <a:extLst>
+              <a:ext uri="{FF2B5EF4-FFF2-40B4-BE49-F238E27FC236}">
+                <a16:creationId xmlns:a16="http://schemas.microsoft.com/office/drawing/2014/main" id="{356937DB-91EA-209E-EF27-6B70CFF34CFE}"/>
+              </a:ext>
+            </a:extLst>
+          </p:cNvPr>
+          <p:cNvSpPr/>
+          <p:nvPr/>
+        </p:nvSpPr>
+        <p:spPr>
+          <a:xfrm>
+            <a:off x="5801690" y="2409034"/>
+            <a:ext cx="180109" cy="187036"/>
+          </a:xfrm>
+          <a:prstGeom prst="rect">
+            <a:avLst/>
+          </a:prstGeom>
+        </p:spPr>
+        <p:style>
+          <a:lnRef idx="2">
+            <a:schemeClr val="accent1">
+              <a:shade val="50000"/>
+            </a:schemeClr>
+          </a:lnRef>
+          <a:fillRef idx="1">
+            <a:schemeClr val="accent1"/>
+          </a:fillRef>
+          <a:effectRef idx="0">
+            <a:schemeClr val="accent1"/>
+          </a:effectRef>
+          <a:fontRef idx="minor">
+            <a:schemeClr val="lt1"/>
+          </a:fontRef>
+        </p:style>
+        <p:txBody>
+          <a:bodyPr rtlCol="0" anchor="ctr"/>
+          <a:lstStyle/>
+          <a:p>
+            <a:pPr algn="ctr"/>
+            <a:endParaRPr lang="en-US"/>
+          </a:p>
+        </p:txBody>
+      </p:sp>
+      <p:sp>
+        <p:nvSpPr>
+          <p:cNvPr id="30" name="Rectangle 29">
+            <a:extLst>
+              <a:ext uri="{FF2B5EF4-FFF2-40B4-BE49-F238E27FC236}">
+                <a16:creationId xmlns:a16="http://schemas.microsoft.com/office/drawing/2014/main" id="{B6B98B74-71D5-4645-949B-E6770165DE73}"/>
+              </a:ext>
+            </a:extLst>
+          </p:cNvPr>
+          <p:cNvSpPr/>
+          <p:nvPr/>
+        </p:nvSpPr>
+        <p:spPr>
+          <a:xfrm>
+            <a:off x="6621512" y="3310808"/>
+            <a:ext cx="180109" cy="187036"/>
+          </a:xfrm>
+          <a:prstGeom prst="rect">
+            <a:avLst/>
+          </a:prstGeom>
+        </p:spPr>
+        <p:style>
+          <a:lnRef idx="2">
+            <a:schemeClr val="accent1">
+              <a:shade val="50000"/>
+            </a:schemeClr>
+          </a:lnRef>
+          <a:fillRef idx="1">
+            <a:schemeClr val="accent1"/>
+          </a:fillRef>
+          <a:effectRef idx="0">
+            <a:schemeClr val="accent1"/>
+          </a:effectRef>
+          <a:fontRef idx="minor">
+            <a:schemeClr val="lt1"/>
+          </a:fontRef>
+        </p:style>
+        <p:txBody>
+          <a:bodyPr rtlCol="0" anchor="ctr"/>
+          <a:lstStyle/>
+          <a:p>
+            <a:pPr algn="ctr"/>
+            <a:endParaRPr lang="en-US"/>
+          </a:p>
+        </p:txBody>
+      </p:sp>
+      <p:sp>
+        <p:nvSpPr>
+          <p:cNvPr id="31" name="Rectangle 30">
+            <a:extLst>
+              <a:ext uri="{FF2B5EF4-FFF2-40B4-BE49-F238E27FC236}">
+                <a16:creationId xmlns:a16="http://schemas.microsoft.com/office/drawing/2014/main" id="{E1C61E12-CEE5-4839-25AF-C7FD3D703840}"/>
+              </a:ext>
+            </a:extLst>
+          </p:cNvPr>
+          <p:cNvSpPr/>
+          <p:nvPr/>
+        </p:nvSpPr>
+        <p:spPr>
+          <a:xfrm>
+            <a:off x="7030221" y="2673497"/>
+            <a:ext cx="180109" cy="187036"/>
+          </a:xfrm>
+          <a:prstGeom prst="rect">
+            <a:avLst/>
+          </a:prstGeom>
+        </p:spPr>
+        <p:style>
+          <a:lnRef idx="2">
+            <a:schemeClr val="accent1">
+              <a:shade val="50000"/>
+            </a:schemeClr>
+          </a:lnRef>
+          <a:fillRef idx="1">
+            <a:schemeClr val="accent1"/>
+          </a:fillRef>
+          <a:effectRef idx="0">
+            <a:schemeClr val="accent1"/>
+          </a:effectRef>
+          <a:fontRef idx="minor">
+            <a:schemeClr val="lt1"/>
+          </a:fontRef>
+        </p:style>
+        <p:txBody>
+          <a:bodyPr rtlCol="0" anchor="ctr"/>
+          <a:lstStyle/>
+          <a:p>
+            <a:pPr algn="ctr"/>
+            <a:endParaRPr lang="en-US"/>
+          </a:p>
+        </p:txBody>
+      </p:sp>
+      <p:sp>
+        <p:nvSpPr>
+          <p:cNvPr id="32" name="Rectangle 31">
+            <a:extLst>
+              <a:ext uri="{FF2B5EF4-FFF2-40B4-BE49-F238E27FC236}">
+                <a16:creationId xmlns:a16="http://schemas.microsoft.com/office/drawing/2014/main" id="{87A814A0-F6C5-7F92-5C71-0791A98F1D98}"/>
+              </a:ext>
+            </a:extLst>
+          </p:cNvPr>
+          <p:cNvSpPr/>
+          <p:nvPr/>
+        </p:nvSpPr>
+        <p:spPr>
+          <a:xfrm>
+            <a:off x="6391325" y="2448069"/>
+            <a:ext cx="180109" cy="187036"/>
+          </a:xfrm>
+          <a:prstGeom prst="rect">
+            <a:avLst/>
+          </a:prstGeom>
+        </p:spPr>
+        <p:style>
+          <a:lnRef idx="2">
+            <a:schemeClr val="accent1">
+              <a:shade val="50000"/>
+            </a:schemeClr>
+          </a:lnRef>
+          <a:fillRef idx="1">
+            <a:schemeClr val="accent1"/>
+          </a:fillRef>
+          <a:effectRef idx="0">
+            <a:schemeClr val="accent1"/>
+          </a:effectRef>
+          <a:fontRef idx="minor">
+            <a:schemeClr val="lt1"/>
+          </a:fontRef>
+        </p:style>
+        <p:txBody>
+          <a:bodyPr rtlCol="0" anchor="ctr"/>
+          <a:lstStyle/>
+          <a:p>
+            <a:pPr algn="ctr"/>
+            <a:endParaRPr lang="en-US"/>
+          </a:p>
+        </p:txBody>
+      </p:sp>
+      <p:sp>
+        <p:nvSpPr>
+          <p:cNvPr id="33" name="Rectangle 32">
+            <a:extLst>
+              <a:ext uri="{FF2B5EF4-FFF2-40B4-BE49-F238E27FC236}">
+                <a16:creationId xmlns:a16="http://schemas.microsoft.com/office/drawing/2014/main" id="{40AA575C-D2C1-1D72-9B3D-27C4603F0A70}"/>
+              </a:ext>
+            </a:extLst>
+          </p:cNvPr>
+          <p:cNvSpPr/>
+          <p:nvPr/>
+        </p:nvSpPr>
+        <p:spPr>
+          <a:xfrm>
+            <a:off x="4901045" y="2063013"/>
+            <a:ext cx="180109" cy="187036"/>
+          </a:xfrm>
+          <a:prstGeom prst="rect">
+            <a:avLst/>
+          </a:prstGeom>
+        </p:spPr>
+        <p:style>
+          <a:lnRef idx="2">
+            <a:schemeClr val="accent1">
+              <a:shade val="50000"/>
+            </a:schemeClr>
+          </a:lnRef>
+          <a:fillRef idx="1">
+            <a:schemeClr val="accent1"/>
+          </a:fillRef>
+          <a:effectRef idx="0">
+            <a:schemeClr val="accent1"/>
+          </a:effectRef>
+          <a:fontRef idx="minor">
+            <a:schemeClr val="lt1"/>
+          </a:fontRef>
+        </p:style>
+        <p:txBody>
+          <a:bodyPr rtlCol="0" anchor="ctr"/>
+          <a:lstStyle/>
+          <a:p>
+            <a:pPr algn="ctr"/>
+            <a:endParaRPr lang="en-US"/>
+          </a:p>
+        </p:txBody>
+      </p:sp>
+      <p:sp>
+        <p:nvSpPr>
+          <p:cNvPr id="34" name="Rectangle 33">
+            <a:extLst>
+              <a:ext uri="{FF2B5EF4-FFF2-40B4-BE49-F238E27FC236}">
+                <a16:creationId xmlns:a16="http://schemas.microsoft.com/office/drawing/2014/main" id="{133FAA99-A444-F78B-3631-73FC3DDEB823}"/>
+              </a:ext>
+            </a:extLst>
+          </p:cNvPr>
+          <p:cNvSpPr/>
+          <p:nvPr/>
+        </p:nvSpPr>
+        <p:spPr>
+          <a:xfrm>
+            <a:off x="5915891" y="1934696"/>
+            <a:ext cx="180109" cy="187036"/>
+          </a:xfrm>
+          <a:prstGeom prst="rect">
+            <a:avLst/>
+          </a:prstGeom>
+        </p:spPr>
+        <p:style>
+          <a:lnRef idx="2">
+            <a:schemeClr val="accent1">
+              <a:shade val="50000"/>
+            </a:schemeClr>
+          </a:lnRef>
+          <a:fillRef idx="1">
+            <a:schemeClr val="accent1"/>
+          </a:fillRef>
+          <a:effectRef idx="0">
+            <a:schemeClr val="accent1"/>
+          </a:effectRef>
+          <a:fontRef idx="minor">
+            <a:schemeClr val="lt1"/>
+          </a:fontRef>
+        </p:style>
+        <p:txBody>
+          <a:bodyPr rtlCol="0" anchor="ctr"/>
+          <a:lstStyle/>
+          <a:p>
+            <a:pPr algn="ctr"/>
+            <a:endParaRPr lang="en-US"/>
+          </a:p>
+        </p:txBody>
+      </p:sp>
+      <p:sp>
+        <p:nvSpPr>
+          <p:cNvPr id="38" name="Rectangle 37">
+            <a:extLst>
+              <a:ext uri="{FF2B5EF4-FFF2-40B4-BE49-F238E27FC236}">
+                <a16:creationId xmlns:a16="http://schemas.microsoft.com/office/drawing/2014/main" id="{CF9EF42B-A550-109B-6189-4AA50991E4E7}"/>
+              </a:ext>
+            </a:extLst>
+          </p:cNvPr>
+          <p:cNvSpPr/>
+          <p:nvPr/>
+        </p:nvSpPr>
+        <p:spPr>
+          <a:xfrm>
+            <a:off x="7765473" y="1558636"/>
+            <a:ext cx="1530927" cy="1541319"/>
+          </a:xfrm>
+          <a:prstGeom prst="rect">
+            <a:avLst/>
+          </a:prstGeom>
+          <a:noFill/>
+          <a:ln>
+            <a:solidFill>
+              <a:schemeClr val="tx1"/>
+            </a:solidFill>
+          </a:ln>
+        </p:spPr>
+        <p:style>
+          <a:lnRef idx="2">
+            <a:schemeClr val="accent1">
+              <a:shade val="50000"/>
+            </a:schemeClr>
+          </a:lnRef>
+          <a:fillRef idx="1">
+            <a:schemeClr val="accent1"/>
+          </a:fillRef>
+          <a:effectRef idx="0">
+            <a:schemeClr val="accent1"/>
+          </a:effectRef>
+          <a:fontRef idx="minor">
+            <a:schemeClr val="lt1"/>
+          </a:fontRef>
+        </p:style>
+        <p:txBody>
+          <a:bodyPr rtlCol="0" anchor="ctr"/>
+          <a:lstStyle/>
+          <a:p>
+            <a:pPr algn="ctr"/>
+            <a:endParaRPr lang="en-US" dirty="0"/>
+          </a:p>
+        </p:txBody>
+      </p:sp>
+      <p:cxnSp>
+        <p:nvCxnSpPr>
+          <p:cNvPr id="40" name="Straight Connector 39">
+            <a:extLst>
+              <a:ext uri="{FF2B5EF4-FFF2-40B4-BE49-F238E27FC236}">
+                <a16:creationId xmlns:a16="http://schemas.microsoft.com/office/drawing/2014/main" id="{0718B37D-4916-CC07-DF59-67794C935202}"/>
+              </a:ext>
+            </a:extLst>
+          </p:cNvPr>
+          <p:cNvCxnSpPr>
+            <a:cxnSpLocks/>
+          </p:cNvCxnSpPr>
+          <p:nvPr/>
+        </p:nvCxnSpPr>
+        <p:spPr>
+          <a:xfrm>
+            <a:off x="3880296" y="1408514"/>
+            <a:ext cx="2561215" cy="2934886"/>
+          </a:xfrm>
+          <a:prstGeom prst="line">
+            <a:avLst/>
+          </a:prstGeom>
+          <a:ln w="22225">
+            <a:solidFill>
+              <a:srgbClr val="7030A0"/>
+            </a:solidFill>
+          </a:ln>
+        </p:spPr>
+        <p:style>
+          <a:lnRef idx="1">
+            <a:schemeClr val="accent1"/>
+          </a:lnRef>
+          <a:fillRef idx="0">
+            <a:schemeClr val="accent1"/>
+          </a:fillRef>
+          <a:effectRef idx="0">
+            <a:schemeClr val="accent1"/>
+          </a:effectRef>
+          <a:fontRef idx="minor">
+            <a:schemeClr val="tx1"/>
+          </a:fontRef>
+        </p:style>
+      </p:cxnSp>
+      <mc:AlternateContent xmlns:mc="http://schemas.openxmlformats.org/markup-compatibility/2006">
+        <mc:Choice xmlns:a14="http://schemas.microsoft.com/office/drawing/2010/main" Requires="a14">
+          <p:sp>
+            <p:nvSpPr>
+              <p:cNvPr id="47" name="TextBox 46">
+                <a:extLst>
+                  <a:ext uri="{FF2B5EF4-FFF2-40B4-BE49-F238E27FC236}">
+                    <a16:creationId xmlns:a16="http://schemas.microsoft.com/office/drawing/2014/main" id="{1E76F1C0-4CEB-1782-3073-FE8EFCF3A353}"/>
+                  </a:ext>
+                </a:extLst>
+              </p:cNvPr>
+              <p:cNvSpPr txBox="1"/>
+              <p:nvPr/>
+            </p:nvSpPr>
+            <p:spPr>
+              <a:xfrm>
+                <a:off x="3184967" y="883638"/>
+                <a:ext cx="1716432" cy="369332"/>
+              </a:xfrm>
+              <a:prstGeom prst="rect">
+                <a:avLst/>
+              </a:prstGeom>
+              <a:noFill/>
+            </p:spPr>
+            <p:txBody>
+              <a:bodyPr wrap="none" rtlCol="0">
+                <a:spAutoFit/>
+              </a:bodyPr>
+              <a:lstStyle/>
+              <a:p>
+                <a:r>
+                  <a:rPr lang="en-US" dirty="0">
+                    <a:latin typeface="Arial" panose="020B0604020202020204" pitchFamily="34" charset="0"/>
+                    <a:cs typeface="Arial" panose="020B0604020202020204" pitchFamily="34" charset="0"/>
+                  </a:rPr>
+                  <a:t>Hyperplane </a:t>
+                </a:r>
+                <a14:m>
+                  <m:oMath xmlns:m="http://schemas.openxmlformats.org/officeDocument/2006/math">
+                    <m:r>
+                      <a:rPr lang="en-US" b="0" i="1" smtClean="0">
+                        <a:latin typeface="Cambria Math" panose="02040503050406030204" pitchFamily="18" charset="0"/>
+                        <a:cs typeface="Arial" panose="020B0604020202020204" pitchFamily="34" charset="0"/>
+                      </a:rPr>
+                      <m:t>±</m:t>
+                    </m:r>
+                    <m:r>
+                      <a:rPr lang="en-US" b="0" i="1" smtClean="0">
+                        <a:latin typeface="Cambria Math" panose="02040503050406030204" pitchFamily="18" charset="0"/>
+                        <a:cs typeface="Arial" panose="020B0604020202020204" pitchFamily="34" charset="0"/>
+                      </a:rPr>
+                      <m:t>𝜖</m:t>
+                    </m:r>
+                  </m:oMath>
+                </a14:m>
+                <a:endParaRPr lang="en-US" dirty="0">
+                  <a:latin typeface="Arial" panose="020B0604020202020204" pitchFamily="34" charset="0"/>
+                  <a:cs typeface="Arial" panose="020B0604020202020204" pitchFamily="34" charset="0"/>
+                </a:endParaRPr>
+              </a:p>
+            </p:txBody>
+          </p:sp>
+        </mc:Choice>
+        <mc:Fallback>
+          <p:sp>
+            <p:nvSpPr>
+              <p:cNvPr id="47" name="TextBox 46">
+                <a:extLst>
+                  <a:ext uri="{FF2B5EF4-FFF2-40B4-BE49-F238E27FC236}">
+                    <a16:creationId xmlns:a16="http://schemas.microsoft.com/office/drawing/2014/main" id="{1E76F1C0-4CEB-1782-3073-FE8EFCF3A353}"/>
+                  </a:ext>
+                </a:extLst>
+              </p:cNvPr>
+              <p:cNvSpPr txBox="1">
+                <a:spLocks noRot="1" noChangeAspect="1" noMove="1" noResize="1" noEditPoints="1" noAdjustHandles="1" noChangeArrowheads="1" noChangeShapeType="1" noTextEdit="1"/>
+              </p:cNvSpPr>
+              <p:nvPr/>
+            </p:nvSpPr>
+            <p:spPr>
+              <a:xfrm>
+                <a:off x="3184967" y="883638"/>
+                <a:ext cx="1716432" cy="369332"/>
+              </a:xfrm>
+              <a:prstGeom prst="rect">
+                <a:avLst/>
+              </a:prstGeom>
+              <a:blipFill>
+                <a:blip r:embed="rId5"/>
+                <a:stretch>
+                  <a:fillRect l="-2941" t="-6667" b="-26667"/>
+                </a:stretch>
+              </a:blipFill>
+            </p:spPr>
+            <p:txBody>
+              <a:bodyPr/>
+              <a:lstStyle/>
+              <a:p>
+                <a:r>
+                  <a:rPr lang="en-US">
+                    <a:noFill/>
+                  </a:rPr>
+                  <a:t> </a:t>
+                </a:r>
+              </a:p>
+            </p:txBody>
+          </p:sp>
+        </mc:Fallback>
+      </mc:AlternateContent>
+      <p:cxnSp>
+        <p:nvCxnSpPr>
+          <p:cNvPr id="48" name="Straight Connector 47">
+            <a:extLst>
+              <a:ext uri="{FF2B5EF4-FFF2-40B4-BE49-F238E27FC236}">
+                <a16:creationId xmlns:a16="http://schemas.microsoft.com/office/drawing/2014/main" id="{222F300D-40E9-4844-D0D1-062FDF9190EB}"/>
+              </a:ext>
+            </a:extLst>
+          </p:cNvPr>
+          <p:cNvCxnSpPr>
+            <a:cxnSpLocks/>
+          </p:cNvCxnSpPr>
+          <p:nvPr/>
+        </p:nvCxnSpPr>
+        <p:spPr>
+          <a:xfrm>
+            <a:off x="4057410" y="1363202"/>
+            <a:ext cx="2561215" cy="2934886"/>
+          </a:xfrm>
+          <a:prstGeom prst="line">
+            <a:avLst/>
+          </a:prstGeom>
+          <a:ln w="15875">
+            <a:solidFill>
+              <a:srgbClr val="7030A0"/>
+            </a:solidFill>
+            <a:prstDash val="lgDash"/>
+          </a:ln>
+        </p:spPr>
+        <p:style>
+          <a:lnRef idx="1">
+            <a:schemeClr val="accent1"/>
+          </a:lnRef>
+          <a:fillRef idx="0">
+            <a:schemeClr val="accent1"/>
+          </a:fillRef>
+          <a:effectRef idx="0">
+            <a:schemeClr val="accent1"/>
+          </a:effectRef>
+          <a:fontRef idx="minor">
+            <a:schemeClr val="tx1"/>
+          </a:fontRef>
+        </p:style>
+      </p:cxnSp>
+      <p:cxnSp>
+        <p:nvCxnSpPr>
+          <p:cNvPr id="49" name="Straight Connector 48">
+            <a:extLst>
+              <a:ext uri="{FF2B5EF4-FFF2-40B4-BE49-F238E27FC236}">
+                <a16:creationId xmlns:a16="http://schemas.microsoft.com/office/drawing/2014/main" id="{889EFAC0-ADE4-774D-31E2-D9FB0EFF6E90}"/>
+              </a:ext>
+            </a:extLst>
+          </p:cNvPr>
+          <p:cNvCxnSpPr>
+            <a:cxnSpLocks/>
+          </p:cNvCxnSpPr>
+          <p:nvPr/>
+        </p:nvCxnSpPr>
+        <p:spPr>
+          <a:xfrm>
+            <a:off x="3666106" y="1392032"/>
+            <a:ext cx="2561215" cy="2934886"/>
+          </a:xfrm>
+          <a:prstGeom prst="line">
+            <a:avLst/>
+          </a:prstGeom>
+          <a:ln w="15875">
+            <a:solidFill>
+              <a:srgbClr val="7030A0"/>
+            </a:solidFill>
+            <a:prstDash val="lgDash"/>
+          </a:ln>
+        </p:spPr>
+        <p:style>
+          <a:lnRef idx="1">
+            <a:schemeClr val="accent1"/>
+          </a:lnRef>
+          <a:fillRef idx="0">
+            <a:schemeClr val="accent1"/>
+          </a:fillRef>
+          <a:effectRef idx="0">
+            <a:schemeClr val="accent1"/>
+          </a:effectRef>
+          <a:fontRef idx="minor">
+            <a:schemeClr val="tx1"/>
+          </a:fontRef>
+        </p:style>
+      </p:cxnSp>
+    </p:spTree>
+    <p:extLst>
+      <p:ext uri="{BB962C8B-B14F-4D97-AF65-F5344CB8AC3E}">
+        <p14:creationId xmlns:p14="http://schemas.microsoft.com/office/powerpoint/2010/main" val="3765738338"/>
+      </p:ext>
+    </p:extLst>
+  </p:cSld>
+  <p:clrMapOvr>
+    <a:masterClrMapping/>
+  </p:clrMapOvr>
+</p:sld>
+</file>
+
+<file path=ppt/slides/slide29.xml><?xml version="1.0" encoding="utf-8"?>
+<p:sld xmlns:a="http://schemas.openxmlformats.org/drawingml/2006/main" xmlns:r="http://schemas.openxmlformats.org/officeDocument/2006/relationships" xmlns:p="http://schemas.openxmlformats.org/presentationml/2006/main">
+  <p:cSld>
+    <p:spTree>
+      <p:nvGrpSpPr>
+        <p:cNvPr id="1" name=""/>
+        <p:cNvGrpSpPr/>
+        <p:nvPr/>
+      </p:nvGrpSpPr>
+      <p:grpSpPr>
+        <a:xfrm>
+          <a:off x="0" y="0"/>
+          <a:ext cx="0" cy="0"/>
+          <a:chOff x="0" y="0"/>
+          <a:chExt cx="0" cy="0"/>
+        </a:xfrm>
+      </p:grpSpPr>
+      <p:grpSp>
+        <p:nvGrpSpPr>
+          <p:cNvPr id="104" name="Group 103">
+            <a:extLst>
+              <a:ext uri="{FF2B5EF4-FFF2-40B4-BE49-F238E27FC236}">
+                <a16:creationId xmlns:a16="http://schemas.microsoft.com/office/drawing/2014/main" id="{EF78D4DA-BF74-0098-C341-E65391428840}"/>
+              </a:ext>
+            </a:extLst>
+          </p:cNvPr>
+          <p:cNvGrpSpPr/>
+          <p:nvPr/>
+        </p:nvGrpSpPr>
+        <p:grpSpPr>
+          <a:xfrm>
+            <a:off x="7491662" y="1367419"/>
+            <a:ext cx="3459892" cy="2020446"/>
+            <a:chOff x="6635578" y="1093455"/>
+            <a:chExt cx="3459892" cy="2020446"/>
+          </a:xfrm>
+        </p:grpSpPr>
+        <p:sp>
+          <p:nvSpPr>
+            <p:cNvPr id="105" name="Rectangle 104">
+              <a:extLst>
+                <a:ext uri="{FF2B5EF4-FFF2-40B4-BE49-F238E27FC236}">
+                  <a16:creationId xmlns:a16="http://schemas.microsoft.com/office/drawing/2014/main" id="{76A7A3B4-7BAA-9732-4287-B192EA4B95CF}"/>
+                </a:ext>
+              </a:extLst>
+            </p:cNvPr>
+            <p:cNvSpPr/>
+            <p:nvPr/>
+          </p:nvSpPr>
+          <p:spPr>
+            <a:xfrm>
+              <a:off x="6635578" y="1093455"/>
+              <a:ext cx="3459892" cy="2020446"/>
+            </a:xfrm>
+            <a:prstGeom prst="rect">
+              <a:avLst/>
+            </a:prstGeom>
+            <a:solidFill>
+              <a:schemeClr val="bg1"/>
+            </a:solidFill>
+            <a:ln w="31750">
+              <a:solidFill>
+                <a:schemeClr val="accent1">
+                  <a:shade val="50000"/>
+                  <a:alpha val="22531"/>
+                </a:schemeClr>
+              </a:solidFill>
+            </a:ln>
+          </p:spPr>
+          <p:style>
+            <a:lnRef idx="2">
+              <a:schemeClr val="accent1">
+                <a:shade val="50000"/>
+              </a:schemeClr>
+            </a:lnRef>
+            <a:fillRef idx="1">
+              <a:schemeClr val="accent1"/>
+            </a:fillRef>
+            <a:effectRef idx="0">
+              <a:schemeClr val="accent1"/>
+            </a:effectRef>
+            <a:fontRef idx="minor">
+              <a:schemeClr val="lt1"/>
+            </a:fontRef>
+          </p:style>
+          <p:txBody>
+            <a:bodyPr rtlCol="0" anchor="ctr"/>
+            <a:lstStyle/>
+            <a:p>
+              <a:pPr algn="ctr"/>
+              <a:endParaRPr lang="en-US"/>
+            </a:p>
+          </p:txBody>
+        </p:sp>
+        <p:sp>
+          <p:nvSpPr>
+            <p:cNvPr id="106" name="Oval 105">
+              <a:extLst>
+                <a:ext uri="{FF2B5EF4-FFF2-40B4-BE49-F238E27FC236}">
+                  <a16:creationId xmlns:a16="http://schemas.microsoft.com/office/drawing/2014/main" id="{4A4BFAAA-C346-8512-AFAD-DC35BFD46CEE}"/>
+                </a:ext>
+              </a:extLst>
+            </p:cNvPr>
+            <p:cNvSpPr/>
+            <p:nvPr/>
+          </p:nvSpPr>
+          <p:spPr>
+            <a:xfrm>
+              <a:off x="8081319" y="1118169"/>
+              <a:ext cx="494270" cy="461665"/>
+            </a:xfrm>
+            <a:prstGeom prst="ellipse">
+              <a:avLst/>
+            </a:prstGeom>
+            <a:solidFill>
+              <a:schemeClr val="accent1">
+                <a:lumMod val="20000"/>
+                <a:lumOff val="80000"/>
+              </a:schemeClr>
+            </a:solidFill>
+            <a:ln>
+              <a:solidFill>
+                <a:schemeClr val="accent1">
+                  <a:shade val="50000"/>
+                  <a:alpha val="22531"/>
+                </a:schemeClr>
+              </a:solidFill>
+            </a:ln>
+          </p:spPr>
+          <p:style>
+            <a:lnRef idx="2">
+              <a:schemeClr val="accent1">
+                <a:shade val="50000"/>
+              </a:schemeClr>
+            </a:lnRef>
+            <a:fillRef idx="1">
+              <a:schemeClr val="accent1"/>
+            </a:fillRef>
+            <a:effectRef idx="0">
+              <a:schemeClr val="accent1"/>
+            </a:effectRef>
+            <a:fontRef idx="minor">
+              <a:schemeClr val="lt1"/>
+            </a:fontRef>
+          </p:style>
+          <p:txBody>
+            <a:bodyPr rtlCol="0" anchor="ctr"/>
+            <a:lstStyle/>
+            <a:p>
+              <a:pPr algn="ctr"/>
+              <a:endParaRPr lang="en-US"/>
+            </a:p>
+          </p:txBody>
+        </p:sp>
+        <p:sp>
+          <p:nvSpPr>
+            <p:cNvPr id="107" name="Oval 106">
+              <a:extLst>
+                <a:ext uri="{FF2B5EF4-FFF2-40B4-BE49-F238E27FC236}">
+                  <a16:creationId xmlns:a16="http://schemas.microsoft.com/office/drawing/2014/main" id="{4081E25A-C53B-2408-5FBA-C11CE3F893ED}"/>
+                </a:ext>
+              </a:extLst>
+            </p:cNvPr>
+            <p:cNvSpPr/>
+            <p:nvPr/>
+          </p:nvSpPr>
+          <p:spPr>
+            <a:xfrm>
+              <a:off x="7306962" y="1888405"/>
+              <a:ext cx="494270" cy="461665"/>
+            </a:xfrm>
+            <a:prstGeom prst="ellipse">
+              <a:avLst/>
+            </a:prstGeom>
+            <a:solidFill>
+              <a:schemeClr val="accent1">
+                <a:lumMod val="20000"/>
+                <a:lumOff val="80000"/>
+              </a:schemeClr>
+            </a:solidFill>
+            <a:ln>
+              <a:solidFill>
+                <a:schemeClr val="accent1">
+                  <a:shade val="50000"/>
+                  <a:alpha val="22531"/>
+                </a:schemeClr>
+              </a:solidFill>
+            </a:ln>
+          </p:spPr>
+          <p:style>
+            <a:lnRef idx="2">
+              <a:schemeClr val="accent1">
+                <a:shade val="50000"/>
+              </a:schemeClr>
+            </a:lnRef>
+            <a:fillRef idx="1">
+              <a:schemeClr val="accent1"/>
+            </a:fillRef>
+            <a:effectRef idx="0">
+              <a:schemeClr val="accent1"/>
+            </a:effectRef>
+            <a:fontRef idx="minor">
+              <a:schemeClr val="lt1"/>
+            </a:fontRef>
+          </p:style>
+          <p:txBody>
+            <a:bodyPr rtlCol="0" anchor="ctr"/>
+            <a:lstStyle/>
+            <a:p>
+              <a:pPr algn="ctr"/>
+              <a:endParaRPr lang="en-US"/>
+            </a:p>
+          </p:txBody>
+        </p:sp>
+        <p:sp>
+          <p:nvSpPr>
+            <p:cNvPr id="108" name="Oval 107">
+              <a:extLst>
+                <a:ext uri="{FF2B5EF4-FFF2-40B4-BE49-F238E27FC236}">
+                  <a16:creationId xmlns:a16="http://schemas.microsoft.com/office/drawing/2014/main" id="{46565049-682D-8653-C87E-B82082860379}"/>
+                </a:ext>
+              </a:extLst>
+            </p:cNvPr>
+            <p:cNvSpPr/>
+            <p:nvPr/>
+          </p:nvSpPr>
+          <p:spPr>
+            <a:xfrm>
+              <a:off x="8868375" y="1888405"/>
+              <a:ext cx="494270" cy="461665"/>
+            </a:xfrm>
+            <a:prstGeom prst="ellipse">
+              <a:avLst/>
+            </a:prstGeom>
+            <a:solidFill>
+              <a:schemeClr val="accent1">
+                <a:lumMod val="20000"/>
+                <a:lumOff val="80000"/>
+              </a:schemeClr>
+            </a:solidFill>
+            <a:ln>
+              <a:solidFill>
+                <a:schemeClr val="accent1">
+                  <a:shade val="50000"/>
+                  <a:alpha val="22531"/>
+                </a:schemeClr>
+              </a:solidFill>
+            </a:ln>
+          </p:spPr>
+          <p:style>
+            <a:lnRef idx="2">
+              <a:schemeClr val="accent1">
+                <a:shade val="50000"/>
+              </a:schemeClr>
+            </a:lnRef>
+            <a:fillRef idx="1">
+              <a:schemeClr val="accent1"/>
+            </a:fillRef>
+            <a:effectRef idx="0">
+              <a:schemeClr val="accent1"/>
+            </a:effectRef>
+            <a:fontRef idx="minor">
+              <a:schemeClr val="lt1"/>
+            </a:fontRef>
+          </p:style>
+          <p:txBody>
+            <a:bodyPr rtlCol="0" anchor="ctr"/>
+            <a:lstStyle/>
+            <a:p>
+              <a:pPr algn="ctr"/>
+              <a:endParaRPr lang="en-US"/>
+            </a:p>
+          </p:txBody>
+        </p:sp>
+        <p:sp>
+          <p:nvSpPr>
+            <p:cNvPr id="109" name="Oval 108">
+              <a:extLst>
+                <a:ext uri="{FF2B5EF4-FFF2-40B4-BE49-F238E27FC236}">
+                  <a16:creationId xmlns:a16="http://schemas.microsoft.com/office/drawing/2014/main" id="{911AADD9-F62B-EF7D-1DD2-7076F97E77BF}"/>
+                </a:ext>
+              </a:extLst>
+            </p:cNvPr>
+            <p:cNvSpPr/>
+            <p:nvPr/>
+          </p:nvSpPr>
+          <p:spPr>
+            <a:xfrm>
+              <a:off x="8374105" y="2570434"/>
+              <a:ext cx="494270" cy="461665"/>
+            </a:xfrm>
+            <a:prstGeom prst="ellipse">
+              <a:avLst/>
+            </a:prstGeom>
+            <a:solidFill>
+              <a:schemeClr val="accent1">
+                <a:lumMod val="20000"/>
+                <a:lumOff val="80000"/>
+              </a:schemeClr>
+            </a:solidFill>
+            <a:ln>
+              <a:solidFill>
+                <a:schemeClr val="accent1">
+                  <a:shade val="50000"/>
+                  <a:alpha val="22531"/>
+                </a:schemeClr>
+              </a:solidFill>
+            </a:ln>
+          </p:spPr>
+          <p:style>
+            <a:lnRef idx="2">
+              <a:schemeClr val="accent1">
+                <a:shade val="50000"/>
+              </a:schemeClr>
+            </a:lnRef>
+            <a:fillRef idx="1">
+              <a:schemeClr val="accent1"/>
+            </a:fillRef>
+            <a:effectRef idx="0">
+              <a:schemeClr val="accent1"/>
+            </a:effectRef>
+            <a:fontRef idx="minor">
+              <a:schemeClr val="lt1"/>
+            </a:fontRef>
+          </p:style>
+          <p:txBody>
+            <a:bodyPr rtlCol="0" anchor="ctr"/>
+            <a:lstStyle/>
+            <a:p>
+              <a:pPr algn="ctr"/>
+              <a:endParaRPr lang="en-US"/>
+            </a:p>
+          </p:txBody>
+        </p:sp>
+        <p:sp>
+          <p:nvSpPr>
+            <p:cNvPr id="110" name="Oval 109">
+              <a:extLst>
+                <a:ext uri="{FF2B5EF4-FFF2-40B4-BE49-F238E27FC236}">
+                  <a16:creationId xmlns:a16="http://schemas.microsoft.com/office/drawing/2014/main" id="{0A086794-D92C-5C2A-0C51-F9A451B51EBD}"/>
+                </a:ext>
+              </a:extLst>
+            </p:cNvPr>
+            <p:cNvSpPr/>
+            <p:nvPr/>
+          </p:nvSpPr>
+          <p:spPr>
+            <a:xfrm>
+              <a:off x="9362645" y="2570434"/>
+              <a:ext cx="494270" cy="461665"/>
+            </a:xfrm>
+            <a:prstGeom prst="ellipse">
+              <a:avLst/>
+            </a:prstGeom>
+            <a:solidFill>
+              <a:schemeClr val="accent1">
+                <a:lumMod val="20000"/>
+                <a:lumOff val="80000"/>
+              </a:schemeClr>
+            </a:solidFill>
+            <a:ln>
+              <a:solidFill>
+                <a:schemeClr val="accent1">
+                  <a:shade val="50000"/>
+                  <a:alpha val="22531"/>
+                </a:schemeClr>
+              </a:solidFill>
+            </a:ln>
+          </p:spPr>
+          <p:style>
+            <a:lnRef idx="2">
+              <a:schemeClr val="accent1">
+                <a:shade val="50000"/>
+              </a:schemeClr>
+            </a:lnRef>
+            <a:fillRef idx="1">
+              <a:schemeClr val="accent1"/>
+            </a:fillRef>
+            <a:effectRef idx="0">
+              <a:schemeClr val="accent1"/>
+            </a:effectRef>
+            <a:fontRef idx="minor">
+              <a:schemeClr val="lt1"/>
+            </a:fontRef>
+          </p:style>
+          <p:txBody>
+            <a:bodyPr rtlCol="0" anchor="ctr"/>
+            <a:lstStyle/>
+            <a:p>
+              <a:pPr algn="ctr"/>
+              <a:endParaRPr lang="en-US"/>
+            </a:p>
+          </p:txBody>
+        </p:sp>
+        <p:sp>
+          <p:nvSpPr>
+            <p:cNvPr id="111" name="Oval 110">
+              <a:extLst>
+                <a:ext uri="{FF2B5EF4-FFF2-40B4-BE49-F238E27FC236}">
+                  <a16:creationId xmlns:a16="http://schemas.microsoft.com/office/drawing/2014/main" id="{309AD608-FE98-AAA4-70A6-B665C5F08647}"/>
+                </a:ext>
+              </a:extLst>
+            </p:cNvPr>
+            <p:cNvSpPr/>
+            <p:nvPr/>
+          </p:nvSpPr>
+          <p:spPr>
+            <a:xfrm>
+              <a:off x="7784756" y="2570434"/>
+              <a:ext cx="494270" cy="461665"/>
+            </a:xfrm>
+            <a:prstGeom prst="ellipse">
+              <a:avLst/>
+            </a:prstGeom>
+            <a:solidFill>
+              <a:schemeClr val="accent1">
+                <a:lumMod val="20000"/>
+                <a:lumOff val="80000"/>
+              </a:schemeClr>
+            </a:solidFill>
+            <a:ln>
+              <a:solidFill>
+                <a:schemeClr val="accent1">
+                  <a:shade val="50000"/>
+                  <a:alpha val="22531"/>
+                </a:schemeClr>
+              </a:solidFill>
+            </a:ln>
+          </p:spPr>
+          <p:style>
+            <a:lnRef idx="2">
+              <a:schemeClr val="accent1">
+                <a:shade val="50000"/>
+              </a:schemeClr>
+            </a:lnRef>
+            <a:fillRef idx="1">
+              <a:schemeClr val="accent1"/>
+            </a:fillRef>
+            <a:effectRef idx="0">
+              <a:schemeClr val="accent1"/>
+            </a:effectRef>
+            <a:fontRef idx="minor">
+              <a:schemeClr val="lt1"/>
+            </a:fontRef>
+          </p:style>
+          <p:txBody>
+            <a:bodyPr rtlCol="0" anchor="ctr"/>
+            <a:lstStyle/>
+            <a:p>
+              <a:pPr algn="ctr"/>
+              <a:endParaRPr lang="en-US"/>
+            </a:p>
+          </p:txBody>
+        </p:sp>
+        <p:sp>
+          <p:nvSpPr>
+            <p:cNvPr id="112" name="Oval 111">
+              <a:extLst>
+                <a:ext uri="{FF2B5EF4-FFF2-40B4-BE49-F238E27FC236}">
+                  <a16:creationId xmlns:a16="http://schemas.microsoft.com/office/drawing/2014/main" id="{BC4A312A-0BF0-CB89-15FB-729205575DE3}"/>
+                </a:ext>
+              </a:extLst>
+            </p:cNvPr>
+            <p:cNvSpPr/>
+            <p:nvPr/>
+          </p:nvSpPr>
+          <p:spPr>
+            <a:xfrm>
+              <a:off x="6796216" y="2570434"/>
+              <a:ext cx="494270" cy="461665"/>
+            </a:xfrm>
+            <a:prstGeom prst="ellipse">
+              <a:avLst/>
+            </a:prstGeom>
+            <a:solidFill>
+              <a:schemeClr val="accent1">
+                <a:lumMod val="20000"/>
+                <a:lumOff val="80000"/>
+              </a:schemeClr>
+            </a:solidFill>
+            <a:ln>
+              <a:solidFill>
+                <a:schemeClr val="accent1">
+                  <a:shade val="50000"/>
+                  <a:alpha val="22531"/>
+                </a:schemeClr>
+              </a:solidFill>
+            </a:ln>
+          </p:spPr>
+          <p:style>
+            <a:lnRef idx="2">
+              <a:schemeClr val="accent1">
+                <a:shade val="50000"/>
+              </a:schemeClr>
+            </a:lnRef>
+            <a:fillRef idx="1">
+              <a:schemeClr val="accent1"/>
+            </a:fillRef>
+            <a:effectRef idx="0">
+              <a:schemeClr val="accent1"/>
+            </a:effectRef>
+            <a:fontRef idx="minor">
+              <a:schemeClr val="lt1"/>
+            </a:fontRef>
+          </p:style>
+          <p:txBody>
+            <a:bodyPr rtlCol="0" anchor="ctr"/>
+            <a:lstStyle/>
+            <a:p>
+              <a:pPr algn="ctr"/>
+              <a:endParaRPr lang="en-US"/>
+            </a:p>
+          </p:txBody>
+        </p:sp>
+        <p:cxnSp>
+          <p:nvCxnSpPr>
+            <p:cNvPr id="113" name="Straight Arrow Connector 112">
+              <a:extLst>
+                <a:ext uri="{FF2B5EF4-FFF2-40B4-BE49-F238E27FC236}">
+                  <a16:creationId xmlns:a16="http://schemas.microsoft.com/office/drawing/2014/main" id="{6E856FC1-6BFD-19F0-A10E-F3AAECA75FF6}"/>
+                </a:ext>
+              </a:extLst>
+            </p:cNvPr>
+            <p:cNvCxnSpPr>
+              <a:stCxn id="106" idx="4"/>
+              <a:endCxn id="107" idx="0"/>
+            </p:cNvCxnSpPr>
+            <p:nvPr/>
+          </p:nvCxnSpPr>
+          <p:spPr>
+            <a:xfrm flipH="1">
+              <a:off x="7554097" y="1579834"/>
+              <a:ext cx="774357" cy="308571"/>
+            </a:xfrm>
+            <a:prstGeom prst="straightConnector1">
+              <a:avLst/>
+            </a:prstGeom>
+            <a:ln>
+              <a:solidFill>
+                <a:schemeClr val="accent1">
+                  <a:shade val="50000"/>
+                  <a:alpha val="22531"/>
+                </a:schemeClr>
+              </a:solidFill>
+              <a:tailEnd type="triangle"/>
+            </a:ln>
+          </p:spPr>
+          <p:style>
+            <a:lnRef idx="1">
+              <a:schemeClr val="accent1"/>
+            </a:lnRef>
+            <a:fillRef idx="0">
+              <a:schemeClr val="accent1"/>
+            </a:fillRef>
+            <a:effectRef idx="0">
+              <a:schemeClr val="accent1"/>
+            </a:effectRef>
+            <a:fontRef idx="minor">
+              <a:schemeClr val="tx1"/>
+            </a:fontRef>
+          </p:style>
+        </p:cxnSp>
+        <p:cxnSp>
+          <p:nvCxnSpPr>
+            <p:cNvPr id="114" name="Straight Arrow Connector 113">
+              <a:extLst>
+                <a:ext uri="{FF2B5EF4-FFF2-40B4-BE49-F238E27FC236}">
+                  <a16:creationId xmlns:a16="http://schemas.microsoft.com/office/drawing/2014/main" id="{28094113-A0F7-491F-9176-D91662664A37}"/>
+                </a:ext>
+              </a:extLst>
+            </p:cNvPr>
+            <p:cNvCxnSpPr>
+              <a:cxnSpLocks/>
+              <a:stCxn id="106" idx="4"/>
+              <a:endCxn id="108" idx="0"/>
+            </p:cNvCxnSpPr>
+            <p:nvPr/>
+          </p:nvCxnSpPr>
+          <p:spPr>
+            <a:xfrm>
+              <a:off x="8328454" y="1579834"/>
+              <a:ext cx="787056" cy="308571"/>
+            </a:xfrm>
+            <a:prstGeom prst="straightConnector1">
+              <a:avLst/>
+            </a:prstGeom>
+            <a:ln>
+              <a:solidFill>
+                <a:schemeClr val="accent1">
+                  <a:shade val="50000"/>
+                  <a:alpha val="22531"/>
+                </a:schemeClr>
+              </a:solidFill>
+              <a:tailEnd type="triangle"/>
+            </a:ln>
+          </p:spPr>
+          <p:style>
+            <a:lnRef idx="1">
+              <a:schemeClr val="accent1"/>
+            </a:lnRef>
+            <a:fillRef idx="0">
+              <a:schemeClr val="accent1"/>
+            </a:fillRef>
+            <a:effectRef idx="0">
+              <a:schemeClr val="accent1"/>
+            </a:effectRef>
+            <a:fontRef idx="minor">
+              <a:schemeClr val="tx1"/>
+            </a:fontRef>
+          </p:style>
+        </p:cxnSp>
+        <p:cxnSp>
+          <p:nvCxnSpPr>
+            <p:cNvPr id="115" name="Straight Arrow Connector 114">
+              <a:extLst>
+                <a:ext uri="{FF2B5EF4-FFF2-40B4-BE49-F238E27FC236}">
+                  <a16:creationId xmlns:a16="http://schemas.microsoft.com/office/drawing/2014/main" id="{C8D86051-0C96-9048-D44A-E232EAFF1ECB}"/>
+                </a:ext>
+              </a:extLst>
+            </p:cNvPr>
+            <p:cNvCxnSpPr>
+              <a:cxnSpLocks/>
+              <a:stCxn id="107" idx="4"/>
+              <a:endCxn id="112" idx="0"/>
+            </p:cNvCxnSpPr>
+            <p:nvPr/>
+          </p:nvCxnSpPr>
+          <p:spPr>
+            <a:xfrm flipH="1">
+              <a:off x="7043351" y="2350070"/>
+              <a:ext cx="510746" cy="220364"/>
+            </a:xfrm>
+            <a:prstGeom prst="straightConnector1">
+              <a:avLst/>
+            </a:prstGeom>
+            <a:ln>
+              <a:solidFill>
+                <a:schemeClr val="accent1">
+                  <a:shade val="50000"/>
+                  <a:alpha val="22531"/>
+                </a:schemeClr>
+              </a:solidFill>
+              <a:tailEnd type="triangle"/>
+            </a:ln>
+          </p:spPr>
+          <p:style>
+            <a:lnRef idx="1">
+              <a:schemeClr val="accent1"/>
+            </a:lnRef>
+            <a:fillRef idx="0">
+              <a:schemeClr val="accent1"/>
+            </a:fillRef>
+            <a:effectRef idx="0">
+              <a:schemeClr val="accent1"/>
+            </a:effectRef>
+            <a:fontRef idx="minor">
+              <a:schemeClr val="tx1"/>
+            </a:fontRef>
+          </p:style>
+        </p:cxnSp>
+        <p:cxnSp>
+          <p:nvCxnSpPr>
+            <p:cNvPr id="116" name="Straight Arrow Connector 115">
+              <a:extLst>
+                <a:ext uri="{FF2B5EF4-FFF2-40B4-BE49-F238E27FC236}">
+                  <a16:creationId xmlns:a16="http://schemas.microsoft.com/office/drawing/2014/main" id="{8D10A870-72F1-AFCA-563F-3A0A8B7C293F}"/>
+                </a:ext>
+              </a:extLst>
+            </p:cNvPr>
+            <p:cNvCxnSpPr>
+              <a:cxnSpLocks/>
+              <a:stCxn id="107" idx="4"/>
+              <a:endCxn id="111" idx="0"/>
+            </p:cNvCxnSpPr>
+            <p:nvPr/>
+          </p:nvCxnSpPr>
+          <p:spPr>
+            <a:xfrm>
+              <a:off x="7554097" y="2350070"/>
+              <a:ext cx="477794" cy="220364"/>
+            </a:xfrm>
+            <a:prstGeom prst="straightConnector1">
+              <a:avLst/>
+            </a:prstGeom>
+            <a:ln>
+              <a:solidFill>
+                <a:schemeClr val="accent1">
+                  <a:shade val="50000"/>
+                  <a:alpha val="22531"/>
+                </a:schemeClr>
+              </a:solidFill>
+              <a:tailEnd type="triangle"/>
+            </a:ln>
+          </p:spPr>
+          <p:style>
+            <a:lnRef idx="1">
+              <a:schemeClr val="accent1"/>
+            </a:lnRef>
+            <a:fillRef idx="0">
+              <a:schemeClr val="accent1"/>
+            </a:fillRef>
+            <a:effectRef idx="0">
+              <a:schemeClr val="accent1"/>
+            </a:effectRef>
+            <a:fontRef idx="minor">
+              <a:schemeClr val="tx1"/>
+            </a:fontRef>
+          </p:style>
+        </p:cxnSp>
+        <p:cxnSp>
+          <p:nvCxnSpPr>
+            <p:cNvPr id="117" name="Straight Arrow Connector 116">
+              <a:extLst>
+                <a:ext uri="{FF2B5EF4-FFF2-40B4-BE49-F238E27FC236}">
+                  <a16:creationId xmlns:a16="http://schemas.microsoft.com/office/drawing/2014/main" id="{97E6590B-767A-14D4-FAD5-02B88DD214B7}"/>
+                </a:ext>
+              </a:extLst>
+            </p:cNvPr>
+            <p:cNvCxnSpPr>
+              <a:cxnSpLocks/>
+              <a:stCxn id="108" idx="4"/>
+              <a:endCxn id="109" idx="0"/>
+            </p:cNvCxnSpPr>
+            <p:nvPr/>
+          </p:nvCxnSpPr>
+          <p:spPr>
+            <a:xfrm flipH="1">
+              <a:off x="8621240" y="2350070"/>
+              <a:ext cx="494270" cy="220364"/>
+            </a:xfrm>
+            <a:prstGeom prst="straightConnector1">
+              <a:avLst/>
+            </a:prstGeom>
+            <a:ln>
+              <a:solidFill>
+                <a:schemeClr val="accent1">
+                  <a:shade val="50000"/>
+                  <a:alpha val="22531"/>
+                </a:schemeClr>
+              </a:solidFill>
+              <a:tailEnd type="triangle"/>
+            </a:ln>
+          </p:spPr>
+          <p:style>
+            <a:lnRef idx="1">
+              <a:schemeClr val="accent1"/>
+            </a:lnRef>
+            <a:fillRef idx="0">
+              <a:schemeClr val="accent1"/>
+            </a:fillRef>
+            <a:effectRef idx="0">
+              <a:schemeClr val="accent1"/>
+            </a:effectRef>
+            <a:fontRef idx="minor">
+              <a:schemeClr val="tx1"/>
+            </a:fontRef>
+          </p:style>
+        </p:cxnSp>
+        <p:cxnSp>
+          <p:nvCxnSpPr>
+            <p:cNvPr id="118" name="Straight Arrow Connector 117">
+              <a:extLst>
+                <a:ext uri="{FF2B5EF4-FFF2-40B4-BE49-F238E27FC236}">
+                  <a16:creationId xmlns:a16="http://schemas.microsoft.com/office/drawing/2014/main" id="{6F6A11A9-80D6-D27B-F77B-A88FB1CC4724}"/>
+                </a:ext>
+              </a:extLst>
+            </p:cNvPr>
+            <p:cNvCxnSpPr>
+              <a:cxnSpLocks/>
+              <a:stCxn id="108" idx="4"/>
+              <a:endCxn id="110" idx="0"/>
+            </p:cNvCxnSpPr>
+            <p:nvPr/>
+          </p:nvCxnSpPr>
+          <p:spPr>
+            <a:xfrm>
+              <a:off x="9115510" y="2350070"/>
+              <a:ext cx="494270" cy="220364"/>
+            </a:xfrm>
+            <a:prstGeom prst="straightConnector1">
+              <a:avLst/>
+            </a:prstGeom>
+            <a:ln>
+              <a:solidFill>
+                <a:schemeClr val="accent1">
+                  <a:shade val="50000"/>
+                  <a:alpha val="22531"/>
+                </a:schemeClr>
+              </a:solidFill>
+              <a:tailEnd type="triangle"/>
+            </a:ln>
+          </p:spPr>
+          <p:style>
+            <a:lnRef idx="1">
+              <a:schemeClr val="accent1"/>
+            </a:lnRef>
+            <a:fillRef idx="0">
+              <a:schemeClr val="accent1"/>
+            </a:fillRef>
+            <a:effectRef idx="0">
+              <a:schemeClr val="accent1"/>
+            </a:effectRef>
+            <a:fontRef idx="minor">
+              <a:schemeClr val="tx1"/>
+            </a:fontRef>
+          </p:style>
+        </p:cxnSp>
+      </p:grpSp>
+      <p:grpSp>
+        <p:nvGrpSpPr>
+          <p:cNvPr id="89" name="Group 88">
+            <a:extLst>
+              <a:ext uri="{FF2B5EF4-FFF2-40B4-BE49-F238E27FC236}">
+                <a16:creationId xmlns:a16="http://schemas.microsoft.com/office/drawing/2014/main" id="{61C7E8EB-DF3A-602E-7671-9B59E475B18B}"/>
+              </a:ext>
+            </a:extLst>
+          </p:cNvPr>
+          <p:cNvGrpSpPr/>
+          <p:nvPr/>
+        </p:nvGrpSpPr>
+        <p:grpSpPr>
+          <a:xfrm>
+            <a:off x="7242091" y="1598252"/>
+            <a:ext cx="3459892" cy="2020446"/>
+            <a:chOff x="6635578" y="1093455"/>
+            <a:chExt cx="3459892" cy="2020446"/>
+          </a:xfrm>
+        </p:grpSpPr>
+        <p:sp>
+          <p:nvSpPr>
+            <p:cNvPr id="90" name="Rectangle 89">
+              <a:extLst>
+                <a:ext uri="{FF2B5EF4-FFF2-40B4-BE49-F238E27FC236}">
+                  <a16:creationId xmlns:a16="http://schemas.microsoft.com/office/drawing/2014/main" id="{084416A2-C139-0C5D-0591-5893B3DB46BD}"/>
+                </a:ext>
+              </a:extLst>
+            </p:cNvPr>
+            <p:cNvSpPr/>
+            <p:nvPr/>
+          </p:nvSpPr>
+          <p:spPr>
+            <a:xfrm>
+              <a:off x="6635578" y="1093455"/>
+              <a:ext cx="3459892" cy="2020446"/>
+            </a:xfrm>
+            <a:prstGeom prst="rect">
+              <a:avLst/>
+            </a:prstGeom>
+            <a:solidFill>
+              <a:schemeClr val="bg1"/>
+            </a:solidFill>
+            <a:ln w="31750">
+              <a:solidFill>
+                <a:schemeClr val="accent1">
+                  <a:shade val="50000"/>
+                  <a:alpha val="22531"/>
+                </a:schemeClr>
+              </a:solidFill>
+            </a:ln>
+          </p:spPr>
+          <p:style>
+            <a:lnRef idx="2">
+              <a:schemeClr val="accent1">
+                <a:shade val="50000"/>
+              </a:schemeClr>
+            </a:lnRef>
+            <a:fillRef idx="1">
+              <a:schemeClr val="accent1"/>
+            </a:fillRef>
+            <a:effectRef idx="0">
+              <a:schemeClr val="accent1"/>
+            </a:effectRef>
+            <a:fontRef idx="minor">
+              <a:schemeClr val="lt1"/>
+            </a:fontRef>
+          </p:style>
+          <p:txBody>
+            <a:bodyPr rtlCol="0" anchor="ctr"/>
+            <a:lstStyle/>
+            <a:p>
+              <a:pPr algn="ctr"/>
+              <a:endParaRPr lang="en-US"/>
+            </a:p>
+          </p:txBody>
+        </p:sp>
+        <p:sp>
+          <p:nvSpPr>
+            <p:cNvPr id="91" name="Oval 90">
+              <a:extLst>
+                <a:ext uri="{FF2B5EF4-FFF2-40B4-BE49-F238E27FC236}">
+                  <a16:creationId xmlns:a16="http://schemas.microsoft.com/office/drawing/2014/main" id="{99CCDC4A-C39D-77CE-F0C8-C49B280153FE}"/>
+                </a:ext>
+              </a:extLst>
+            </p:cNvPr>
+            <p:cNvSpPr/>
+            <p:nvPr/>
+          </p:nvSpPr>
+          <p:spPr>
+            <a:xfrm>
+              <a:off x="8081319" y="1118169"/>
+              <a:ext cx="494270" cy="461665"/>
+            </a:xfrm>
+            <a:prstGeom prst="ellipse">
+              <a:avLst/>
+            </a:prstGeom>
+            <a:solidFill>
+              <a:schemeClr val="accent1">
+                <a:lumMod val="20000"/>
+                <a:lumOff val="80000"/>
+              </a:schemeClr>
+            </a:solidFill>
+            <a:ln>
+              <a:solidFill>
+                <a:schemeClr val="accent1">
+                  <a:shade val="50000"/>
+                  <a:alpha val="22531"/>
+                </a:schemeClr>
+              </a:solidFill>
+            </a:ln>
+          </p:spPr>
+          <p:style>
+            <a:lnRef idx="2">
+              <a:schemeClr val="accent1">
+                <a:shade val="50000"/>
+              </a:schemeClr>
+            </a:lnRef>
+            <a:fillRef idx="1">
+              <a:schemeClr val="accent1"/>
+            </a:fillRef>
+            <a:effectRef idx="0">
+              <a:schemeClr val="accent1"/>
+            </a:effectRef>
+            <a:fontRef idx="minor">
+              <a:schemeClr val="lt1"/>
+            </a:fontRef>
+          </p:style>
+          <p:txBody>
+            <a:bodyPr rtlCol="0" anchor="ctr"/>
+            <a:lstStyle/>
+            <a:p>
+              <a:pPr algn="ctr"/>
+              <a:endParaRPr lang="en-US"/>
+            </a:p>
+          </p:txBody>
+        </p:sp>
+        <p:sp>
+          <p:nvSpPr>
+            <p:cNvPr id="92" name="Oval 91">
+              <a:extLst>
+                <a:ext uri="{FF2B5EF4-FFF2-40B4-BE49-F238E27FC236}">
+                  <a16:creationId xmlns:a16="http://schemas.microsoft.com/office/drawing/2014/main" id="{B2347EAF-8E98-1245-DCE2-6E739566F423}"/>
+                </a:ext>
+              </a:extLst>
+            </p:cNvPr>
+            <p:cNvSpPr/>
+            <p:nvPr/>
+          </p:nvSpPr>
+          <p:spPr>
+            <a:xfrm>
+              <a:off x="7306962" y="1888405"/>
+              <a:ext cx="494270" cy="461665"/>
+            </a:xfrm>
+            <a:prstGeom prst="ellipse">
+              <a:avLst/>
+            </a:prstGeom>
+            <a:solidFill>
+              <a:schemeClr val="accent1">
+                <a:lumMod val="20000"/>
+                <a:lumOff val="80000"/>
+              </a:schemeClr>
+            </a:solidFill>
+            <a:ln>
+              <a:solidFill>
+                <a:schemeClr val="accent1">
+                  <a:shade val="50000"/>
+                  <a:alpha val="22531"/>
+                </a:schemeClr>
+              </a:solidFill>
+            </a:ln>
+          </p:spPr>
+          <p:style>
+            <a:lnRef idx="2">
+              <a:schemeClr val="accent1">
+                <a:shade val="50000"/>
+              </a:schemeClr>
+            </a:lnRef>
+            <a:fillRef idx="1">
+              <a:schemeClr val="accent1"/>
+            </a:fillRef>
+            <a:effectRef idx="0">
+              <a:schemeClr val="accent1"/>
+            </a:effectRef>
+            <a:fontRef idx="minor">
+              <a:schemeClr val="lt1"/>
+            </a:fontRef>
+          </p:style>
+          <p:txBody>
+            <a:bodyPr rtlCol="0" anchor="ctr"/>
+            <a:lstStyle/>
+            <a:p>
+              <a:pPr algn="ctr"/>
+              <a:endParaRPr lang="en-US"/>
+            </a:p>
+          </p:txBody>
+        </p:sp>
+        <p:sp>
+          <p:nvSpPr>
+            <p:cNvPr id="93" name="Oval 92">
+              <a:extLst>
+                <a:ext uri="{FF2B5EF4-FFF2-40B4-BE49-F238E27FC236}">
+                  <a16:creationId xmlns:a16="http://schemas.microsoft.com/office/drawing/2014/main" id="{EDEE8FC2-2D62-14F6-4E3E-54601A560B3B}"/>
+                </a:ext>
+              </a:extLst>
+            </p:cNvPr>
+            <p:cNvSpPr/>
+            <p:nvPr/>
+          </p:nvSpPr>
+          <p:spPr>
+            <a:xfrm>
+              <a:off x="8868375" y="1888405"/>
+              <a:ext cx="494270" cy="461665"/>
+            </a:xfrm>
+            <a:prstGeom prst="ellipse">
+              <a:avLst/>
+            </a:prstGeom>
+            <a:solidFill>
+              <a:schemeClr val="accent1">
+                <a:lumMod val="20000"/>
+                <a:lumOff val="80000"/>
+              </a:schemeClr>
+            </a:solidFill>
+            <a:ln>
+              <a:solidFill>
+                <a:schemeClr val="accent1">
+                  <a:shade val="50000"/>
+                  <a:alpha val="22531"/>
+                </a:schemeClr>
+              </a:solidFill>
+            </a:ln>
+          </p:spPr>
+          <p:style>
+            <a:lnRef idx="2">
+              <a:schemeClr val="accent1">
+                <a:shade val="50000"/>
+              </a:schemeClr>
+            </a:lnRef>
+            <a:fillRef idx="1">
+              <a:schemeClr val="accent1"/>
+            </a:fillRef>
+            <a:effectRef idx="0">
+              <a:schemeClr val="accent1"/>
+            </a:effectRef>
+            <a:fontRef idx="minor">
+              <a:schemeClr val="lt1"/>
+            </a:fontRef>
+          </p:style>
+          <p:txBody>
+            <a:bodyPr rtlCol="0" anchor="ctr"/>
+            <a:lstStyle/>
+            <a:p>
+              <a:pPr algn="ctr"/>
+              <a:endParaRPr lang="en-US"/>
+            </a:p>
+          </p:txBody>
+        </p:sp>
+        <p:sp>
+          <p:nvSpPr>
+            <p:cNvPr id="94" name="Oval 93">
+              <a:extLst>
+                <a:ext uri="{FF2B5EF4-FFF2-40B4-BE49-F238E27FC236}">
+                  <a16:creationId xmlns:a16="http://schemas.microsoft.com/office/drawing/2014/main" id="{D43904E7-23E9-FF4C-0314-156E40D44C6A}"/>
+                </a:ext>
+              </a:extLst>
+            </p:cNvPr>
+            <p:cNvSpPr/>
+            <p:nvPr/>
+          </p:nvSpPr>
+          <p:spPr>
+            <a:xfrm>
+              <a:off x="8374105" y="2570434"/>
+              <a:ext cx="494270" cy="461665"/>
+            </a:xfrm>
+            <a:prstGeom prst="ellipse">
+              <a:avLst/>
+            </a:prstGeom>
+            <a:solidFill>
+              <a:schemeClr val="accent1">
+                <a:lumMod val="20000"/>
+                <a:lumOff val="80000"/>
+              </a:schemeClr>
+            </a:solidFill>
+            <a:ln>
+              <a:solidFill>
+                <a:schemeClr val="accent1">
+                  <a:shade val="50000"/>
+                  <a:alpha val="22531"/>
+                </a:schemeClr>
+              </a:solidFill>
+            </a:ln>
+          </p:spPr>
+          <p:style>
+            <a:lnRef idx="2">
+              <a:schemeClr val="accent1">
+                <a:shade val="50000"/>
+              </a:schemeClr>
+            </a:lnRef>
+            <a:fillRef idx="1">
+              <a:schemeClr val="accent1"/>
+            </a:fillRef>
+            <a:effectRef idx="0">
+              <a:schemeClr val="accent1"/>
+            </a:effectRef>
+            <a:fontRef idx="minor">
+              <a:schemeClr val="lt1"/>
+            </a:fontRef>
+          </p:style>
+          <p:txBody>
+            <a:bodyPr rtlCol="0" anchor="ctr"/>
+            <a:lstStyle/>
+            <a:p>
+              <a:pPr algn="ctr"/>
+              <a:endParaRPr lang="en-US"/>
+            </a:p>
+          </p:txBody>
+        </p:sp>
+        <p:sp>
+          <p:nvSpPr>
+            <p:cNvPr id="95" name="Oval 94">
+              <a:extLst>
+                <a:ext uri="{FF2B5EF4-FFF2-40B4-BE49-F238E27FC236}">
+                  <a16:creationId xmlns:a16="http://schemas.microsoft.com/office/drawing/2014/main" id="{5A8E0F81-403D-72BC-9252-089C008F118A}"/>
+                </a:ext>
+              </a:extLst>
+            </p:cNvPr>
+            <p:cNvSpPr/>
+            <p:nvPr/>
+          </p:nvSpPr>
+          <p:spPr>
+            <a:xfrm>
+              <a:off x="9362645" y="2570434"/>
+              <a:ext cx="494270" cy="461665"/>
+            </a:xfrm>
+            <a:prstGeom prst="ellipse">
+              <a:avLst/>
+            </a:prstGeom>
+            <a:solidFill>
+              <a:schemeClr val="accent1">
+                <a:lumMod val="20000"/>
+                <a:lumOff val="80000"/>
+              </a:schemeClr>
+            </a:solidFill>
+            <a:ln>
+              <a:solidFill>
+                <a:schemeClr val="accent1">
+                  <a:shade val="50000"/>
+                  <a:alpha val="22531"/>
+                </a:schemeClr>
+              </a:solidFill>
+            </a:ln>
+          </p:spPr>
+          <p:style>
+            <a:lnRef idx="2">
+              <a:schemeClr val="accent1">
+                <a:shade val="50000"/>
+              </a:schemeClr>
+            </a:lnRef>
+            <a:fillRef idx="1">
+              <a:schemeClr val="accent1"/>
+            </a:fillRef>
+            <a:effectRef idx="0">
+              <a:schemeClr val="accent1"/>
+            </a:effectRef>
+            <a:fontRef idx="minor">
+              <a:schemeClr val="lt1"/>
+            </a:fontRef>
+          </p:style>
+          <p:txBody>
+            <a:bodyPr rtlCol="0" anchor="ctr"/>
+            <a:lstStyle/>
+            <a:p>
+              <a:pPr algn="ctr"/>
+              <a:endParaRPr lang="en-US"/>
+            </a:p>
+          </p:txBody>
+        </p:sp>
+        <p:sp>
+          <p:nvSpPr>
+            <p:cNvPr id="96" name="Oval 95">
+              <a:extLst>
+                <a:ext uri="{FF2B5EF4-FFF2-40B4-BE49-F238E27FC236}">
+                  <a16:creationId xmlns:a16="http://schemas.microsoft.com/office/drawing/2014/main" id="{1EB4E0F3-7BD8-B932-1E6B-4E5B3BA713F6}"/>
+                </a:ext>
+              </a:extLst>
+            </p:cNvPr>
+            <p:cNvSpPr/>
+            <p:nvPr/>
+          </p:nvSpPr>
+          <p:spPr>
+            <a:xfrm>
+              <a:off x="7784756" y="2570434"/>
+              <a:ext cx="494270" cy="461665"/>
+            </a:xfrm>
+            <a:prstGeom prst="ellipse">
+              <a:avLst/>
+            </a:prstGeom>
+            <a:solidFill>
+              <a:schemeClr val="accent1">
+                <a:lumMod val="20000"/>
+                <a:lumOff val="80000"/>
+              </a:schemeClr>
+            </a:solidFill>
+            <a:ln>
+              <a:solidFill>
+                <a:schemeClr val="accent1">
+                  <a:shade val="50000"/>
+                  <a:alpha val="22531"/>
+                </a:schemeClr>
+              </a:solidFill>
+            </a:ln>
+          </p:spPr>
+          <p:style>
+            <a:lnRef idx="2">
+              <a:schemeClr val="accent1">
+                <a:shade val="50000"/>
+              </a:schemeClr>
+            </a:lnRef>
+            <a:fillRef idx="1">
+              <a:schemeClr val="accent1"/>
+            </a:fillRef>
+            <a:effectRef idx="0">
+              <a:schemeClr val="accent1"/>
+            </a:effectRef>
+            <a:fontRef idx="minor">
+              <a:schemeClr val="lt1"/>
+            </a:fontRef>
+          </p:style>
+          <p:txBody>
+            <a:bodyPr rtlCol="0" anchor="ctr"/>
+            <a:lstStyle/>
+            <a:p>
+              <a:pPr algn="ctr"/>
+              <a:endParaRPr lang="en-US"/>
+            </a:p>
+          </p:txBody>
+        </p:sp>
+        <p:sp>
+          <p:nvSpPr>
+            <p:cNvPr id="97" name="Oval 96">
+              <a:extLst>
+                <a:ext uri="{FF2B5EF4-FFF2-40B4-BE49-F238E27FC236}">
+                  <a16:creationId xmlns:a16="http://schemas.microsoft.com/office/drawing/2014/main" id="{6CF53D1A-7331-3542-F411-AFB928062681}"/>
+                </a:ext>
+              </a:extLst>
+            </p:cNvPr>
+            <p:cNvSpPr/>
+            <p:nvPr/>
+          </p:nvSpPr>
+          <p:spPr>
+            <a:xfrm>
+              <a:off x="6796216" y="2570434"/>
+              <a:ext cx="494270" cy="461665"/>
+            </a:xfrm>
+            <a:prstGeom prst="ellipse">
+              <a:avLst/>
+            </a:prstGeom>
+            <a:solidFill>
+              <a:schemeClr val="accent1">
+                <a:lumMod val="20000"/>
+                <a:lumOff val="80000"/>
+              </a:schemeClr>
+            </a:solidFill>
+            <a:ln>
+              <a:solidFill>
+                <a:schemeClr val="accent1">
+                  <a:shade val="50000"/>
+                  <a:alpha val="22531"/>
+                </a:schemeClr>
+              </a:solidFill>
+            </a:ln>
+          </p:spPr>
+          <p:style>
+            <a:lnRef idx="2">
+              <a:schemeClr val="accent1">
+                <a:shade val="50000"/>
+              </a:schemeClr>
+            </a:lnRef>
+            <a:fillRef idx="1">
+              <a:schemeClr val="accent1"/>
+            </a:fillRef>
+            <a:effectRef idx="0">
+              <a:schemeClr val="accent1"/>
+            </a:effectRef>
+            <a:fontRef idx="minor">
+              <a:schemeClr val="lt1"/>
+            </a:fontRef>
+          </p:style>
+          <p:txBody>
+            <a:bodyPr rtlCol="0" anchor="ctr"/>
+            <a:lstStyle/>
+            <a:p>
+              <a:pPr algn="ctr"/>
+              <a:endParaRPr lang="en-US"/>
+            </a:p>
+          </p:txBody>
+        </p:sp>
+        <p:cxnSp>
+          <p:nvCxnSpPr>
+            <p:cNvPr id="98" name="Straight Arrow Connector 97">
+              <a:extLst>
+                <a:ext uri="{FF2B5EF4-FFF2-40B4-BE49-F238E27FC236}">
+                  <a16:creationId xmlns:a16="http://schemas.microsoft.com/office/drawing/2014/main" id="{BCCB5FAF-3717-77BF-9344-213304E94622}"/>
+                </a:ext>
+              </a:extLst>
+            </p:cNvPr>
+            <p:cNvCxnSpPr>
+              <a:stCxn id="91" idx="4"/>
+              <a:endCxn id="92" idx="0"/>
+            </p:cNvCxnSpPr>
+            <p:nvPr/>
+          </p:nvCxnSpPr>
+          <p:spPr>
+            <a:xfrm flipH="1">
+              <a:off x="7554097" y="1579834"/>
+              <a:ext cx="774357" cy="308571"/>
+            </a:xfrm>
+            <a:prstGeom prst="straightConnector1">
+              <a:avLst/>
+            </a:prstGeom>
+            <a:ln>
+              <a:solidFill>
+                <a:schemeClr val="accent1">
+                  <a:shade val="50000"/>
+                  <a:alpha val="22531"/>
+                </a:schemeClr>
+              </a:solidFill>
+              <a:tailEnd type="triangle"/>
+            </a:ln>
+          </p:spPr>
+          <p:style>
+            <a:lnRef idx="1">
+              <a:schemeClr val="accent1"/>
+            </a:lnRef>
+            <a:fillRef idx="0">
+              <a:schemeClr val="accent1"/>
+            </a:fillRef>
+            <a:effectRef idx="0">
+              <a:schemeClr val="accent1"/>
+            </a:effectRef>
+            <a:fontRef idx="minor">
+              <a:schemeClr val="tx1"/>
+            </a:fontRef>
+          </p:style>
+        </p:cxnSp>
+        <p:cxnSp>
+          <p:nvCxnSpPr>
+            <p:cNvPr id="99" name="Straight Arrow Connector 98">
+              <a:extLst>
+                <a:ext uri="{FF2B5EF4-FFF2-40B4-BE49-F238E27FC236}">
+                  <a16:creationId xmlns:a16="http://schemas.microsoft.com/office/drawing/2014/main" id="{B6A2F8D9-97E4-0331-4F4B-3A15264535F2}"/>
+                </a:ext>
+              </a:extLst>
+            </p:cNvPr>
+            <p:cNvCxnSpPr>
+              <a:cxnSpLocks/>
+              <a:stCxn id="91" idx="4"/>
+              <a:endCxn id="93" idx="0"/>
+            </p:cNvCxnSpPr>
+            <p:nvPr/>
+          </p:nvCxnSpPr>
+          <p:spPr>
+            <a:xfrm>
+              <a:off x="8328454" y="1579834"/>
+              <a:ext cx="787056" cy="308571"/>
+            </a:xfrm>
+            <a:prstGeom prst="straightConnector1">
+              <a:avLst/>
+            </a:prstGeom>
+            <a:ln>
+              <a:solidFill>
+                <a:schemeClr val="accent1">
+                  <a:shade val="50000"/>
+                  <a:alpha val="22531"/>
+                </a:schemeClr>
+              </a:solidFill>
+              <a:tailEnd type="triangle"/>
+            </a:ln>
+          </p:spPr>
+          <p:style>
+            <a:lnRef idx="1">
+              <a:schemeClr val="accent1"/>
+            </a:lnRef>
+            <a:fillRef idx="0">
+              <a:schemeClr val="accent1"/>
+            </a:fillRef>
+            <a:effectRef idx="0">
+              <a:schemeClr val="accent1"/>
+            </a:effectRef>
+            <a:fontRef idx="minor">
+              <a:schemeClr val="tx1"/>
+            </a:fontRef>
+          </p:style>
+        </p:cxnSp>
+        <p:cxnSp>
+          <p:nvCxnSpPr>
+            <p:cNvPr id="100" name="Straight Arrow Connector 99">
+              <a:extLst>
+                <a:ext uri="{FF2B5EF4-FFF2-40B4-BE49-F238E27FC236}">
+                  <a16:creationId xmlns:a16="http://schemas.microsoft.com/office/drawing/2014/main" id="{54F8DA4D-0483-A6CB-151A-B90A86095F83}"/>
+                </a:ext>
+              </a:extLst>
+            </p:cNvPr>
+            <p:cNvCxnSpPr>
+              <a:cxnSpLocks/>
+              <a:stCxn id="92" idx="4"/>
+              <a:endCxn id="97" idx="0"/>
+            </p:cNvCxnSpPr>
+            <p:nvPr/>
+          </p:nvCxnSpPr>
+          <p:spPr>
+            <a:xfrm flipH="1">
+              <a:off x="7043351" y="2350070"/>
+              <a:ext cx="510746" cy="220364"/>
+            </a:xfrm>
+            <a:prstGeom prst="straightConnector1">
+              <a:avLst/>
+            </a:prstGeom>
+            <a:ln>
+              <a:solidFill>
+                <a:schemeClr val="accent1">
+                  <a:shade val="50000"/>
+                  <a:alpha val="22531"/>
+                </a:schemeClr>
+              </a:solidFill>
+              <a:tailEnd type="triangle"/>
+            </a:ln>
+          </p:spPr>
+          <p:style>
+            <a:lnRef idx="1">
+              <a:schemeClr val="accent1"/>
+            </a:lnRef>
+            <a:fillRef idx="0">
+              <a:schemeClr val="accent1"/>
+            </a:fillRef>
+            <a:effectRef idx="0">
+              <a:schemeClr val="accent1"/>
+            </a:effectRef>
+            <a:fontRef idx="minor">
+              <a:schemeClr val="tx1"/>
+            </a:fontRef>
+          </p:style>
+        </p:cxnSp>
+        <p:cxnSp>
+          <p:nvCxnSpPr>
+            <p:cNvPr id="101" name="Straight Arrow Connector 100">
+              <a:extLst>
+                <a:ext uri="{FF2B5EF4-FFF2-40B4-BE49-F238E27FC236}">
+                  <a16:creationId xmlns:a16="http://schemas.microsoft.com/office/drawing/2014/main" id="{04333189-C45C-F429-7E11-800344C59286}"/>
+                </a:ext>
+              </a:extLst>
+            </p:cNvPr>
+            <p:cNvCxnSpPr>
+              <a:cxnSpLocks/>
+              <a:stCxn id="92" idx="4"/>
+              <a:endCxn id="96" idx="0"/>
+            </p:cNvCxnSpPr>
+            <p:nvPr/>
+          </p:nvCxnSpPr>
+          <p:spPr>
+            <a:xfrm>
+              <a:off x="7554097" y="2350070"/>
+              <a:ext cx="477794" cy="220364"/>
+            </a:xfrm>
+            <a:prstGeom prst="straightConnector1">
+              <a:avLst/>
+            </a:prstGeom>
+            <a:ln>
+              <a:solidFill>
+                <a:schemeClr val="accent1">
+                  <a:shade val="50000"/>
+                  <a:alpha val="22531"/>
+                </a:schemeClr>
+              </a:solidFill>
+              <a:tailEnd type="triangle"/>
+            </a:ln>
+          </p:spPr>
+          <p:style>
+            <a:lnRef idx="1">
+              <a:schemeClr val="accent1"/>
+            </a:lnRef>
+            <a:fillRef idx="0">
+              <a:schemeClr val="accent1"/>
+            </a:fillRef>
+            <a:effectRef idx="0">
+              <a:schemeClr val="accent1"/>
+            </a:effectRef>
+            <a:fontRef idx="minor">
+              <a:schemeClr val="tx1"/>
+            </a:fontRef>
+          </p:style>
+        </p:cxnSp>
+        <p:cxnSp>
+          <p:nvCxnSpPr>
+            <p:cNvPr id="102" name="Straight Arrow Connector 101">
+              <a:extLst>
+                <a:ext uri="{FF2B5EF4-FFF2-40B4-BE49-F238E27FC236}">
+                  <a16:creationId xmlns:a16="http://schemas.microsoft.com/office/drawing/2014/main" id="{A3458DF4-4691-453F-9D26-B2B1EA805FA0}"/>
+                </a:ext>
+              </a:extLst>
+            </p:cNvPr>
+            <p:cNvCxnSpPr>
+              <a:cxnSpLocks/>
+              <a:stCxn id="93" idx="4"/>
+              <a:endCxn id="94" idx="0"/>
+            </p:cNvCxnSpPr>
+            <p:nvPr/>
+          </p:nvCxnSpPr>
+          <p:spPr>
+            <a:xfrm flipH="1">
+              <a:off x="8621240" y="2350070"/>
+              <a:ext cx="494270" cy="220364"/>
+            </a:xfrm>
+            <a:prstGeom prst="straightConnector1">
+              <a:avLst/>
+            </a:prstGeom>
+            <a:ln>
+              <a:solidFill>
+                <a:schemeClr val="accent1">
+                  <a:shade val="50000"/>
+                  <a:alpha val="22531"/>
+                </a:schemeClr>
+              </a:solidFill>
+              <a:tailEnd type="triangle"/>
+            </a:ln>
+          </p:spPr>
+          <p:style>
+            <a:lnRef idx="1">
+              <a:schemeClr val="accent1"/>
+            </a:lnRef>
+            <a:fillRef idx="0">
+              <a:schemeClr val="accent1"/>
+            </a:fillRef>
+            <a:effectRef idx="0">
+              <a:schemeClr val="accent1"/>
+            </a:effectRef>
+            <a:fontRef idx="minor">
+              <a:schemeClr val="tx1"/>
+            </a:fontRef>
+          </p:style>
+        </p:cxnSp>
+        <p:cxnSp>
+          <p:nvCxnSpPr>
+            <p:cNvPr id="103" name="Straight Arrow Connector 102">
+              <a:extLst>
+                <a:ext uri="{FF2B5EF4-FFF2-40B4-BE49-F238E27FC236}">
+                  <a16:creationId xmlns:a16="http://schemas.microsoft.com/office/drawing/2014/main" id="{E72D150C-FD11-89F3-1F01-3036D2AE2AA3}"/>
+                </a:ext>
+              </a:extLst>
+            </p:cNvPr>
+            <p:cNvCxnSpPr>
+              <a:cxnSpLocks/>
+              <a:stCxn id="93" idx="4"/>
+              <a:endCxn id="95" idx="0"/>
+            </p:cNvCxnSpPr>
+            <p:nvPr/>
+          </p:nvCxnSpPr>
+          <p:spPr>
+            <a:xfrm>
+              <a:off x="9115510" y="2350070"/>
+              <a:ext cx="494270" cy="220364"/>
+            </a:xfrm>
+            <a:prstGeom prst="straightConnector1">
+              <a:avLst/>
+            </a:prstGeom>
+            <a:ln>
+              <a:solidFill>
+                <a:schemeClr val="accent1">
+                  <a:shade val="50000"/>
+                  <a:alpha val="22531"/>
+                </a:schemeClr>
+              </a:solidFill>
+              <a:tailEnd type="triangle"/>
+            </a:ln>
+          </p:spPr>
+          <p:style>
+            <a:lnRef idx="1">
+              <a:schemeClr val="accent1"/>
+            </a:lnRef>
+            <a:fillRef idx="0">
+              <a:schemeClr val="accent1"/>
+            </a:fillRef>
+            <a:effectRef idx="0">
+              <a:schemeClr val="accent1"/>
+            </a:effectRef>
+            <a:fontRef idx="minor">
+              <a:schemeClr val="tx1"/>
+            </a:fontRef>
+          </p:style>
+        </p:cxnSp>
+      </p:grpSp>
+      <p:grpSp>
+        <p:nvGrpSpPr>
+          <p:cNvPr id="59" name="Group 58">
+            <a:extLst>
+              <a:ext uri="{FF2B5EF4-FFF2-40B4-BE49-F238E27FC236}">
+                <a16:creationId xmlns:a16="http://schemas.microsoft.com/office/drawing/2014/main" id="{FD92517A-FDA7-5139-AE2C-740E2CA1E670}"/>
+              </a:ext>
+            </a:extLst>
+          </p:cNvPr>
+          <p:cNvGrpSpPr/>
+          <p:nvPr/>
+        </p:nvGrpSpPr>
+        <p:grpSpPr>
+          <a:xfrm>
+            <a:off x="6988811" y="1839491"/>
+            <a:ext cx="3459892" cy="2020446"/>
+            <a:chOff x="6635578" y="1093455"/>
+            <a:chExt cx="3459892" cy="2020446"/>
+          </a:xfrm>
+        </p:grpSpPr>
+        <p:sp>
+          <p:nvSpPr>
+            <p:cNvPr id="60" name="Rectangle 59">
+              <a:extLst>
+                <a:ext uri="{FF2B5EF4-FFF2-40B4-BE49-F238E27FC236}">
+                  <a16:creationId xmlns:a16="http://schemas.microsoft.com/office/drawing/2014/main" id="{6E4D056F-FF18-107A-AB97-21B7D62BE29C}"/>
+                </a:ext>
+              </a:extLst>
+            </p:cNvPr>
+            <p:cNvSpPr/>
+            <p:nvPr/>
+          </p:nvSpPr>
+          <p:spPr>
+            <a:xfrm>
+              <a:off x="6635578" y="1093455"/>
+              <a:ext cx="3459892" cy="2020446"/>
+            </a:xfrm>
+            <a:prstGeom prst="rect">
+              <a:avLst/>
+            </a:prstGeom>
+            <a:solidFill>
+              <a:schemeClr val="bg1"/>
+            </a:solidFill>
+            <a:ln w="31750">
+              <a:solidFill>
+                <a:schemeClr val="accent1">
+                  <a:shade val="50000"/>
+                  <a:alpha val="22531"/>
+                </a:schemeClr>
+              </a:solidFill>
+            </a:ln>
+          </p:spPr>
+          <p:style>
+            <a:lnRef idx="2">
+              <a:schemeClr val="accent1">
+                <a:shade val="50000"/>
+              </a:schemeClr>
+            </a:lnRef>
+            <a:fillRef idx="1">
+              <a:schemeClr val="accent1"/>
+            </a:fillRef>
+            <a:effectRef idx="0">
+              <a:schemeClr val="accent1"/>
+            </a:effectRef>
+            <a:fontRef idx="minor">
+              <a:schemeClr val="lt1"/>
+            </a:fontRef>
+          </p:style>
+          <p:txBody>
+            <a:bodyPr rtlCol="0" anchor="ctr"/>
+            <a:lstStyle/>
+            <a:p>
+              <a:pPr algn="ctr"/>
+              <a:endParaRPr lang="en-US"/>
+            </a:p>
+          </p:txBody>
+        </p:sp>
+        <p:sp>
+          <p:nvSpPr>
+            <p:cNvPr id="61" name="Oval 60">
+              <a:extLst>
+                <a:ext uri="{FF2B5EF4-FFF2-40B4-BE49-F238E27FC236}">
+                  <a16:creationId xmlns:a16="http://schemas.microsoft.com/office/drawing/2014/main" id="{B54C3D80-7E87-1AA7-B509-3D96F96EB4F6}"/>
+                </a:ext>
+              </a:extLst>
+            </p:cNvPr>
+            <p:cNvSpPr/>
+            <p:nvPr/>
+          </p:nvSpPr>
+          <p:spPr>
+            <a:xfrm>
+              <a:off x="8081319" y="1118169"/>
+              <a:ext cx="494270" cy="461665"/>
+            </a:xfrm>
+            <a:prstGeom prst="ellipse">
+              <a:avLst/>
+            </a:prstGeom>
+            <a:solidFill>
+              <a:schemeClr val="accent1">
+                <a:lumMod val="20000"/>
+                <a:lumOff val="80000"/>
+              </a:schemeClr>
+            </a:solidFill>
+            <a:ln>
+              <a:solidFill>
+                <a:schemeClr val="accent1">
+                  <a:shade val="50000"/>
+                  <a:alpha val="22531"/>
+                </a:schemeClr>
+              </a:solidFill>
+            </a:ln>
+          </p:spPr>
+          <p:style>
+            <a:lnRef idx="2">
+              <a:schemeClr val="accent1">
+                <a:shade val="50000"/>
+              </a:schemeClr>
+            </a:lnRef>
+            <a:fillRef idx="1">
+              <a:schemeClr val="accent1"/>
+            </a:fillRef>
+            <a:effectRef idx="0">
+              <a:schemeClr val="accent1"/>
+            </a:effectRef>
+            <a:fontRef idx="minor">
+              <a:schemeClr val="lt1"/>
+            </a:fontRef>
+          </p:style>
+          <p:txBody>
+            <a:bodyPr rtlCol="0" anchor="ctr"/>
+            <a:lstStyle/>
+            <a:p>
+              <a:pPr algn="ctr"/>
+              <a:endParaRPr lang="en-US"/>
+            </a:p>
+          </p:txBody>
+        </p:sp>
+        <p:sp>
+          <p:nvSpPr>
+            <p:cNvPr id="62" name="Oval 61">
+              <a:extLst>
+                <a:ext uri="{FF2B5EF4-FFF2-40B4-BE49-F238E27FC236}">
+                  <a16:creationId xmlns:a16="http://schemas.microsoft.com/office/drawing/2014/main" id="{D083A939-9601-05D1-BE15-E5E6540A0738}"/>
+                </a:ext>
+              </a:extLst>
+            </p:cNvPr>
+            <p:cNvSpPr/>
+            <p:nvPr/>
+          </p:nvSpPr>
+          <p:spPr>
+            <a:xfrm>
+              <a:off x="7306962" y="1888405"/>
+              <a:ext cx="494270" cy="461665"/>
+            </a:xfrm>
+            <a:prstGeom prst="ellipse">
+              <a:avLst/>
+            </a:prstGeom>
+            <a:solidFill>
+              <a:schemeClr val="accent1">
+                <a:lumMod val="20000"/>
+                <a:lumOff val="80000"/>
+              </a:schemeClr>
+            </a:solidFill>
+            <a:ln>
+              <a:solidFill>
+                <a:schemeClr val="accent1">
+                  <a:shade val="50000"/>
+                  <a:alpha val="22531"/>
+                </a:schemeClr>
+              </a:solidFill>
+            </a:ln>
+          </p:spPr>
+          <p:style>
+            <a:lnRef idx="2">
+              <a:schemeClr val="accent1">
+                <a:shade val="50000"/>
+              </a:schemeClr>
+            </a:lnRef>
+            <a:fillRef idx="1">
+              <a:schemeClr val="accent1"/>
+            </a:fillRef>
+            <a:effectRef idx="0">
+              <a:schemeClr val="accent1"/>
+            </a:effectRef>
+            <a:fontRef idx="minor">
+              <a:schemeClr val="lt1"/>
+            </a:fontRef>
+          </p:style>
+          <p:txBody>
+            <a:bodyPr rtlCol="0" anchor="ctr"/>
+            <a:lstStyle/>
+            <a:p>
+              <a:pPr algn="ctr"/>
+              <a:endParaRPr lang="en-US"/>
+            </a:p>
+          </p:txBody>
+        </p:sp>
+        <p:sp>
+          <p:nvSpPr>
+            <p:cNvPr id="63" name="Oval 62">
+              <a:extLst>
+                <a:ext uri="{FF2B5EF4-FFF2-40B4-BE49-F238E27FC236}">
+                  <a16:creationId xmlns:a16="http://schemas.microsoft.com/office/drawing/2014/main" id="{C7315A30-8CEB-82FD-4AEF-3AC2A6EEFA04}"/>
+                </a:ext>
+              </a:extLst>
+            </p:cNvPr>
+            <p:cNvSpPr/>
+            <p:nvPr/>
+          </p:nvSpPr>
+          <p:spPr>
+            <a:xfrm>
+              <a:off x="8868375" y="1888405"/>
+              <a:ext cx="494270" cy="461665"/>
+            </a:xfrm>
+            <a:prstGeom prst="ellipse">
+              <a:avLst/>
+            </a:prstGeom>
+            <a:solidFill>
+              <a:schemeClr val="accent1">
+                <a:lumMod val="20000"/>
+                <a:lumOff val="80000"/>
+              </a:schemeClr>
+            </a:solidFill>
+            <a:ln>
+              <a:solidFill>
+                <a:schemeClr val="accent1">
+                  <a:shade val="50000"/>
+                  <a:alpha val="22531"/>
+                </a:schemeClr>
+              </a:solidFill>
+            </a:ln>
+          </p:spPr>
+          <p:style>
+            <a:lnRef idx="2">
+              <a:schemeClr val="accent1">
+                <a:shade val="50000"/>
+              </a:schemeClr>
+            </a:lnRef>
+            <a:fillRef idx="1">
+              <a:schemeClr val="accent1"/>
+            </a:fillRef>
+            <a:effectRef idx="0">
+              <a:schemeClr val="accent1"/>
+            </a:effectRef>
+            <a:fontRef idx="minor">
+              <a:schemeClr val="lt1"/>
+            </a:fontRef>
+          </p:style>
+          <p:txBody>
+            <a:bodyPr rtlCol="0" anchor="ctr"/>
+            <a:lstStyle/>
+            <a:p>
+              <a:pPr algn="ctr"/>
+              <a:endParaRPr lang="en-US"/>
+            </a:p>
+          </p:txBody>
+        </p:sp>
+        <p:sp>
+          <p:nvSpPr>
+            <p:cNvPr id="64" name="Oval 63">
+              <a:extLst>
+                <a:ext uri="{FF2B5EF4-FFF2-40B4-BE49-F238E27FC236}">
+                  <a16:creationId xmlns:a16="http://schemas.microsoft.com/office/drawing/2014/main" id="{3961916C-66F1-7D26-CAF3-72EA45C9ABBC}"/>
+                </a:ext>
+              </a:extLst>
+            </p:cNvPr>
+            <p:cNvSpPr/>
+            <p:nvPr/>
+          </p:nvSpPr>
+          <p:spPr>
+            <a:xfrm>
+              <a:off x="8374105" y="2570434"/>
+              <a:ext cx="494270" cy="461665"/>
+            </a:xfrm>
+            <a:prstGeom prst="ellipse">
+              <a:avLst/>
+            </a:prstGeom>
+            <a:solidFill>
+              <a:schemeClr val="accent1">
+                <a:lumMod val="20000"/>
+                <a:lumOff val="80000"/>
+              </a:schemeClr>
+            </a:solidFill>
+            <a:ln>
+              <a:solidFill>
+                <a:schemeClr val="accent1">
+                  <a:shade val="50000"/>
+                  <a:alpha val="22531"/>
+                </a:schemeClr>
+              </a:solidFill>
+            </a:ln>
+          </p:spPr>
+          <p:style>
+            <a:lnRef idx="2">
+              <a:schemeClr val="accent1">
+                <a:shade val="50000"/>
+              </a:schemeClr>
+            </a:lnRef>
+            <a:fillRef idx="1">
+              <a:schemeClr val="accent1"/>
+            </a:fillRef>
+            <a:effectRef idx="0">
+              <a:schemeClr val="accent1"/>
+            </a:effectRef>
+            <a:fontRef idx="minor">
+              <a:schemeClr val="lt1"/>
+            </a:fontRef>
+          </p:style>
+          <p:txBody>
+            <a:bodyPr rtlCol="0" anchor="ctr"/>
+            <a:lstStyle/>
+            <a:p>
+              <a:pPr algn="ctr"/>
+              <a:endParaRPr lang="en-US"/>
+            </a:p>
+          </p:txBody>
+        </p:sp>
+        <p:sp>
+          <p:nvSpPr>
+            <p:cNvPr id="65" name="Oval 64">
+              <a:extLst>
+                <a:ext uri="{FF2B5EF4-FFF2-40B4-BE49-F238E27FC236}">
+                  <a16:creationId xmlns:a16="http://schemas.microsoft.com/office/drawing/2014/main" id="{98F2EEE7-A902-CEAA-5268-272EF7A45208}"/>
+                </a:ext>
+              </a:extLst>
+            </p:cNvPr>
+            <p:cNvSpPr/>
+            <p:nvPr/>
+          </p:nvSpPr>
+          <p:spPr>
+            <a:xfrm>
+              <a:off x="9362645" y="2570434"/>
+              <a:ext cx="494270" cy="461665"/>
+            </a:xfrm>
+            <a:prstGeom prst="ellipse">
+              <a:avLst/>
+            </a:prstGeom>
+            <a:solidFill>
+              <a:schemeClr val="accent1">
+                <a:lumMod val="20000"/>
+                <a:lumOff val="80000"/>
+              </a:schemeClr>
+            </a:solidFill>
+            <a:ln>
+              <a:solidFill>
+                <a:schemeClr val="accent1">
+                  <a:shade val="50000"/>
+                  <a:alpha val="22531"/>
+                </a:schemeClr>
+              </a:solidFill>
+            </a:ln>
+          </p:spPr>
+          <p:style>
+            <a:lnRef idx="2">
+              <a:schemeClr val="accent1">
+                <a:shade val="50000"/>
+              </a:schemeClr>
+            </a:lnRef>
+            <a:fillRef idx="1">
+              <a:schemeClr val="accent1"/>
+            </a:fillRef>
+            <a:effectRef idx="0">
+              <a:schemeClr val="accent1"/>
+            </a:effectRef>
+            <a:fontRef idx="minor">
+              <a:schemeClr val="lt1"/>
+            </a:fontRef>
+          </p:style>
+          <p:txBody>
+            <a:bodyPr rtlCol="0" anchor="ctr"/>
+            <a:lstStyle/>
+            <a:p>
+              <a:pPr algn="ctr"/>
+              <a:endParaRPr lang="en-US"/>
+            </a:p>
+          </p:txBody>
+        </p:sp>
+        <p:sp>
+          <p:nvSpPr>
+            <p:cNvPr id="66" name="Oval 65">
+              <a:extLst>
+                <a:ext uri="{FF2B5EF4-FFF2-40B4-BE49-F238E27FC236}">
+                  <a16:creationId xmlns:a16="http://schemas.microsoft.com/office/drawing/2014/main" id="{734F5730-1F92-29F4-52BD-665297158B6D}"/>
+                </a:ext>
+              </a:extLst>
+            </p:cNvPr>
+            <p:cNvSpPr/>
+            <p:nvPr/>
+          </p:nvSpPr>
+          <p:spPr>
+            <a:xfrm>
+              <a:off x="7784756" y="2570434"/>
+              <a:ext cx="494270" cy="461665"/>
+            </a:xfrm>
+            <a:prstGeom prst="ellipse">
+              <a:avLst/>
+            </a:prstGeom>
+            <a:solidFill>
+              <a:schemeClr val="accent1">
+                <a:lumMod val="20000"/>
+                <a:lumOff val="80000"/>
+              </a:schemeClr>
+            </a:solidFill>
+            <a:ln>
+              <a:solidFill>
+                <a:schemeClr val="accent1">
+                  <a:shade val="50000"/>
+                  <a:alpha val="22531"/>
+                </a:schemeClr>
+              </a:solidFill>
+            </a:ln>
+          </p:spPr>
+          <p:style>
+            <a:lnRef idx="2">
+              <a:schemeClr val="accent1">
+                <a:shade val="50000"/>
+              </a:schemeClr>
+            </a:lnRef>
+            <a:fillRef idx="1">
+              <a:schemeClr val="accent1"/>
+            </a:fillRef>
+            <a:effectRef idx="0">
+              <a:schemeClr val="accent1"/>
+            </a:effectRef>
+            <a:fontRef idx="minor">
+              <a:schemeClr val="lt1"/>
+            </a:fontRef>
+          </p:style>
+          <p:txBody>
+            <a:bodyPr rtlCol="0" anchor="ctr"/>
+            <a:lstStyle/>
+            <a:p>
+              <a:pPr algn="ctr"/>
+              <a:endParaRPr lang="en-US"/>
+            </a:p>
+          </p:txBody>
+        </p:sp>
+        <p:sp>
+          <p:nvSpPr>
+            <p:cNvPr id="67" name="Oval 66">
+              <a:extLst>
+                <a:ext uri="{FF2B5EF4-FFF2-40B4-BE49-F238E27FC236}">
+                  <a16:creationId xmlns:a16="http://schemas.microsoft.com/office/drawing/2014/main" id="{B231ACA2-D467-6699-DFB8-4B477DBD4989}"/>
+                </a:ext>
+              </a:extLst>
+            </p:cNvPr>
+            <p:cNvSpPr/>
+            <p:nvPr/>
+          </p:nvSpPr>
+          <p:spPr>
+            <a:xfrm>
+              <a:off x="6796216" y="2570434"/>
+              <a:ext cx="494270" cy="461665"/>
+            </a:xfrm>
+            <a:prstGeom prst="ellipse">
+              <a:avLst/>
+            </a:prstGeom>
+            <a:solidFill>
+              <a:schemeClr val="accent1">
+                <a:lumMod val="20000"/>
+                <a:lumOff val="80000"/>
+              </a:schemeClr>
+            </a:solidFill>
+            <a:ln>
+              <a:solidFill>
+                <a:schemeClr val="accent1">
+                  <a:shade val="50000"/>
+                  <a:alpha val="22531"/>
+                </a:schemeClr>
+              </a:solidFill>
+            </a:ln>
+          </p:spPr>
+          <p:style>
+            <a:lnRef idx="2">
+              <a:schemeClr val="accent1">
+                <a:shade val="50000"/>
+              </a:schemeClr>
+            </a:lnRef>
+            <a:fillRef idx="1">
+              <a:schemeClr val="accent1"/>
+            </a:fillRef>
+            <a:effectRef idx="0">
+              <a:schemeClr val="accent1"/>
+            </a:effectRef>
+            <a:fontRef idx="minor">
+              <a:schemeClr val="lt1"/>
+            </a:fontRef>
+          </p:style>
+          <p:txBody>
+            <a:bodyPr rtlCol="0" anchor="ctr"/>
+            <a:lstStyle/>
+            <a:p>
+              <a:pPr algn="ctr"/>
+              <a:endParaRPr lang="en-US"/>
+            </a:p>
+          </p:txBody>
+        </p:sp>
+        <p:cxnSp>
+          <p:nvCxnSpPr>
+            <p:cNvPr id="68" name="Straight Arrow Connector 67">
+              <a:extLst>
+                <a:ext uri="{FF2B5EF4-FFF2-40B4-BE49-F238E27FC236}">
+                  <a16:creationId xmlns:a16="http://schemas.microsoft.com/office/drawing/2014/main" id="{D3419E66-8D0C-F48A-BD1C-DC25B8BFF8E0}"/>
+                </a:ext>
+              </a:extLst>
+            </p:cNvPr>
+            <p:cNvCxnSpPr>
+              <a:stCxn id="61" idx="4"/>
+              <a:endCxn id="62" idx="0"/>
+            </p:cNvCxnSpPr>
+            <p:nvPr/>
+          </p:nvCxnSpPr>
+          <p:spPr>
+            <a:xfrm flipH="1">
+              <a:off x="7554097" y="1579834"/>
+              <a:ext cx="774357" cy="308571"/>
+            </a:xfrm>
+            <a:prstGeom prst="straightConnector1">
+              <a:avLst/>
+            </a:prstGeom>
+            <a:ln>
+              <a:solidFill>
+                <a:schemeClr val="accent1">
+                  <a:shade val="50000"/>
+                  <a:alpha val="22531"/>
+                </a:schemeClr>
+              </a:solidFill>
+              <a:tailEnd type="triangle"/>
+            </a:ln>
+          </p:spPr>
+          <p:style>
+            <a:lnRef idx="1">
+              <a:schemeClr val="accent1"/>
+            </a:lnRef>
+            <a:fillRef idx="0">
+              <a:schemeClr val="accent1"/>
+            </a:fillRef>
+            <a:effectRef idx="0">
+              <a:schemeClr val="accent1"/>
+            </a:effectRef>
+            <a:fontRef idx="minor">
+              <a:schemeClr val="tx1"/>
+            </a:fontRef>
+          </p:style>
+        </p:cxnSp>
+        <p:cxnSp>
+          <p:nvCxnSpPr>
+            <p:cNvPr id="69" name="Straight Arrow Connector 68">
+              <a:extLst>
+                <a:ext uri="{FF2B5EF4-FFF2-40B4-BE49-F238E27FC236}">
+                  <a16:creationId xmlns:a16="http://schemas.microsoft.com/office/drawing/2014/main" id="{645D1EAF-2095-0131-ECBB-BBD6B550D186}"/>
+                </a:ext>
+              </a:extLst>
+            </p:cNvPr>
+            <p:cNvCxnSpPr>
+              <a:cxnSpLocks/>
+              <a:stCxn id="61" idx="4"/>
+              <a:endCxn id="63" idx="0"/>
+            </p:cNvCxnSpPr>
+            <p:nvPr/>
+          </p:nvCxnSpPr>
+          <p:spPr>
+            <a:xfrm>
+              <a:off x="8328454" y="1579834"/>
+              <a:ext cx="787056" cy="308571"/>
+            </a:xfrm>
+            <a:prstGeom prst="straightConnector1">
+              <a:avLst/>
+            </a:prstGeom>
+            <a:ln>
+              <a:solidFill>
+                <a:schemeClr val="accent1">
+                  <a:shade val="50000"/>
+                  <a:alpha val="22531"/>
+                </a:schemeClr>
+              </a:solidFill>
+              <a:tailEnd type="triangle"/>
+            </a:ln>
+          </p:spPr>
+          <p:style>
+            <a:lnRef idx="1">
+              <a:schemeClr val="accent1"/>
+            </a:lnRef>
+            <a:fillRef idx="0">
+              <a:schemeClr val="accent1"/>
+            </a:fillRef>
+            <a:effectRef idx="0">
+              <a:schemeClr val="accent1"/>
+            </a:effectRef>
+            <a:fontRef idx="minor">
+              <a:schemeClr val="tx1"/>
+            </a:fontRef>
+          </p:style>
+        </p:cxnSp>
+        <p:cxnSp>
+          <p:nvCxnSpPr>
+            <p:cNvPr id="70" name="Straight Arrow Connector 69">
+              <a:extLst>
+                <a:ext uri="{FF2B5EF4-FFF2-40B4-BE49-F238E27FC236}">
+                  <a16:creationId xmlns:a16="http://schemas.microsoft.com/office/drawing/2014/main" id="{B5620EB3-650F-5230-4AE0-F4DE6F1F765C}"/>
+                </a:ext>
+              </a:extLst>
+            </p:cNvPr>
+            <p:cNvCxnSpPr>
+              <a:cxnSpLocks/>
+              <a:stCxn id="62" idx="4"/>
+              <a:endCxn id="67" idx="0"/>
+            </p:cNvCxnSpPr>
+            <p:nvPr/>
+          </p:nvCxnSpPr>
+          <p:spPr>
+            <a:xfrm flipH="1">
+              <a:off x="7043351" y="2350070"/>
+              <a:ext cx="510746" cy="220364"/>
+            </a:xfrm>
+            <a:prstGeom prst="straightConnector1">
+              <a:avLst/>
+            </a:prstGeom>
+            <a:ln>
+              <a:solidFill>
+                <a:schemeClr val="accent1">
+                  <a:shade val="50000"/>
+                  <a:alpha val="22531"/>
+                </a:schemeClr>
+              </a:solidFill>
+              <a:tailEnd type="triangle"/>
+            </a:ln>
+          </p:spPr>
+          <p:style>
+            <a:lnRef idx="1">
+              <a:schemeClr val="accent1"/>
+            </a:lnRef>
+            <a:fillRef idx="0">
+              <a:schemeClr val="accent1"/>
+            </a:fillRef>
+            <a:effectRef idx="0">
+              <a:schemeClr val="accent1"/>
+            </a:effectRef>
+            <a:fontRef idx="minor">
+              <a:schemeClr val="tx1"/>
+            </a:fontRef>
+          </p:style>
+        </p:cxnSp>
+        <p:cxnSp>
+          <p:nvCxnSpPr>
+            <p:cNvPr id="71" name="Straight Arrow Connector 70">
+              <a:extLst>
+                <a:ext uri="{FF2B5EF4-FFF2-40B4-BE49-F238E27FC236}">
+                  <a16:creationId xmlns:a16="http://schemas.microsoft.com/office/drawing/2014/main" id="{919C4434-8FF3-225E-D607-D5C4AFF11DC5}"/>
+                </a:ext>
+              </a:extLst>
+            </p:cNvPr>
+            <p:cNvCxnSpPr>
+              <a:cxnSpLocks/>
+              <a:stCxn id="62" idx="4"/>
+              <a:endCxn id="66" idx="0"/>
+            </p:cNvCxnSpPr>
+            <p:nvPr/>
+          </p:nvCxnSpPr>
+          <p:spPr>
+            <a:xfrm>
+              <a:off x="7554097" y="2350070"/>
+              <a:ext cx="477794" cy="220364"/>
+            </a:xfrm>
+            <a:prstGeom prst="straightConnector1">
+              <a:avLst/>
+            </a:prstGeom>
+            <a:ln>
+              <a:solidFill>
+                <a:schemeClr val="accent1">
+                  <a:shade val="50000"/>
+                  <a:alpha val="22531"/>
+                </a:schemeClr>
+              </a:solidFill>
+              <a:tailEnd type="triangle"/>
+            </a:ln>
+          </p:spPr>
+          <p:style>
+            <a:lnRef idx="1">
+              <a:schemeClr val="accent1"/>
+            </a:lnRef>
+            <a:fillRef idx="0">
+              <a:schemeClr val="accent1"/>
+            </a:fillRef>
+            <a:effectRef idx="0">
+              <a:schemeClr val="accent1"/>
+            </a:effectRef>
+            <a:fontRef idx="minor">
+              <a:schemeClr val="tx1"/>
+            </a:fontRef>
+          </p:style>
+        </p:cxnSp>
+        <p:cxnSp>
+          <p:nvCxnSpPr>
+            <p:cNvPr id="72" name="Straight Arrow Connector 71">
+              <a:extLst>
+                <a:ext uri="{FF2B5EF4-FFF2-40B4-BE49-F238E27FC236}">
+                  <a16:creationId xmlns:a16="http://schemas.microsoft.com/office/drawing/2014/main" id="{90438B3A-D960-6006-6E00-70F7811BEC57}"/>
+                </a:ext>
+              </a:extLst>
+            </p:cNvPr>
+            <p:cNvCxnSpPr>
+              <a:cxnSpLocks/>
+              <a:stCxn id="63" idx="4"/>
+              <a:endCxn id="64" idx="0"/>
+            </p:cNvCxnSpPr>
+            <p:nvPr/>
+          </p:nvCxnSpPr>
+          <p:spPr>
+            <a:xfrm flipH="1">
+              <a:off x="8621240" y="2350070"/>
+              <a:ext cx="494270" cy="220364"/>
+            </a:xfrm>
+            <a:prstGeom prst="straightConnector1">
+              <a:avLst/>
+            </a:prstGeom>
+            <a:ln>
+              <a:solidFill>
+                <a:schemeClr val="accent1">
+                  <a:shade val="50000"/>
+                  <a:alpha val="22531"/>
+                </a:schemeClr>
+              </a:solidFill>
+              <a:tailEnd type="triangle"/>
+            </a:ln>
+          </p:spPr>
+          <p:style>
+            <a:lnRef idx="1">
+              <a:schemeClr val="accent1"/>
+            </a:lnRef>
+            <a:fillRef idx="0">
+              <a:schemeClr val="accent1"/>
+            </a:fillRef>
+            <a:effectRef idx="0">
+              <a:schemeClr val="accent1"/>
+            </a:effectRef>
+            <a:fontRef idx="minor">
+              <a:schemeClr val="tx1"/>
+            </a:fontRef>
+          </p:style>
+        </p:cxnSp>
+        <p:cxnSp>
+          <p:nvCxnSpPr>
+            <p:cNvPr id="73" name="Straight Arrow Connector 72">
+              <a:extLst>
+                <a:ext uri="{FF2B5EF4-FFF2-40B4-BE49-F238E27FC236}">
+                  <a16:creationId xmlns:a16="http://schemas.microsoft.com/office/drawing/2014/main" id="{98BC8259-EA48-82F9-0B3F-32BF116C84BC}"/>
+                </a:ext>
+              </a:extLst>
+            </p:cNvPr>
+            <p:cNvCxnSpPr>
+              <a:cxnSpLocks/>
+              <a:stCxn id="63" idx="4"/>
+              <a:endCxn id="65" idx="0"/>
+            </p:cNvCxnSpPr>
+            <p:nvPr/>
+          </p:nvCxnSpPr>
+          <p:spPr>
+            <a:xfrm>
+              <a:off x="9115510" y="2350070"/>
+              <a:ext cx="494270" cy="220364"/>
+            </a:xfrm>
+            <a:prstGeom prst="straightConnector1">
+              <a:avLst/>
+            </a:prstGeom>
+            <a:ln>
+              <a:solidFill>
+                <a:schemeClr val="accent1">
+                  <a:shade val="50000"/>
+                  <a:alpha val="22531"/>
+                </a:schemeClr>
+              </a:solidFill>
+              <a:tailEnd type="triangle"/>
+            </a:ln>
+          </p:spPr>
+          <p:style>
+            <a:lnRef idx="1">
+              <a:schemeClr val="accent1"/>
+            </a:lnRef>
+            <a:fillRef idx="0">
+              <a:schemeClr val="accent1"/>
+            </a:fillRef>
+            <a:effectRef idx="0">
+              <a:schemeClr val="accent1"/>
+            </a:effectRef>
+            <a:fontRef idx="minor">
+              <a:schemeClr val="tx1"/>
+            </a:fontRef>
+          </p:style>
+        </p:cxnSp>
+      </p:grpSp>
+      <p:graphicFrame>
+        <p:nvGraphicFramePr>
+          <p:cNvPr id="4" name="Table 4">
+            <a:extLst>
+              <a:ext uri="{FF2B5EF4-FFF2-40B4-BE49-F238E27FC236}">
+                <a16:creationId xmlns:a16="http://schemas.microsoft.com/office/drawing/2014/main" id="{C22AE5B6-AB44-8363-4B3E-7B12DCD89C03}"/>
+              </a:ext>
+            </a:extLst>
+          </p:cNvPr>
+          <p:cNvGraphicFramePr>
+            <a:graphicFrameLocks noGrp="1"/>
+          </p:cNvGraphicFramePr>
+          <p:nvPr>
+            <p:extLst>
+              <p:ext uri="{D42A27DB-BD31-4B8C-83A1-F6EECF244321}">
+                <p14:modId xmlns:p14="http://schemas.microsoft.com/office/powerpoint/2010/main" val="70075281"/>
+              </p:ext>
+            </p:extLst>
+          </p:nvPr>
+        </p:nvGraphicFramePr>
+        <p:xfrm>
+          <a:off x="709827" y="1579834"/>
+          <a:ext cx="3961028" cy="1981200"/>
+        </p:xfrm>
+        <a:graphic>
+          <a:graphicData uri="http://schemas.openxmlformats.org/drawingml/2006/table">
+            <a:tbl>
+              <a:tblPr firstRow="1" bandRow="1">
+                <a:tableStyleId>{F5AB1C69-6EDB-4FF4-983F-18BD219EF322}</a:tableStyleId>
+              </a:tblPr>
+              <a:tblGrid>
+                <a:gridCol w="990257">
+                  <a:extLst>
+                    <a:ext uri="{9D8B030D-6E8A-4147-A177-3AD203B41FA5}">
+                      <a16:colId xmlns:a16="http://schemas.microsoft.com/office/drawing/2014/main" val="2609749881"/>
+                    </a:ext>
+                  </a:extLst>
+                </a:gridCol>
+                <a:gridCol w="990257">
+                  <a:extLst>
+                    <a:ext uri="{9D8B030D-6E8A-4147-A177-3AD203B41FA5}">
+                      <a16:colId xmlns:a16="http://schemas.microsoft.com/office/drawing/2014/main" val="242046263"/>
+                    </a:ext>
+                  </a:extLst>
+                </a:gridCol>
+                <a:gridCol w="990257">
+                  <a:extLst>
+                    <a:ext uri="{9D8B030D-6E8A-4147-A177-3AD203B41FA5}">
+                      <a16:colId xmlns:a16="http://schemas.microsoft.com/office/drawing/2014/main" val="3224241495"/>
+                    </a:ext>
+                  </a:extLst>
+                </a:gridCol>
+                <a:gridCol w="990257">
+                  <a:extLst>
+                    <a:ext uri="{9D8B030D-6E8A-4147-A177-3AD203B41FA5}">
+                      <a16:colId xmlns:a16="http://schemas.microsoft.com/office/drawing/2014/main" val="3925517263"/>
+                    </a:ext>
+                  </a:extLst>
+                </a:gridCol>
+              </a:tblGrid>
+              <a:tr h="0">
+                <a:tc>
+                  <a:txBody>
+                    <a:bodyPr/>
+                    <a:lstStyle/>
+                    <a:p>
+                      <a:pPr algn="ctr"/>
+                      <a:r>
+                        <a:rPr lang="en-US" sz="2000" dirty="0">
+                          <a:solidFill>
+                            <a:schemeClr val="tx1"/>
+                          </a:solidFill>
+                        </a:rPr>
+                        <a:t>x0</a:t>
+                      </a:r>
+                      <a:endParaRPr lang="en-US" sz="2000" dirty="0">
+                        <a:solidFill>
+                          <a:schemeClr val="tx1"/>
+                        </a:solidFill>
+                        <a:latin typeface="Arial" panose="020B0604020202020204" pitchFamily="34" charset="0"/>
+                        <a:cs typeface="Arial" panose="020B0604020202020204" pitchFamily="34" charset="0"/>
+                      </a:endParaRPr>
+                    </a:p>
+                  </a:txBody>
+                  <a:tcPr/>
+                </a:tc>
+                <a:tc>
+                  <a:txBody>
+                    <a:bodyPr/>
+                    <a:lstStyle/>
+                    <a:p>
+                      <a:pPr algn="ctr"/>
+                      <a:r>
+                        <a:rPr lang="en-US" sz="2000" dirty="0">
+                          <a:solidFill>
+                            <a:schemeClr val="tx1"/>
+                          </a:solidFill>
+                        </a:rPr>
+                        <a:t>x1</a:t>
+                      </a:r>
+                      <a:endParaRPr lang="en-US" sz="2000" dirty="0">
+                        <a:solidFill>
+                          <a:schemeClr val="tx1"/>
+                        </a:solidFill>
+                        <a:latin typeface="Arial" panose="020B0604020202020204" pitchFamily="34" charset="0"/>
+                        <a:cs typeface="Arial" panose="020B0604020202020204" pitchFamily="34" charset="0"/>
+                      </a:endParaRPr>
+                    </a:p>
+                  </a:txBody>
+                  <a:tcPr/>
+                </a:tc>
+                <a:tc>
+                  <a:txBody>
+                    <a:bodyPr/>
+                    <a:lstStyle/>
+                    <a:p>
+                      <a:pPr algn="ctr"/>
+                      <a:r>
+                        <a:rPr lang="en-US" sz="2000" dirty="0">
+                          <a:solidFill>
+                            <a:schemeClr val="tx1"/>
+                          </a:solidFill>
+                          <a:latin typeface="Arial" panose="020B0604020202020204" pitchFamily="34" charset="0"/>
+                          <a:cs typeface="Arial" panose="020B0604020202020204" pitchFamily="34" charset="0"/>
+                        </a:rPr>
+                        <a:t>…</a:t>
+                      </a:r>
+                    </a:p>
+                  </a:txBody>
+                  <a:tcPr/>
+                </a:tc>
+                <a:tc>
+                  <a:txBody>
+                    <a:bodyPr/>
+                    <a:lstStyle/>
+                    <a:p>
+                      <a:pPr algn="ctr"/>
+                      <a:r>
+                        <a:rPr lang="en-US" sz="2000" dirty="0">
+                          <a:solidFill>
+                            <a:schemeClr val="tx1"/>
+                          </a:solidFill>
+                          <a:latin typeface="Arial" panose="020B0604020202020204" pitchFamily="34" charset="0"/>
+                          <a:cs typeface="Arial" panose="020B0604020202020204" pitchFamily="34" charset="0"/>
+                        </a:rPr>
+                        <a:t>xn</a:t>
+                      </a:r>
+                    </a:p>
+                  </a:txBody>
+                  <a:tcPr/>
+                </a:tc>
+                <a:extLst>
+                  <a:ext uri="{0D108BD9-81ED-4DB2-BD59-A6C34878D82A}">
+                    <a16:rowId xmlns:a16="http://schemas.microsoft.com/office/drawing/2014/main" val="3742206075"/>
+                  </a:ext>
+                </a:extLst>
+              </a:tr>
+              <a:tr h="370840">
+                <a:tc>
+                  <a:txBody>
+                    <a:bodyPr/>
+                    <a:lstStyle/>
+                    <a:p>
+                      <a:pPr algn="ctr"/>
+                      <a:endParaRPr lang="en-US" sz="2000" dirty="0">
+                        <a:latin typeface="Arial" panose="020B0604020202020204" pitchFamily="34" charset="0"/>
+                        <a:cs typeface="Arial" panose="020B0604020202020204" pitchFamily="34" charset="0"/>
+                      </a:endParaRPr>
+                    </a:p>
+                  </a:txBody>
+                  <a:tcPr/>
+                </a:tc>
+                <a:tc>
+                  <a:txBody>
+                    <a:bodyPr/>
+                    <a:lstStyle/>
+                    <a:p>
+                      <a:pPr algn="ctr"/>
+                      <a:endParaRPr lang="en-US" sz="2000" dirty="0">
+                        <a:latin typeface="Arial" panose="020B0604020202020204" pitchFamily="34" charset="0"/>
+                        <a:cs typeface="Arial" panose="020B0604020202020204" pitchFamily="34" charset="0"/>
+                      </a:endParaRPr>
+                    </a:p>
+                  </a:txBody>
+                  <a:tcPr/>
+                </a:tc>
+                <a:tc>
+                  <a:txBody>
+                    <a:bodyPr/>
+                    <a:lstStyle/>
+                    <a:p>
+                      <a:pPr algn="ctr"/>
+                      <a:endParaRPr lang="en-US" sz="2000" dirty="0">
+                        <a:latin typeface="Arial" panose="020B0604020202020204" pitchFamily="34" charset="0"/>
+                        <a:cs typeface="Arial" panose="020B0604020202020204" pitchFamily="34" charset="0"/>
+                      </a:endParaRPr>
+                    </a:p>
+                  </a:txBody>
+                  <a:tcPr/>
+                </a:tc>
+                <a:tc>
+                  <a:txBody>
+                    <a:bodyPr/>
+                    <a:lstStyle/>
+                    <a:p>
+                      <a:pPr algn="ctr"/>
+                      <a:endParaRPr lang="en-US" sz="2000" dirty="0">
+                        <a:latin typeface="Arial" panose="020B0604020202020204" pitchFamily="34" charset="0"/>
+                        <a:cs typeface="Arial" panose="020B0604020202020204" pitchFamily="34" charset="0"/>
+                      </a:endParaRPr>
+                    </a:p>
+                  </a:txBody>
+                  <a:tcPr/>
+                </a:tc>
+                <a:extLst>
+                  <a:ext uri="{0D108BD9-81ED-4DB2-BD59-A6C34878D82A}">
+                    <a16:rowId xmlns:a16="http://schemas.microsoft.com/office/drawing/2014/main" val="320278161"/>
+                  </a:ext>
+                </a:extLst>
+              </a:tr>
+              <a:tr h="370840">
+                <a:tc>
+                  <a:txBody>
+                    <a:bodyPr/>
+                    <a:lstStyle/>
+                    <a:p>
+                      <a:pPr algn="ctr"/>
+                      <a:endParaRPr lang="en-US" sz="2000" dirty="0">
+                        <a:latin typeface="Arial" panose="020B0604020202020204" pitchFamily="34" charset="0"/>
+                        <a:cs typeface="Arial" panose="020B0604020202020204" pitchFamily="34" charset="0"/>
+                      </a:endParaRPr>
+                    </a:p>
+                  </a:txBody>
+                  <a:tcPr/>
+                </a:tc>
+                <a:tc>
+                  <a:txBody>
+                    <a:bodyPr/>
+                    <a:lstStyle/>
+                    <a:p>
+                      <a:pPr algn="ctr"/>
+                      <a:endParaRPr lang="en-US" sz="2000" dirty="0">
+                        <a:latin typeface="Arial" panose="020B0604020202020204" pitchFamily="34" charset="0"/>
+                        <a:cs typeface="Arial" panose="020B0604020202020204" pitchFamily="34" charset="0"/>
+                      </a:endParaRPr>
+                    </a:p>
+                  </a:txBody>
+                  <a:tcPr/>
+                </a:tc>
+                <a:tc>
+                  <a:txBody>
+                    <a:bodyPr/>
+                    <a:lstStyle/>
+                    <a:p>
+                      <a:pPr algn="ctr"/>
+                      <a:endParaRPr lang="en-US" sz="2000" dirty="0">
+                        <a:latin typeface="Arial" panose="020B0604020202020204" pitchFamily="34" charset="0"/>
+                        <a:cs typeface="Arial" panose="020B0604020202020204" pitchFamily="34" charset="0"/>
+                      </a:endParaRPr>
+                    </a:p>
+                  </a:txBody>
+                  <a:tcPr/>
+                </a:tc>
+                <a:tc>
+                  <a:txBody>
+                    <a:bodyPr/>
+                    <a:lstStyle/>
+                    <a:p>
+                      <a:pPr algn="ctr"/>
+                      <a:endParaRPr lang="en-US" sz="2000" dirty="0">
+                        <a:latin typeface="Arial" panose="020B0604020202020204" pitchFamily="34" charset="0"/>
+                        <a:cs typeface="Arial" panose="020B0604020202020204" pitchFamily="34" charset="0"/>
+                      </a:endParaRPr>
+                    </a:p>
+                  </a:txBody>
+                  <a:tcPr/>
+                </a:tc>
+                <a:extLst>
+                  <a:ext uri="{0D108BD9-81ED-4DB2-BD59-A6C34878D82A}">
+                    <a16:rowId xmlns:a16="http://schemas.microsoft.com/office/drawing/2014/main" val="710983528"/>
+                  </a:ext>
+                </a:extLst>
+              </a:tr>
+              <a:tr h="370840">
+                <a:tc>
+                  <a:txBody>
+                    <a:bodyPr/>
+                    <a:lstStyle/>
+                    <a:p>
+                      <a:pPr algn="ctr"/>
+                      <a:endParaRPr lang="en-US" sz="2000" dirty="0">
+                        <a:latin typeface="Arial" panose="020B0604020202020204" pitchFamily="34" charset="0"/>
+                        <a:cs typeface="Arial" panose="020B0604020202020204" pitchFamily="34" charset="0"/>
+                      </a:endParaRPr>
+                    </a:p>
+                  </a:txBody>
+                  <a:tcPr/>
+                </a:tc>
+                <a:tc>
+                  <a:txBody>
+                    <a:bodyPr/>
+                    <a:lstStyle/>
+                    <a:p>
+                      <a:pPr algn="ctr"/>
+                      <a:endParaRPr lang="en-US" sz="2000" dirty="0">
+                        <a:latin typeface="Arial" panose="020B0604020202020204" pitchFamily="34" charset="0"/>
+                        <a:cs typeface="Arial" panose="020B0604020202020204" pitchFamily="34" charset="0"/>
+                      </a:endParaRPr>
+                    </a:p>
+                  </a:txBody>
+                  <a:tcPr/>
+                </a:tc>
+                <a:tc>
+                  <a:txBody>
+                    <a:bodyPr/>
+                    <a:lstStyle/>
+                    <a:p>
+                      <a:pPr algn="ctr"/>
+                      <a:endParaRPr lang="en-US" sz="2000" dirty="0">
+                        <a:latin typeface="Arial" panose="020B0604020202020204" pitchFamily="34" charset="0"/>
+                        <a:cs typeface="Arial" panose="020B0604020202020204" pitchFamily="34" charset="0"/>
+                      </a:endParaRPr>
+                    </a:p>
+                  </a:txBody>
+                  <a:tcPr/>
+                </a:tc>
+                <a:tc>
+                  <a:txBody>
+                    <a:bodyPr/>
+                    <a:lstStyle/>
+                    <a:p>
+                      <a:pPr algn="ctr"/>
+                      <a:endParaRPr lang="en-US" sz="2000" dirty="0">
+                        <a:latin typeface="Arial" panose="020B0604020202020204" pitchFamily="34" charset="0"/>
+                        <a:cs typeface="Arial" panose="020B0604020202020204" pitchFamily="34" charset="0"/>
+                      </a:endParaRPr>
+                    </a:p>
+                  </a:txBody>
+                  <a:tcPr/>
+                </a:tc>
+                <a:extLst>
+                  <a:ext uri="{0D108BD9-81ED-4DB2-BD59-A6C34878D82A}">
+                    <a16:rowId xmlns:a16="http://schemas.microsoft.com/office/drawing/2014/main" val="2509912831"/>
+                  </a:ext>
+                </a:extLst>
+              </a:tr>
+              <a:tr h="370840">
+                <a:tc>
+                  <a:txBody>
+                    <a:bodyPr/>
+                    <a:lstStyle/>
+                    <a:p>
+                      <a:pPr algn="ctr"/>
+                      <a:endParaRPr lang="en-US" sz="2000" dirty="0">
+                        <a:latin typeface="Arial" panose="020B0604020202020204" pitchFamily="34" charset="0"/>
+                        <a:cs typeface="Arial" panose="020B0604020202020204" pitchFamily="34" charset="0"/>
+                      </a:endParaRPr>
+                    </a:p>
+                  </a:txBody>
+                  <a:tcPr/>
+                </a:tc>
+                <a:tc>
+                  <a:txBody>
+                    <a:bodyPr/>
+                    <a:lstStyle/>
+                    <a:p>
+                      <a:pPr algn="ctr"/>
+                      <a:endParaRPr lang="en-US" sz="2000" dirty="0">
+                        <a:latin typeface="Arial" panose="020B0604020202020204" pitchFamily="34" charset="0"/>
+                        <a:cs typeface="Arial" panose="020B0604020202020204" pitchFamily="34" charset="0"/>
+                      </a:endParaRPr>
+                    </a:p>
+                  </a:txBody>
+                  <a:tcPr/>
+                </a:tc>
+                <a:tc>
+                  <a:txBody>
+                    <a:bodyPr/>
+                    <a:lstStyle/>
+                    <a:p>
+                      <a:pPr algn="ctr"/>
+                      <a:endParaRPr lang="en-US" sz="2000" dirty="0">
+                        <a:latin typeface="Arial" panose="020B0604020202020204" pitchFamily="34" charset="0"/>
+                        <a:cs typeface="Arial" panose="020B0604020202020204" pitchFamily="34" charset="0"/>
+                      </a:endParaRPr>
+                    </a:p>
+                  </a:txBody>
+                  <a:tcPr/>
+                </a:tc>
+                <a:tc>
+                  <a:txBody>
+                    <a:bodyPr/>
+                    <a:lstStyle/>
+                    <a:p>
+                      <a:pPr algn="ctr"/>
+                      <a:endParaRPr lang="en-US" sz="2000" dirty="0">
+                        <a:latin typeface="Arial" panose="020B0604020202020204" pitchFamily="34" charset="0"/>
+                        <a:cs typeface="Arial" panose="020B0604020202020204" pitchFamily="34" charset="0"/>
+                      </a:endParaRPr>
+                    </a:p>
+                  </a:txBody>
+                  <a:tcPr/>
+                </a:tc>
+                <a:extLst>
+                  <a:ext uri="{0D108BD9-81ED-4DB2-BD59-A6C34878D82A}">
+                    <a16:rowId xmlns:a16="http://schemas.microsoft.com/office/drawing/2014/main" val="1750520846"/>
+                  </a:ext>
+                </a:extLst>
+              </a:tr>
+            </a:tbl>
+          </a:graphicData>
+        </a:graphic>
+      </p:graphicFrame>
+      <p:graphicFrame>
+        <p:nvGraphicFramePr>
+          <p:cNvPr id="24" name="Table 23">
+            <a:extLst>
+              <a:ext uri="{FF2B5EF4-FFF2-40B4-BE49-F238E27FC236}">
+                <a16:creationId xmlns:a16="http://schemas.microsoft.com/office/drawing/2014/main" id="{D489304E-23F8-88BB-506E-A32C896A0567}"/>
+              </a:ext>
+            </a:extLst>
+          </p:cNvPr>
+          <p:cNvGraphicFramePr>
+            <a:graphicFrameLocks noGrp="1"/>
+          </p:cNvGraphicFramePr>
+          <p:nvPr>
+            <p:extLst>
+              <p:ext uri="{D42A27DB-BD31-4B8C-83A1-F6EECF244321}">
+                <p14:modId xmlns:p14="http://schemas.microsoft.com/office/powerpoint/2010/main" val="3305257447"/>
+              </p:ext>
+            </p:extLst>
+          </p:nvPr>
+        </p:nvGraphicFramePr>
+        <p:xfrm>
+          <a:off x="5002427" y="1579834"/>
+          <a:ext cx="990257" cy="1981200"/>
+        </p:xfrm>
+        <a:graphic>
+          <a:graphicData uri="http://schemas.openxmlformats.org/drawingml/2006/table">
+            <a:tbl>
+              <a:tblPr firstRow="1" bandRow="1">
+                <a:tableStyleId>{00A15C55-8517-42AA-B614-E9B94910E393}</a:tableStyleId>
+              </a:tblPr>
+              <a:tblGrid>
+                <a:gridCol w="990257">
+                  <a:extLst>
+                    <a:ext uri="{9D8B030D-6E8A-4147-A177-3AD203B41FA5}">
+                      <a16:colId xmlns:a16="http://schemas.microsoft.com/office/drawing/2014/main" val="1268386931"/>
+                    </a:ext>
+                  </a:extLst>
+                </a:gridCol>
+              </a:tblGrid>
+              <a:tr h="0">
+                <a:tc>
+                  <a:txBody>
+                    <a:bodyPr/>
+                    <a:lstStyle/>
+                    <a:p>
+                      <a:pPr algn="ctr"/>
+                      <a:r>
+                        <a:rPr lang="en-US" sz="2000" dirty="0">
+                          <a:solidFill>
+                            <a:schemeClr val="tx1"/>
+                          </a:solidFill>
+                        </a:rPr>
+                        <a:t>y</a:t>
+                      </a:r>
+                      <a:endParaRPr lang="en-US" sz="2000" dirty="0">
+                        <a:solidFill>
+                          <a:schemeClr val="tx1"/>
+                        </a:solidFill>
+                        <a:latin typeface="Arial" panose="020B0604020202020204" pitchFamily="34" charset="0"/>
+                        <a:cs typeface="Arial" panose="020B0604020202020204" pitchFamily="34" charset="0"/>
+                      </a:endParaRPr>
+                    </a:p>
+                  </a:txBody>
+                  <a:tcPr/>
+                </a:tc>
+                <a:extLst>
+                  <a:ext uri="{0D108BD9-81ED-4DB2-BD59-A6C34878D82A}">
+                    <a16:rowId xmlns:a16="http://schemas.microsoft.com/office/drawing/2014/main" val="4233543812"/>
+                  </a:ext>
+                </a:extLst>
+              </a:tr>
+              <a:tr h="370840">
+                <a:tc>
+                  <a:txBody>
+                    <a:bodyPr/>
+                    <a:lstStyle/>
+                    <a:p>
+                      <a:pPr algn="ctr"/>
+                      <a:endParaRPr lang="en-US" sz="2000" dirty="0">
+                        <a:latin typeface="Arial" panose="020B0604020202020204" pitchFamily="34" charset="0"/>
+                        <a:cs typeface="Arial" panose="020B0604020202020204" pitchFamily="34" charset="0"/>
+                      </a:endParaRPr>
+                    </a:p>
+                  </a:txBody>
+                  <a:tcPr/>
+                </a:tc>
+                <a:extLst>
+                  <a:ext uri="{0D108BD9-81ED-4DB2-BD59-A6C34878D82A}">
+                    <a16:rowId xmlns:a16="http://schemas.microsoft.com/office/drawing/2014/main" val="2760946114"/>
+                  </a:ext>
+                </a:extLst>
+              </a:tr>
+              <a:tr h="370840">
+                <a:tc>
+                  <a:txBody>
+                    <a:bodyPr/>
+                    <a:lstStyle/>
+                    <a:p>
+                      <a:pPr algn="ctr"/>
+                      <a:endParaRPr lang="en-US" sz="2000" dirty="0">
+                        <a:latin typeface="Arial" panose="020B0604020202020204" pitchFamily="34" charset="0"/>
+                        <a:cs typeface="Arial" panose="020B0604020202020204" pitchFamily="34" charset="0"/>
+                      </a:endParaRPr>
+                    </a:p>
+                  </a:txBody>
+                  <a:tcPr/>
+                </a:tc>
+                <a:extLst>
+                  <a:ext uri="{0D108BD9-81ED-4DB2-BD59-A6C34878D82A}">
+                    <a16:rowId xmlns:a16="http://schemas.microsoft.com/office/drawing/2014/main" val="268535968"/>
+                  </a:ext>
+                </a:extLst>
+              </a:tr>
+              <a:tr h="370840">
+                <a:tc>
+                  <a:txBody>
+                    <a:bodyPr/>
+                    <a:lstStyle/>
+                    <a:p>
+                      <a:pPr algn="ctr"/>
+                      <a:endParaRPr lang="en-US" sz="2000" dirty="0">
+                        <a:latin typeface="Arial" panose="020B0604020202020204" pitchFamily="34" charset="0"/>
+                        <a:cs typeface="Arial" panose="020B0604020202020204" pitchFamily="34" charset="0"/>
+                      </a:endParaRPr>
+                    </a:p>
+                  </a:txBody>
+                  <a:tcPr/>
+                </a:tc>
+                <a:extLst>
+                  <a:ext uri="{0D108BD9-81ED-4DB2-BD59-A6C34878D82A}">
+                    <a16:rowId xmlns:a16="http://schemas.microsoft.com/office/drawing/2014/main" val="855732584"/>
+                  </a:ext>
+                </a:extLst>
+              </a:tr>
+              <a:tr h="370840">
+                <a:tc>
+                  <a:txBody>
+                    <a:bodyPr/>
+                    <a:lstStyle/>
+                    <a:p>
+                      <a:pPr algn="ctr"/>
+                      <a:endParaRPr lang="en-US" sz="2000" dirty="0">
+                        <a:latin typeface="Arial" panose="020B0604020202020204" pitchFamily="34" charset="0"/>
+                        <a:cs typeface="Arial" panose="020B0604020202020204" pitchFamily="34" charset="0"/>
+                      </a:endParaRPr>
+                    </a:p>
+                  </a:txBody>
+                  <a:tcPr/>
+                </a:tc>
+                <a:extLst>
+                  <a:ext uri="{0D108BD9-81ED-4DB2-BD59-A6C34878D82A}">
+                    <a16:rowId xmlns:a16="http://schemas.microsoft.com/office/drawing/2014/main" val="3870218576"/>
+                  </a:ext>
+                </a:extLst>
+              </a:tr>
+            </a:tbl>
+          </a:graphicData>
+        </a:graphic>
+      </p:graphicFrame>
+      <p:sp>
+        <p:nvSpPr>
+          <p:cNvPr id="25" name="TextBox 24">
+            <a:extLst>
+              <a:ext uri="{FF2B5EF4-FFF2-40B4-BE49-F238E27FC236}">
+                <a16:creationId xmlns:a16="http://schemas.microsoft.com/office/drawing/2014/main" id="{C04051EC-2A91-1562-A653-1096DFB747C4}"/>
+              </a:ext>
+            </a:extLst>
+          </p:cNvPr>
+          <p:cNvSpPr txBox="1"/>
+          <p:nvPr/>
+        </p:nvSpPr>
+        <p:spPr>
+          <a:xfrm>
+            <a:off x="709827" y="766119"/>
+            <a:ext cx="5267789" cy="461665"/>
+          </a:xfrm>
+          <a:prstGeom prst="rect">
+            <a:avLst/>
+          </a:prstGeom>
+          <a:noFill/>
+        </p:spPr>
+        <p:txBody>
+          <a:bodyPr wrap="none" rtlCol="0">
+            <a:spAutoFit/>
+          </a:bodyPr>
+          <a:lstStyle/>
+          <a:p>
+            <a:r>
+              <a:rPr lang="en-US" sz="2400" dirty="0">
+                <a:latin typeface="Arial" panose="020B0604020202020204" pitchFamily="34" charset="0"/>
+                <a:cs typeface="Arial" panose="020B0604020202020204" pitchFamily="34" charset="0"/>
+              </a:rPr>
+              <a:t>For training </a:t>
+            </a:r>
+            <a:r>
+              <a:rPr lang="en-US" sz="2400" dirty="0">
+                <a:solidFill>
+                  <a:schemeClr val="accent1"/>
+                </a:solidFill>
+                <a:latin typeface="Arial" panose="020B0604020202020204" pitchFamily="34" charset="0"/>
+                <a:cs typeface="Arial" panose="020B0604020202020204" pitchFamily="34" charset="0"/>
+              </a:rPr>
+              <a:t>one tree </a:t>
+            </a:r>
+            <a:r>
+              <a:rPr lang="en-US" sz="2400" dirty="0">
+                <a:latin typeface="Arial" panose="020B0604020202020204" pitchFamily="34" charset="0"/>
+                <a:cs typeface="Arial" panose="020B0604020202020204" pitchFamily="34" charset="0"/>
+              </a:rPr>
+              <a:t>in random forest</a:t>
+            </a:r>
+          </a:p>
+        </p:txBody>
+      </p:sp>
+      <p:sp>
+        <p:nvSpPr>
+          <p:cNvPr id="26" name="Rectangle 25">
+            <a:extLst>
+              <a:ext uri="{FF2B5EF4-FFF2-40B4-BE49-F238E27FC236}">
+                <a16:creationId xmlns:a16="http://schemas.microsoft.com/office/drawing/2014/main" id="{ACCE7EB5-3A31-3CA0-4708-3600EBE5543D}"/>
+              </a:ext>
+            </a:extLst>
+          </p:cNvPr>
+          <p:cNvSpPr/>
+          <p:nvPr/>
+        </p:nvSpPr>
+        <p:spPr>
+          <a:xfrm>
+            <a:off x="1709695" y="1579834"/>
+            <a:ext cx="948038" cy="1981200"/>
+          </a:xfrm>
+          <a:prstGeom prst="rect">
+            <a:avLst/>
+          </a:prstGeom>
+          <a:noFill/>
+          <a:ln w="31750">
+            <a:solidFill>
+              <a:schemeClr val="accent1">
+                <a:shade val="50000"/>
+              </a:schemeClr>
+            </a:solidFill>
+          </a:ln>
+        </p:spPr>
+        <p:style>
+          <a:lnRef idx="2">
+            <a:schemeClr val="accent1">
+              <a:shade val="50000"/>
+            </a:schemeClr>
+          </a:lnRef>
+          <a:fillRef idx="1">
+            <a:schemeClr val="accent1"/>
+          </a:fillRef>
+          <a:effectRef idx="0">
+            <a:schemeClr val="accent1"/>
+          </a:effectRef>
+          <a:fontRef idx="minor">
+            <a:schemeClr val="lt1"/>
+          </a:fontRef>
+        </p:style>
+        <p:txBody>
+          <a:bodyPr rtlCol="0" anchor="ctr"/>
+          <a:lstStyle/>
+          <a:p>
+            <a:pPr algn="ctr"/>
+            <a:endParaRPr lang="en-US"/>
+          </a:p>
+        </p:txBody>
+      </p:sp>
+      <p:sp>
+        <p:nvSpPr>
+          <p:cNvPr id="27" name="Rectangle 26">
+            <a:extLst>
+              <a:ext uri="{FF2B5EF4-FFF2-40B4-BE49-F238E27FC236}">
+                <a16:creationId xmlns:a16="http://schemas.microsoft.com/office/drawing/2014/main" id="{CCDE20CE-9CF5-296B-3840-3CB7411F813C}"/>
+              </a:ext>
+            </a:extLst>
+          </p:cNvPr>
+          <p:cNvSpPr/>
+          <p:nvPr/>
+        </p:nvSpPr>
+        <p:spPr>
+          <a:xfrm>
+            <a:off x="3682315" y="1579834"/>
+            <a:ext cx="948038" cy="1981200"/>
+          </a:xfrm>
+          <a:prstGeom prst="rect">
+            <a:avLst/>
+          </a:prstGeom>
+          <a:noFill/>
+          <a:ln w="31750">
+            <a:solidFill>
+              <a:schemeClr val="accent1">
+                <a:shade val="50000"/>
+              </a:schemeClr>
+            </a:solidFill>
+          </a:ln>
+        </p:spPr>
+        <p:style>
+          <a:lnRef idx="2">
+            <a:schemeClr val="accent1">
+              <a:shade val="50000"/>
+            </a:schemeClr>
+          </a:lnRef>
+          <a:fillRef idx="1">
+            <a:schemeClr val="accent1"/>
+          </a:fillRef>
+          <a:effectRef idx="0">
+            <a:schemeClr val="accent1"/>
+          </a:effectRef>
+          <a:fontRef idx="minor">
+            <a:schemeClr val="lt1"/>
+          </a:fontRef>
+        </p:style>
+        <p:txBody>
+          <a:bodyPr rtlCol="0" anchor="ctr"/>
+          <a:lstStyle/>
+          <a:p>
+            <a:pPr algn="ctr"/>
+            <a:endParaRPr lang="en-US"/>
+          </a:p>
+        </p:txBody>
+      </p:sp>
+      <p:sp>
+        <p:nvSpPr>
+          <p:cNvPr id="28" name="Rectangle 27">
+            <a:extLst>
+              <a:ext uri="{FF2B5EF4-FFF2-40B4-BE49-F238E27FC236}">
+                <a16:creationId xmlns:a16="http://schemas.microsoft.com/office/drawing/2014/main" id="{7198F4F8-A8B8-D87C-4F83-C5CCB71A6BD1}"/>
+              </a:ext>
+            </a:extLst>
+          </p:cNvPr>
+          <p:cNvSpPr/>
+          <p:nvPr/>
+        </p:nvSpPr>
+        <p:spPr>
+          <a:xfrm>
+            <a:off x="721155" y="2350071"/>
+            <a:ext cx="5267788" cy="788545"/>
+          </a:xfrm>
+          <a:prstGeom prst="rect">
+            <a:avLst/>
+          </a:prstGeom>
+          <a:noFill/>
+          <a:ln w="31750">
+            <a:solidFill>
+              <a:schemeClr val="accent1">
+                <a:shade val="50000"/>
+              </a:schemeClr>
+            </a:solidFill>
+          </a:ln>
+        </p:spPr>
+        <p:style>
+          <a:lnRef idx="2">
+            <a:schemeClr val="accent1">
+              <a:shade val="50000"/>
+            </a:schemeClr>
+          </a:lnRef>
+          <a:fillRef idx="1">
+            <a:schemeClr val="accent1"/>
+          </a:fillRef>
+          <a:effectRef idx="0">
+            <a:schemeClr val="accent1"/>
+          </a:effectRef>
+          <a:fontRef idx="minor">
+            <a:schemeClr val="lt1"/>
+          </a:fontRef>
+        </p:style>
+        <p:txBody>
+          <a:bodyPr rtlCol="0" anchor="ctr"/>
+          <a:lstStyle/>
+          <a:p>
+            <a:pPr algn="ctr"/>
+            <a:endParaRPr lang="en-US"/>
+          </a:p>
+        </p:txBody>
+      </p:sp>
+      <p:sp>
+        <p:nvSpPr>
+          <p:cNvPr id="29" name="Rectangle 28">
+            <a:extLst>
+              <a:ext uri="{FF2B5EF4-FFF2-40B4-BE49-F238E27FC236}">
+                <a16:creationId xmlns:a16="http://schemas.microsoft.com/office/drawing/2014/main" id="{960E4D33-A7AB-2965-44B8-7498E5847C44}"/>
+              </a:ext>
+            </a:extLst>
+          </p:cNvPr>
+          <p:cNvSpPr/>
+          <p:nvPr/>
+        </p:nvSpPr>
+        <p:spPr>
+          <a:xfrm>
+            <a:off x="1709695" y="2350071"/>
+            <a:ext cx="948038" cy="788545"/>
+          </a:xfrm>
+          <a:prstGeom prst="rect">
+            <a:avLst/>
+          </a:prstGeom>
+          <a:solidFill>
+            <a:schemeClr val="accent1">
+              <a:alpha val="63000"/>
+            </a:schemeClr>
+          </a:solidFill>
+          <a:ln w="31750">
+            <a:noFill/>
+          </a:ln>
+        </p:spPr>
+        <p:style>
+          <a:lnRef idx="2">
+            <a:schemeClr val="accent1">
+              <a:shade val="50000"/>
+            </a:schemeClr>
+          </a:lnRef>
+          <a:fillRef idx="1">
+            <a:schemeClr val="accent1"/>
+          </a:fillRef>
+          <a:effectRef idx="0">
+            <a:schemeClr val="accent1"/>
+          </a:effectRef>
+          <a:fontRef idx="minor">
+            <a:schemeClr val="lt1"/>
+          </a:fontRef>
+        </p:style>
+        <p:txBody>
+          <a:bodyPr rtlCol="0" anchor="ctr"/>
+          <a:lstStyle/>
+          <a:p>
+            <a:pPr algn="ctr"/>
+            <a:endParaRPr lang="en-US"/>
+          </a:p>
+        </p:txBody>
+      </p:sp>
+      <p:sp>
+        <p:nvSpPr>
+          <p:cNvPr id="30" name="Rectangle 29">
+            <a:extLst>
+              <a:ext uri="{FF2B5EF4-FFF2-40B4-BE49-F238E27FC236}">
+                <a16:creationId xmlns:a16="http://schemas.microsoft.com/office/drawing/2014/main" id="{4722424F-0B52-4CA4-F464-BF0FB19EF34A}"/>
+              </a:ext>
+            </a:extLst>
+          </p:cNvPr>
+          <p:cNvSpPr/>
+          <p:nvPr/>
+        </p:nvSpPr>
+        <p:spPr>
+          <a:xfrm>
+            <a:off x="3682315" y="2350070"/>
+            <a:ext cx="948038" cy="788545"/>
+          </a:xfrm>
+          <a:prstGeom prst="rect">
+            <a:avLst/>
+          </a:prstGeom>
+          <a:solidFill>
+            <a:schemeClr val="accent1">
+              <a:alpha val="63000"/>
+            </a:schemeClr>
+          </a:solidFill>
+          <a:ln w="31750">
+            <a:noFill/>
+          </a:ln>
+        </p:spPr>
+        <p:style>
+          <a:lnRef idx="2">
+            <a:schemeClr val="accent1">
+              <a:shade val="50000"/>
+            </a:schemeClr>
+          </a:lnRef>
+          <a:fillRef idx="1">
+            <a:schemeClr val="accent1"/>
+          </a:fillRef>
+          <a:effectRef idx="0">
+            <a:schemeClr val="accent1"/>
+          </a:effectRef>
+          <a:fontRef idx="minor">
+            <a:schemeClr val="lt1"/>
+          </a:fontRef>
+        </p:style>
+        <p:txBody>
+          <a:bodyPr rtlCol="0" anchor="ctr"/>
+          <a:lstStyle/>
+          <a:p>
+            <a:pPr algn="ctr"/>
+            <a:endParaRPr lang="en-US"/>
+          </a:p>
+        </p:txBody>
+      </p:sp>
+      <p:sp>
+        <p:nvSpPr>
+          <p:cNvPr id="31" name="Rectangle 30">
+            <a:extLst>
+              <a:ext uri="{FF2B5EF4-FFF2-40B4-BE49-F238E27FC236}">
+                <a16:creationId xmlns:a16="http://schemas.microsoft.com/office/drawing/2014/main" id="{5D337AA5-079C-FDEF-EA28-D25F64FBD013}"/>
+              </a:ext>
+            </a:extLst>
+          </p:cNvPr>
+          <p:cNvSpPr/>
+          <p:nvPr/>
+        </p:nvSpPr>
+        <p:spPr>
+          <a:xfrm>
+            <a:off x="5029578" y="2350070"/>
+            <a:ext cx="948038" cy="788545"/>
+          </a:xfrm>
+          <a:prstGeom prst="rect">
+            <a:avLst/>
+          </a:prstGeom>
+          <a:solidFill>
+            <a:schemeClr val="accent1">
+              <a:alpha val="63000"/>
+            </a:schemeClr>
+          </a:solidFill>
+          <a:ln w="31750">
+            <a:noFill/>
+          </a:ln>
+        </p:spPr>
+        <p:style>
+          <a:lnRef idx="2">
+            <a:schemeClr val="accent1">
+              <a:shade val="50000"/>
+            </a:schemeClr>
+          </a:lnRef>
+          <a:fillRef idx="1">
+            <a:schemeClr val="accent1"/>
+          </a:fillRef>
+          <a:effectRef idx="0">
+            <a:schemeClr val="accent1"/>
+          </a:effectRef>
+          <a:fontRef idx="minor">
+            <a:schemeClr val="lt1"/>
+          </a:fontRef>
+        </p:style>
+        <p:txBody>
+          <a:bodyPr rtlCol="0" anchor="ctr"/>
+          <a:lstStyle/>
+          <a:p>
+            <a:pPr algn="ctr"/>
+            <a:endParaRPr lang="en-US"/>
+          </a:p>
+        </p:txBody>
+      </p:sp>
+      <p:grpSp>
+        <p:nvGrpSpPr>
+          <p:cNvPr id="57" name="Group 56">
+            <a:extLst>
+              <a:ext uri="{FF2B5EF4-FFF2-40B4-BE49-F238E27FC236}">
+                <a16:creationId xmlns:a16="http://schemas.microsoft.com/office/drawing/2014/main" id="{0A266769-F573-61B4-8D4D-72B3CEB7ABBE}"/>
+              </a:ext>
+            </a:extLst>
+          </p:cNvPr>
+          <p:cNvGrpSpPr/>
+          <p:nvPr/>
+        </p:nvGrpSpPr>
+        <p:grpSpPr>
+          <a:xfrm>
+            <a:off x="6693588" y="2122096"/>
+            <a:ext cx="3459892" cy="2020446"/>
+            <a:chOff x="6635578" y="1093455"/>
+            <a:chExt cx="3459892" cy="2020446"/>
+          </a:xfrm>
+        </p:grpSpPr>
+        <p:sp>
+          <p:nvSpPr>
+            <p:cNvPr id="56" name="Rectangle 55">
+              <a:extLst>
+                <a:ext uri="{FF2B5EF4-FFF2-40B4-BE49-F238E27FC236}">
+                  <a16:creationId xmlns:a16="http://schemas.microsoft.com/office/drawing/2014/main" id="{1AD9E839-5072-C00C-E8B3-2C817E6DBCC4}"/>
+                </a:ext>
+              </a:extLst>
+            </p:cNvPr>
+            <p:cNvSpPr/>
+            <p:nvPr/>
+          </p:nvSpPr>
+          <p:spPr>
+            <a:xfrm>
+              <a:off x="6635578" y="1093455"/>
+              <a:ext cx="3459892" cy="2020446"/>
+            </a:xfrm>
+            <a:prstGeom prst="rect">
+              <a:avLst/>
+            </a:prstGeom>
+            <a:solidFill>
+              <a:schemeClr val="bg1"/>
+            </a:solidFill>
+            <a:ln w="31750"/>
+          </p:spPr>
+          <p:style>
+            <a:lnRef idx="2">
+              <a:schemeClr val="accent1">
+                <a:shade val="50000"/>
+              </a:schemeClr>
+            </a:lnRef>
+            <a:fillRef idx="1">
+              <a:schemeClr val="accent1"/>
+            </a:fillRef>
+            <a:effectRef idx="0">
+              <a:schemeClr val="accent1"/>
+            </a:effectRef>
+            <a:fontRef idx="minor">
+              <a:schemeClr val="lt1"/>
+            </a:fontRef>
+          </p:style>
+          <p:txBody>
+            <a:bodyPr rtlCol="0" anchor="ctr"/>
+            <a:lstStyle/>
+            <a:p>
+              <a:pPr algn="ctr"/>
+              <a:endParaRPr lang="en-US"/>
+            </a:p>
+          </p:txBody>
+        </p:sp>
+        <p:sp>
+          <p:nvSpPr>
+            <p:cNvPr id="32" name="Oval 31">
+              <a:extLst>
+                <a:ext uri="{FF2B5EF4-FFF2-40B4-BE49-F238E27FC236}">
+                  <a16:creationId xmlns:a16="http://schemas.microsoft.com/office/drawing/2014/main" id="{FE8009A3-777D-B77D-10CC-007944C61876}"/>
+                </a:ext>
+              </a:extLst>
+            </p:cNvPr>
+            <p:cNvSpPr/>
+            <p:nvPr/>
+          </p:nvSpPr>
+          <p:spPr>
+            <a:xfrm>
+              <a:off x="8081319" y="1118169"/>
+              <a:ext cx="494270" cy="461665"/>
+            </a:xfrm>
+            <a:prstGeom prst="ellipse">
+              <a:avLst/>
+            </a:prstGeom>
+            <a:solidFill>
+              <a:schemeClr val="accent1">
+                <a:lumMod val="20000"/>
+                <a:lumOff val="80000"/>
+              </a:schemeClr>
+            </a:solidFill>
+          </p:spPr>
+          <p:style>
+            <a:lnRef idx="2">
+              <a:schemeClr val="accent1">
+                <a:shade val="50000"/>
+              </a:schemeClr>
+            </a:lnRef>
+            <a:fillRef idx="1">
+              <a:schemeClr val="accent1"/>
+            </a:fillRef>
+            <a:effectRef idx="0">
+              <a:schemeClr val="accent1"/>
+            </a:effectRef>
+            <a:fontRef idx="minor">
+              <a:schemeClr val="lt1"/>
+            </a:fontRef>
+          </p:style>
+          <p:txBody>
+            <a:bodyPr rtlCol="0" anchor="ctr"/>
+            <a:lstStyle/>
+            <a:p>
+              <a:pPr algn="ctr"/>
+              <a:endParaRPr lang="en-US"/>
+            </a:p>
+          </p:txBody>
+        </p:sp>
+        <p:sp>
+          <p:nvSpPr>
+            <p:cNvPr id="33" name="Oval 32">
+              <a:extLst>
+                <a:ext uri="{FF2B5EF4-FFF2-40B4-BE49-F238E27FC236}">
+                  <a16:creationId xmlns:a16="http://schemas.microsoft.com/office/drawing/2014/main" id="{5D1B907E-EF3B-E4DD-79C0-2EA7DCAE45CE}"/>
+                </a:ext>
+              </a:extLst>
+            </p:cNvPr>
+            <p:cNvSpPr/>
+            <p:nvPr/>
+          </p:nvSpPr>
+          <p:spPr>
+            <a:xfrm>
+              <a:off x="7306962" y="1888405"/>
+              <a:ext cx="494270" cy="461665"/>
+            </a:xfrm>
+            <a:prstGeom prst="ellipse">
+              <a:avLst/>
+            </a:prstGeom>
+            <a:solidFill>
+              <a:schemeClr val="accent1">
+                <a:lumMod val="20000"/>
+                <a:lumOff val="80000"/>
+              </a:schemeClr>
+            </a:solidFill>
+          </p:spPr>
+          <p:style>
+            <a:lnRef idx="2">
+              <a:schemeClr val="accent1">
+                <a:shade val="50000"/>
+              </a:schemeClr>
+            </a:lnRef>
+            <a:fillRef idx="1">
+              <a:schemeClr val="accent1"/>
+            </a:fillRef>
+            <a:effectRef idx="0">
+              <a:schemeClr val="accent1"/>
+            </a:effectRef>
+            <a:fontRef idx="minor">
+              <a:schemeClr val="lt1"/>
+            </a:fontRef>
+          </p:style>
+          <p:txBody>
+            <a:bodyPr rtlCol="0" anchor="ctr"/>
+            <a:lstStyle/>
+            <a:p>
+              <a:pPr algn="ctr"/>
+              <a:endParaRPr lang="en-US"/>
+            </a:p>
+          </p:txBody>
+        </p:sp>
+        <p:sp>
+          <p:nvSpPr>
+            <p:cNvPr id="34" name="Oval 33">
+              <a:extLst>
+                <a:ext uri="{FF2B5EF4-FFF2-40B4-BE49-F238E27FC236}">
+                  <a16:creationId xmlns:a16="http://schemas.microsoft.com/office/drawing/2014/main" id="{3FCD043B-453B-5C98-4CA3-F0C64BDF4282}"/>
+                </a:ext>
+              </a:extLst>
+            </p:cNvPr>
+            <p:cNvSpPr/>
+            <p:nvPr/>
+          </p:nvSpPr>
+          <p:spPr>
+            <a:xfrm>
+              <a:off x="8868375" y="1888405"/>
+              <a:ext cx="494270" cy="461665"/>
+            </a:xfrm>
+            <a:prstGeom prst="ellipse">
+              <a:avLst/>
+            </a:prstGeom>
+            <a:solidFill>
+              <a:schemeClr val="accent1">
+                <a:lumMod val="20000"/>
+                <a:lumOff val="80000"/>
+              </a:schemeClr>
+            </a:solidFill>
+          </p:spPr>
+          <p:style>
+            <a:lnRef idx="2">
+              <a:schemeClr val="accent1">
+                <a:shade val="50000"/>
+              </a:schemeClr>
+            </a:lnRef>
+            <a:fillRef idx="1">
+              <a:schemeClr val="accent1"/>
+            </a:fillRef>
+            <a:effectRef idx="0">
+              <a:schemeClr val="accent1"/>
+            </a:effectRef>
+            <a:fontRef idx="minor">
+              <a:schemeClr val="lt1"/>
+            </a:fontRef>
+          </p:style>
+          <p:txBody>
+            <a:bodyPr rtlCol="0" anchor="ctr"/>
+            <a:lstStyle/>
+            <a:p>
+              <a:pPr algn="ctr"/>
+              <a:endParaRPr lang="en-US"/>
+            </a:p>
+          </p:txBody>
+        </p:sp>
+        <p:sp>
+          <p:nvSpPr>
+            <p:cNvPr id="35" name="Oval 34">
+              <a:extLst>
+                <a:ext uri="{FF2B5EF4-FFF2-40B4-BE49-F238E27FC236}">
+                  <a16:creationId xmlns:a16="http://schemas.microsoft.com/office/drawing/2014/main" id="{5A10CC5A-EE88-5F9E-546D-B51369ADFBC4}"/>
+                </a:ext>
+              </a:extLst>
+            </p:cNvPr>
+            <p:cNvSpPr/>
+            <p:nvPr/>
+          </p:nvSpPr>
+          <p:spPr>
+            <a:xfrm>
+              <a:off x="8374105" y="2570434"/>
+              <a:ext cx="494270" cy="461665"/>
+            </a:xfrm>
+            <a:prstGeom prst="ellipse">
+              <a:avLst/>
+            </a:prstGeom>
+            <a:solidFill>
+              <a:schemeClr val="accent1">
+                <a:lumMod val="20000"/>
+                <a:lumOff val="80000"/>
+              </a:schemeClr>
+            </a:solidFill>
+          </p:spPr>
+          <p:style>
+            <a:lnRef idx="2">
+              <a:schemeClr val="accent1">
+                <a:shade val="50000"/>
+              </a:schemeClr>
+            </a:lnRef>
+            <a:fillRef idx="1">
+              <a:schemeClr val="accent1"/>
+            </a:fillRef>
+            <a:effectRef idx="0">
+              <a:schemeClr val="accent1"/>
+            </a:effectRef>
+            <a:fontRef idx="minor">
+              <a:schemeClr val="lt1"/>
+            </a:fontRef>
+          </p:style>
+          <p:txBody>
+            <a:bodyPr rtlCol="0" anchor="ctr"/>
+            <a:lstStyle/>
+            <a:p>
+              <a:pPr algn="ctr"/>
+              <a:endParaRPr lang="en-US"/>
+            </a:p>
+          </p:txBody>
+        </p:sp>
+        <p:sp>
+          <p:nvSpPr>
+            <p:cNvPr id="36" name="Oval 35">
+              <a:extLst>
+                <a:ext uri="{FF2B5EF4-FFF2-40B4-BE49-F238E27FC236}">
+                  <a16:creationId xmlns:a16="http://schemas.microsoft.com/office/drawing/2014/main" id="{F72D0098-0815-E072-67A4-979C382DC3A2}"/>
+                </a:ext>
+              </a:extLst>
+            </p:cNvPr>
+            <p:cNvSpPr/>
+            <p:nvPr/>
+          </p:nvSpPr>
+          <p:spPr>
+            <a:xfrm>
+              <a:off x="9362645" y="2570434"/>
+              <a:ext cx="494270" cy="461665"/>
+            </a:xfrm>
+            <a:prstGeom prst="ellipse">
+              <a:avLst/>
+            </a:prstGeom>
+            <a:solidFill>
+              <a:schemeClr val="accent1">
+                <a:lumMod val="20000"/>
+                <a:lumOff val="80000"/>
+              </a:schemeClr>
+            </a:solidFill>
+          </p:spPr>
+          <p:style>
+            <a:lnRef idx="2">
+              <a:schemeClr val="accent1">
+                <a:shade val="50000"/>
+              </a:schemeClr>
+            </a:lnRef>
+            <a:fillRef idx="1">
+              <a:schemeClr val="accent1"/>
+            </a:fillRef>
+            <a:effectRef idx="0">
+              <a:schemeClr val="accent1"/>
+            </a:effectRef>
+            <a:fontRef idx="minor">
+              <a:schemeClr val="lt1"/>
+            </a:fontRef>
+          </p:style>
+          <p:txBody>
+            <a:bodyPr rtlCol="0" anchor="ctr"/>
+            <a:lstStyle/>
+            <a:p>
+              <a:pPr algn="ctr"/>
+              <a:endParaRPr lang="en-US"/>
+            </a:p>
+          </p:txBody>
+        </p:sp>
+        <p:sp>
+          <p:nvSpPr>
+            <p:cNvPr id="37" name="Oval 36">
+              <a:extLst>
+                <a:ext uri="{FF2B5EF4-FFF2-40B4-BE49-F238E27FC236}">
+                  <a16:creationId xmlns:a16="http://schemas.microsoft.com/office/drawing/2014/main" id="{3440FBA9-5F3E-EC53-6B94-7624301FFF6E}"/>
+                </a:ext>
+              </a:extLst>
+            </p:cNvPr>
+            <p:cNvSpPr/>
+            <p:nvPr/>
+          </p:nvSpPr>
+          <p:spPr>
+            <a:xfrm>
+              <a:off x="7784756" y="2570434"/>
+              <a:ext cx="494270" cy="461665"/>
+            </a:xfrm>
+            <a:prstGeom prst="ellipse">
+              <a:avLst/>
+            </a:prstGeom>
+            <a:solidFill>
+              <a:schemeClr val="accent1">
+                <a:lumMod val="20000"/>
+                <a:lumOff val="80000"/>
+              </a:schemeClr>
+            </a:solidFill>
+          </p:spPr>
+          <p:style>
+            <a:lnRef idx="2">
+              <a:schemeClr val="accent1">
+                <a:shade val="50000"/>
+              </a:schemeClr>
+            </a:lnRef>
+            <a:fillRef idx="1">
+              <a:schemeClr val="accent1"/>
+            </a:fillRef>
+            <a:effectRef idx="0">
+              <a:schemeClr val="accent1"/>
+            </a:effectRef>
+            <a:fontRef idx="minor">
+              <a:schemeClr val="lt1"/>
+            </a:fontRef>
+          </p:style>
+          <p:txBody>
+            <a:bodyPr rtlCol="0" anchor="ctr"/>
+            <a:lstStyle/>
+            <a:p>
+              <a:pPr algn="ctr"/>
+              <a:endParaRPr lang="en-US"/>
+            </a:p>
+          </p:txBody>
+        </p:sp>
+        <p:sp>
+          <p:nvSpPr>
+            <p:cNvPr id="38" name="Oval 37">
+              <a:extLst>
+                <a:ext uri="{FF2B5EF4-FFF2-40B4-BE49-F238E27FC236}">
+                  <a16:creationId xmlns:a16="http://schemas.microsoft.com/office/drawing/2014/main" id="{95907441-9C2B-669D-8C68-62E3E13E2248}"/>
+                </a:ext>
+              </a:extLst>
+            </p:cNvPr>
+            <p:cNvSpPr/>
+            <p:nvPr/>
+          </p:nvSpPr>
+          <p:spPr>
+            <a:xfrm>
+              <a:off x="6796216" y="2570434"/>
+              <a:ext cx="494270" cy="461665"/>
+            </a:xfrm>
+            <a:prstGeom prst="ellipse">
+              <a:avLst/>
+            </a:prstGeom>
+            <a:solidFill>
+              <a:schemeClr val="accent1">
+                <a:lumMod val="20000"/>
+                <a:lumOff val="80000"/>
+              </a:schemeClr>
+            </a:solidFill>
+          </p:spPr>
+          <p:style>
+            <a:lnRef idx="2">
+              <a:schemeClr val="accent1">
+                <a:shade val="50000"/>
+              </a:schemeClr>
+            </a:lnRef>
+            <a:fillRef idx="1">
+              <a:schemeClr val="accent1"/>
+            </a:fillRef>
+            <a:effectRef idx="0">
+              <a:schemeClr val="accent1"/>
+            </a:effectRef>
+            <a:fontRef idx="minor">
+              <a:schemeClr val="lt1"/>
+            </a:fontRef>
+          </p:style>
+          <p:txBody>
+            <a:bodyPr rtlCol="0" anchor="ctr"/>
+            <a:lstStyle/>
+            <a:p>
+              <a:pPr algn="ctr"/>
+              <a:endParaRPr lang="en-US"/>
+            </a:p>
+          </p:txBody>
+        </p:sp>
+        <p:cxnSp>
+          <p:nvCxnSpPr>
+            <p:cNvPr id="40" name="Straight Arrow Connector 39">
+              <a:extLst>
+                <a:ext uri="{FF2B5EF4-FFF2-40B4-BE49-F238E27FC236}">
+                  <a16:creationId xmlns:a16="http://schemas.microsoft.com/office/drawing/2014/main" id="{130F139F-1770-4F35-97A0-6382BACD48C2}"/>
+                </a:ext>
+              </a:extLst>
+            </p:cNvPr>
+            <p:cNvCxnSpPr>
+              <a:stCxn id="32" idx="4"/>
+              <a:endCxn id="33" idx="0"/>
+            </p:cNvCxnSpPr>
+            <p:nvPr/>
+          </p:nvCxnSpPr>
+          <p:spPr>
+            <a:xfrm flipH="1">
+              <a:off x="7554097" y="1579834"/>
+              <a:ext cx="774357" cy="308571"/>
+            </a:xfrm>
+            <a:prstGeom prst="straightConnector1">
+              <a:avLst/>
+            </a:prstGeom>
+            <a:ln>
+              <a:tailEnd type="triangle"/>
+            </a:ln>
+          </p:spPr>
+          <p:style>
+            <a:lnRef idx="1">
+              <a:schemeClr val="accent1"/>
+            </a:lnRef>
+            <a:fillRef idx="0">
+              <a:schemeClr val="accent1"/>
+            </a:fillRef>
+            <a:effectRef idx="0">
+              <a:schemeClr val="accent1"/>
+            </a:effectRef>
+            <a:fontRef idx="minor">
+              <a:schemeClr val="tx1"/>
+            </a:fontRef>
+          </p:style>
+        </p:cxnSp>
+        <p:cxnSp>
+          <p:nvCxnSpPr>
+            <p:cNvPr id="41" name="Straight Arrow Connector 40">
+              <a:extLst>
+                <a:ext uri="{FF2B5EF4-FFF2-40B4-BE49-F238E27FC236}">
+                  <a16:creationId xmlns:a16="http://schemas.microsoft.com/office/drawing/2014/main" id="{8ED7AB3E-9779-50A9-0B6B-E302325A122D}"/>
+                </a:ext>
+              </a:extLst>
+            </p:cNvPr>
+            <p:cNvCxnSpPr>
+              <a:cxnSpLocks/>
+              <a:stCxn id="32" idx="4"/>
+              <a:endCxn id="34" idx="0"/>
+            </p:cNvCxnSpPr>
+            <p:nvPr/>
+          </p:nvCxnSpPr>
+          <p:spPr>
+            <a:xfrm>
+              <a:off x="8328454" y="1579834"/>
+              <a:ext cx="787056" cy="308571"/>
+            </a:xfrm>
+            <a:prstGeom prst="straightConnector1">
+              <a:avLst/>
+            </a:prstGeom>
+            <a:ln>
+              <a:tailEnd type="triangle"/>
+            </a:ln>
+          </p:spPr>
+          <p:style>
+            <a:lnRef idx="1">
+              <a:schemeClr val="accent1"/>
+            </a:lnRef>
+            <a:fillRef idx="0">
+              <a:schemeClr val="accent1"/>
+            </a:fillRef>
+            <a:effectRef idx="0">
+              <a:schemeClr val="accent1"/>
+            </a:effectRef>
+            <a:fontRef idx="minor">
+              <a:schemeClr val="tx1"/>
+            </a:fontRef>
+          </p:style>
+        </p:cxnSp>
+        <p:cxnSp>
+          <p:nvCxnSpPr>
+            <p:cNvPr id="42" name="Straight Arrow Connector 41">
+              <a:extLst>
+                <a:ext uri="{FF2B5EF4-FFF2-40B4-BE49-F238E27FC236}">
+                  <a16:creationId xmlns:a16="http://schemas.microsoft.com/office/drawing/2014/main" id="{45C7F8F9-5DB0-48F8-DDC5-BBA39EA58807}"/>
+                </a:ext>
+              </a:extLst>
+            </p:cNvPr>
+            <p:cNvCxnSpPr>
+              <a:cxnSpLocks/>
+              <a:stCxn id="33" idx="4"/>
+              <a:endCxn id="38" idx="0"/>
+            </p:cNvCxnSpPr>
+            <p:nvPr/>
+          </p:nvCxnSpPr>
+          <p:spPr>
+            <a:xfrm flipH="1">
+              <a:off x="7043351" y="2350070"/>
+              <a:ext cx="510746" cy="220364"/>
+            </a:xfrm>
+            <a:prstGeom prst="straightConnector1">
+              <a:avLst/>
+            </a:prstGeom>
+            <a:ln>
+              <a:tailEnd type="triangle"/>
+            </a:ln>
+          </p:spPr>
+          <p:style>
+            <a:lnRef idx="1">
+              <a:schemeClr val="accent1"/>
+            </a:lnRef>
+            <a:fillRef idx="0">
+              <a:schemeClr val="accent1"/>
+            </a:fillRef>
+            <a:effectRef idx="0">
+              <a:schemeClr val="accent1"/>
+            </a:effectRef>
+            <a:fontRef idx="minor">
+              <a:schemeClr val="tx1"/>
+            </a:fontRef>
+          </p:style>
+        </p:cxnSp>
+        <p:cxnSp>
+          <p:nvCxnSpPr>
+            <p:cNvPr id="43" name="Straight Arrow Connector 42">
+              <a:extLst>
+                <a:ext uri="{FF2B5EF4-FFF2-40B4-BE49-F238E27FC236}">
+                  <a16:creationId xmlns:a16="http://schemas.microsoft.com/office/drawing/2014/main" id="{EA66B06C-B707-C358-D6F3-F2D928B6B683}"/>
+                </a:ext>
+              </a:extLst>
+            </p:cNvPr>
+            <p:cNvCxnSpPr>
+              <a:cxnSpLocks/>
+              <a:stCxn id="33" idx="4"/>
+              <a:endCxn id="37" idx="0"/>
+            </p:cNvCxnSpPr>
+            <p:nvPr/>
+          </p:nvCxnSpPr>
+          <p:spPr>
+            <a:xfrm>
+              <a:off x="7554097" y="2350070"/>
+              <a:ext cx="477794" cy="220364"/>
+            </a:xfrm>
+            <a:prstGeom prst="straightConnector1">
+              <a:avLst/>
+            </a:prstGeom>
+            <a:ln>
+              <a:tailEnd type="triangle"/>
+            </a:ln>
+          </p:spPr>
+          <p:style>
+            <a:lnRef idx="1">
+              <a:schemeClr val="accent1"/>
+            </a:lnRef>
+            <a:fillRef idx="0">
+              <a:schemeClr val="accent1"/>
+            </a:fillRef>
+            <a:effectRef idx="0">
+              <a:schemeClr val="accent1"/>
+            </a:effectRef>
+            <a:fontRef idx="minor">
+              <a:schemeClr val="tx1"/>
+            </a:fontRef>
+          </p:style>
+        </p:cxnSp>
+        <p:cxnSp>
+          <p:nvCxnSpPr>
+            <p:cNvPr id="44" name="Straight Arrow Connector 43">
+              <a:extLst>
+                <a:ext uri="{FF2B5EF4-FFF2-40B4-BE49-F238E27FC236}">
+                  <a16:creationId xmlns:a16="http://schemas.microsoft.com/office/drawing/2014/main" id="{E199F423-120E-C3D3-2ECD-F66AA45E6C07}"/>
+                </a:ext>
+              </a:extLst>
+            </p:cNvPr>
+            <p:cNvCxnSpPr>
+              <a:cxnSpLocks/>
+              <a:stCxn id="34" idx="4"/>
+              <a:endCxn id="35" idx="0"/>
+            </p:cNvCxnSpPr>
+            <p:nvPr/>
+          </p:nvCxnSpPr>
+          <p:spPr>
+            <a:xfrm flipH="1">
+              <a:off x="8621240" y="2350070"/>
+              <a:ext cx="494270" cy="220364"/>
+            </a:xfrm>
+            <a:prstGeom prst="straightConnector1">
+              <a:avLst/>
+            </a:prstGeom>
+            <a:ln>
+              <a:tailEnd type="triangle"/>
+            </a:ln>
+          </p:spPr>
+          <p:style>
+            <a:lnRef idx="1">
+              <a:schemeClr val="accent1"/>
+            </a:lnRef>
+            <a:fillRef idx="0">
+              <a:schemeClr val="accent1"/>
+            </a:fillRef>
+            <a:effectRef idx="0">
+              <a:schemeClr val="accent1"/>
+            </a:effectRef>
+            <a:fontRef idx="minor">
+              <a:schemeClr val="tx1"/>
+            </a:fontRef>
+          </p:style>
+        </p:cxnSp>
+        <p:cxnSp>
+          <p:nvCxnSpPr>
+            <p:cNvPr id="53" name="Straight Arrow Connector 52">
+              <a:extLst>
+                <a:ext uri="{FF2B5EF4-FFF2-40B4-BE49-F238E27FC236}">
+                  <a16:creationId xmlns:a16="http://schemas.microsoft.com/office/drawing/2014/main" id="{98891525-2534-21BF-E8E5-E2BCD8519642}"/>
+                </a:ext>
+              </a:extLst>
+            </p:cNvPr>
+            <p:cNvCxnSpPr>
+              <a:cxnSpLocks/>
+              <a:stCxn id="34" idx="4"/>
+              <a:endCxn id="36" idx="0"/>
+            </p:cNvCxnSpPr>
+            <p:nvPr/>
+          </p:nvCxnSpPr>
+          <p:spPr>
+            <a:xfrm>
+              <a:off x="9115510" y="2350070"/>
+              <a:ext cx="494270" cy="220364"/>
+            </a:xfrm>
+            <a:prstGeom prst="straightConnector1">
+              <a:avLst/>
+            </a:prstGeom>
+            <a:ln>
+              <a:tailEnd type="triangle"/>
+            </a:ln>
+          </p:spPr>
+          <p:style>
+            <a:lnRef idx="1">
+              <a:schemeClr val="accent1"/>
+            </a:lnRef>
+            <a:fillRef idx="0">
+              <a:schemeClr val="accent1"/>
+            </a:fillRef>
+            <a:effectRef idx="0">
+              <a:schemeClr val="accent1"/>
+            </a:effectRef>
+            <a:fontRef idx="minor">
+              <a:schemeClr val="tx1"/>
+            </a:fontRef>
+          </p:style>
+        </p:cxnSp>
+      </p:grpSp>
+      <p:sp>
+        <p:nvSpPr>
+          <p:cNvPr id="58" name="Right Arrow 57">
+            <a:extLst>
+              <a:ext uri="{FF2B5EF4-FFF2-40B4-BE49-F238E27FC236}">
+                <a16:creationId xmlns:a16="http://schemas.microsoft.com/office/drawing/2014/main" id="{A6FDD24B-E1D4-70D4-102A-D65E2023D27D}"/>
+              </a:ext>
+            </a:extLst>
+          </p:cNvPr>
+          <p:cNvSpPr/>
+          <p:nvPr/>
+        </p:nvSpPr>
+        <p:spPr>
+          <a:xfrm>
+            <a:off x="6127269" y="2458066"/>
+            <a:ext cx="494270" cy="684658"/>
+          </a:xfrm>
+          <a:prstGeom prst="rightArrow">
+            <a:avLst>
+              <a:gd name="adj1" fmla="val 53609"/>
+              <a:gd name="adj2" fmla="val 50000"/>
+            </a:avLst>
+          </a:prstGeom>
+        </p:spPr>
+        <p:style>
+          <a:lnRef idx="2">
+            <a:schemeClr val="accent1">
+              <a:shade val="50000"/>
+            </a:schemeClr>
+          </a:lnRef>
+          <a:fillRef idx="1">
+            <a:schemeClr val="accent1"/>
+          </a:fillRef>
+          <a:effectRef idx="0">
+            <a:schemeClr val="accent1"/>
+          </a:effectRef>
+          <a:fontRef idx="minor">
+            <a:schemeClr val="lt1"/>
+          </a:fontRef>
+        </p:style>
+        <p:txBody>
+          <a:bodyPr rtlCol="0" anchor="ctr"/>
+          <a:lstStyle/>
+          <a:p>
+            <a:pPr algn="ctr"/>
+            <a:endParaRPr lang="en-US"/>
+          </a:p>
+        </p:txBody>
+      </p:sp>
+      <p:sp>
+        <p:nvSpPr>
+          <p:cNvPr id="119" name="TextBox 118">
+            <a:extLst>
+              <a:ext uri="{FF2B5EF4-FFF2-40B4-BE49-F238E27FC236}">
+                <a16:creationId xmlns:a16="http://schemas.microsoft.com/office/drawing/2014/main" id="{B4E0936D-DBDE-7B27-F073-82465FB83549}"/>
+              </a:ext>
+            </a:extLst>
+          </p:cNvPr>
+          <p:cNvSpPr txBox="1"/>
+          <p:nvPr/>
+        </p:nvSpPr>
+        <p:spPr>
+          <a:xfrm>
+            <a:off x="1094695" y="3678019"/>
+            <a:ext cx="4567276" cy="461665"/>
+          </a:xfrm>
+          <a:prstGeom prst="rect">
+            <a:avLst/>
+          </a:prstGeom>
+          <a:noFill/>
+        </p:spPr>
+        <p:txBody>
+          <a:bodyPr wrap="none" rtlCol="0">
+            <a:spAutoFit/>
+          </a:bodyPr>
+          <a:lstStyle/>
+          <a:p>
+            <a:r>
+              <a:rPr lang="en-US" sz="2400" dirty="0">
+                <a:latin typeface="Arial" panose="020B0604020202020204" pitchFamily="34" charset="0"/>
+                <a:cs typeface="Arial" panose="020B0604020202020204" pitchFamily="34" charset="0"/>
+              </a:rPr>
+              <a:t>Bag data and features randomly</a:t>
+            </a:r>
+          </a:p>
+        </p:txBody>
+      </p:sp>
+      <p:pic>
+        <p:nvPicPr>
+          <p:cNvPr id="121" name="Graphic 120" descr="Repeat with solid fill">
+            <a:extLst>
+              <a:ext uri="{FF2B5EF4-FFF2-40B4-BE49-F238E27FC236}">
+                <a16:creationId xmlns:a16="http://schemas.microsoft.com/office/drawing/2014/main" id="{2EC5C01A-D14B-E8E9-7DAA-EC6D1572F803}"/>
+              </a:ext>
+            </a:extLst>
+          </p:cNvPr>
+          <p:cNvPicPr>
+            <a:picLocks noChangeAspect="1"/>
+          </p:cNvPicPr>
+          <p:nvPr/>
+        </p:nvPicPr>
+        <p:blipFill>
+          <a:blip r:embed="rId2">
+            <a:extLst>
+              <a:ext uri="{96DAC541-7B7A-43D3-8B79-37D633B846F1}">
+                <asvg:svgBlip xmlns:asvg="http://schemas.microsoft.com/office/drawing/2016/SVG/main" r:embed="rId3"/>
+              </a:ext>
+            </a:extLst>
+          </a:blip>
+          <a:stretch>
+            <a:fillRect/>
+          </a:stretch>
+        </p:blipFill>
+        <p:spPr>
+          <a:xfrm>
+            <a:off x="8926385" y="1020026"/>
+            <a:ext cx="914400" cy="914400"/>
+          </a:xfrm>
+          <a:prstGeom prst="rect">
+            <a:avLst/>
+          </a:prstGeom>
+        </p:spPr>
+      </p:pic>
+      <p:sp>
+        <p:nvSpPr>
+          <p:cNvPr id="122" name="TextBox 121">
+            <a:extLst>
+              <a:ext uri="{FF2B5EF4-FFF2-40B4-BE49-F238E27FC236}">
+                <a16:creationId xmlns:a16="http://schemas.microsoft.com/office/drawing/2014/main" id="{D986DD60-1CC6-28A4-BB4B-C9B8EEE027C1}"/>
+              </a:ext>
+            </a:extLst>
+          </p:cNvPr>
+          <p:cNvSpPr txBox="1"/>
+          <p:nvPr/>
+        </p:nvSpPr>
+        <p:spPr>
+          <a:xfrm>
+            <a:off x="9745555" y="1049314"/>
+            <a:ext cx="2704977" cy="830997"/>
+          </a:xfrm>
+          <a:prstGeom prst="rect">
+            <a:avLst/>
+          </a:prstGeom>
+          <a:noFill/>
+        </p:spPr>
+        <p:txBody>
+          <a:bodyPr wrap="square" rtlCol="0">
+            <a:spAutoFit/>
+          </a:bodyPr>
+          <a:lstStyle/>
+          <a:p>
+            <a:r>
+              <a:rPr lang="en-US" sz="2400" dirty="0">
+                <a:latin typeface="Arial" panose="020B0604020202020204" pitchFamily="34" charset="0"/>
+                <a:cs typeface="Arial" panose="020B0604020202020204" pitchFamily="34" charset="0"/>
+              </a:rPr>
+              <a:t>Repeat to make more trees</a:t>
+            </a:r>
+          </a:p>
+        </p:txBody>
+      </p:sp>
+    </p:spTree>
+    <p:extLst>
+      <p:ext uri="{BB962C8B-B14F-4D97-AF65-F5344CB8AC3E}">
+        <p14:creationId xmlns:p14="http://schemas.microsoft.com/office/powerpoint/2010/main" val="1175711391"/>
       </p:ext>
     </p:extLst>
   </p:cSld>
